--- a/Slides/final_slides.pptx
+++ b/Slides/final_slides.pptx
@@ -5,16 +5,18 @@
     <p:sldMasterId id="2147483648" r:id="rId1"/>
   </p:sldMasterIdLst>
   <p:notesMasterIdLst>
-    <p:notesMasterId r:id="rId6"/>
+    <p:notesMasterId r:id="rId8"/>
   </p:notesMasterIdLst>
   <p:handoutMasterIdLst>
-    <p:handoutMasterId r:id="rId7"/>
+    <p:handoutMasterId r:id="rId9"/>
   </p:handoutMasterIdLst>
   <p:sldIdLst>
     <p:sldId id="256" r:id="rId2"/>
     <p:sldId id="257" r:id="rId3"/>
     <p:sldId id="258" r:id="rId4"/>
     <p:sldId id="261" r:id="rId5"/>
+    <p:sldId id="262" r:id="rId6"/>
+    <p:sldId id="263" r:id="rId7"/>
   </p:sldIdLst>
   <p:sldSz cx="12192000" cy="6858000"/>
   <p:notesSz cx="6858000" cy="9144000"/>
@@ -4056,8 +4058,10 @@
       </p:sp>
       <p:pic>
         <p:nvPicPr>
-          <p:cNvPr id="4" name="Picture 3" descr="Featured image"/>
-          <p:cNvPicPr/>
+          <p:cNvPr id="3074" name="Picture 2" descr="https://tribwgntv.files.wordpress.com/2017/01/twwet.png"/>
+          <p:cNvPicPr>
+            <a:picLocks noChangeAspect="1" noChangeArrowheads="1"/>
+          </p:cNvPicPr>
           <p:nvPr/>
         </p:nvPicPr>
         <p:blipFill>
@@ -4075,16 +4079,99 @@
         </p:blipFill>
         <p:spPr bwMode="auto">
           <a:xfrm>
-            <a:off x="2057400" y="1905000"/>
-            <a:ext cx="8001000" cy="4419600"/>
+            <a:off x="482498" y="1855410"/>
+            <a:ext cx="7975702" cy="4057650"/>
+          </a:xfrm>
+          <a:prstGeom prst="rect">
+            <a:avLst/>
+          </a:prstGeom>
+          <a:solidFill>
+            <a:schemeClr val="bg1"/>
+          </a:solidFill>
+        </p:spPr>
+      </p:pic>
+      <p:sp>
+        <p:nvSpPr>
+          <p:cNvPr id="3" name="TextBox 2"/>
+          <p:cNvSpPr txBox="1"/>
+          <p:nvPr/>
+        </p:nvSpPr>
+        <p:spPr>
+          <a:xfrm>
+            <a:off x="8458200" y="4343400"/>
+            <a:ext cx="3429000" cy="1569660"/>
           </a:xfrm>
           <a:prstGeom prst="rect">
             <a:avLst/>
           </a:prstGeom>
           <a:noFill/>
-          <a:ln>
-            <a:noFill/>
-          </a:ln>
+        </p:spPr>
+        <p:txBody>
+          <a:bodyPr wrap="square" rtlCol="0">
+            <a:spAutoFit/>
+          </a:bodyPr>
+          <a:lstStyle/>
+          <a:p>
+            <a:pPr marL="285750" indent="-285750">
+              <a:buFont typeface="Arial" panose="020B0604020202020204" pitchFamily="34" charset="0"/>
+              <a:buChar char="•"/>
+            </a:pPr>
+            <a:r>
+              <a:rPr lang="en-US" sz="3200" dirty="0"/>
+              <a:t>4,367 shooting victims in 2016</a:t>
+            </a:r>
+          </a:p>
+          <a:p>
+            <a:pPr marL="285750" indent="-285750">
+              <a:buFont typeface="Arial" panose="020B0604020202020204" pitchFamily="34" charset="0"/>
+              <a:buChar char="•"/>
+            </a:pPr>
+            <a:r>
+              <a:rPr lang="en-US" sz="3200" dirty="0"/>
+              <a:t>735 homicides</a:t>
+            </a:r>
+          </a:p>
+        </p:txBody>
+      </p:sp>
+      <p:pic>
+        <p:nvPicPr>
+          <p:cNvPr id="3076" name="Picture 4" descr="https://upload.wikimedia.org/wikipedia/en/thumb/e/e7/ChiRaqMoviePoster.png/220px-ChiRaqMoviePoster.png"/>
+          <p:cNvPicPr>
+            <a:picLocks noChangeAspect="1" noChangeArrowheads="1"/>
+          </p:cNvPicPr>
+          <p:nvPr/>
+        </p:nvPicPr>
+        <p:blipFill>
+          <a:blip r:embed="rId3">
+            <a:extLst>
+              <a:ext uri="{28A0092B-C50C-407E-A947-70E740481C1C}">
+                <a14:useLocalDpi xmlns:a14="http://schemas.microsoft.com/office/drawing/2010/main" val="0"/>
+              </a:ext>
+            </a:extLst>
+          </a:blip>
+          <a:srcRect/>
+          <a:stretch>
+            <a:fillRect/>
+          </a:stretch>
+        </p:blipFill>
+        <p:spPr bwMode="auto">
+          <a:xfrm>
+            <a:off x="8896350" y="365126"/>
+            <a:ext cx="2552700" cy="3782637"/>
+          </a:xfrm>
+          <a:prstGeom prst="rect">
+            <a:avLst/>
+          </a:prstGeom>
+          <a:noFill/>
+          <a:extLst>
+            <a:ext uri="{909E8E84-426E-40DD-AFC4-6F175D3DCCD1}">
+              <a14:hiddenFill xmlns:a14="http://schemas.microsoft.com/office/drawing/2010/main">
+                <a:solidFill>
+                  <a:srgbClr val="FFFFFF"/>
+                </a:solidFill>
+              </a14:hiddenFill>
+            </a:ext>
+          </a:extLst>
         </p:spPr>
       </p:pic>
     </p:spTree>
@@ -4239,7 +4326,7 @@
           <a:p>
             <a:r>
               <a:rPr lang="en-US" dirty="0"/>
-              <a:t>Add a Slide Title - 1</a:t>
+              <a:t>ARIMA Modeling</a:t>
             </a:r>
           </a:p>
         </p:txBody>
@@ -4267,6 +4354,200 @@
     <p:extLst>
       <p:ext uri="{BB962C8B-B14F-4D97-AF65-F5344CB8AC3E}">
         <p14:creationId xmlns:p14="http://schemas.microsoft.com/office/powerpoint/2010/main" val="1783796071"/>
+      </p:ext>
+    </p:extLst>
+  </p:cSld>
+  <p:clrMapOvr>
+    <a:masterClrMapping/>
+  </p:clrMapOvr>
+  <mc:AlternateContent xmlns:mc="http://schemas.openxmlformats.org/markup-compatibility/2006" xmlns:p14="http://schemas.microsoft.com/office/powerpoint/2010/main">
+    <mc:Choice Requires="p14">
+      <p:transition spd="med" p14:dur="700">
+        <p:fade/>
+      </p:transition>
+    </mc:Choice>
+    <mc:Fallback xmlns="">
+      <p:transition spd="med">
+        <p:fade/>
+      </p:transition>
+    </mc:Fallback>
+  </mc:AlternateContent>
+</p:sld>
+</file>
+
+<file path=ppt/slides/slide5.xml><?xml version="1.0" encoding="utf-8"?>
+<p:sld xmlns:a="http://schemas.openxmlformats.org/drawingml/2006/main" xmlns:r="http://schemas.openxmlformats.org/officeDocument/2006/relationships" xmlns:p="http://schemas.openxmlformats.org/presentationml/2006/main">
+  <p:cSld>
+    <p:spTree>
+      <p:nvGrpSpPr>
+        <p:cNvPr id="1" name=""/>
+        <p:cNvGrpSpPr/>
+        <p:nvPr/>
+      </p:nvGrpSpPr>
+      <p:grpSpPr>
+        <a:xfrm>
+          <a:off x="0" y="0"/>
+          <a:ext cx="0" cy="0"/>
+          <a:chOff x="0" y="0"/>
+          <a:chExt cx="0" cy="0"/>
+        </a:xfrm>
+      </p:grpSpPr>
+      <p:pic>
+        <p:nvPicPr>
+          <p:cNvPr id="1026" name="Picture 2" descr="https://upload.wikimedia.org/wikipedia/commons/thumb/2/24/Map_of_the_Community_Areas_and_%27Sides%27_of_the_City_of_Chicago.svg/350px-Map_of_the_Community_Areas_and_%27Sides%27_of_the_City_of_Chicago.svg.png"/>
+          <p:cNvPicPr>
+            <a:picLocks noChangeAspect="1" noChangeArrowheads="1"/>
+          </p:cNvPicPr>
+          <p:nvPr/>
+        </p:nvPicPr>
+        <p:blipFill>
+          <a:blip r:embed="rId2">
+            <a:extLst>
+              <a:ext uri="{28A0092B-C50C-407E-A947-70E740481C1C}">
+                <a14:useLocalDpi xmlns:a14="http://schemas.microsoft.com/office/drawing/2010/main" val="0"/>
+              </a:ext>
+            </a:extLst>
+          </a:blip>
+          <a:srcRect/>
+          <a:stretch>
+            <a:fillRect/>
+          </a:stretch>
+        </p:blipFill>
+        <p:spPr bwMode="auto">
+          <a:xfrm>
+            <a:off x="1295400" y="674424"/>
+            <a:ext cx="4343400" cy="5621601"/>
+          </a:xfrm>
+          <a:prstGeom prst="rect">
+            <a:avLst/>
+          </a:prstGeom>
+          <a:solidFill>
+            <a:schemeClr val="accent1"/>
+          </a:solidFill>
+        </p:spPr>
+      </p:pic>
+    </p:spTree>
+    <p:extLst>
+      <p:ext uri="{BB962C8B-B14F-4D97-AF65-F5344CB8AC3E}">
+        <p14:creationId xmlns:p14="http://schemas.microsoft.com/office/powerpoint/2010/main" val="1841336679"/>
+      </p:ext>
+    </p:extLst>
+  </p:cSld>
+  <p:clrMapOvr>
+    <a:masterClrMapping/>
+  </p:clrMapOvr>
+  <mc:AlternateContent xmlns:mc="http://schemas.openxmlformats.org/markup-compatibility/2006" xmlns:p14="http://schemas.microsoft.com/office/powerpoint/2010/main">
+    <mc:Choice Requires="p14">
+      <p:transition spd="med" p14:dur="700">
+        <p:fade/>
+      </p:transition>
+    </mc:Choice>
+    <mc:Fallback xmlns="">
+      <p:transition spd="med">
+        <p:fade/>
+      </p:transition>
+    </mc:Fallback>
+  </mc:AlternateContent>
+</p:sld>
+</file>
+
+<file path=ppt/slides/slide6.xml><?xml version="1.0" encoding="utf-8"?>
+<p:sld xmlns:a="http://schemas.openxmlformats.org/drawingml/2006/main" xmlns:r="http://schemas.openxmlformats.org/officeDocument/2006/relationships" xmlns:p="http://schemas.openxmlformats.org/presentationml/2006/main">
+  <p:cSld>
+    <p:spTree>
+      <p:nvGrpSpPr>
+        <p:cNvPr id="1" name=""/>
+        <p:cNvGrpSpPr/>
+        <p:nvPr/>
+      </p:nvGrpSpPr>
+      <p:grpSpPr>
+        <a:xfrm>
+          <a:off x="0" y="0"/>
+          <a:ext cx="0" cy="0"/>
+          <a:chOff x="0" y="0"/>
+          <a:chExt cx="0" cy="0"/>
+        </a:xfrm>
+      </p:grpSpPr>
+      <p:sp>
+        <p:nvSpPr>
+          <p:cNvPr id="2" name="Title 1"/>
+          <p:cNvSpPr>
+            <a:spLocks noGrp="1"/>
+          </p:cNvSpPr>
+          <p:nvPr>
+            <p:ph type="title"/>
+          </p:nvPr>
+        </p:nvSpPr>
+        <p:spPr>
+          <a:xfrm>
+            <a:off x="838200" y="365126"/>
+            <a:ext cx="10515600" cy="1145224"/>
+          </a:xfrm>
+        </p:spPr>
+        <p:txBody>
+          <a:bodyPr/>
+          <a:lstStyle/>
+          <a:p>
+            <a:r>
+              <a:rPr lang="en-US" dirty="0"/>
+              <a:t>Images</a:t>
+            </a:r>
+          </a:p>
+        </p:txBody>
+      </p:sp>
+      <p:sp>
+        <p:nvSpPr>
+          <p:cNvPr id="3" name="Content Placeholder 2"/>
+          <p:cNvSpPr>
+            <a:spLocks noGrp="1"/>
+          </p:cNvSpPr>
+          <p:nvPr>
+            <p:ph idx="1"/>
+          </p:nvPr>
+        </p:nvSpPr>
+        <p:spPr/>
+        <p:txBody>
+          <a:bodyPr/>
+          <a:lstStyle/>
+          <a:p>
+            <a:r>
+              <a:rPr lang="en-US" dirty="0"/>
+              <a:t>Trump – </a:t>
+            </a:r>
+            <a:r>
+              <a:rPr lang="en-US" dirty="0">
+                <a:hlinkClick r:id="rId2"/>
+              </a:rPr>
+              <a:t>https://tribwgntv.files.wordpress.com/2017/01/twwet.png</a:t>
+            </a:r>
+            <a:endParaRPr lang="en-US" dirty="0"/>
+          </a:p>
+          <a:p>
+            <a:r>
+              <a:rPr lang="en-US" dirty="0"/>
+              <a:t>Chi-</a:t>
+            </a:r>
+            <a:r>
+              <a:rPr lang="en-US" dirty="0" err="1"/>
+              <a:t>raq</a:t>
+            </a:r>
+            <a:r>
+              <a:rPr lang="en-US" dirty="0"/>
+              <a:t> https://upload.wikimedia.org/wikipedia/en/thumb/e/e7/ChiRaqMoviePoster.png/220px-ChiRaqMoviePoster.png</a:t>
+            </a:r>
+          </a:p>
+          <a:p>
+            <a:r>
+              <a:rPr lang="en-US" dirty="0"/>
+              <a:t>Communities - https://upload.wikimedia.org/wikipedia/commons/thumb/2/24/Map_of_the_Community_Areas_and_%27Sides%27_of_the_City_of_Chicago.svg/350px-Map_of_the_Community_Areas_and_%27Sides%27_of_the_City_of_Chicago.svg.png</a:t>
+            </a:r>
+          </a:p>
+        </p:txBody>
+      </p:sp>
+    </p:spTree>
+    <p:extLst>
+      <p:ext uri="{BB962C8B-B14F-4D97-AF65-F5344CB8AC3E}">
+        <p14:creationId xmlns:p14="http://schemas.microsoft.com/office/powerpoint/2010/main" val="986977783"/>
       </p:ext>
     </p:extLst>
   </p:cSld>

--- a/Slides/final_slides.pptx
+++ b/Slides/final_slides.pptx
@@ -3,20 +3,28 @@
 <p:presentation xmlns:a="http://schemas.openxmlformats.org/drawingml/2006/main" xmlns:r="http://schemas.openxmlformats.org/officeDocument/2006/relationships" xmlns:p="http://schemas.openxmlformats.org/presentationml/2006/main" saveSubsetFonts="1">
   <p:sldMasterIdLst>
     <p:sldMasterId id="2147483648" r:id="rId1"/>
+    <p:sldMasterId id="2147483660" r:id="rId2"/>
   </p:sldMasterIdLst>
   <p:notesMasterIdLst>
-    <p:notesMasterId r:id="rId8"/>
+    <p:notesMasterId r:id="rId16"/>
   </p:notesMasterIdLst>
   <p:handoutMasterIdLst>
-    <p:handoutMasterId r:id="rId9"/>
+    <p:handoutMasterId r:id="rId17"/>
   </p:handoutMasterIdLst>
   <p:sldIdLst>
-    <p:sldId id="256" r:id="rId2"/>
-    <p:sldId id="257" r:id="rId3"/>
-    <p:sldId id="258" r:id="rId4"/>
-    <p:sldId id="261" r:id="rId5"/>
-    <p:sldId id="262" r:id="rId6"/>
-    <p:sldId id="263" r:id="rId7"/>
+    <p:sldId id="256" r:id="rId3"/>
+    <p:sldId id="257" r:id="rId4"/>
+    <p:sldId id="258" r:id="rId5"/>
+    <p:sldId id="270" r:id="rId6"/>
+    <p:sldId id="261" r:id="rId7"/>
+    <p:sldId id="262" r:id="rId8"/>
+    <p:sldId id="263" r:id="rId9"/>
+    <p:sldId id="264" r:id="rId10"/>
+    <p:sldId id="265" r:id="rId11"/>
+    <p:sldId id="266" r:id="rId12"/>
+    <p:sldId id="267" r:id="rId13"/>
+    <p:sldId id="268" r:id="rId14"/>
+    <p:sldId id="269" r:id="rId15"/>
   </p:sldIdLst>
   <p:sldSz cx="12192000" cy="6858000"/>
   <p:notesSz cx="6858000" cy="9144000"/>
@@ -117,10 +125,10 @@
   </p:defaultTextStyle>
   <p:extLst>
     <p:ext uri="{EFAFB233-063F-42B5-8137-9DF3F51BA10A}">
-      <p15:sldGuideLst xmlns:p15="http://schemas.microsoft.com/office/powerpoint/2012/main"/>
+      <p15:sldGuideLst xmlns:p15="http://schemas.microsoft.com/office/powerpoint/2012/main" xmlns=""/>
     </p:ext>
     <p:ext uri="{2D200454-40CA-4A62-9FC3-DE9A4176ACB9}">
-      <p15:notesGuideLst xmlns:p15="http://schemas.microsoft.com/office/powerpoint/2012/main"/>
+      <p15:notesGuideLst xmlns:p15="http://schemas.microsoft.com/office/powerpoint/2012/main" xmlns=""/>
     </p:ext>
   </p:extLst>
 </p:presentation>
@@ -208,7 +216,7 @@
           <a:p>
             <a:fld id="{061C5132-FFA3-4B02-9F09-22FCF40EFA74}" type="datetimeFigureOut">
               <a:rPr lang="en-US" smtClean="0"/>
-              <a:t>4/27/2017</a:t>
+              <a:t>5/1/17</a:t>
             </a:fld>
             <a:endParaRPr lang="en-US"/>
           </a:p>
@@ -373,7 +381,7 @@
           <a:p>
             <a:fld id="{0B6E42C9-243F-4DC5-AFF6-9D56B5FA9D63}" type="datetimeFigureOut">
               <a:rPr lang="en-US" smtClean="0"/>
-              <a:t>4/27/2017</a:t>
+              <a:t>5/1/17</a:t>
             </a:fld>
             <a:endParaRPr lang="en-US"/>
           </a:p>
@@ -1061,7 +1069,7 @@
           <a:p>
             <a:fld id="{B0FE2824-C2A0-4931-BB32-60B24BDBB3CC}" type="datetimeFigureOut">
               <a:rPr lang="en-US" smtClean="0"/>
-              <a:t>4/27/2017</a:t>
+              <a:t>5/1/17</a:t>
             </a:fld>
             <a:endParaRPr lang="en-US"/>
           </a:p>
@@ -1256,7 +1264,7 @@
           <a:p>
             <a:fld id="{B0FE2824-C2A0-4931-BB32-60B24BDBB3CC}" type="datetimeFigureOut">
               <a:rPr lang="en-US" smtClean="0"/>
-              <a:t>4/27/2017</a:t>
+              <a:t>5/1/17</a:t>
             </a:fld>
             <a:endParaRPr lang="en-US"/>
           </a:p>
@@ -1310,6 +1318,2135 @@
 </p:sldLayout>
 </file>
 
+<file path=ppt/slideLayouts/slideLayout12.xml><?xml version="1.0" encoding="utf-8"?>
+<p:sldLayout xmlns:a="http://schemas.openxmlformats.org/drawingml/2006/main" xmlns:r="http://schemas.openxmlformats.org/officeDocument/2006/relationships" xmlns:p="http://schemas.openxmlformats.org/presentationml/2006/main" type="title" preserve="1">
+  <p:cSld name="Title Slide">
+    <p:spTree>
+      <p:nvGrpSpPr>
+        <p:cNvPr id="1" name=""/>
+        <p:cNvGrpSpPr/>
+        <p:nvPr/>
+      </p:nvGrpSpPr>
+      <p:grpSpPr>
+        <a:xfrm>
+          <a:off x="0" y="0"/>
+          <a:ext cx="0" cy="0"/>
+          <a:chOff x="0" y="0"/>
+          <a:chExt cx="0" cy="0"/>
+        </a:xfrm>
+      </p:grpSpPr>
+      <p:sp>
+        <p:nvSpPr>
+          <p:cNvPr id="2" name="Title 1"/>
+          <p:cNvSpPr>
+            <a:spLocks noGrp="1"/>
+          </p:cNvSpPr>
+          <p:nvPr>
+            <p:ph type="ctrTitle"/>
+          </p:nvPr>
+        </p:nvSpPr>
+        <p:spPr>
+          <a:xfrm>
+            <a:off x="914400" y="2130425"/>
+            <a:ext cx="10363200" cy="1470025"/>
+          </a:xfrm>
+          <a:prstGeom prst="rect">
+            <a:avLst/>
+          </a:prstGeom>
+        </p:spPr>
+        <p:txBody>
+          <a:bodyPr/>
+          <a:lstStyle/>
+          <a:p>
+            <a:r>
+              <a:rPr lang="en-US" smtClean="0"/>
+              <a:t>Click to edit Master title style</a:t>
+            </a:r>
+            <a:endParaRPr lang="en-US"/>
+          </a:p>
+        </p:txBody>
+      </p:sp>
+      <p:sp>
+        <p:nvSpPr>
+          <p:cNvPr id="3" name="Subtitle 2"/>
+          <p:cNvSpPr>
+            <a:spLocks noGrp="1"/>
+          </p:cNvSpPr>
+          <p:nvPr>
+            <p:ph type="subTitle" idx="1"/>
+          </p:nvPr>
+        </p:nvSpPr>
+        <p:spPr>
+          <a:xfrm>
+            <a:off x="1828800" y="3886200"/>
+            <a:ext cx="8534400" cy="1752600"/>
+          </a:xfrm>
+          <a:prstGeom prst="rect">
+            <a:avLst/>
+          </a:prstGeom>
+        </p:spPr>
+        <p:txBody>
+          <a:bodyPr/>
+          <a:lstStyle>
+            <a:lvl1pPr marL="0" indent="0" algn="ctr">
+              <a:buNone/>
+              <a:defRPr>
+                <a:solidFill>
+                  <a:schemeClr val="tx1">
+                    <a:tint val="75000"/>
+                  </a:schemeClr>
+                </a:solidFill>
+              </a:defRPr>
+            </a:lvl1pPr>
+            <a:lvl2pPr marL="457200" indent="0" algn="ctr">
+              <a:buNone/>
+              <a:defRPr>
+                <a:solidFill>
+                  <a:schemeClr val="tx1">
+                    <a:tint val="75000"/>
+                  </a:schemeClr>
+                </a:solidFill>
+              </a:defRPr>
+            </a:lvl2pPr>
+            <a:lvl3pPr marL="914400" indent="0" algn="ctr">
+              <a:buNone/>
+              <a:defRPr>
+                <a:solidFill>
+                  <a:schemeClr val="tx1">
+                    <a:tint val="75000"/>
+                  </a:schemeClr>
+                </a:solidFill>
+              </a:defRPr>
+            </a:lvl3pPr>
+            <a:lvl4pPr marL="1371600" indent="0" algn="ctr">
+              <a:buNone/>
+              <a:defRPr>
+                <a:solidFill>
+                  <a:schemeClr val="tx1">
+                    <a:tint val="75000"/>
+                  </a:schemeClr>
+                </a:solidFill>
+              </a:defRPr>
+            </a:lvl4pPr>
+            <a:lvl5pPr marL="1828800" indent="0" algn="ctr">
+              <a:buNone/>
+              <a:defRPr>
+                <a:solidFill>
+                  <a:schemeClr val="tx1">
+                    <a:tint val="75000"/>
+                  </a:schemeClr>
+                </a:solidFill>
+              </a:defRPr>
+            </a:lvl5pPr>
+            <a:lvl6pPr marL="2286000" indent="0" algn="ctr">
+              <a:buNone/>
+              <a:defRPr>
+                <a:solidFill>
+                  <a:schemeClr val="tx1">
+                    <a:tint val="75000"/>
+                  </a:schemeClr>
+                </a:solidFill>
+              </a:defRPr>
+            </a:lvl6pPr>
+            <a:lvl7pPr marL="2743200" indent="0" algn="ctr">
+              <a:buNone/>
+              <a:defRPr>
+                <a:solidFill>
+                  <a:schemeClr val="tx1">
+                    <a:tint val="75000"/>
+                  </a:schemeClr>
+                </a:solidFill>
+              </a:defRPr>
+            </a:lvl7pPr>
+            <a:lvl8pPr marL="3200400" indent="0" algn="ctr">
+              <a:buNone/>
+              <a:defRPr>
+                <a:solidFill>
+                  <a:schemeClr val="tx1">
+                    <a:tint val="75000"/>
+                  </a:schemeClr>
+                </a:solidFill>
+              </a:defRPr>
+            </a:lvl8pPr>
+            <a:lvl9pPr marL="3657600" indent="0" algn="ctr">
+              <a:buNone/>
+              <a:defRPr>
+                <a:solidFill>
+                  <a:schemeClr val="tx1">
+                    <a:tint val="75000"/>
+                  </a:schemeClr>
+                </a:solidFill>
+              </a:defRPr>
+            </a:lvl9pPr>
+          </a:lstStyle>
+          <a:p>
+            <a:r>
+              <a:rPr lang="en-US" smtClean="0"/>
+              <a:t>Click to edit Master subtitle style</a:t>
+            </a:r>
+            <a:endParaRPr lang="en-US"/>
+          </a:p>
+        </p:txBody>
+      </p:sp>
+      <p:sp>
+        <p:nvSpPr>
+          <p:cNvPr id="4" name="Date Placeholder 3"/>
+          <p:cNvSpPr>
+            <a:spLocks noGrp="1"/>
+          </p:cNvSpPr>
+          <p:nvPr>
+            <p:ph type="dt" sz="half" idx="10"/>
+          </p:nvPr>
+        </p:nvSpPr>
+        <p:spPr>
+          <a:xfrm>
+            <a:off x="609600" y="6356350"/>
+            <a:ext cx="2844800" cy="365125"/>
+          </a:xfrm>
+          <a:prstGeom prst="rect">
+            <a:avLst/>
+          </a:prstGeom>
+        </p:spPr>
+        <p:txBody>
+          <a:bodyPr/>
+          <a:lstStyle/>
+          <a:p>
+            <a:fld id="{B4AAAF38-FA28-AC45-9E1F-E60DE1B3F365}" type="datetimeFigureOut">
+              <a:rPr lang="en-US" smtClean="0"/>
+              <a:t>5/1/17</a:t>
+            </a:fld>
+            <a:endParaRPr lang="en-US"/>
+          </a:p>
+        </p:txBody>
+      </p:sp>
+      <p:sp>
+        <p:nvSpPr>
+          <p:cNvPr id="5" name="Footer Placeholder 4"/>
+          <p:cNvSpPr>
+            <a:spLocks noGrp="1"/>
+          </p:cNvSpPr>
+          <p:nvPr>
+            <p:ph type="ftr" sz="quarter" idx="11"/>
+          </p:nvPr>
+        </p:nvSpPr>
+        <p:spPr>
+          <a:xfrm>
+            <a:off x="4165600" y="6356350"/>
+            <a:ext cx="3860800" cy="365125"/>
+          </a:xfrm>
+          <a:prstGeom prst="rect">
+            <a:avLst/>
+          </a:prstGeom>
+        </p:spPr>
+        <p:txBody>
+          <a:bodyPr/>
+          <a:lstStyle/>
+          <a:p>
+            <a:endParaRPr lang="en-US"/>
+          </a:p>
+        </p:txBody>
+      </p:sp>
+      <p:sp>
+        <p:nvSpPr>
+          <p:cNvPr id="6" name="Slide Number Placeholder 5"/>
+          <p:cNvSpPr>
+            <a:spLocks noGrp="1"/>
+          </p:cNvSpPr>
+          <p:nvPr>
+            <p:ph type="sldNum" sz="quarter" idx="12"/>
+          </p:nvPr>
+        </p:nvSpPr>
+        <p:spPr>
+          <a:xfrm>
+            <a:off x="8737600" y="6356350"/>
+            <a:ext cx="2844800" cy="365125"/>
+          </a:xfrm>
+          <a:prstGeom prst="rect">
+            <a:avLst/>
+          </a:prstGeom>
+        </p:spPr>
+        <p:txBody>
+          <a:bodyPr/>
+          <a:lstStyle/>
+          <a:p>
+            <a:fld id="{B2EE9D41-9F58-C447-9F4B-4C1E41772CF9}" type="slidenum">
+              <a:rPr lang="en-US" smtClean="0"/>
+              <a:t>‹#›</a:t>
+            </a:fld>
+            <a:endParaRPr lang="en-US"/>
+          </a:p>
+        </p:txBody>
+      </p:sp>
+    </p:spTree>
+    <p:extLst>
+      <p:ext uri="{BB962C8B-B14F-4D97-AF65-F5344CB8AC3E}">
+        <p14:creationId xmlns:p14="http://schemas.microsoft.com/office/powerpoint/2010/main" val="4143714848"/>
+      </p:ext>
+    </p:extLst>
+  </p:cSld>
+  <p:clrMapOvr>
+    <a:masterClrMapping/>
+  </p:clrMapOvr>
+</p:sldLayout>
+</file>
+
+<file path=ppt/slideLayouts/slideLayout13.xml><?xml version="1.0" encoding="utf-8"?>
+<p:sldLayout xmlns:a="http://schemas.openxmlformats.org/drawingml/2006/main" xmlns:r="http://schemas.openxmlformats.org/officeDocument/2006/relationships" xmlns:p="http://schemas.openxmlformats.org/presentationml/2006/main" type="obj" preserve="1">
+  <p:cSld name="Title and Content">
+    <p:spTree>
+      <p:nvGrpSpPr>
+        <p:cNvPr id="1" name=""/>
+        <p:cNvGrpSpPr/>
+        <p:nvPr/>
+      </p:nvGrpSpPr>
+      <p:grpSpPr>
+        <a:xfrm>
+          <a:off x="0" y="0"/>
+          <a:ext cx="0" cy="0"/>
+          <a:chOff x="0" y="0"/>
+          <a:chExt cx="0" cy="0"/>
+        </a:xfrm>
+      </p:grpSpPr>
+      <p:sp>
+        <p:nvSpPr>
+          <p:cNvPr id="2" name="Title 1"/>
+          <p:cNvSpPr>
+            <a:spLocks noGrp="1"/>
+          </p:cNvSpPr>
+          <p:nvPr>
+            <p:ph type="title"/>
+          </p:nvPr>
+        </p:nvSpPr>
+        <p:spPr>
+          <a:xfrm>
+            <a:off x="609600" y="274638"/>
+            <a:ext cx="10972800" cy="1143000"/>
+          </a:xfrm>
+          <a:prstGeom prst="rect">
+            <a:avLst/>
+          </a:prstGeom>
+        </p:spPr>
+        <p:txBody>
+          <a:bodyPr/>
+          <a:lstStyle/>
+          <a:p>
+            <a:r>
+              <a:rPr lang="en-US" smtClean="0"/>
+              <a:t>Click to edit Master title style</a:t>
+            </a:r>
+            <a:endParaRPr lang="en-US"/>
+          </a:p>
+        </p:txBody>
+      </p:sp>
+      <p:sp>
+        <p:nvSpPr>
+          <p:cNvPr id="3" name="Content Placeholder 2"/>
+          <p:cNvSpPr>
+            <a:spLocks noGrp="1"/>
+          </p:cNvSpPr>
+          <p:nvPr>
+            <p:ph idx="1"/>
+          </p:nvPr>
+        </p:nvSpPr>
+        <p:spPr>
+          <a:xfrm>
+            <a:off x="609600" y="1600200"/>
+            <a:ext cx="10972800" cy="4525963"/>
+          </a:xfrm>
+          <a:prstGeom prst="rect">
+            <a:avLst/>
+          </a:prstGeom>
+        </p:spPr>
+        <p:txBody>
+          <a:bodyPr/>
+          <a:lstStyle/>
+          <a:p>
+            <a:pPr lvl="0"/>
+            <a:r>
+              <a:rPr lang="en-US" smtClean="0"/>
+              <a:t>Click to edit Master text styles</a:t>
+            </a:r>
+          </a:p>
+          <a:p>
+            <a:pPr lvl="1"/>
+            <a:r>
+              <a:rPr lang="en-US" smtClean="0"/>
+              <a:t>Second level</a:t>
+            </a:r>
+          </a:p>
+          <a:p>
+            <a:pPr lvl="2"/>
+            <a:r>
+              <a:rPr lang="en-US" smtClean="0"/>
+              <a:t>Third level</a:t>
+            </a:r>
+          </a:p>
+          <a:p>
+            <a:pPr lvl="3"/>
+            <a:r>
+              <a:rPr lang="en-US" smtClean="0"/>
+              <a:t>Fourth level</a:t>
+            </a:r>
+          </a:p>
+          <a:p>
+            <a:pPr lvl="4"/>
+            <a:r>
+              <a:rPr lang="en-US" smtClean="0"/>
+              <a:t>Fifth level</a:t>
+            </a:r>
+            <a:endParaRPr lang="en-US"/>
+          </a:p>
+        </p:txBody>
+      </p:sp>
+      <p:sp>
+        <p:nvSpPr>
+          <p:cNvPr id="4" name="Date Placeholder 3"/>
+          <p:cNvSpPr>
+            <a:spLocks noGrp="1"/>
+          </p:cNvSpPr>
+          <p:nvPr>
+            <p:ph type="dt" sz="half" idx="10"/>
+          </p:nvPr>
+        </p:nvSpPr>
+        <p:spPr>
+          <a:xfrm>
+            <a:off x="609600" y="6356350"/>
+            <a:ext cx="2844800" cy="365125"/>
+          </a:xfrm>
+          <a:prstGeom prst="rect">
+            <a:avLst/>
+          </a:prstGeom>
+        </p:spPr>
+        <p:txBody>
+          <a:bodyPr/>
+          <a:lstStyle/>
+          <a:p>
+            <a:fld id="{B4AAAF38-FA28-AC45-9E1F-E60DE1B3F365}" type="datetimeFigureOut">
+              <a:rPr lang="en-US" smtClean="0"/>
+              <a:t>5/1/17</a:t>
+            </a:fld>
+            <a:endParaRPr lang="en-US"/>
+          </a:p>
+        </p:txBody>
+      </p:sp>
+      <p:sp>
+        <p:nvSpPr>
+          <p:cNvPr id="5" name="Footer Placeholder 4"/>
+          <p:cNvSpPr>
+            <a:spLocks noGrp="1"/>
+          </p:cNvSpPr>
+          <p:nvPr>
+            <p:ph type="ftr" sz="quarter" idx="11"/>
+          </p:nvPr>
+        </p:nvSpPr>
+        <p:spPr>
+          <a:xfrm>
+            <a:off x="4165600" y="6356350"/>
+            <a:ext cx="3860800" cy="365125"/>
+          </a:xfrm>
+          <a:prstGeom prst="rect">
+            <a:avLst/>
+          </a:prstGeom>
+        </p:spPr>
+        <p:txBody>
+          <a:bodyPr/>
+          <a:lstStyle/>
+          <a:p>
+            <a:endParaRPr lang="en-US"/>
+          </a:p>
+        </p:txBody>
+      </p:sp>
+      <p:sp>
+        <p:nvSpPr>
+          <p:cNvPr id="6" name="Slide Number Placeholder 5"/>
+          <p:cNvSpPr>
+            <a:spLocks noGrp="1"/>
+          </p:cNvSpPr>
+          <p:nvPr>
+            <p:ph type="sldNum" sz="quarter" idx="12"/>
+          </p:nvPr>
+        </p:nvSpPr>
+        <p:spPr>
+          <a:xfrm>
+            <a:off x="8737600" y="6356350"/>
+            <a:ext cx="2844800" cy="365125"/>
+          </a:xfrm>
+          <a:prstGeom prst="rect">
+            <a:avLst/>
+          </a:prstGeom>
+        </p:spPr>
+        <p:txBody>
+          <a:bodyPr/>
+          <a:lstStyle/>
+          <a:p>
+            <a:fld id="{B2EE9D41-9F58-C447-9F4B-4C1E41772CF9}" type="slidenum">
+              <a:rPr lang="en-US" smtClean="0"/>
+              <a:t>‹#›</a:t>
+            </a:fld>
+            <a:endParaRPr lang="en-US"/>
+          </a:p>
+        </p:txBody>
+      </p:sp>
+    </p:spTree>
+    <p:extLst>
+      <p:ext uri="{BB962C8B-B14F-4D97-AF65-F5344CB8AC3E}">
+        <p14:creationId xmlns:p14="http://schemas.microsoft.com/office/powerpoint/2010/main" val="105489549"/>
+      </p:ext>
+    </p:extLst>
+  </p:cSld>
+  <p:clrMapOvr>
+    <a:masterClrMapping/>
+  </p:clrMapOvr>
+</p:sldLayout>
+</file>
+
+<file path=ppt/slideLayouts/slideLayout14.xml><?xml version="1.0" encoding="utf-8"?>
+<p:sldLayout xmlns:a="http://schemas.openxmlformats.org/drawingml/2006/main" xmlns:r="http://schemas.openxmlformats.org/officeDocument/2006/relationships" xmlns:p="http://schemas.openxmlformats.org/presentationml/2006/main" type="secHead" preserve="1">
+  <p:cSld name="Section Header">
+    <p:spTree>
+      <p:nvGrpSpPr>
+        <p:cNvPr id="1" name=""/>
+        <p:cNvGrpSpPr/>
+        <p:nvPr/>
+      </p:nvGrpSpPr>
+      <p:grpSpPr>
+        <a:xfrm>
+          <a:off x="0" y="0"/>
+          <a:ext cx="0" cy="0"/>
+          <a:chOff x="0" y="0"/>
+          <a:chExt cx="0" cy="0"/>
+        </a:xfrm>
+      </p:grpSpPr>
+      <p:sp>
+        <p:nvSpPr>
+          <p:cNvPr id="2" name="Title 1"/>
+          <p:cNvSpPr>
+            <a:spLocks noGrp="1"/>
+          </p:cNvSpPr>
+          <p:nvPr>
+            <p:ph type="title"/>
+          </p:nvPr>
+        </p:nvSpPr>
+        <p:spPr>
+          <a:xfrm>
+            <a:off x="963613" y="4406900"/>
+            <a:ext cx="10363200" cy="1362075"/>
+          </a:xfrm>
+          <a:prstGeom prst="rect">
+            <a:avLst/>
+          </a:prstGeom>
+        </p:spPr>
+        <p:txBody>
+          <a:bodyPr anchor="t"/>
+          <a:lstStyle>
+            <a:lvl1pPr algn="l">
+              <a:defRPr sz="4000" b="1" cap="all"/>
+            </a:lvl1pPr>
+          </a:lstStyle>
+          <a:p>
+            <a:r>
+              <a:rPr lang="en-US" smtClean="0"/>
+              <a:t>Click to edit Master title style</a:t>
+            </a:r>
+            <a:endParaRPr lang="en-US"/>
+          </a:p>
+        </p:txBody>
+      </p:sp>
+      <p:sp>
+        <p:nvSpPr>
+          <p:cNvPr id="3" name="Text Placeholder 2"/>
+          <p:cNvSpPr>
+            <a:spLocks noGrp="1"/>
+          </p:cNvSpPr>
+          <p:nvPr>
+            <p:ph type="body" idx="1"/>
+          </p:nvPr>
+        </p:nvSpPr>
+        <p:spPr>
+          <a:xfrm>
+            <a:off x="963613" y="2906713"/>
+            <a:ext cx="10363200" cy="1500187"/>
+          </a:xfrm>
+          <a:prstGeom prst="rect">
+            <a:avLst/>
+          </a:prstGeom>
+        </p:spPr>
+        <p:txBody>
+          <a:bodyPr anchor="b"/>
+          <a:lstStyle>
+            <a:lvl1pPr marL="0" indent="0">
+              <a:buNone/>
+              <a:defRPr sz="2000">
+                <a:solidFill>
+                  <a:schemeClr val="tx1">
+                    <a:tint val="75000"/>
+                  </a:schemeClr>
+                </a:solidFill>
+              </a:defRPr>
+            </a:lvl1pPr>
+            <a:lvl2pPr marL="457200" indent="0">
+              <a:buNone/>
+              <a:defRPr sz="1800">
+                <a:solidFill>
+                  <a:schemeClr val="tx1">
+                    <a:tint val="75000"/>
+                  </a:schemeClr>
+                </a:solidFill>
+              </a:defRPr>
+            </a:lvl2pPr>
+            <a:lvl3pPr marL="914400" indent="0">
+              <a:buNone/>
+              <a:defRPr sz="1600">
+                <a:solidFill>
+                  <a:schemeClr val="tx1">
+                    <a:tint val="75000"/>
+                  </a:schemeClr>
+                </a:solidFill>
+              </a:defRPr>
+            </a:lvl3pPr>
+            <a:lvl4pPr marL="1371600" indent="0">
+              <a:buNone/>
+              <a:defRPr sz="1400">
+                <a:solidFill>
+                  <a:schemeClr val="tx1">
+                    <a:tint val="75000"/>
+                  </a:schemeClr>
+                </a:solidFill>
+              </a:defRPr>
+            </a:lvl4pPr>
+            <a:lvl5pPr marL="1828800" indent="0">
+              <a:buNone/>
+              <a:defRPr sz="1400">
+                <a:solidFill>
+                  <a:schemeClr val="tx1">
+                    <a:tint val="75000"/>
+                  </a:schemeClr>
+                </a:solidFill>
+              </a:defRPr>
+            </a:lvl5pPr>
+            <a:lvl6pPr marL="2286000" indent="0">
+              <a:buNone/>
+              <a:defRPr sz="1400">
+                <a:solidFill>
+                  <a:schemeClr val="tx1">
+                    <a:tint val="75000"/>
+                  </a:schemeClr>
+                </a:solidFill>
+              </a:defRPr>
+            </a:lvl6pPr>
+            <a:lvl7pPr marL="2743200" indent="0">
+              <a:buNone/>
+              <a:defRPr sz="1400">
+                <a:solidFill>
+                  <a:schemeClr val="tx1">
+                    <a:tint val="75000"/>
+                  </a:schemeClr>
+                </a:solidFill>
+              </a:defRPr>
+            </a:lvl7pPr>
+            <a:lvl8pPr marL="3200400" indent="0">
+              <a:buNone/>
+              <a:defRPr sz="1400">
+                <a:solidFill>
+                  <a:schemeClr val="tx1">
+                    <a:tint val="75000"/>
+                  </a:schemeClr>
+                </a:solidFill>
+              </a:defRPr>
+            </a:lvl8pPr>
+            <a:lvl9pPr marL="3657600" indent="0">
+              <a:buNone/>
+              <a:defRPr sz="1400">
+                <a:solidFill>
+                  <a:schemeClr val="tx1">
+                    <a:tint val="75000"/>
+                  </a:schemeClr>
+                </a:solidFill>
+              </a:defRPr>
+            </a:lvl9pPr>
+          </a:lstStyle>
+          <a:p>
+            <a:pPr lvl="0"/>
+            <a:r>
+              <a:rPr lang="en-US" smtClean="0"/>
+              <a:t>Click to edit Master text styles</a:t>
+            </a:r>
+          </a:p>
+        </p:txBody>
+      </p:sp>
+      <p:sp>
+        <p:nvSpPr>
+          <p:cNvPr id="4" name="Date Placeholder 3"/>
+          <p:cNvSpPr>
+            <a:spLocks noGrp="1"/>
+          </p:cNvSpPr>
+          <p:nvPr>
+            <p:ph type="dt" sz="half" idx="10"/>
+          </p:nvPr>
+        </p:nvSpPr>
+        <p:spPr>
+          <a:xfrm>
+            <a:off x="609600" y="6356350"/>
+            <a:ext cx="2844800" cy="365125"/>
+          </a:xfrm>
+          <a:prstGeom prst="rect">
+            <a:avLst/>
+          </a:prstGeom>
+        </p:spPr>
+        <p:txBody>
+          <a:bodyPr/>
+          <a:lstStyle/>
+          <a:p>
+            <a:fld id="{B4AAAF38-FA28-AC45-9E1F-E60DE1B3F365}" type="datetimeFigureOut">
+              <a:rPr lang="en-US" smtClean="0"/>
+              <a:t>5/1/17</a:t>
+            </a:fld>
+            <a:endParaRPr lang="en-US"/>
+          </a:p>
+        </p:txBody>
+      </p:sp>
+      <p:sp>
+        <p:nvSpPr>
+          <p:cNvPr id="5" name="Footer Placeholder 4"/>
+          <p:cNvSpPr>
+            <a:spLocks noGrp="1"/>
+          </p:cNvSpPr>
+          <p:nvPr>
+            <p:ph type="ftr" sz="quarter" idx="11"/>
+          </p:nvPr>
+        </p:nvSpPr>
+        <p:spPr>
+          <a:xfrm>
+            <a:off x="4165600" y="6356350"/>
+            <a:ext cx="3860800" cy="365125"/>
+          </a:xfrm>
+          <a:prstGeom prst="rect">
+            <a:avLst/>
+          </a:prstGeom>
+        </p:spPr>
+        <p:txBody>
+          <a:bodyPr/>
+          <a:lstStyle/>
+          <a:p>
+            <a:endParaRPr lang="en-US"/>
+          </a:p>
+        </p:txBody>
+      </p:sp>
+      <p:sp>
+        <p:nvSpPr>
+          <p:cNvPr id="6" name="Slide Number Placeholder 5"/>
+          <p:cNvSpPr>
+            <a:spLocks noGrp="1"/>
+          </p:cNvSpPr>
+          <p:nvPr>
+            <p:ph type="sldNum" sz="quarter" idx="12"/>
+          </p:nvPr>
+        </p:nvSpPr>
+        <p:spPr>
+          <a:xfrm>
+            <a:off x="8737600" y="6356350"/>
+            <a:ext cx="2844800" cy="365125"/>
+          </a:xfrm>
+          <a:prstGeom prst="rect">
+            <a:avLst/>
+          </a:prstGeom>
+        </p:spPr>
+        <p:txBody>
+          <a:bodyPr/>
+          <a:lstStyle/>
+          <a:p>
+            <a:fld id="{B2EE9D41-9F58-C447-9F4B-4C1E41772CF9}" type="slidenum">
+              <a:rPr lang="en-US" smtClean="0"/>
+              <a:t>‹#›</a:t>
+            </a:fld>
+            <a:endParaRPr lang="en-US"/>
+          </a:p>
+        </p:txBody>
+      </p:sp>
+    </p:spTree>
+    <p:extLst>
+      <p:ext uri="{BB962C8B-B14F-4D97-AF65-F5344CB8AC3E}">
+        <p14:creationId xmlns:p14="http://schemas.microsoft.com/office/powerpoint/2010/main" val="2884094912"/>
+      </p:ext>
+    </p:extLst>
+  </p:cSld>
+  <p:clrMapOvr>
+    <a:masterClrMapping/>
+  </p:clrMapOvr>
+</p:sldLayout>
+</file>
+
+<file path=ppt/slideLayouts/slideLayout15.xml><?xml version="1.0" encoding="utf-8"?>
+<p:sldLayout xmlns:a="http://schemas.openxmlformats.org/drawingml/2006/main" xmlns:r="http://schemas.openxmlformats.org/officeDocument/2006/relationships" xmlns:p="http://schemas.openxmlformats.org/presentationml/2006/main" type="twoObj" preserve="1">
+  <p:cSld name="Two Content">
+    <p:spTree>
+      <p:nvGrpSpPr>
+        <p:cNvPr id="1" name=""/>
+        <p:cNvGrpSpPr/>
+        <p:nvPr/>
+      </p:nvGrpSpPr>
+      <p:grpSpPr>
+        <a:xfrm>
+          <a:off x="0" y="0"/>
+          <a:ext cx="0" cy="0"/>
+          <a:chOff x="0" y="0"/>
+          <a:chExt cx="0" cy="0"/>
+        </a:xfrm>
+      </p:grpSpPr>
+      <p:sp>
+        <p:nvSpPr>
+          <p:cNvPr id="2" name="Title 1"/>
+          <p:cNvSpPr>
+            <a:spLocks noGrp="1"/>
+          </p:cNvSpPr>
+          <p:nvPr>
+            <p:ph type="title"/>
+          </p:nvPr>
+        </p:nvSpPr>
+        <p:spPr>
+          <a:xfrm>
+            <a:off x="609600" y="274638"/>
+            <a:ext cx="10972800" cy="1143000"/>
+          </a:xfrm>
+          <a:prstGeom prst="rect">
+            <a:avLst/>
+          </a:prstGeom>
+        </p:spPr>
+        <p:txBody>
+          <a:bodyPr/>
+          <a:lstStyle/>
+          <a:p>
+            <a:r>
+              <a:rPr lang="en-US" smtClean="0"/>
+              <a:t>Click to edit Master title style</a:t>
+            </a:r>
+            <a:endParaRPr lang="en-US"/>
+          </a:p>
+        </p:txBody>
+      </p:sp>
+      <p:sp>
+        <p:nvSpPr>
+          <p:cNvPr id="3" name="Content Placeholder 2"/>
+          <p:cNvSpPr>
+            <a:spLocks noGrp="1"/>
+          </p:cNvSpPr>
+          <p:nvPr>
+            <p:ph sz="half" idx="1"/>
+          </p:nvPr>
+        </p:nvSpPr>
+        <p:spPr>
+          <a:xfrm>
+            <a:off x="609600" y="1600200"/>
+            <a:ext cx="5410200" cy="4525963"/>
+          </a:xfrm>
+          <a:prstGeom prst="rect">
+            <a:avLst/>
+          </a:prstGeom>
+        </p:spPr>
+        <p:txBody>
+          <a:bodyPr/>
+          <a:lstStyle>
+            <a:lvl1pPr>
+              <a:defRPr sz="2800"/>
+            </a:lvl1pPr>
+            <a:lvl2pPr>
+              <a:defRPr sz="2400"/>
+            </a:lvl2pPr>
+            <a:lvl3pPr>
+              <a:defRPr sz="2000"/>
+            </a:lvl3pPr>
+            <a:lvl4pPr>
+              <a:defRPr sz="1800"/>
+            </a:lvl4pPr>
+            <a:lvl5pPr>
+              <a:defRPr sz="1800"/>
+            </a:lvl5pPr>
+            <a:lvl6pPr>
+              <a:defRPr sz="1800"/>
+            </a:lvl6pPr>
+            <a:lvl7pPr>
+              <a:defRPr sz="1800"/>
+            </a:lvl7pPr>
+            <a:lvl8pPr>
+              <a:defRPr sz="1800"/>
+            </a:lvl8pPr>
+            <a:lvl9pPr>
+              <a:defRPr sz="1800"/>
+            </a:lvl9pPr>
+          </a:lstStyle>
+          <a:p>
+            <a:pPr lvl="0"/>
+            <a:r>
+              <a:rPr lang="en-US" smtClean="0"/>
+              <a:t>Click to edit Master text styles</a:t>
+            </a:r>
+          </a:p>
+          <a:p>
+            <a:pPr lvl="1"/>
+            <a:r>
+              <a:rPr lang="en-US" smtClean="0"/>
+              <a:t>Second level</a:t>
+            </a:r>
+          </a:p>
+          <a:p>
+            <a:pPr lvl="2"/>
+            <a:r>
+              <a:rPr lang="en-US" smtClean="0"/>
+              <a:t>Third level</a:t>
+            </a:r>
+          </a:p>
+          <a:p>
+            <a:pPr lvl="3"/>
+            <a:r>
+              <a:rPr lang="en-US" smtClean="0"/>
+              <a:t>Fourth level</a:t>
+            </a:r>
+          </a:p>
+          <a:p>
+            <a:pPr lvl="4"/>
+            <a:r>
+              <a:rPr lang="en-US" smtClean="0"/>
+              <a:t>Fifth level</a:t>
+            </a:r>
+            <a:endParaRPr lang="en-US"/>
+          </a:p>
+        </p:txBody>
+      </p:sp>
+      <p:sp>
+        <p:nvSpPr>
+          <p:cNvPr id="4" name="Content Placeholder 3"/>
+          <p:cNvSpPr>
+            <a:spLocks noGrp="1"/>
+          </p:cNvSpPr>
+          <p:nvPr>
+            <p:ph sz="half" idx="2"/>
+          </p:nvPr>
+        </p:nvSpPr>
+        <p:spPr>
+          <a:xfrm>
+            <a:off x="6172200" y="1600200"/>
+            <a:ext cx="5410200" cy="4525963"/>
+          </a:xfrm>
+          <a:prstGeom prst="rect">
+            <a:avLst/>
+          </a:prstGeom>
+        </p:spPr>
+        <p:txBody>
+          <a:bodyPr/>
+          <a:lstStyle>
+            <a:lvl1pPr>
+              <a:defRPr sz="2800"/>
+            </a:lvl1pPr>
+            <a:lvl2pPr>
+              <a:defRPr sz="2400"/>
+            </a:lvl2pPr>
+            <a:lvl3pPr>
+              <a:defRPr sz="2000"/>
+            </a:lvl3pPr>
+            <a:lvl4pPr>
+              <a:defRPr sz="1800"/>
+            </a:lvl4pPr>
+            <a:lvl5pPr>
+              <a:defRPr sz="1800"/>
+            </a:lvl5pPr>
+            <a:lvl6pPr>
+              <a:defRPr sz="1800"/>
+            </a:lvl6pPr>
+            <a:lvl7pPr>
+              <a:defRPr sz="1800"/>
+            </a:lvl7pPr>
+            <a:lvl8pPr>
+              <a:defRPr sz="1800"/>
+            </a:lvl8pPr>
+            <a:lvl9pPr>
+              <a:defRPr sz="1800"/>
+            </a:lvl9pPr>
+          </a:lstStyle>
+          <a:p>
+            <a:pPr lvl="0"/>
+            <a:r>
+              <a:rPr lang="en-US" smtClean="0"/>
+              <a:t>Click to edit Master text styles</a:t>
+            </a:r>
+          </a:p>
+          <a:p>
+            <a:pPr lvl="1"/>
+            <a:r>
+              <a:rPr lang="en-US" smtClean="0"/>
+              <a:t>Second level</a:t>
+            </a:r>
+          </a:p>
+          <a:p>
+            <a:pPr lvl="2"/>
+            <a:r>
+              <a:rPr lang="en-US" smtClean="0"/>
+              <a:t>Third level</a:t>
+            </a:r>
+          </a:p>
+          <a:p>
+            <a:pPr lvl="3"/>
+            <a:r>
+              <a:rPr lang="en-US" smtClean="0"/>
+              <a:t>Fourth level</a:t>
+            </a:r>
+          </a:p>
+          <a:p>
+            <a:pPr lvl="4"/>
+            <a:r>
+              <a:rPr lang="en-US" smtClean="0"/>
+              <a:t>Fifth level</a:t>
+            </a:r>
+            <a:endParaRPr lang="en-US"/>
+          </a:p>
+        </p:txBody>
+      </p:sp>
+      <p:sp>
+        <p:nvSpPr>
+          <p:cNvPr id="5" name="Date Placeholder 4"/>
+          <p:cNvSpPr>
+            <a:spLocks noGrp="1"/>
+          </p:cNvSpPr>
+          <p:nvPr>
+            <p:ph type="dt" sz="half" idx="10"/>
+          </p:nvPr>
+        </p:nvSpPr>
+        <p:spPr>
+          <a:xfrm>
+            <a:off x="609600" y="6356350"/>
+            <a:ext cx="2844800" cy="365125"/>
+          </a:xfrm>
+          <a:prstGeom prst="rect">
+            <a:avLst/>
+          </a:prstGeom>
+        </p:spPr>
+        <p:txBody>
+          <a:bodyPr/>
+          <a:lstStyle/>
+          <a:p>
+            <a:fld id="{B4AAAF38-FA28-AC45-9E1F-E60DE1B3F365}" type="datetimeFigureOut">
+              <a:rPr lang="en-US" smtClean="0"/>
+              <a:t>5/1/17</a:t>
+            </a:fld>
+            <a:endParaRPr lang="en-US"/>
+          </a:p>
+        </p:txBody>
+      </p:sp>
+      <p:sp>
+        <p:nvSpPr>
+          <p:cNvPr id="6" name="Footer Placeholder 5"/>
+          <p:cNvSpPr>
+            <a:spLocks noGrp="1"/>
+          </p:cNvSpPr>
+          <p:nvPr>
+            <p:ph type="ftr" sz="quarter" idx="11"/>
+          </p:nvPr>
+        </p:nvSpPr>
+        <p:spPr>
+          <a:xfrm>
+            <a:off x="4165600" y="6356350"/>
+            <a:ext cx="3860800" cy="365125"/>
+          </a:xfrm>
+          <a:prstGeom prst="rect">
+            <a:avLst/>
+          </a:prstGeom>
+        </p:spPr>
+        <p:txBody>
+          <a:bodyPr/>
+          <a:lstStyle/>
+          <a:p>
+            <a:endParaRPr lang="en-US"/>
+          </a:p>
+        </p:txBody>
+      </p:sp>
+      <p:sp>
+        <p:nvSpPr>
+          <p:cNvPr id="7" name="Slide Number Placeholder 6"/>
+          <p:cNvSpPr>
+            <a:spLocks noGrp="1"/>
+          </p:cNvSpPr>
+          <p:nvPr>
+            <p:ph type="sldNum" sz="quarter" idx="12"/>
+          </p:nvPr>
+        </p:nvSpPr>
+        <p:spPr>
+          <a:xfrm>
+            <a:off x="8737600" y="6356350"/>
+            <a:ext cx="2844800" cy="365125"/>
+          </a:xfrm>
+          <a:prstGeom prst="rect">
+            <a:avLst/>
+          </a:prstGeom>
+        </p:spPr>
+        <p:txBody>
+          <a:bodyPr/>
+          <a:lstStyle/>
+          <a:p>
+            <a:fld id="{B2EE9D41-9F58-C447-9F4B-4C1E41772CF9}" type="slidenum">
+              <a:rPr lang="en-US" smtClean="0"/>
+              <a:t>‹#›</a:t>
+            </a:fld>
+            <a:endParaRPr lang="en-US"/>
+          </a:p>
+        </p:txBody>
+      </p:sp>
+    </p:spTree>
+    <p:extLst>
+      <p:ext uri="{BB962C8B-B14F-4D97-AF65-F5344CB8AC3E}">
+        <p14:creationId xmlns:p14="http://schemas.microsoft.com/office/powerpoint/2010/main" val="1062112958"/>
+      </p:ext>
+    </p:extLst>
+  </p:cSld>
+  <p:clrMapOvr>
+    <a:masterClrMapping/>
+  </p:clrMapOvr>
+</p:sldLayout>
+</file>
+
+<file path=ppt/slideLayouts/slideLayout16.xml><?xml version="1.0" encoding="utf-8"?>
+<p:sldLayout xmlns:a="http://schemas.openxmlformats.org/drawingml/2006/main" xmlns:r="http://schemas.openxmlformats.org/officeDocument/2006/relationships" xmlns:p="http://schemas.openxmlformats.org/presentationml/2006/main" type="twoTxTwoObj" preserve="1">
+  <p:cSld name="Comparison">
+    <p:spTree>
+      <p:nvGrpSpPr>
+        <p:cNvPr id="1" name=""/>
+        <p:cNvGrpSpPr/>
+        <p:nvPr/>
+      </p:nvGrpSpPr>
+      <p:grpSpPr>
+        <a:xfrm>
+          <a:off x="0" y="0"/>
+          <a:ext cx="0" cy="0"/>
+          <a:chOff x="0" y="0"/>
+          <a:chExt cx="0" cy="0"/>
+        </a:xfrm>
+      </p:grpSpPr>
+      <p:sp>
+        <p:nvSpPr>
+          <p:cNvPr id="2" name="Title 1"/>
+          <p:cNvSpPr>
+            <a:spLocks noGrp="1"/>
+          </p:cNvSpPr>
+          <p:nvPr>
+            <p:ph type="title"/>
+          </p:nvPr>
+        </p:nvSpPr>
+        <p:spPr>
+          <a:xfrm>
+            <a:off x="609600" y="274638"/>
+            <a:ext cx="10972800" cy="1143000"/>
+          </a:xfrm>
+          <a:prstGeom prst="rect">
+            <a:avLst/>
+          </a:prstGeom>
+        </p:spPr>
+        <p:txBody>
+          <a:bodyPr/>
+          <a:lstStyle>
+            <a:lvl1pPr>
+              <a:defRPr/>
+            </a:lvl1pPr>
+          </a:lstStyle>
+          <a:p>
+            <a:r>
+              <a:rPr lang="en-US" smtClean="0"/>
+              <a:t>Click to edit Master title style</a:t>
+            </a:r>
+            <a:endParaRPr lang="en-US"/>
+          </a:p>
+        </p:txBody>
+      </p:sp>
+      <p:sp>
+        <p:nvSpPr>
+          <p:cNvPr id="3" name="Text Placeholder 2"/>
+          <p:cNvSpPr>
+            <a:spLocks noGrp="1"/>
+          </p:cNvSpPr>
+          <p:nvPr>
+            <p:ph type="body" idx="1"/>
+          </p:nvPr>
+        </p:nvSpPr>
+        <p:spPr>
+          <a:xfrm>
+            <a:off x="609600" y="1535113"/>
+            <a:ext cx="5386388" cy="639762"/>
+          </a:xfrm>
+          <a:prstGeom prst="rect">
+            <a:avLst/>
+          </a:prstGeom>
+        </p:spPr>
+        <p:txBody>
+          <a:bodyPr anchor="b"/>
+          <a:lstStyle>
+            <a:lvl1pPr marL="0" indent="0">
+              <a:buNone/>
+              <a:defRPr sz="2400" b="1"/>
+            </a:lvl1pPr>
+            <a:lvl2pPr marL="457200" indent="0">
+              <a:buNone/>
+              <a:defRPr sz="2000" b="1"/>
+            </a:lvl2pPr>
+            <a:lvl3pPr marL="914400" indent="0">
+              <a:buNone/>
+              <a:defRPr sz="1800" b="1"/>
+            </a:lvl3pPr>
+            <a:lvl4pPr marL="1371600" indent="0">
+              <a:buNone/>
+              <a:defRPr sz="1600" b="1"/>
+            </a:lvl4pPr>
+            <a:lvl5pPr marL="1828800" indent="0">
+              <a:buNone/>
+              <a:defRPr sz="1600" b="1"/>
+            </a:lvl5pPr>
+            <a:lvl6pPr marL="2286000" indent="0">
+              <a:buNone/>
+              <a:defRPr sz="1600" b="1"/>
+            </a:lvl6pPr>
+            <a:lvl7pPr marL="2743200" indent="0">
+              <a:buNone/>
+              <a:defRPr sz="1600" b="1"/>
+            </a:lvl7pPr>
+            <a:lvl8pPr marL="3200400" indent="0">
+              <a:buNone/>
+              <a:defRPr sz="1600" b="1"/>
+            </a:lvl8pPr>
+            <a:lvl9pPr marL="3657600" indent="0">
+              <a:buNone/>
+              <a:defRPr sz="1600" b="1"/>
+            </a:lvl9pPr>
+          </a:lstStyle>
+          <a:p>
+            <a:pPr lvl="0"/>
+            <a:r>
+              <a:rPr lang="en-US" smtClean="0"/>
+              <a:t>Click to edit Master text styles</a:t>
+            </a:r>
+          </a:p>
+        </p:txBody>
+      </p:sp>
+      <p:sp>
+        <p:nvSpPr>
+          <p:cNvPr id="4" name="Content Placeholder 3"/>
+          <p:cNvSpPr>
+            <a:spLocks noGrp="1"/>
+          </p:cNvSpPr>
+          <p:nvPr>
+            <p:ph sz="half" idx="2"/>
+          </p:nvPr>
+        </p:nvSpPr>
+        <p:spPr>
+          <a:xfrm>
+            <a:off x="609600" y="2174875"/>
+            <a:ext cx="5386388" cy="3951288"/>
+          </a:xfrm>
+          <a:prstGeom prst="rect">
+            <a:avLst/>
+          </a:prstGeom>
+        </p:spPr>
+        <p:txBody>
+          <a:bodyPr/>
+          <a:lstStyle>
+            <a:lvl1pPr>
+              <a:defRPr sz="2400"/>
+            </a:lvl1pPr>
+            <a:lvl2pPr>
+              <a:defRPr sz="2000"/>
+            </a:lvl2pPr>
+            <a:lvl3pPr>
+              <a:defRPr sz="1800"/>
+            </a:lvl3pPr>
+            <a:lvl4pPr>
+              <a:defRPr sz="1600"/>
+            </a:lvl4pPr>
+            <a:lvl5pPr>
+              <a:defRPr sz="1600"/>
+            </a:lvl5pPr>
+            <a:lvl6pPr>
+              <a:defRPr sz="1600"/>
+            </a:lvl6pPr>
+            <a:lvl7pPr>
+              <a:defRPr sz="1600"/>
+            </a:lvl7pPr>
+            <a:lvl8pPr>
+              <a:defRPr sz="1600"/>
+            </a:lvl8pPr>
+            <a:lvl9pPr>
+              <a:defRPr sz="1600"/>
+            </a:lvl9pPr>
+          </a:lstStyle>
+          <a:p>
+            <a:pPr lvl="0"/>
+            <a:r>
+              <a:rPr lang="en-US" smtClean="0"/>
+              <a:t>Click to edit Master text styles</a:t>
+            </a:r>
+          </a:p>
+          <a:p>
+            <a:pPr lvl="1"/>
+            <a:r>
+              <a:rPr lang="en-US" smtClean="0"/>
+              <a:t>Second level</a:t>
+            </a:r>
+          </a:p>
+          <a:p>
+            <a:pPr lvl="2"/>
+            <a:r>
+              <a:rPr lang="en-US" smtClean="0"/>
+              <a:t>Third level</a:t>
+            </a:r>
+          </a:p>
+          <a:p>
+            <a:pPr lvl="3"/>
+            <a:r>
+              <a:rPr lang="en-US" smtClean="0"/>
+              <a:t>Fourth level</a:t>
+            </a:r>
+          </a:p>
+          <a:p>
+            <a:pPr lvl="4"/>
+            <a:r>
+              <a:rPr lang="en-US" smtClean="0"/>
+              <a:t>Fifth level</a:t>
+            </a:r>
+            <a:endParaRPr lang="en-US"/>
+          </a:p>
+        </p:txBody>
+      </p:sp>
+      <p:sp>
+        <p:nvSpPr>
+          <p:cNvPr id="5" name="Text Placeholder 4"/>
+          <p:cNvSpPr>
+            <a:spLocks noGrp="1"/>
+          </p:cNvSpPr>
+          <p:nvPr>
+            <p:ph type="body" sz="quarter" idx="3"/>
+          </p:nvPr>
+        </p:nvSpPr>
+        <p:spPr>
+          <a:xfrm>
+            <a:off x="6192838" y="1535113"/>
+            <a:ext cx="5389562" cy="639762"/>
+          </a:xfrm>
+          <a:prstGeom prst="rect">
+            <a:avLst/>
+          </a:prstGeom>
+        </p:spPr>
+        <p:txBody>
+          <a:bodyPr anchor="b"/>
+          <a:lstStyle>
+            <a:lvl1pPr marL="0" indent="0">
+              <a:buNone/>
+              <a:defRPr sz="2400" b="1"/>
+            </a:lvl1pPr>
+            <a:lvl2pPr marL="457200" indent="0">
+              <a:buNone/>
+              <a:defRPr sz="2000" b="1"/>
+            </a:lvl2pPr>
+            <a:lvl3pPr marL="914400" indent="0">
+              <a:buNone/>
+              <a:defRPr sz="1800" b="1"/>
+            </a:lvl3pPr>
+            <a:lvl4pPr marL="1371600" indent="0">
+              <a:buNone/>
+              <a:defRPr sz="1600" b="1"/>
+            </a:lvl4pPr>
+            <a:lvl5pPr marL="1828800" indent="0">
+              <a:buNone/>
+              <a:defRPr sz="1600" b="1"/>
+            </a:lvl5pPr>
+            <a:lvl6pPr marL="2286000" indent="0">
+              <a:buNone/>
+              <a:defRPr sz="1600" b="1"/>
+            </a:lvl6pPr>
+            <a:lvl7pPr marL="2743200" indent="0">
+              <a:buNone/>
+              <a:defRPr sz="1600" b="1"/>
+            </a:lvl7pPr>
+            <a:lvl8pPr marL="3200400" indent="0">
+              <a:buNone/>
+              <a:defRPr sz="1600" b="1"/>
+            </a:lvl8pPr>
+            <a:lvl9pPr marL="3657600" indent="0">
+              <a:buNone/>
+              <a:defRPr sz="1600" b="1"/>
+            </a:lvl9pPr>
+          </a:lstStyle>
+          <a:p>
+            <a:pPr lvl="0"/>
+            <a:r>
+              <a:rPr lang="en-US" smtClean="0"/>
+              <a:t>Click to edit Master text styles</a:t>
+            </a:r>
+          </a:p>
+        </p:txBody>
+      </p:sp>
+      <p:sp>
+        <p:nvSpPr>
+          <p:cNvPr id="6" name="Content Placeholder 5"/>
+          <p:cNvSpPr>
+            <a:spLocks noGrp="1"/>
+          </p:cNvSpPr>
+          <p:nvPr>
+            <p:ph sz="quarter" idx="4"/>
+          </p:nvPr>
+        </p:nvSpPr>
+        <p:spPr>
+          <a:xfrm>
+            <a:off x="6192838" y="2174875"/>
+            <a:ext cx="5389562" cy="3951288"/>
+          </a:xfrm>
+          <a:prstGeom prst="rect">
+            <a:avLst/>
+          </a:prstGeom>
+        </p:spPr>
+        <p:txBody>
+          <a:bodyPr/>
+          <a:lstStyle>
+            <a:lvl1pPr>
+              <a:defRPr sz="2400"/>
+            </a:lvl1pPr>
+            <a:lvl2pPr>
+              <a:defRPr sz="2000"/>
+            </a:lvl2pPr>
+            <a:lvl3pPr>
+              <a:defRPr sz="1800"/>
+            </a:lvl3pPr>
+            <a:lvl4pPr>
+              <a:defRPr sz="1600"/>
+            </a:lvl4pPr>
+            <a:lvl5pPr>
+              <a:defRPr sz="1600"/>
+            </a:lvl5pPr>
+            <a:lvl6pPr>
+              <a:defRPr sz="1600"/>
+            </a:lvl6pPr>
+            <a:lvl7pPr>
+              <a:defRPr sz="1600"/>
+            </a:lvl7pPr>
+            <a:lvl8pPr>
+              <a:defRPr sz="1600"/>
+            </a:lvl8pPr>
+            <a:lvl9pPr>
+              <a:defRPr sz="1600"/>
+            </a:lvl9pPr>
+          </a:lstStyle>
+          <a:p>
+            <a:pPr lvl="0"/>
+            <a:r>
+              <a:rPr lang="en-US" smtClean="0"/>
+              <a:t>Click to edit Master text styles</a:t>
+            </a:r>
+          </a:p>
+          <a:p>
+            <a:pPr lvl="1"/>
+            <a:r>
+              <a:rPr lang="en-US" smtClean="0"/>
+              <a:t>Second level</a:t>
+            </a:r>
+          </a:p>
+          <a:p>
+            <a:pPr lvl="2"/>
+            <a:r>
+              <a:rPr lang="en-US" smtClean="0"/>
+              <a:t>Third level</a:t>
+            </a:r>
+          </a:p>
+          <a:p>
+            <a:pPr lvl="3"/>
+            <a:r>
+              <a:rPr lang="en-US" smtClean="0"/>
+              <a:t>Fourth level</a:t>
+            </a:r>
+          </a:p>
+          <a:p>
+            <a:pPr lvl="4"/>
+            <a:r>
+              <a:rPr lang="en-US" smtClean="0"/>
+              <a:t>Fifth level</a:t>
+            </a:r>
+            <a:endParaRPr lang="en-US"/>
+          </a:p>
+        </p:txBody>
+      </p:sp>
+      <p:sp>
+        <p:nvSpPr>
+          <p:cNvPr id="7" name="Date Placeholder 6"/>
+          <p:cNvSpPr>
+            <a:spLocks noGrp="1"/>
+          </p:cNvSpPr>
+          <p:nvPr>
+            <p:ph type="dt" sz="half" idx="10"/>
+          </p:nvPr>
+        </p:nvSpPr>
+        <p:spPr>
+          <a:xfrm>
+            <a:off x="609600" y="6356350"/>
+            <a:ext cx="2844800" cy="365125"/>
+          </a:xfrm>
+          <a:prstGeom prst="rect">
+            <a:avLst/>
+          </a:prstGeom>
+        </p:spPr>
+        <p:txBody>
+          <a:bodyPr/>
+          <a:lstStyle/>
+          <a:p>
+            <a:fld id="{B4AAAF38-FA28-AC45-9E1F-E60DE1B3F365}" type="datetimeFigureOut">
+              <a:rPr lang="en-US" smtClean="0"/>
+              <a:t>5/1/17</a:t>
+            </a:fld>
+            <a:endParaRPr lang="en-US"/>
+          </a:p>
+        </p:txBody>
+      </p:sp>
+      <p:sp>
+        <p:nvSpPr>
+          <p:cNvPr id="8" name="Footer Placeholder 7"/>
+          <p:cNvSpPr>
+            <a:spLocks noGrp="1"/>
+          </p:cNvSpPr>
+          <p:nvPr>
+            <p:ph type="ftr" sz="quarter" idx="11"/>
+          </p:nvPr>
+        </p:nvSpPr>
+        <p:spPr>
+          <a:xfrm>
+            <a:off x="4165600" y="6356350"/>
+            <a:ext cx="3860800" cy="365125"/>
+          </a:xfrm>
+          <a:prstGeom prst="rect">
+            <a:avLst/>
+          </a:prstGeom>
+        </p:spPr>
+        <p:txBody>
+          <a:bodyPr/>
+          <a:lstStyle/>
+          <a:p>
+            <a:endParaRPr lang="en-US"/>
+          </a:p>
+        </p:txBody>
+      </p:sp>
+      <p:sp>
+        <p:nvSpPr>
+          <p:cNvPr id="9" name="Slide Number Placeholder 8"/>
+          <p:cNvSpPr>
+            <a:spLocks noGrp="1"/>
+          </p:cNvSpPr>
+          <p:nvPr>
+            <p:ph type="sldNum" sz="quarter" idx="12"/>
+          </p:nvPr>
+        </p:nvSpPr>
+        <p:spPr>
+          <a:xfrm>
+            <a:off x="8737600" y="6356350"/>
+            <a:ext cx="2844800" cy="365125"/>
+          </a:xfrm>
+          <a:prstGeom prst="rect">
+            <a:avLst/>
+          </a:prstGeom>
+        </p:spPr>
+        <p:txBody>
+          <a:bodyPr/>
+          <a:lstStyle/>
+          <a:p>
+            <a:fld id="{B2EE9D41-9F58-C447-9F4B-4C1E41772CF9}" type="slidenum">
+              <a:rPr lang="en-US" smtClean="0"/>
+              <a:t>‹#›</a:t>
+            </a:fld>
+            <a:endParaRPr lang="en-US"/>
+          </a:p>
+        </p:txBody>
+      </p:sp>
+    </p:spTree>
+    <p:extLst>
+      <p:ext uri="{BB962C8B-B14F-4D97-AF65-F5344CB8AC3E}">
+        <p14:creationId xmlns:p14="http://schemas.microsoft.com/office/powerpoint/2010/main" val="4066719766"/>
+      </p:ext>
+    </p:extLst>
+  </p:cSld>
+  <p:clrMapOvr>
+    <a:masterClrMapping/>
+  </p:clrMapOvr>
+</p:sldLayout>
+</file>
+
+<file path=ppt/slideLayouts/slideLayout17.xml><?xml version="1.0" encoding="utf-8"?>
+<p:sldLayout xmlns:a="http://schemas.openxmlformats.org/drawingml/2006/main" xmlns:r="http://schemas.openxmlformats.org/officeDocument/2006/relationships" xmlns:p="http://schemas.openxmlformats.org/presentationml/2006/main" type="titleOnly" preserve="1">
+  <p:cSld name="Title Only">
+    <p:spTree>
+      <p:nvGrpSpPr>
+        <p:cNvPr id="1" name=""/>
+        <p:cNvGrpSpPr/>
+        <p:nvPr/>
+      </p:nvGrpSpPr>
+      <p:grpSpPr>
+        <a:xfrm>
+          <a:off x="0" y="0"/>
+          <a:ext cx="0" cy="0"/>
+          <a:chOff x="0" y="0"/>
+          <a:chExt cx="0" cy="0"/>
+        </a:xfrm>
+      </p:grpSpPr>
+      <p:sp>
+        <p:nvSpPr>
+          <p:cNvPr id="2" name="Title 1"/>
+          <p:cNvSpPr>
+            <a:spLocks noGrp="1"/>
+          </p:cNvSpPr>
+          <p:nvPr>
+            <p:ph type="title"/>
+          </p:nvPr>
+        </p:nvSpPr>
+        <p:spPr>
+          <a:xfrm>
+            <a:off x="609600" y="274638"/>
+            <a:ext cx="10972800" cy="1143000"/>
+          </a:xfrm>
+          <a:prstGeom prst="rect">
+            <a:avLst/>
+          </a:prstGeom>
+        </p:spPr>
+        <p:txBody>
+          <a:bodyPr/>
+          <a:lstStyle/>
+          <a:p>
+            <a:r>
+              <a:rPr lang="en-US" smtClean="0"/>
+              <a:t>Click to edit Master title style</a:t>
+            </a:r>
+            <a:endParaRPr lang="en-US"/>
+          </a:p>
+        </p:txBody>
+      </p:sp>
+      <p:sp>
+        <p:nvSpPr>
+          <p:cNvPr id="3" name="Date Placeholder 2"/>
+          <p:cNvSpPr>
+            <a:spLocks noGrp="1"/>
+          </p:cNvSpPr>
+          <p:nvPr>
+            <p:ph type="dt" sz="half" idx="10"/>
+          </p:nvPr>
+        </p:nvSpPr>
+        <p:spPr>
+          <a:xfrm>
+            <a:off x="609600" y="6356350"/>
+            <a:ext cx="2844800" cy="365125"/>
+          </a:xfrm>
+          <a:prstGeom prst="rect">
+            <a:avLst/>
+          </a:prstGeom>
+        </p:spPr>
+        <p:txBody>
+          <a:bodyPr/>
+          <a:lstStyle/>
+          <a:p>
+            <a:fld id="{B4AAAF38-FA28-AC45-9E1F-E60DE1B3F365}" type="datetimeFigureOut">
+              <a:rPr lang="en-US" smtClean="0"/>
+              <a:t>5/1/17</a:t>
+            </a:fld>
+            <a:endParaRPr lang="en-US"/>
+          </a:p>
+        </p:txBody>
+      </p:sp>
+      <p:sp>
+        <p:nvSpPr>
+          <p:cNvPr id="4" name="Footer Placeholder 3"/>
+          <p:cNvSpPr>
+            <a:spLocks noGrp="1"/>
+          </p:cNvSpPr>
+          <p:nvPr>
+            <p:ph type="ftr" sz="quarter" idx="11"/>
+          </p:nvPr>
+        </p:nvSpPr>
+        <p:spPr>
+          <a:xfrm>
+            <a:off x="4165600" y="6356350"/>
+            <a:ext cx="3860800" cy="365125"/>
+          </a:xfrm>
+          <a:prstGeom prst="rect">
+            <a:avLst/>
+          </a:prstGeom>
+        </p:spPr>
+        <p:txBody>
+          <a:bodyPr/>
+          <a:lstStyle/>
+          <a:p>
+            <a:endParaRPr lang="en-US"/>
+          </a:p>
+        </p:txBody>
+      </p:sp>
+      <p:sp>
+        <p:nvSpPr>
+          <p:cNvPr id="5" name="Slide Number Placeholder 4"/>
+          <p:cNvSpPr>
+            <a:spLocks noGrp="1"/>
+          </p:cNvSpPr>
+          <p:nvPr>
+            <p:ph type="sldNum" sz="quarter" idx="12"/>
+          </p:nvPr>
+        </p:nvSpPr>
+        <p:spPr>
+          <a:xfrm>
+            <a:off x="8737600" y="6356350"/>
+            <a:ext cx="2844800" cy="365125"/>
+          </a:xfrm>
+          <a:prstGeom prst="rect">
+            <a:avLst/>
+          </a:prstGeom>
+        </p:spPr>
+        <p:txBody>
+          <a:bodyPr/>
+          <a:lstStyle/>
+          <a:p>
+            <a:fld id="{B2EE9D41-9F58-C447-9F4B-4C1E41772CF9}" type="slidenum">
+              <a:rPr lang="en-US" smtClean="0"/>
+              <a:t>‹#›</a:t>
+            </a:fld>
+            <a:endParaRPr lang="en-US"/>
+          </a:p>
+        </p:txBody>
+      </p:sp>
+    </p:spTree>
+    <p:extLst>
+      <p:ext uri="{BB962C8B-B14F-4D97-AF65-F5344CB8AC3E}">
+        <p14:creationId xmlns:p14="http://schemas.microsoft.com/office/powerpoint/2010/main" val="1650600155"/>
+      </p:ext>
+    </p:extLst>
+  </p:cSld>
+  <p:clrMapOvr>
+    <a:masterClrMapping/>
+  </p:clrMapOvr>
+</p:sldLayout>
+</file>
+
+<file path=ppt/slideLayouts/slideLayout18.xml><?xml version="1.0" encoding="utf-8"?>
+<p:sldLayout xmlns:a="http://schemas.openxmlformats.org/drawingml/2006/main" xmlns:r="http://schemas.openxmlformats.org/officeDocument/2006/relationships" xmlns:p="http://schemas.openxmlformats.org/presentationml/2006/main" type="blank" preserve="1">
+  <p:cSld name="Blank">
+    <p:spTree>
+      <p:nvGrpSpPr>
+        <p:cNvPr id="1" name=""/>
+        <p:cNvGrpSpPr/>
+        <p:nvPr/>
+      </p:nvGrpSpPr>
+      <p:grpSpPr>
+        <a:xfrm>
+          <a:off x="0" y="0"/>
+          <a:ext cx="0" cy="0"/>
+          <a:chOff x="0" y="0"/>
+          <a:chExt cx="0" cy="0"/>
+        </a:xfrm>
+      </p:grpSpPr>
+      <p:sp>
+        <p:nvSpPr>
+          <p:cNvPr id="2" name="Date Placeholder 1"/>
+          <p:cNvSpPr>
+            <a:spLocks noGrp="1"/>
+          </p:cNvSpPr>
+          <p:nvPr>
+            <p:ph type="dt" sz="half" idx="10"/>
+          </p:nvPr>
+        </p:nvSpPr>
+        <p:spPr>
+          <a:xfrm>
+            <a:off x="609600" y="6356350"/>
+            <a:ext cx="2844800" cy="365125"/>
+          </a:xfrm>
+          <a:prstGeom prst="rect">
+            <a:avLst/>
+          </a:prstGeom>
+        </p:spPr>
+        <p:txBody>
+          <a:bodyPr/>
+          <a:lstStyle/>
+          <a:p>
+            <a:fld id="{B4AAAF38-FA28-AC45-9E1F-E60DE1B3F365}" type="datetimeFigureOut">
+              <a:rPr lang="en-US" smtClean="0"/>
+              <a:t>5/1/17</a:t>
+            </a:fld>
+            <a:endParaRPr lang="en-US"/>
+          </a:p>
+        </p:txBody>
+      </p:sp>
+      <p:sp>
+        <p:nvSpPr>
+          <p:cNvPr id="3" name="Footer Placeholder 2"/>
+          <p:cNvSpPr>
+            <a:spLocks noGrp="1"/>
+          </p:cNvSpPr>
+          <p:nvPr>
+            <p:ph type="ftr" sz="quarter" idx="11"/>
+          </p:nvPr>
+        </p:nvSpPr>
+        <p:spPr>
+          <a:xfrm>
+            <a:off x="4165600" y="6356350"/>
+            <a:ext cx="3860800" cy="365125"/>
+          </a:xfrm>
+          <a:prstGeom prst="rect">
+            <a:avLst/>
+          </a:prstGeom>
+        </p:spPr>
+        <p:txBody>
+          <a:bodyPr/>
+          <a:lstStyle/>
+          <a:p>
+            <a:endParaRPr lang="en-US"/>
+          </a:p>
+        </p:txBody>
+      </p:sp>
+      <p:sp>
+        <p:nvSpPr>
+          <p:cNvPr id="4" name="Slide Number Placeholder 3"/>
+          <p:cNvSpPr>
+            <a:spLocks noGrp="1"/>
+          </p:cNvSpPr>
+          <p:nvPr>
+            <p:ph type="sldNum" sz="quarter" idx="12"/>
+          </p:nvPr>
+        </p:nvSpPr>
+        <p:spPr>
+          <a:xfrm>
+            <a:off x="8737600" y="6356350"/>
+            <a:ext cx="2844800" cy="365125"/>
+          </a:xfrm>
+          <a:prstGeom prst="rect">
+            <a:avLst/>
+          </a:prstGeom>
+        </p:spPr>
+        <p:txBody>
+          <a:bodyPr/>
+          <a:lstStyle/>
+          <a:p>
+            <a:fld id="{B2EE9D41-9F58-C447-9F4B-4C1E41772CF9}" type="slidenum">
+              <a:rPr lang="en-US" smtClean="0"/>
+              <a:t>‹#›</a:t>
+            </a:fld>
+            <a:endParaRPr lang="en-US"/>
+          </a:p>
+        </p:txBody>
+      </p:sp>
+    </p:spTree>
+    <p:extLst>
+      <p:ext uri="{BB962C8B-B14F-4D97-AF65-F5344CB8AC3E}">
+        <p14:creationId xmlns:p14="http://schemas.microsoft.com/office/powerpoint/2010/main" val="2127165826"/>
+      </p:ext>
+    </p:extLst>
+  </p:cSld>
+  <p:clrMapOvr>
+    <a:masterClrMapping/>
+  </p:clrMapOvr>
+</p:sldLayout>
+</file>
+
+<file path=ppt/slideLayouts/slideLayout19.xml><?xml version="1.0" encoding="utf-8"?>
+<p:sldLayout xmlns:a="http://schemas.openxmlformats.org/drawingml/2006/main" xmlns:r="http://schemas.openxmlformats.org/officeDocument/2006/relationships" xmlns:p="http://schemas.openxmlformats.org/presentationml/2006/main" type="objTx" preserve="1">
+  <p:cSld name="Content with Caption">
+    <p:spTree>
+      <p:nvGrpSpPr>
+        <p:cNvPr id="1" name=""/>
+        <p:cNvGrpSpPr/>
+        <p:nvPr/>
+      </p:nvGrpSpPr>
+      <p:grpSpPr>
+        <a:xfrm>
+          <a:off x="0" y="0"/>
+          <a:ext cx="0" cy="0"/>
+          <a:chOff x="0" y="0"/>
+          <a:chExt cx="0" cy="0"/>
+        </a:xfrm>
+      </p:grpSpPr>
+      <p:sp>
+        <p:nvSpPr>
+          <p:cNvPr id="2" name="Title 1"/>
+          <p:cNvSpPr>
+            <a:spLocks noGrp="1"/>
+          </p:cNvSpPr>
+          <p:nvPr>
+            <p:ph type="title"/>
+          </p:nvPr>
+        </p:nvSpPr>
+        <p:spPr>
+          <a:xfrm>
+            <a:off x="609600" y="273050"/>
+            <a:ext cx="4011613" cy="1162050"/>
+          </a:xfrm>
+          <a:prstGeom prst="rect">
+            <a:avLst/>
+          </a:prstGeom>
+        </p:spPr>
+        <p:txBody>
+          <a:bodyPr anchor="b"/>
+          <a:lstStyle>
+            <a:lvl1pPr algn="l">
+              <a:defRPr sz="2000" b="1"/>
+            </a:lvl1pPr>
+          </a:lstStyle>
+          <a:p>
+            <a:r>
+              <a:rPr lang="en-US" smtClean="0"/>
+              <a:t>Click to edit Master title style</a:t>
+            </a:r>
+            <a:endParaRPr lang="en-US"/>
+          </a:p>
+        </p:txBody>
+      </p:sp>
+      <p:sp>
+        <p:nvSpPr>
+          <p:cNvPr id="3" name="Content Placeholder 2"/>
+          <p:cNvSpPr>
+            <a:spLocks noGrp="1"/>
+          </p:cNvSpPr>
+          <p:nvPr>
+            <p:ph idx="1"/>
+          </p:nvPr>
+        </p:nvSpPr>
+        <p:spPr>
+          <a:xfrm>
+            <a:off x="4767263" y="273050"/>
+            <a:ext cx="6815137" cy="5853113"/>
+          </a:xfrm>
+          <a:prstGeom prst="rect">
+            <a:avLst/>
+          </a:prstGeom>
+        </p:spPr>
+        <p:txBody>
+          <a:bodyPr/>
+          <a:lstStyle>
+            <a:lvl1pPr>
+              <a:defRPr sz="3200"/>
+            </a:lvl1pPr>
+            <a:lvl2pPr>
+              <a:defRPr sz="2800"/>
+            </a:lvl2pPr>
+            <a:lvl3pPr>
+              <a:defRPr sz="2400"/>
+            </a:lvl3pPr>
+            <a:lvl4pPr>
+              <a:defRPr sz="2000"/>
+            </a:lvl4pPr>
+            <a:lvl5pPr>
+              <a:defRPr sz="2000"/>
+            </a:lvl5pPr>
+            <a:lvl6pPr>
+              <a:defRPr sz="2000"/>
+            </a:lvl6pPr>
+            <a:lvl7pPr>
+              <a:defRPr sz="2000"/>
+            </a:lvl7pPr>
+            <a:lvl8pPr>
+              <a:defRPr sz="2000"/>
+            </a:lvl8pPr>
+            <a:lvl9pPr>
+              <a:defRPr sz="2000"/>
+            </a:lvl9pPr>
+          </a:lstStyle>
+          <a:p>
+            <a:pPr lvl="0"/>
+            <a:r>
+              <a:rPr lang="en-US" smtClean="0"/>
+              <a:t>Click to edit Master text styles</a:t>
+            </a:r>
+          </a:p>
+          <a:p>
+            <a:pPr lvl="1"/>
+            <a:r>
+              <a:rPr lang="en-US" smtClean="0"/>
+              <a:t>Second level</a:t>
+            </a:r>
+          </a:p>
+          <a:p>
+            <a:pPr lvl="2"/>
+            <a:r>
+              <a:rPr lang="en-US" smtClean="0"/>
+              <a:t>Third level</a:t>
+            </a:r>
+          </a:p>
+          <a:p>
+            <a:pPr lvl="3"/>
+            <a:r>
+              <a:rPr lang="en-US" smtClean="0"/>
+              <a:t>Fourth level</a:t>
+            </a:r>
+          </a:p>
+          <a:p>
+            <a:pPr lvl="4"/>
+            <a:r>
+              <a:rPr lang="en-US" smtClean="0"/>
+              <a:t>Fifth level</a:t>
+            </a:r>
+            <a:endParaRPr lang="en-US"/>
+          </a:p>
+        </p:txBody>
+      </p:sp>
+      <p:sp>
+        <p:nvSpPr>
+          <p:cNvPr id="4" name="Text Placeholder 3"/>
+          <p:cNvSpPr>
+            <a:spLocks noGrp="1"/>
+          </p:cNvSpPr>
+          <p:nvPr>
+            <p:ph type="body" sz="half" idx="2"/>
+          </p:nvPr>
+        </p:nvSpPr>
+        <p:spPr>
+          <a:xfrm>
+            <a:off x="609600" y="1435100"/>
+            <a:ext cx="4011613" cy="4691063"/>
+          </a:xfrm>
+          <a:prstGeom prst="rect">
+            <a:avLst/>
+          </a:prstGeom>
+        </p:spPr>
+        <p:txBody>
+          <a:bodyPr/>
+          <a:lstStyle>
+            <a:lvl1pPr marL="0" indent="0">
+              <a:buNone/>
+              <a:defRPr sz="1400"/>
+            </a:lvl1pPr>
+            <a:lvl2pPr marL="457200" indent="0">
+              <a:buNone/>
+              <a:defRPr sz="1200"/>
+            </a:lvl2pPr>
+            <a:lvl3pPr marL="914400" indent="0">
+              <a:buNone/>
+              <a:defRPr sz="1000"/>
+            </a:lvl3pPr>
+            <a:lvl4pPr marL="1371600" indent="0">
+              <a:buNone/>
+              <a:defRPr sz="900"/>
+            </a:lvl4pPr>
+            <a:lvl5pPr marL="1828800" indent="0">
+              <a:buNone/>
+              <a:defRPr sz="900"/>
+            </a:lvl5pPr>
+            <a:lvl6pPr marL="2286000" indent="0">
+              <a:buNone/>
+              <a:defRPr sz="900"/>
+            </a:lvl6pPr>
+            <a:lvl7pPr marL="2743200" indent="0">
+              <a:buNone/>
+              <a:defRPr sz="900"/>
+            </a:lvl7pPr>
+            <a:lvl8pPr marL="3200400" indent="0">
+              <a:buNone/>
+              <a:defRPr sz="900"/>
+            </a:lvl8pPr>
+            <a:lvl9pPr marL="3657600" indent="0">
+              <a:buNone/>
+              <a:defRPr sz="900"/>
+            </a:lvl9pPr>
+          </a:lstStyle>
+          <a:p>
+            <a:pPr lvl="0"/>
+            <a:r>
+              <a:rPr lang="en-US" smtClean="0"/>
+              <a:t>Click to edit Master text styles</a:t>
+            </a:r>
+          </a:p>
+        </p:txBody>
+      </p:sp>
+      <p:sp>
+        <p:nvSpPr>
+          <p:cNvPr id="5" name="Date Placeholder 4"/>
+          <p:cNvSpPr>
+            <a:spLocks noGrp="1"/>
+          </p:cNvSpPr>
+          <p:nvPr>
+            <p:ph type="dt" sz="half" idx="10"/>
+          </p:nvPr>
+        </p:nvSpPr>
+        <p:spPr>
+          <a:xfrm>
+            <a:off x="609600" y="6356350"/>
+            <a:ext cx="2844800" cy="365125"/>
+          </a:xfrm>
+          <a:prstGeom prst="rect">
+            <a:avLst/>
+          </a:prstGeom>
+        </p:spPr>
+        <p:txBody>
+          <a:bodyPr/>
+          <a:lstStyle/>
+          <a:p>
+            <a:fld id="{B4AAAF38-FA28-AC45-9E1F-E60DE1B3F365}" type="datetimeFigureOut">
+              <a:rPr lang="en-US" smtClean="0"/>
+              <a:t>5/1/17</a:t>
+            </a:fld>
+            <a:endParaRPr lang="en-US"/>
+          </a:p>
+        </p:txBody>
+      </p:sp>
+      <p:sp>
+        <p:nvSpPr>
+          <p:cNvPr id="6" name="Footer Placeholder 5"/>
+          <p:cNvSpPr>
+            <a:spLocks noGrp="1"/>
+          </p:cNvSpPr>
+          <p:nvPr>
+            <p:ph type="ftr" sz="quarter" idx="11"/>
+          </p:nvPr>
+        </p:nvSpPr>
+        <p:spPr>
+          <a:xfrm>
+            <a:off x="4165600" y="6356350"/>
+            <a:ext cx="3860800" cy="365125"/>
+          </a:xfrm>
+          <a:prstGeom prst="rect">
+            <a:avLst/>
+          </a:prstGeom>
+        </p:spPr>
+        <p:txBody>
+          <a:bodyPr/>
+          <a:lstStyle/>
+          <a:p>
+            <a:endParaRPr lang="en-US"/>
+          </a:p>
+        </p:txBody>
+      </p:sp>
+      <p:sp>
+        <p:nvSpPr>
+          <p:cNvPr id="7" name="Slide Number Placeholder 6"/>
+          <p:cNvSpPr>
+            <a:spLocks noGrp="1"/>
+          </p:cNvSpPr>
+          <p:nvPr>
+            <p:ph type="sldNum" sz="quarter" idx="12"/>
+          </p:nvPr>
+        </p:nvSpPr>
+        <p:spPr>
+          <a:xfrm>
+            <a:off x="8737600" y="6356350"/>
+            <a:ext cx="2844800" cy="365125"/>
+          </a:xfrm>
+          <a:prstGeom prst="rect">
+            <a:avLst/>
+          </a:prstGeom>
+        </p:spPr>
+        <p:txBody>
+          <a:bodyPr/>
+          <a:lstStyle/>
+          <a:p>
+            <a:fld id="{B2EE9D41-9F58-C447-9F4B-4C1E41772CF9}" type="slidenum">
+              <a:rPr lang="en-US" smtClean="0"/>
+              <a:t>‹#›</a:t>
+            </a:fld>
+            <a:endParaRPr lang="en-US"/>
+          </a:p>
+        </p:txBody>
+      </p:sp>
+    </p:spTree>
+    <p:extLst>
+      <p:ext uri="{BB962C8B-B14F-4D97-AF65-F5344CB8AC3E}">
+        <p14:creationId xmlns:p14="http://schemas.microsoft.com/office/powerpoint/2010/main" val="1579445911"/>
+      </p:ext>
+    </p:extLst>
+  </p:cSld>
+  <p:clrMapOvr>
+    <a:masterClrMapping/>
+  </p:clrMapOvr>
+</p:sldLayout>
+</file>
+
 <file path=ppt/slideLayouts/slideLayout2.xml><?xml version="1.0" encoding="utf-8"?>
 <p:sldLayout xmlns:a="http://schemas.openxmlformats.org/drawingml/2006/main" xmlns:r="http://schemas.openxmlformats.org/officeDocument/2006/relationships" xmlns:p="http://schemas.openxmlformats.org/presentationml/2006/main" type="obj" preserve="1">
   <p:cSld name="Title and Content">
@@ -1436,7 +3573,7 @@
           <a:p>
             <a:fld id="{B0FE2824-C2A0-4931-BB32-60B24BDBB3CC}" type="datetimeFigureOut">
               <a:rPr lang="en-US" smtClean="0"/>
-              <a:t>4/27/2017</a:t>
+              <a:t>5/1/17</a:t>
             </a:fld>
             <a:endParaRPr lang="en-US"/>
           </a:p>
@@ -1487,6 +3624,712 @@
       </p:transition>
     </mc:Fallback>
   </mc:AlternateContent>
+</p:sldLayout>
+</file>
+
+<file path=ppt/slideLayouts/slideLayout20.xml><?xml version="1.0" encoding="utf-8"?>
+<p:sldLayout xmlns:a="http://schemas.openxmlformats.org/drawingml/2006/main" xmlns:r="http://schemas.openxmlformats.org/officeDocument/2006/relationships" xmlns:p="http://schemas.openxmlformats.org/presentationml/2006/main" type="picTx" preserve="1">
+  <p:cSld name="Picture with Caption">
+    <p:spTree>
+      <p:nvGrpSpPr>
+        <p:cNvPr id="1" name=""/>
+        <p:cNvGrpSpPr/>
+        <p:nvPr/>
+      </p:nvGrpSpPr>
+      <p:grpSpPr>
+        <a:xfrm>
+          <a:off x="0" y="0"/>
+          <a:ext cx="0" cy="0"/>
+          <a:chOff x="0" y="0"/>
+          <a:chExt cx="0" cy="0"/>
+        </a:xfrm>
+      </p:grpSpPr>
+      <p:sp>
+        <p:nvSpPr>
+          <p:cNvPr id="2" name="Title 1"/>
+          <p:cNvSpPr>
+            <a:spLocks noGrp="1"/>
+          </p:cNvSpPr>
+          <p:nvPr>
+            <p:ph type="title"/>
+          </p:nvPr>
+        </p:nvSpPr>
+        <p:spPr>
+          <a:xfrm>
+            <a:off x="2389188" y="4800600"/>
+            <a:ext cx="7315200" cy="566738"/>
+          </a:xfrm>
+          <a:prstGeom prst="rect">
+            <a:avLst/>
+          </a:prstGeom>
+        </p:spPr>
+        <p:txBody>
+          <a:bodyPr anchor="b"/>
+          <a:lstStyle>
+            <a:lvl1pPr algn="l">
+              <a:defRPr sz="2000" b="1"/>
+            </a:lvl1pPr>
+          </a:lstStyle>
+          <a:p>
+            <a:r>
+              <a:rPr lang="en-US" smtClean="0"/>
+              <a:t>Click to edit Master title style</a:t>
+            </a:r>
+            <a:endParaRPr lang="en-US"/>
+          </a:p>
+        </p:txBody>
+      </p:sp>
+      <p:sp>
+        <p:nvSpPr>
+          <p:cNvPr id="3" name="Picture Placeholder 2"/>
+          <p:cNvSpPr>
+            <a:spLocks noGrp="1"/>
+          </p:cNvSpPr>
+          <p:nvPr>
+            <p:ph type="pic" idx="1"/>
+          </p:nvPr>
+        </p:nvSpPr>
+        <p:spPr>
+          <a:xfrm>
+            <a:off x="2389188" y="612775"/>
+            <a:ext cx="7315200" cy="4114800"/>
+          </a:xfrm>
+          <a:prstGeom prst="rect">
+            <a:avLst/>
+          </a:prstGeom>
+        </p:spPr>
+        <p:txBody>
+          <a:bodyPr/>
+          <a:lstStyle>
+            <a:lvl1pPr marL="0" indent="0">
+              <a:buNone/>
+              <a:defRPr sz="3200"/>
+            </a:lvl1pPr>
+            <a:lvl2pPr marL="457200" indent="0">
+              <a:buNone/>
+              <a:defRPr sz="2800"/>
+            </a:lvl2pPr>
+            <a:lvl3pPr marL="914400" indent="0">
+              <a:buNone/>
+              <a:defRPr sz="2400"/>
+            </a:lvl3pPr>
+            <a:lvl4pPr marL="1371600" indent="0">
+              <a:buNone/>
+              <a:defRPr sz="2000"/>
+            </a:lvl4pPr>
+            <a:lvl5pPr marL="1828800" indent="0">
+              <a:buNone/>
+              <a:defRPr sz="2000"/>
+            </a:lvl5pPr>
+            <a:lvl6pPr marL="2286000" indent="0">
+              <a:buNone/>
+              <a:defRPr sz="2000"/>
+            </a:lvl6pPr>
+            <a:lvl7pPr marL="2743200" indent="0">
+              <a:buNone/>
+              <a:defRPr sz="2000"/>
+            </a:lvl7pPr>
+            <a:lvl8pPr marL="3200400" indent="0">
+              <a:buNone/>
+              <a:defRPr sz="2000"/>
+            </a:lvl8pPr>
+            <a:lvl9pPr marL="3657600" indent="0">
+              <a:buNone/>
+              <a:defRPr sz="2000"/>
+            </a:lvl9pPr>
+          </a:lstStyle>
+          <a:p>
+            <a:endParaRPr lang="en-US"/>
+          </a:p>
+        </p:txBody>
+      </p:sp>
+      <p:sp>
+        <p:nvSpPr>
+          <p:cNvPr id="4" name="Text Placeholder 3"/>
+          <p:cNvSpPr>
+            <a:spLocks noGrp="1"/>
+          </p:cNvSpPr>
+          <p:nvPr>
+            <p:ph type="body" sz="half" idx="2"/>
+          </p:nvPr>
+        </p:nvSpPr>
+        <p:spPr>
+          <a:xfrm>
+            <a:off x="2389188" y="5367338"/>
+            <a:ext cx="7315200" cy="804862"/>
+          </a:xfrm>
+          <a:prstGeom prst="rect">
+            <a:avLst/>
+          </a:prstGeom>
+        </p:spPr>
+        <p:txBody>
+          <a:bodyPr/>
+          <a:lstStyle>
+            <a:lvl1pPr marL="0" indent="0">
+              <a:buNone/>
+              <a:defRPr sz="1400"/>
+            </a:lvl1pPr>
+            <a:lvl2pPr marL="457200" indent="0">
+              <a:buNone/>
+              <a:defRPr sz="1200"/>
+            </a:lvl2pPr>
+            <a:lvl3pPr marL="914400" indent="0">
+              <a:buNone/>
+              <a:defRPr sz="1000"/>
+            </a:lvl3pPr>
+            <a:lvl4pPr marL="1371600" indent="0">
+              <a:buNone/>
+              <a:defRPr sz="900"/>
+            </a:lvl4pPr>
+            <a:lvl5pPr marL="1828800" indent="0">
+              <a:buNone/>
+              <a:defRPr sz="900"/>
+            </a:lvl5pPr>
+            <a:lvl6pPr marL="2286000" indent="0">
+              <a:buNone/>
+              <a:defRPr sz="900"/>
+            </a:lvl6pPr>
+            <a:lvl7pPr marL="2743200" indent="0">
+              <a:buNone/>
+              <a:defRPr sz="900"/>
+            </a:lvl7pPr>
+            <a:lvl8pPr marL="3200400" indent="0">
+              <a:buNone/>
+              <a:defRPr sz="900"/>
+            </a:lvl8pPr>
+            <a:lvl9pPr marL="3657600" indent="0">
+              <a:buNone/>
+              <a:defRPr sz="900"/>
+            </a:lvl9pPr>
+          </a:lstStyle>
+          <a:p>
+            <a:pPr lvl="0"/>
+            <a:r>
+              <a:rPr lang="en-US" smtClean="0"/>
+              <a:t>Click to edit Master text styles</a:t>
+            </a:r>
+          </a:p>
+        </p:txBody>
+      </p:sp>
+      <p:sp>
+        <p:nvSpPr>
+          <p:cNvPr id="5" name="Date Placeholder 4"/>
+          <p:cNvSpPr>
+            <a:spLocks noGrp="1"/>
+          </p:cNvSpPr>
+          <p:nvPr>
+            <p:ph type="dt" sz="half" idx="10"/>
+          </p:nvPr>
+        </p:nvSpPr>
+        <p:spPr>
+          <a:xfrm>
+            <a:off x="609600" y="6356350"/>
+            <a:ext cx="2844800" cy="365125"/>
+          </a:xfrm>
+          <a:prstGeom prst="rect">
+            <a:avLst/>
+          </a:prstGeom>
+        </p:spPr>
+        <p:txBody>
+          <a:bodyPr/>
+          <a:lstStyle/>
+          <a:p>
+            <a:fld id="{B4AAAF38-FA28-AC45-9E1F-E60DE1B3F365}" type="datetimeFigureOut">
+              <a:rPr lang="en-US" smtClean="0"/>
+              <a:t>5/1/17</a:t>
+            </a:fld>
+            <a:endParaRPr lang="en-US"/>
+          </a:p>
+        </p:txBody>
+      </p:sp>
+      <p:sp>
+        <p:nvSpPr>
+          <p:cNvPr id="6" name="Footer Placeholder 5"/>
+          <p:cNvSpPr>
+            <a:spLocks noGrp="1"/>
+          </p:cNvSpPr>
+          <p:nvPr>
+            <p:ph type="ftr" sz="quarter" idx="11"/>
+          </p:nvPr>
+        </p:nvSpPr>
+        <p:spPr>
+          <a:xfrm>
+            <a:off x="4165600" y="6356350"/>
+            <a:ext cx="3860800" cy="365125"/>
+          </a:xfrm>
+          <a:prstGeom prst="rect">
+            <a:avLst/>
+          </a:prstGeom>
+        </p:spPr>
+        <p:txBody>
+          <a:bodyPr/>
+          <a:lstStyle/>
+          <a:p>
+            <a:endParaRPr lang="en-US"/>
+          </a:p>
+        </p:txBody>
+      </p:sp>
+      <p:sp>
+        <p:nvSpPr>
+          <p:cNvPr id="7" name="Slide Number Placeholder 6"/>
+          <p:cNvSpPr>
+            <a:spLocks noGrp="1"/>
+          </p:cNvSpPr>
+          <p:nvPr>
+            <p:ph type="sldNum" sz="quarter" idx="12"/>
+          </p:nvPr>
+        </p:nvSpPr>
+        <p:spPr>
+          <a:xfrm>
+            <a:off x="8737600" y="6356350"/>
+            <a:ext cx="2844800" cy="365125"/>
+          </a:xfrm>
+          <a:prstGeom prst="rect">
+            <a:avLst/>
+          </a:prstGeom>
+        </p:spPr>
+        <p:txBody>
+          <a:bodyPr/>
+          <a:lstStyle/>
+          <a:p>
+            <a:fld id="{B2EE9D41-9F58-C447-9F4B-4C1E41772CF9}" type="slidenum">
+              <a:rPr lang="en-US" smtClean="0"/>
+              <a:t>‹#›</a:t>
+            </a:fld>
+            <a:endParaRPr lang="en-US"/>
+          </a:p>
+        </p:txBody>
+      </p:sp>
+    </p:spTree>
+    <p:extLst>
+      <p:ext uri="{BB962C8B-B14F-4D97-AF65-F5344CB8AC3E}">
+        <p14:creationId xmlns:p14="http://schemas.microsoft.com/office/powerpoint/2010/main" val="1996747703"/>
+      </p:ext>
+    </p:extLst>
+  </p:cSld>
+  <p:clrMapOvr>
+    <a:masterClrMapping/>
+  </p:clrMapOvr>
+</p:sldLayout>
+</file>
+
+<file path=ppt/slideLayouts/slideLayout21.xml><?xml version="1.0" encoding="utf-8"?>
+<p:sldLayout xmlns:a="http://schemas.openxmlformats.org/drawingml/2006/main" xmlns:r="http://schemas.openxmlformats.org/officeDocument/2006/relationships" xmlns:p="http://schemas.openxmlformats.org/presentationml/2006/main" type="vertTx" preserve="1">
+  <p:cSld name="Title and Vertical Text">
+    <p:spTree>
+      <p:nvGrpSpPr>
+        <p:cNvPr id="1" name=""/>
+        <p:cNvGrpSpPr/>
+        <p:nvPr/>
+      </p:nvGrpSpPr>
+      <p:grpSpPr>
+        <a:xfrm>
+          <a:off x="0" y="0"/>
+          <a:ext cx="0" cy="0"/>
+          <a:chOff x="0" y="0"/>
+          <a:chExt cx="0" cy="0"/>
+        </a:xfrm>
+      </p:grpSpPr>
+      <p:sp>
+        <p:nvSpPr>
+          <p:cNvPr id="2" name="Title 1"/>
+          <p:cNvSpPr>
+            <a:spLocks noGrp="1"/>
+          </p:cNvSpPr>
+          <p:nvPr>
+            <p:ph type="title"/>
+          </p:nvPr>
+        </p:nvSpPr>
+        <p:spPr>
+          <a:xfrm>
+            <a:off x="609600" y="274638"/>
+            <a:ext cx="10972800" cy="1143000"/>
+          </a:xfrm>
+          <a:prstGeom prst="rect">
+            <a:avLst/>
+          </a:prstGeom>
+        </p:spPr>
+        <p:txBody>
+          <a:bodyPr/>
+          <a:lstStyle/>
+          <a:p>
+            <a:r>
+              <a:rPr lang="en-US" smtClean="0"/>
+              <a:t>Click to edit Master title style</a:t>
+            </a:r>
+            <a:endParaRPr lang="en-US"/>
+          </a:p>
+        </p:txBody>
+      </p:sp>
+      <p:sp>
+        <p:nvSpPr>
+          <p:cNvPr id="3" name="Vertical Text Placeholder 2"/>
+          <p:cNvSpPr>
+            <a:spLocks noGrp="1"/>
+          </p:cNvSpPr>
+          <p:nvPr>
+            <p:ph type="body" orient="vert" idx="1"/>
+          </p:nvPr>
+        </p:nvSpPr>
+        <p:spPr>
+          <a:xfrm>
+            <a:off x="609600" y="1600200"/>
+            <a:ext cx="10972800" cy="4525963"/>
+          </a:xfrm>
+          <a:prstGeom prst="rect">
+            <a:avLst/>
+          </a:prstGeom>
+        </p:spPr>
+        <p:txBody>
+          <a:bodyPr vert="eaVert"/>
+          <a:lstStyle/>
+          <a:p>
+            <a:pPr lvl="0"/>
+            <a:r>
+              <a:rPr lang="en-US" smtClean="0"/>
+              <a:t>Click to edit Master text styles</a:t>
+            </a:r>
+          </a:p>
+          <a:p>
+            <a:pPr lvl="1"/>
+            <a:r>
+              <a:rPr lang="en-US" smtClean="0"/>
+              <a:t>Second level</a:t>
+            </a:r>
+          </a:p>
+          <a:p>
+            <a:pPr lvl="2"/>
+            <a:r>
+              <a:rPr lang="en-US" smtClean="0"/>
+              <a:t>Third level</a:t>
+            </a:r>
+          </a:p>
+          <a:p>
+            <a:pPr lvl="3"/>
+            <a:r>
+              <a:rPr lang="en-US" smtClean="0"/>
+              <a:t>Fourth level</a:t>
+            </a:r>
+          </a:p>
+          <a:p>
+            <a:pPr lvl="4"/>
+            <a:r>
+              <a:rPr lang="en-US" smtClean="0"/>
+              <a:t>Fifth level</a:t>
+            </a:r>
+            <a:endParaRPr lang="en-US"/>
+          </a:p>
+        </p:txBody>
+      </p:sp>
+      <p:sp>
+        <p:nvSpPr>
+          <p:cNvPr id="4" name="Date Placeholder 3"/>
+          <p:cNvSpPr>
+            <a:spLocks noGrp="1"/>
+          </p:cNvSpPr>
+          <p:nvPr>
+            <p:ph type="dt" sz="half" idx="10"/>
+          </p:nvPr>
+        </p:nvSpPr>
+        <p:spPr>
+          <a:xfrm>
+            <a:off x="609600" y="6356350"/>
+            <a:ext cx="2844800" cy="365125"/>
+          </a:xfrm>
+          <a:prstGeom prst="rect">
+            <a:avLst/>
+          </a:prstGeom>
+        </p:spPr>
+        <p:txBody>
+          <a:bodyPr/>
+          <a:lstStyle/>
+          <a:p>
+            <a:fld id="{B4AAAF38-FA28-AC45-9E1F-E60DE1B3F365}" type="datetimeFigureOut">
+              <a:rPr lang="en-US" smtClean="0"/>
+              <a:t>5/1/17</a:t>
+            </a:fld>
+            <a:endParaRPr lang="en-US"/>
+          </a:p>
+        </p:txBody>
+      </p:sp>
+      <p:sp>
+        <p:nvSpPr>
+          <p:cNvPr id="5" name="Footer Placeholder 4"/>
+          <p:cNvSpPr>
+            <a:spLocks noGrp="1"/>
+          </p:cNvSpPr>
+          <p:nvPr>
+            <p:ph type="ftr" sz="quarter" idx="11"/>
+          </p:nvPr>
+        </p:nvSpPr>
+        <p:spPr>
+          <a:xfrm>
+            <a:off x="4165600" y="6356350"/>
+            <a:ext cx="3860800" cy="365125"/>
+          </a:xfrm>
+          <a:prstGeom prst="rect">
+            <a:avLst/>
+          </a:prstGeom>
+        </p:spPr>
+        <p:txBody>
+          <a:bodyPr/>
+          <a:lstStyle/>
+          <a:p>
+            <a:endParaRPr lang="en-US"/>
+          </a:p>
+        </p:txBody>
+      </p:sp>
+      <p:sp>
+        <p:nvSpPr>
+          <p:cNvPr id="6" name="Slide Number Placeholder 5"/>
+          <p:cNvSpPr>
+            <a:spLocks noGrp="1"/>
+          </p:cNvSpPr>
+          <p:nvPr>
+            <p:ph type="sldNum" sz="quarter" idx="12"/>
+          </p:nvPr>
+        </p:nvSpPr>
+        <p:spPr>
+          <a:xfrm>
+            <a:off x="8737600" y="6356350"/>
+            <a:ext cx="2844800" cy="365125"/>
+          </a:xfrm>
+          <a:prstGeom prst="rect">
+            <a:avLst/>
+          </a:prstGeom>
+        </p:spPr>
+        <p:txBody>
+          <a:bodyPr/>
+          <a:lstStyle/>
+          <a:p>
+            <a:fld id="{B2EE9D41-9F58-C447-9F4B-4C1E41772CF9}" type="slidenum">
+              <a:rPr lang="en-US" smtClean="0"/>
+              <a:t>‹#›</a:t>
+            </a:fld>
+            <a:endParaRPr lang="en-US"/>
+          </a:p>
+        </p:txBody>
+      </p:sp>
+    </p:spTree>
+    <p:extLst>
+      <p:ext uri="{BB962C8B-B14F-4D97-AF65-F5344CB8AC3E}">
+        <p14:creationId xmlns:p14="http://schemas.microsoft.com/office/powerpoint/2010/main" val="3694397782"/>
+      </p:ext>
+    </p:extLst>
+  </p:cSld>
+  <p:clrMapOvr>
+    <a:masterClrMapping/>
+  </p:clrMapOvr>
+</p:sldLayout>
+</file>
+
+<file path=ppt/slideLayouts/slideLayout22.xml><?xml version="1.0" encoding="utf-8"?>
+<p:sldLayout xmlns:a="http://schemas.openxmlformats.org/drawingml/2006/main" xmlns:r="http://schemas.openxmlformats.org/officeDocument/2006/relationships" xmlns:p="http://schemas.openxmlformats.org/presentationml/2006/main" type="vertTitleAndTx" preserve="1">
+  <p:cSld name="Vertical Title and Text">
+    <p:spTree>
+      <p:nvGrpSpPr>
+        <p:cNvPr id="1" name=""/>
+        <p:cNvGrpSpPr/>
+        <p:nvPr/>
+      </p:nvGrpSpPr>
+      <p:grpSpPr>
+        <a:xfrm>
+          <a:off x="0" y="0"/>
+          <a:ext cx="0" cy="0"/>
+          <a:chOff x="0" y="0"/>
+          <a:chExt cx="0" cy="0"/>
+        </a:xfrm>
+      </p:grpSpPr>
+      <p:sp>
+        <p:nvSpPr>
+          <p:cNvPr id="2" name="Vertical Title 1"/>
+          <p:cNvSpPr>
+            <a:spLocks noGrp="1"/>
+          </p:cNvSpPr>
+          <p:nvPr>
+            <p:ph type="title" orient="vert"/>
+          </p:nvPr>
+        </p:nvSpPr>
+        <p:spPr>
+          <a:xfrm>
+            <a:off x="8839200" y="274638"/>
+            <a:ext cx="2743200" cy="5851525"/>
+          </a:xfrm>
+          <a:prstGeom prst="rect">
+            <a:avLst/>
+          </a:prstGeom>
+        </p:spPr>
+        <p:txBody>
+          <a:bodyPr vert="eaVert"/>
+          <a:lstStyle/>
+          <a:p>
+            <a:r>
+              <a:rPr lang="en-US" smtClean="0"/>
+              <a:t>Click to edit Master title style</a:t>
+            </a:r>
+            <a:endParaRPr lang="en-US"/>
+          </a:p>
+        </p:txBody>
+      </p:sp>
+      <p:sp>
+        <p:nvSpPr>
+          <p:cNvPr id="3" name="Vertical Text Placeholder 2"/>
+          <p:cNvSpPr>
+            <a:spLocks noGrp="1"/>
+          </p:cNvSpPr>
+          <p:nvPr>
+            <p:ph type="body" orient="vert" idx="1"/>
+          </p:nvPr>
+        </p:nvSpPr>
+        <p:spPr>
+          <a:xfrm>
+            <a:off x="609600" y="274638"/>
+            <a:ext cx="8077200" cy="5851525"/>
+          </a:xfrm>
+          <a:prstGeom prst="rect">
+            <a:avLst/>
+          </a:prstGeom>
+        </p:spPr>
+        <p:txBody>
+          <a:bodyPr vert="eaVert"/>
+          <a:lstStyle/>
+          <a:p>
+            <a:pPr lvl="0"/>
+            <a:r>
+              <a:rPr lang="en-US" smtClean="0"/>
+              <a:t>Click to edit Master text styles</a:t>
+            </a:r>
+          </a:p>
+          <a:p>
+            <a:pPr lvl="1"/>
+            <a:r>
+              <a:rPr lang="en-US" smtClean="0"/>
+              <a:t>Second level</a:t>
+            </a:r>
+          </a:p>
+          <a:p>
+            <a:pPr lvl="2"/>
+            <a:r>
+              <a:rPr lang="en-US" smtClean="0"/>
+              <a:t>Third level</a:t>
+            </a:r>
+          </a:p>
+          <a:p>
+            <a:pPr lvl="3"/>
+            <a:r>
+              <a:rPr lang="en-US" smtClean="0"/>
+              <a:t>Fourth level</a:t>
+            </a:r>
+          </a:p>
+          <a:p>
+            <a:pPr lvl="4"/>
+            <a:r>
+              <a:rPr lang="en-US" smtClean="0"/>
+              <a:t>Fifth level</a:t>
+            </a:r>
+            <a:endParaRPr lang="en-US"/>
+          </a:p>
+        </p:txBody>
+      </p:sp>
+      <p:sp>
+        <p:nvSpPr>
+          <p:cNvPr id="4" name="Date Placeholder 3"/>
+          <p:cNvSpPr>
+            <a:spLocks noGrp="1"/>
+          </p:cNvSpPr>
+          <p:nvPr>
+            <p:ph type="dt" sz="half" idx="10"/>
+          </p:nvPr>
+        </p:nvSpPr>
+        <p:spPr>
+          <a:xfrm>
+            <a:off x="609600" y="6356350"/>
+            <a:ext cx="2844800" cy="365125"/>
+          </a:xfrm>
+          <a:prstGeom prst="rect">
+            <a:avLst/>
+          </a:prstGeom>
+        </p:spPr>
+        <p:txBody>
+          <a:bodyPr/>
+          <a:lstStyle/>
+          <a:p>
+            <a:fld id="{B4AAAF38-FA28-AC45-9E1F-E60DE1B3F365}" type="datetimeFigureOut">
+              <a:rPr lang="en-US" smtClean="0"/>
+              <a:t>5/1/17</a:t>
+            </a:fld>
+            <a:endParaRPr lang="en-US"/>
+          </a:p>
+        </p:txBody>
+      </p:sp>
+      <p:sp>
+        <p:nvSpPr>
+          <p:cNvPr id="5" name="Footer Placeholder 4"/>
+          <p:cNvSpPr>
+            <a:spLocks noGrp="1"/>
+          </p:cNvSpPr>
+          <p:nvPr>
+            <p:ph type="ftr" sz="quarter" idx="11"/>
+          </p:nvPr>
+        </p:nvSpPr>
+        <p:spPr>
+          <a:xfrm>
+            <a:off x="4165600" y="6356350"/>
+            <a:ext cx="3860800" cy="365125"/>
+          </a:xfrm>
+          <a:prstGeom prst="rect">
+            <a:avLst/>
+          </a:prstGeom>
+        </p:spPr>
+        <p:txBody>
+          <a:bodyPr/>
+          <a:lstStyle/>
+          <a:p>
+            <a:endParaRPr lang="en-US"/>
+          </a:p>
+        </p:txBody>
+      </p:sp>
+      <p:sp>
+        <p:nvSpPr>
+          <p:cNvPr id="6" name="Slide Number Placeholder 5"/>
+          <p:cNvSpPr>
+            <a:spLocks noGrp="1"/>
+          </p:cNvSpPr>
+          <p:nvPr>
+            <p:ph type="sldNum" sz="quarter" idx="12"/>
+          </p:nvPr>
+        </p:nvSpPr>
+        <p:spPr>
+          <a:xfrm>
+            <a:off x="8737600" y="6356350"/>
+            <a:ext cx="2844800" cy="365125"/>
+          </a:xfrm>
+          <a:prstGeom prst="rect">
+            <a:avLst/>
+          </a:prstGeom>
+        </p:spPr>
+        <p:txBody>
+          <a:bodyPr/>
+          <a:lstStyle/>
+          <a:p>
+            <a:fld id="{B2EE9D41-9F58-C447-9F4B-4C1E41772CF9}" type="slidenum">
+              <a:rPr lang="en-US" smtClean="0"/>
+              <a:t>‹#›</a:t>
+            </a:fld>
+            <a:endParaRPr lang="en-US"/>
+          </a:p>
+        </p:txBody>
+      </p:sp>
+    </p:spTree>
+    <p:extLst>
+      <p:ext uri="{BB962C8B-B14F-4D97-AF65-F5344CB8AC3E}">
+        <p14:creationId xmlns:p14="http://schemas.microsoft.com/office/powerpoint/2010/main" val="3677762396"/>
+      </p:ext>
+    </p:extLst>
+  </p:cSld>
+  <p:clrMapOvr>
+    <a:masterClrMapping/>
+  </p:clrMapOvr>
 </p:sldLayout>
 </file>
 
@@ -1956,7 +4799,7 @@
           <a:p>
             <a:fld id="{B0FE2824-C2A0-4931-BB32-60B24BDBB3CC}" type="datetimeFigureOut">
               <a:rPr lang="en-US" smtClean="0"/>
-              <a:t>4/27/2017</a:t>
+              <a:t>5/1/17</a:t>
             </a:fld>
             <a:endParaRPr lang="en-US"/>
           </a:p>
@@ -2398,7 +5241,7 @@
           <a:p>
             <a:fld id="{B0FE2824-C2A0-4931-BB32-60B24BDBB3CC}" type="datetimeFigureOut">
               <a:rPr lang="en-US" smtClean="0"/>
-              <a:t>4/27/2017</a:t>
+              <a:t>5/1/17</a:t>
             </a:fld>
             <a:endParaRPr lang="en-US"/>
           </a:p>
@@ -2527,7 +5370,7 @@
           <a:p>
             <a:fld id="{B0FE2824-C2A0-4931-BB32-60B24BDBB3CC}" type="datetimeFigureOut">
               <a:rPr lang="en-US" smtClean="0"/>
-              <a:t>4/27/2017</a:t>
+              <a:t>5/1/17</a:t>
             </a:fld>
             <a:endParaRPr lang="en-US"/>
           </a:p>
@@ -2634,7 +5477,7 @@
           <a:p>
             <a:fld id="{B0FE2824-C2A0-4931-BB32-60B24BDBB3CC}" type="datetimeFigureOut">
               <a:rPr lang="en-US" smtClean="0"/>
-              <a:t>4/27/2017</a:t>
+              <a:t>5/1/17</a:t>
             </a:fld>
             <a:endParaRPr lang="en-US"/>
           </a:p>
@@ -2930,7 +5773,7 @@
           <a:p>
             <a:fld id="{B0FE2824-C2A0-4931-BB32-60B24BDBB3CC}" type="datetimeFigureOut">
               <a:rPr lang="en-US" smtClean="0"/>
-              <a:t>4/27/2017</a:t>
+              <a:t>5/1/17</a:t>
             </a:fld>
             <a:endParaRPr lang="en-US"/>
           </a:p>
@@ -3203,7 +6046,7 @@
           <a:p>
             <a:fld id="{B0FE2824-C2A0-4931-BB32-60B24BDBB3CC}" type="datetimeFigureOut">
               <a:rPr lang="en-US" smtClean="0"/>
-              <a:t>4/27/2017</a:t>
+              <a:t>5/1/17</a:t>
             </a:fld>
             <a:endParaRPr lang="en-US"/>
           </a:p>
@@ -3497,7 +6340,7 @@
             <a:fld id="{B0FE2824-C2A0-4931-BB32-60B24BDBB3CC}" type="datetimeFigureOut">
               <a:rPr lang="en-US" smtClean="0"/>
               <a:pPr/>
-              <a:t>4/27/2017</a:t>
+              <a:t>5/1/17</a:t>
             </a:fld>
             <a:endParaRPr lang="en-US"/>
           </a:p>
@@ -3888,7 +6731,7 @@
   </p:txStyles>
   <p:extLst mod="1">
     <p:ext uri="{27BBF7A9-308A-43DC-89C8-2F10F3537804}">
-      <p15:sldGuideLst xmlns:p15="http://schemas.microsoft.com/office/powerpoint/2012/main">
+      <p15:sldGuideLst xmlns:p15="http://schemas.microsoft.com/office/powerpoint/2012/main" xmlns="">
         <p15:guide id="1" pos="3840" userDrawn="1">
           <p15:clr>
             <a:srgbClr val="F26B43"/>
@@ -3902,6 +6745,302 @@
       </p15:sldGuideLst>
     </p:ext>
   </p:extLst>
+</p:sldMaster>
+</file>
+
+<file path=ppt/slideMasters/slideMaster2.xml><?xml version="1.0" encoding="utf-8"?>
+<p:sldMaster xmlns:a="http://schemas.openxmlformats.org/drawingml/2006/main" xmlns:r="http://schemas.openxmlformats.org/officeDocument/2006/relationships" xmlns:p="http://schemas.openxmlformats.org/presentationml/2006/main" preserve="1">
+  <p:cSld>
+    <p:bg>
+      <p:bgRef idx="1001">
+        <a:schemeClr val="bg1"/>
+      </p:bgRef>
+    </p:bg>
+    <p:spTree>
+      <p:nvGrpSpPr>
+        <p:cNvPr id="1" name=""/>
+        <p:cNvGrpSpPr/>
+        <p:nvPr/>
+      </p:nvGrpSpPr>
+      <p:grpSpPr>
+        <a:xfrm>
+          <a:off x="0" y="0"/>
+          <a:ext cx="0" cy="0"/>
+          <a:chOff x="0" y="0"/>
+          <a:chExt cx="0" cy="0"/>
+        </a:xfrm>
+      </p:grpSpPr>
+    </p:spTree>
+    <p:extLst>
+      <p:ext uri="{BB962C8B-B14F-4D97-AF65-F5344CB8AC3E}">
+        <p14:creationId xmlns:p14="http://schemas.microsoft.com/office/powerpoint/2010/main" val="3732284853"/>
+      </p:ext>
+    </p:extLst>
+  </p:cSld>
+  <p:clrMap bg1="lt1" tx1="dk1" bg2="lt2" tx2="dk2" accent1="accent1" accent2="accent2" accent3="accent3" accent4="accent4" accent5="accent5" accent6="accent6" hlink="hlink" folHlink="folHlink"/>
+  <p:sldLayoutIdLst>
+    <p:sldLayoutId id="2147483661" r:id="rId1"/>
+    <p:sldLayoutId id="2147483662" r:id="rId2"/>
+    <p:sldLayoutId id="2147483663" r:id="rId3"/>
+    <p:sldLayoutId id="2147483664" r:id="rId4"/>
+    <p:sldLayoutId id="2147483665" r:id="rId5"/>
+    <p:sldLayoutId id="2147483666" r:id="rId6"/>
+    <p:sldLayoutId id="2147483667" r:id="rId7"/>
+    <p:sldLayoutId id="2147483668" r:id="rId8"/>
+    <p:sldLayoutId id="2147483669" r:id="rId9"/>
+    <p:sldLayoutId id="2147483670" r:id="rId10"/>
+    <p:sldLayoutId id="2147483671" r:id="rId11"/>
+  </p:sldLayoutIdLst>
+  <p:txStyles>
+    <p:titleStyle>
+      <a:lvl1pPr algn="ctr" defTabSz="457200" rtl="0" eaLnBrk="1" latinLnBrk="0" hangingPunct="1">
+        <a:spcBef>
+          <a:spcPct val="0"/>
+        </a:spcBef>
+        <a:buNone/>
+        <a:defRPr sz="4400" kern="1200">
+          <a:solidFill>
+            <a:schemeClr val="tx1"/>
+          </a:solidFill>
+          <a:latin typeface="+mj-lt"/>
+          <a:ea typeface="+mj-ea"/>
+          <a:cs typeface="+mj-cs"/>
+        </a:defRPr>
+      </a:lvl1pPr>
+    </p:titleStyle>
+    <p:bodyStyle>
+      <a:lvl1pPr marL="342900" indent="-342900" algn="l" defTabSz="457200" rtl="0" eaLnBrk="1" latinLnBrk="0" hangingPunct="1">
+        <a:spcBef>
+          <a:spcPct val="20000"/>
+        </a:spcBef>
+        <a:buFont typeface="Arial"/>
+        <a:buChar char="•"/>
+        <a:defRPr sz="3200" kern="1200">
+          <a:solidFill>
+            <a:schemeClr val="tx1"/>
+          </a:solidFill>
+          <a:latin typeface="+mn-lt"/>
+          <a:ea typeface="+mn-ea"/>
+          <a:cs typeface="+mn-cs"/>
+        </a:defRPr>
+      </a:lvl1pPr>
+      <a:lvl2pPr marL="742950" indent="-285750" algn="l" defTabSz="457200" rtl="0" eaLnBrk="1" latinLnBrk="0" hangingPunct="1">
+        <a:spcBef>
+          <a:spcPct val="20000"/>
+        </a:spcBef>
+        <a:buFont typeface="Arial"/>
+        <a:buChar char="–"/>
+        <a:defRPr sz="2800" kern="1200">
+          <a:solidFill>
+            <a:schemeClr val="tx1"/>
+          </a:solidFill>
+          <a:latin typeface="+mn-lt"/>
+          <a:ea typeface="+mn-ea"/>
+          <a:cs typeface="+mn-cs"/>
+        </a:defRPr>
+      </a:lvl2pPr>
+      <a:lvl3pPr marL="1143000" indent="-228600" algn="l" defTabSz="457200" rtl="0" eaLnBrk="1" latinLnBrk="0" hangingPunct="1">
+        <a:spcBef>
+          <a:spcPct val="20000"/>
+        </a:spcBef>
+        <a:buFont typeface="Arial"/>
+        <a:buChar char="•"/>
+        <a:defRPr sz="2400" kern="1200">
+          <a:solidFill>
+            <a:schemeClr val="tx1"/>
+          </a:solidFill>
+          <a:latin typeface="+mn-lt"/>
+          <a:ea typeface="+mn-ea"/>
+          <a:cs typeface="+mn-cs"/>
+        </a:defRPr>
+      </a:lvl3pPr>
+      <a:lvl4pPr marL="1600200" indent="-228600" algn="l" defTabSz="457200" rtl="0" eaLnBrk="1" latinLnBrk="0" hangingPunct="1">
+        <a:spcBef>
+          <a:spcPct val="20000"/>
+        </a:spcBef>
+        <a:buFont typeface="Arial"/>
+        <a:buChar char="–"/>
+        <a:defRPr sz="2000" kern="1200">
+          <a:solidFill>
+            <a:schemeClr val="tx1"/>
+          </a:solidFill>
+          <a:latin typeface="+mn-lt"/>
+          <a:ea typeface="+mn-ea"/>
+          <a:cs typeface="+mn-cs"/>
+        </a:defRPr>
+      </a:lvl4pPr>
+      <a:lvl5pPr marL="2057400" indent="-228600" algn="l" defTabSz="457200" rtl="0" eaLnBrk="1" latinLnBrk="0" hangingPunct="1">
+        <a:spcBef>
+          <a:spcPct val="20000"/>
+        </a:spcBef>
+        <a:buFont typeface="Arial"/>
+        <a:buChar char="»"/>
+        <a:defRPr sz="2000" kern="1200">
+          <a:solidFill>
+            <a:schemeClr val="tx1"/>
+          </a:solidFill>
+          <a:latin typeface="+mn-lt"/>
+          <a:ea typeface="+mn-ea"/>
+          <a:cs typeface="+mn-cs"/>
+        </a:defRPr>
+      </a:lvl5pPr>
+      <a:lvl6pPr marL="2514600" indent="-228600" algn="l" defTabSz="457200" rtl="0" eaLnBrk="1" latinLnBrk="0" hangingPunct="1">
+        <a:spcBef>
+          <a:spcPct val="20000"/>
+        </a:spcBef>
+        <a:buFont typeface="Arial"/>
+        <a:buChar char="•"/>
+        <a:defRPr sz="2000" kern="1200">
+          <a:solidFill>
+            <a:schemeClr val="tx1"/>
+          </a:solidFill>
+          <a:latin typeface="+mn-lt"/>
+          <a:ea typeface="+mn-ea"/>
+          <a:cs typeface="+mn-cs"/>
+        </a:defRPr>
+      </a:lvl6pPr>
+      <a:lvl7pPr marL="2971800" indent="-228600" algn="l" defTabSz="457200" rtl="0" eaLnBrk="1" latinLnBrk="0" hangingPunct="1">
+        <a:spcBef>
+          <a:spcPct val="20000"/>
+        </a:spcBef>
+        <a:buFont typeface="Arial"/>
+        <a:buChar char="•"/>
+        <a:defRPr sz="2000" kern="1200">
+          <a:solidFill>
+            <a:schemeClr val="tx1"/>
+          </a:solidFill>
+          <a:latin typeface="+mn-lt"/>
+          <a:ea typeface="+mn-ea"/>
+          <a:cs typeface="+mn-cs"/>
+        </a:defRPr>
+      </a:lvl7pPr>
+      <a:lvl8pPr marL="3429000" indent="-228600" algn="l" defTabSz="457200" rtl="0" eaLnBrk="1" latinLnBrk="0" hangingPunct="1">
+        <a:spcBef>
+          <a:spcPct val="20000"/>
+        </a:spcBef>
+        <a:buFont typeface="Arial"/>
+        <a:buChar char="•"/>
+        <a:defRPr sz="2000" kern="1200">
+          <a:solidFill>
+            <a:schemeClr val="tx1"/>
+          </a:solidFill>
+          <a:latin typeface="+mn-lt"/>
+          <a:ea typeface="+mn-ea"/>
+          <a:cs typeface="+mn-cs"/>
+        </a:defRPr>
+      </a:lvl8pPr>
+      <a:lvl9pPr marL="3886200" indent="-228600" algn="l" defTabSz="457200" rtl="0" eaLnBrk="1" latinLnBrk="0" hangingPunct="1">
+        <a:spcBef>
+          <a:spcPct val="20000"/>
+        </a:spcBef>
+        <a:buFont typeface="Arial"/>
+        <a:buChar char="•"/>
+        <a:defRPr sz="2000" kern="1200">
+          <a:solidFill>
+            <a:schemeClr val="tx1"/>
+          </a:solidFill>
+          <a:latin typeface="+mn-lt"/>
+          <a:ea typeface="+mn-ea"/>
+          <a:cs typeface="+mn-cs"/>
+        </a:defRPr>
+      </a:lvl9pPr>
+    </p:bodyStyle>
+    <p:otherStyle>
+      <a:defPPr>
+        <a:defRPr lang="en-US"/>
+      </a:defPPr>
+      <a:lvl1pPr marL="0" algn="l" defTabSz="457200" rtl="0" eaLnBrk="1" latinLnBrk="0" hangingPunct="1">
+        <a:defRPr sz="1800" kern="1200">
+          <a:solidFill>
+            <a:schemeClr val="tx1"/>
+          </a:solidFill>
+          <a:latin typeface="+mn-lt"/>
+          <a:ea typeface="+mn-ea"/>
+          <a:cs typeface="+mn-cs"/>
+        </a:defRPr>
+      </a:lvl1pPr>
+      <a:lvl2pPr marL="457200" algn="l" defTabSz="457200" rtl="0" eaLnBrk="1" latinLnBrk="0" hangingPunct="1">
+        <a:defRPr sz="1800" kern="1200">
+          <a:solidFill>
+            <a:schemeClr val="tx1"/>
+          </a:solidFill>
+          <a:latin typeface="+mn-lt"/>
+          <a:ea typeface="+mn-ea"/>
+          <a:cs typeface="+mn-cs"/>
+        </a:defRPr>
+      </a:lvl2pPr>
+      <a:lvl3pPr marL="914400" algn="l" defTabSz="457200" rtl="0" eaLnBrk="1" latinLnBrk="0" hangingPunct="1">
+        <a:defRPr sz="1800" kern="1200">
+          <a:solidFill>
+            <a:schemeClr val="tx1"/>
+          </a:solidFill>
+          <a:latin typeface="+mn-lt"/>
+          <a:ea typeface="+mn-ea"/>
+          <a:cs typeface="+mn-cs"/>
+        </a:defRPr>
+      </a:lvl3pPr>
+      <a:lvl4pPr marL="1371600" algn="l" defTabSz="457200" rtl="0" eaLnBrk="1" latinLnBrk="0" hangingPunct="1">
+        <a:defRPr sz="1800" kern="1200">
+          <a:solidFill>
+            <a:schemeClr val="tx1"/>
+          </a:solidFill>
+          <a:latin typeface="+mn-lt"/>
+          <a:ea typeface="+mn-ea"/>
+          <a:cs typeface="+mn-cs"/>
+        </a:defRPr>
+      </a:lvl4pPr>
+      <a:lvl5pPr marL="1828800" algn="l" defTabSz="457200" rtl="0" eaLnBrk="1" latinLnBrk="0" hangingPunct="1">
+        <a:defRPr sz="1800" kern="1200">
+          <a:solidFill>
+            <a:schemeClr val="tx1"/>
+          </a:solidFill>
+          <a:latin typeface="+mn-lt"/>
+          <a:ea typeface="+mn-ea"/>
+          <a:cs typeface="+mn-cs"/>
+        </a:defRPr>
+      </a:lvl5pPr>
+      <a:lvl6pPr marL="2286000" algn="l" defTabSz="457200" rtl="0" eaLnBrk="1" latinLnBrk="0" hangingPunct="1">
+        <a:defRPr sz="1800" kern="1200">
+          <a:solidFill>
+            <a:schemeClr val="tx1"/>
+          </a:solidFill>
+          <a:latin typeface="+mn-lt"/>
+          <a:ea typeface="+mn-ea"/>
+          <a:cs typeface="+mn-cs"/>
+        </a:defRPr>
+      </a:lvl6pPr>
+      <a:lvl7pPr marL="2743200" algn="l" defTabSz="457200" rtl="0" eaLnBrk="1" latinLnBrk="0" hangingPunct="1">
+        <a:defRPr sz="1800" kern="1200">
+          <a:solidFill>
+            <a:schemeClr val="tx1"/>
+          </a:solidFill>
+          <a:latin typeface="+mn-lt"/>
+          <a:ea typeface="+mn-ea"/>
+          <a:cs typeface="+mn-cs"/>
+        </a:defRPr>
+      </a:lvl7pPr>
+      <a:lvl8pPr marL="3200400" algn="l" defTabSz="457200" rtl="0" eaLnBrk="1" latinLnBrk="0" hangingPunct="1">
+        <a:defRPr sz="1800" kern="1200">
+          <a:solidFill>
+            <a:schemeClr val="tx1"/>
+          </a:solidFill>
+          <a:latin typeface="+mn-lt"/>
+          <a:ea typeface="+mn-ea"/>
+          <a:cs typeface="+mn-cs"/>
+        </a:defRPr>
+      </a:lvl8pPr>
+      <a:lvl9pPr marL="3657600" algn="l" defTabSz="457200" rtl="0" eaLnBrk="1" latinLnBrk="0" hangingPunct="1">
+        <a:defRPr sz="1800" kern="1200">
+          <a:solidFill>
+            <a:schemeClr val="tx1"/>
+          </a:solidFill>
+          <a:latin typeface="+mn-lt"/>
+          <a:ea typeface="+mn-ea"/>
+          <a:cs typeface="+mn-cs"/>
+        </a:defRPr>
+      </a:lvl9pPr>
+    </p:otherStyle>
+  </p:txStyles>
 </p:sldMaster>
 </file>
 
@@ -3932,13 +7071,21 @@
             <p:ph type="ctrTitle"/>
           </p:nvPr>
         </p:nvSpPr>
-        <p:spPr/>
-        <p:txBody>
-          <a:bodyPr/>
-          <a:lstStyle/>
-          <a:p>
-            <a:r>
-              <a:rPr lang="en-US" dirty="0"/>
+        <p:spPr>
+          <a:xfrm>
+            <a:off x="838201" y="3810000"/>
+            <a:ext cx="10515598" cy="1158446"/>
+          </a:xfrm>
+        </p:spPr>
+        <p:txBody>
+          <a:bodyPr/>
+          <a:lstStyle/>
+          <a:p>
+            <a:r>
+              <a:rPr lang="en-US" dirty="0">
+                <a:latin typeface="Helvetica"/>
+                <a:cs typeface="Helvetica"/>
+              </a:rPr>
               <a:t>Analyzing America’s War Zone</a:t>
             </a:r>
           </a:p>
@@ -3956,7 +7103,7 @@
         </p:nvSpPr>
         <p:spPr>
           <a:xfrm>
-            <a:off x="838201" y="5338170"/>
+            <a:off x="838201" y="5105400"/>
             <a:ext cx="10515598" cy="605430"/>
           </a:xfrm>
         </p:spPr>
@@ -3967,26 +7114,47 @@
           <a:lstStyle/>
           <a:p>
             <a:r>
-              <a:rPr lang="en-US" dirty="0"/>
+              <a:rPr lang="en-US" dirty="0">
+                <a:latin typeface="Helvetica"/>
+                <a:cs typeface="Helvetica"/>
+              </a:rPr>
               <a:t>Anna </a:t>
             </a:r>
             <a:r>
-              <a:rPr lang="en-US" dirty="0" err="1"/>
+              <a:rPr lang="en-US" dirty="0" err="1">
+                <a:latin typeface="Helvetica"/>
+                <a:cs typeface="Helvetica"/>
+              </a:rPr>
               <a:t>Yanchenko</a:t>
             </a:r>
             <a:r>
-              <a:rPr lang="en-US" dirty="0"/>
-              <a:t>, Lei Qian, Megan Robertson, Reuben </a:t>
-            </a:r>
-            <a:r>
-              <a:rPr lang="en-US" dirty="0" err="1"/>
+              <a:rPr lang="en-US" dirty="0">
+                <a:latin typeface="Helvetica"/>
+                <a:cs typeface="Helvetica"/>
+              </a:rPr>
+              <a:t>, Lei Qian, Megan Robertson, </a:t>
+            </a:r>
+            <a:r>
+              <a:rPr lang="en-US" dirty="0" smtClean="0">
+                <a:latin typeface="Helvetica"/>
+                <a:cs typeface="Helvetica"/>
+              </a:rPr>
+              <a:t>and Reuben </a:t>
+            </a:r>
+            <a:r>
+              <a:rPr lang="en-US" dirty="0">
+                <a:latin typeface="Helvetica"/>
+                <a:cs typeface="Helvetica"/>
+              </a:rPr>
               <a:t>McCreanor</a:t>
             </a:r>
-            <a:endParaRPr lang="en-US" dirty="0"/>
-          </a:p>
-          <a:p>
-            <a:r>
-              <a:rPr lang="en-US" dirty="0"/>
+          </a:p>
+          <a:p>
+            <a:r>
+              <a:rPr lang="en-US" dirty="0">
+                <a:latin typeface="Helvetica"/>
+                <a:cs typeface="Helvetica"/>
+              </a:rPr>
               <a:t>STA 644 Final Project</a:t>
             </a:r>
           </a:p>
@@ -3996,6 +7164,793 @@
     <p:extLst>
       <p:ext uri="{BB962C8B-B14F-4D97-AF65-F5344CB8AC3E}">
         <p14:creationId xmlns:p14="http://schemas.microsoft.com/office/powerpoint/2010/main" val="2142729111"/>
+      </p:ext>
+    </p:extLst>
+  </p:cSld>
+  <p:clrMapOvr>
+    <a:masterClrMapping/>
+  </p:clrMapOvr>
+  <mc:AlternateContent xmlns:mc="http://schemas.openxmlformats.org/markup-compatibility/2006" xmlns:p14="http://schemas.microsoft.com/office/powerpoint/2010/main">
+    <mc:Choice Requires="p14">
+      <p:transition spd="med" p14:dur="700">
+        <p:fade/>
+      </p:transition>
+    </mc:Choice>
+    <mc:Fallback xmlns="">
+      <p:transition spd="med">
+        <p:fade/>
+      </p:transition>
+    </mc:Fallback>
+  </mc:AlternateContent>
+</p:sld>
+</file>
+
+<file path=ppt/slides/slide10.xml><?xml version="1.0" encoding="utf-8"?>
+<p:sld xmlns:a="http://schemas.openxmlformats.org/drawingml/2006/main" xmlns:r="http://schemas.openxmlformats.org/officeDocument/2006/relationships" xmlns:p="http://schemas.openxmlformats.org/presentationml/2006/main">
+  <p:cSld>
+    <p:bg>
+      <p:bgPr>
+        <a:solidFill>
+          <a:schemeClr val="tx1"/>
+        </a:solidFill>
+        <a:effectLst/>
+      </p:bgPr>
+    </p:bg>
+    <p:spTree>
+      <p:nvGrpSpPr>
+        <p:cNvPr id="1" name=""/>
+        <p:cNvGrpSpPr/>
+        <p:nvPr/>
+      </p:nvGrpSpPr>
+      <p:grpSpPr>
+        <a:xfrm>
+          <a:off x="0" y="0"/>
+          <a:ext cx="0" cy="0"/>
+          <a:chOff x="0" y="0"/>
+          <a:chExt cx="0" cy="0"/>
+        </a:xfrm>
+      </p:grpSpPr>
+      <p:sp>
+        <p:nvSpPr>
+          <p:cNvPr id="2" name="Title 1"/>
+          <p:cNvSpPr>
+            <a:spLocks noGrp="1"/>
+          </p:cNvSpPr>
+          <p:nvPr>
+            <p:ph type="title"/>
+          </p:nvPr>
+        </p:nvSpPr>
+        <p:spPr>
+          <a:xfrm>
+            <a:off x="381000" y="-76200"/>
+            <a:ext cx="10515600" cy="1145224"/>
+          </a:xfrm>
+        </p:spPr>
+        <p:txBody>
+          <a:bodyPr/>
+          <a:lstStyle/>
+          <a:p>
+            <a:r>
+              <a:rPr lang="en-US" dirty="0" smtClean="0">
+                <a:solidFill>
+                  <a:srgbClr val="736756"/>
+                </a:solidFill>
+                <a:latin typeface="Helvetica"/>
+                <a:cs typeface="Helvetica"/>
+              </a:rPr>
+              <a:t>Penalized Spatial Regression Model</a:t>
+            </a:r>
+            <a:endParaRPr lang="en-US" dirty="0">
+              <a:solidFill>
+                <a:srgbClr val="736756"/>
+              </a:solidFill>
+              <a:latin typeface="Helvetica"/>
+              <a:cs typeface="Helvetica"/>
+            </a:endParaRPr>
+          </a:p>
+        </p:txBody>
+      </p:sp>
+      <p:pic>
+        <p:nvPicPr>
+          <p:cNvPr id="8" name="Picture 7"/>
+          <p:cNvPicPr>
+            <a:picLocks noChangeAspect="1"/>
+          </p:cNvPicPr>
+          <p:nvPr/>
+        </p:nvPicPr>
+        <p:blipFill>
+          <a:blip r:embed="rId2"/>
+          <a:stretch>
+            <a:fillRect/>
+          </a:stretch>
+        </p:blipFill>
+        <p:spPr>
+          <a:xfrm>
+            <a:off x="381000" y="1295400"/>
+            <a:ext cx="11277600" cy="366027"/>
+          </a:xfrm>
+          <a:prstGeom prst="rect">
+            <a:avLst/>
+          </a:prstGeom>
+        </p:spPr>
+      </p:pic>
+      <p:pic>
+        <p:nvPicPr>
+          <p:cNvPr id="9" name="Picture 8"/>
+          <p:cNvPicPr>
+            <a:picLocks noChangeAspect="1"/>
+          </p:cNvPicPr>
+          <p:nvPr/>
+        </p:nvPicPr>
+        <p:blipFill>
+          <a:blip r:embed="rId3"/>
+          <a:stretch>
+            <a:fillRect/>
+          </a:stretch>
+        </p:blipFill>
+        <p:spPr>
+          <a:xfrm>
+            <a:off x="4152900" y="1828800"/>
+            <a:ext cx="3771900" cy="4286250"/>
+          </a:xfrm>
+          <a:prstGeom prst="rect">
+            <a:avLst/>
+          </a:prstGeom>
+        </p:spPr>
+      </p:pic>
+    </p:spTree>
+    <p:extLst>
+      <p:ext uri="{BB962C8B-B14F-4D97-AF65-F5344CB8AC3E}">
+        <p14:creationId xmlns:p14="http://schemas.microsoft.com/office/powerpoint/2010/main" val="4118479785"/>
+      </p:ext>
+    </p:extLst>
+  </p:cSld>
+  <p:clrMapOvr>
+    <a:masterClrMapping/>
+  </p:clrMapOvr>
+  <mc:AlternateContent xmlns:mc="http://schemas.openxmlformats.org/markup-compatibility/2006" xmlns:p14="http://schemas.microsoft.com/office/powerpoint/2010/main">
+    <mc:Choice Requires="p14">
+      <p:transition spd="med" p14:dur="700">
+        <p:fade/>
+      </p:transition>
+    </mc:Choice>
+    <mc:Fallback xmlns="">
+      <p:transition spd="med">
+        <p:fade/>
+      </p:transition>
+    </mc:Fallback>
+  </mc:AlternateContent>
+</p:sld>
+</file>
+
+<file path=ppt/slides/slide11.xml><?xml version="1.0" encoding="utf-8"?>
+<p:sld xmlns:a="http://schemas.openxmlformats.org/drawingml/2006/main" xmlns:r="http://schemas.openxmlformats.org/officeDocument/2006/relationships" xmlns:p="http://schemas.openxmlformats.org/presentationml/2006/main">
+  <p:cSld>
+    <p:spTree>
+      <p:nvGrpSpPr>
+        <p:cNvPr id="1" name=""/>
+        <p:cNvGrpSpPr/>
+        <p:nvPr/>
+      </p:nvGrpSpPr>
+      <p:grpSpPr>
+        <a:xfrm>
+          <a:off x="0" y="0"/>
+          <a:ext cx="0" cy="0"/>
+          <a:chOff x="0" y="0"/>
+          <a:chExt cx="0" cy="0"/>
+        </a:xfrm>
+      </p:grpSpPr>
+      <p:sp>
+        <p:nvSpPr>
+          <p:cNvPr id="2" name="Title 1"/>
+          <p:cNvSpPr>
+            <a:spLocks noGrp="1"/>
+          </p:cNvSpPr>
+          <p:nvPr>
+            <p:ph type="title"/>
+          </p:nvPr>
+        </p:nvSpPr>
+        <p:spPr>
+          <a:xfrm>
+            <a:off x="838200" y="-76200"/>
+            <a:ext cx="10515600" cy="1145224"/>
+          </a:xfrm>
+        </p:spPr>
+        <p:txBody>
+          <a:bodyPr/>
+          <a:lstStyle/>
+          <a:p>
+            <a:r>
+              <a:rPr lang="en-US" dirty="0" smtClean="0">
+                <a:latin typeface="Helvetica"/>
+                <a:cs typeface="Helvetica"/>
+              </a:rPr>
+              <a:t>Results</a:t>
+            </a:r>
+            <a:endParaRPr lang="en-US" dirty="0">
+              <a:latin typeface="Helvetica"/>
+              <a:cs typeface="Helvetica"/>
+            </a:endParaRPr>
+          </a:p>
+        </p:txBody>
+      </p:sp>
+      <p:pic>
+        <p:nvPicPr>
+          <p:cNvPr id="8" name="Picture 7"/>
+          <p:cNvPicPr>
+            <a:picLocks noChangeAspect="1"/>
+          </p:cNvPicPr>
+          <p:nvPr/>
+        </p:nvPicPr>
+        <p:blipFill>
+          <a:blip r:embed="rId2"/>
+          <a:stretch>
+            <a:fillRect/>
+          </a:stretch>
+        </p:blipFill>
+        <p:spPr>
+          <a:xfrm>
+            <a:off x="252902" y="1739900"/>
+            <a:ext cx="11712408" cy="3822700"/>
+          </a:xfrm>
+          <a:prstGeom prst="rect">
+            <a:avLst/>
+          </a:prstGeom>
+        </p:spPr>
+      </p:pic>
+    </p:spTree>
+    <p:extLst>
+      <p:ext uri="{BB962C8B-B14F-4D97-AF65-F5344CB8AC3E}">
+        <p14:creationId xmlns:p14="http://schemas.microsoft.com/office/powerpoint/2010/main" val="680897231"/>
+      </p:ext>
+    </p:extLst>
+  </p:cSld>
+  <p:clrMapOvr>
+    <a:masterClrMapping/>
+  </p:clrMapOvr>
+  <mc:AlternateContent xmlns:mc="http://schemas.openxmlformats.org/markup-compatibility/2006" xmlns:p14="http://schemas.microsoft.com/office/powerpoint/2010/main">
+    <mc:Choice Requires="p14">
+      <p:transition spd="med" p14:dur="700">
+        <p:fade/>
+      </p:transition>
+    </mc:Choice>
+    <mc:Fallback xmlns="">
+      <p:transition spd="med">
+        <p:fade/>
+      </p:transition>
+    </mc:Fallback>
+  </mc:AlternateContent>
+</p:sld>
+</file>
+
+<file path=ppt/slides/slide12.xml><?xml version="1.0" encoding="utf-8"?>
+<p:sld xmlns:a="http://schemas.openxmlformats.org/drawingml/2006/main" xmlns:r="http://schemas.openxmlformats.org/officeDocument/2006/relationships" xmlns:p="http://schemas.openxmlformats.org/presentationml/2006/main">
+  <p:cSld>
+    <p:bg>
+      <p:bgPr>
+        <a:solidFill>
+          <a:schemeClr val="tx1"/>
+        </a:solidFill>
+        <a:effectLst/>
+      </p:bgPr>
+    </p:bg>
+    <p:spTree>
+      <p:nvGrpSpPr>
+        <p:cNvPr id="1" name=""/>
+        <p:cNvGrpSpPr/>
+        <p:nvPr/>
+      </p:nvGrpSpPr>
+      <p:grpSpPr>
+        <a:xfrm>
+          <a:off x="0" y="0"/>
+          <a:ext cx="0" cy="0"/>
+          <a:chOff x="0" y="0"/>
+          <a:chExt cx="0" cy="0"/>
+        </a:xfrm>
+      </p:grpSpPr>
+      <p:pic>
+        <p:nvPicPr>
+          <p:cNvPr id="6" name="Picture 5"/>
+          <p:cNvPicPr>
+            <a:picLocks noChangeAspect="1"/>
+          </p:cNvPicPr>
+          <p:nvPr/>
+        </p:nvPicPr>
+        <p:blipFill>
+          <a:blip r:embed="rId2"/>
+          <a:stretch>
+            <a:fillRect/>
+          </a:stretch>
+        </p:blipFill>
+        <p:spPr>
+          <a:xfrm>
+            <a:off x="3886200" y="152400"/>
+            <a:ext cx="8153400" cy="6172200"/>
+          </a:xfrm>
+          <a:prstGeom prst="rect">
+            <a:avLst/>
+          </a:prstGeom>
+        </p:spPr>
+      </p:pic>
+      <p:sp>
+        <p:nvSpPr>
+          <p:cNvPr id="8" name="TextBox 7"/>
+          <p:cNvSpPr txBox="1"/>
+          <p:nvPr/>
+        </p:nvSpPr>
+        <p:spPr>
+          <a:xfrm>
+            <a:off x="381000" y="838200"/>
+            <a:ext cx="3048000" cy="923330"/>
+          </a:xfrm>
+          <a:prstGeom prst="rect">
+            <a:avLst/>
+          </a:prstGeom>
+          <a:noFill/>
+        </p:spPr>
+        <p:txBody>
+          <a:bodyPr wrap="square" rtlCol="0">
+            <a:spAutoFit/>
+          </a:bodyPr>
+          <a:lstStyle/>
+          <a:p>
+            <a:r>
+              <a:rPr lang="en-US" b="1" dirty="0" smtClean="0">
+                <a:solidFill>
+                  <a:schemeClr val="bg1"/>
+                </a:solidFill>
+                <a:latin typeface="Helvetica"/>
+                <a:cs typeface="Helvetica"/>
+              </a:rPr>
+              <a:t>RMSE Values</a:t>
+            </a:r>
+          </a:p>
+          <a:p>
+            <a:endParaRPr lang="en-US" b="1" dirty="0">
+              <a:solidFill>
+                <a:schemeClr val="bg1"/>
+              </a:solidFill>
+              <a:latin typeface="Helvetica"/>
+              <a:cs typeface="Helvetica"/>
+            </a:endParaRPr>
+          </a:p>
+          <a:p>
+            <a:endParaRPr lang="en-US" b="1" dirty="0">
+              <a:solidFill>
+                <a:schemeClr val="bg1"/>
+              </a:solidFill>
+              <a:latin typeface="Helvetica"/>
+              <a:cs typeface="Helvetica"/>
+            </a:endParaRPr>
+          </a:p>
+        </p:txBody>
+      </p:sp>
+      <p:graphicFrame>
+        <p:nvGraphicFramePr>
+          <p:cNvPr id="9" name="Table 8"/>
+          <p:cNvGraphicFramePr>
+            <a:graphicFrameLocks noGrp="1"/>
+          </p:cNvGraphicFramePr>
+          <p:nvPr>
+            <p:extLst>
+              <p:ext uri="{D42A27DB-BD31-4B8C-83A1-F6EECF244321}">
+                <p14:modId xmlns:p14="http://schemas.microsoft.com/office/powerpoint/2010/main" val="1778084285"/>
+              </p:ext>
+            </p:extLst>
+          </p:nvPr>
+        </p:nvGraphicFramePr>
+        <p:xfrm>
+          <a:off x="457200" y="1295400"/>
+          <a:ext cx="3124200" cy="838200"/>
+        </p:xfrm>
+        <a:graphic>
+          <a:graphicData uri="http://schemas.openxmlformats.org/drawingml/2006/table">
+            <a:tbl>
+              <a:tblPr firstRow="1" bandRow="1">
+                <a:tableStyleId>{3B4B98B0-60AC-42C2-AFA5-B58CD77FA1E5}</a:tableStyleId>
+              </a:tblPr>
+              <a:tblGrid>
+                <a:gridCol w="1524000"/>
+                <a:gridCol w="1600200"/>
+              </a:tblGrid>
+              <a:tr h="419100">
+                <a:tc>
+                  <a:txBody>
+                    <a:bodyPr/>
+                    <a:lstStyle/>
+                    <a:p>
+                      <a:r>
+                        <a:rPr lang="en-US" b="1" dirty="0" smtClean="0">
+                          <a:solidFill>
+                            <a:srgbClr val="3D372E"/>
+                          </a:solidFill>
+                          <a:latin typeface="Helvetica"/>
+                          <a:cs typeface="Helvetica"/>
+                        </a:rPr>
+                        <a:t>Spatial</a:t>
+                      </a:r>
+                      <a:endParaRPr lang="en-US" b="1" dirty="0">
+                        <a:solidFill>
+                          <a:srgbClr val="3D372E"/>
+                        </a:solidFill>
+                        <a:latin typeface="Helvetica"/>
+                        <a:cs typeface="Helvetica"/>
+                      </a:endParaRPr>
+                    </a:p>
+                  </a:txBody>
+                  <a:tcPr/>
+                </a:tc>
+                <a:tc>
+                  <a:txBody>
+                    <a:bodyPr/>
+                    <a:lstStyle/>
+                    <a:p>
+                      <a:r>
+                        <a:rPr lang="en-US" b="1" dirty="0" smtClean="0">
+                          <a:solidFill>
+                            <a:srgbClr val="3D372E"/>
+                          </a:solidFill>
+                          <a:latin typeface="Helvetica"/>
+                          <a:cs typeface="Helvetica"/>
+                        </a:rPr>
+                        <a:t>3.65</a:t>
+                      </a:r>
+                      <a:endParaRPr lang="en-US" b="1" dirty="0">
+                        <a:solidFill>
+                          <a:srgbClr val="3D372E"/>
+                        </a:solidFill>
+                        <a:latin typeface="Helvetica"/>
+                        <a:cs typeface="Helvetica"/>
+                      </a:endParaRPr>
+                    </a:p>
+                  </a:txBody>
+                  <a:tcPr/>
+                </a:tc>
+              </a:tr>
+              <a:tr h="419100">
+                <a:tc>
+                  <a:txBody>
+                    <a:bodyPr/>
+                    <a:lstStyle/>
+                    <a:p>
+                      <a:r>
+                        <a:rPr lang="en-US" b="1" dirty="0" smtClean="0">
+                          <a:solidFill>
+                            <a:srgbClr val="3D372E"/>
+                          </a:solidFill>
+                          <a:latin typeface="Helvetica"/>
+                          <a:cs typeface="Helvetica"/>
+                        </a:rPr>
+                        <a:t>LASSO</a:t>
+                      </a:r>
+                      <a:endParaRPr lang="en-US" b="1" dirty="0">
+                        <a:solidFill>
+                          <a:srgbClr val="3D372E"/>
+                        </a:solidFill>
+                        <a:latin typeface="Helvetica"/>
+                        <a:cs typeface="Helvetica"/>
+                      </a:endParaRPr>
+                    </a:p>
+                  </a:txBody>
+                  <a:tcPr/>
+                </a:tc>
+                <a:tc>
+                  <a:txBody>
+                    <a:bodyPr/>
+                    <a:lstStyle/>
+                    <a:p>
+                      <a:r>
+                        <a:rPr lang="en-US" b="1" dirty="0" smtClean="0">
+                          <a:solidFill>
+                            <a:srgbClr val="3D372E"/>
+                          </a:solidFill>
+                          <a:latin typeface="Helvetica"/>
+                          <a:cs typeface="Helvetica"/>
+                        </a:rPr>
+                        <a:t>252.43</a:t>
+                      </a:r>
+                      <a:endParaRPr lang="en-US" b="1" dirty="0">
+                        <a:solidFill>
+                          <a:srgbClr val="3D372E"/>
+                        </a:solidFill>
+                        <a:latin typeface="Helvetica"/>
+                        <a:cs typeface="Helvetica"/>
+                      </a:endParaRPr>
+                    </a:p>
+                  </a:txBody>
+                  <a:tcPr/>
+                </a:tc>
+              </a:tr>
+            </a:tbl>
+          </a:graphicData>
+        </a:graphic>
+      </p:graphicFrame>
+      <p:sp>
+        <p:nvSpPr>
+          <p:cNvPr id="10" name="TextBox 9"/>
+          <p:cNvSpPr txBox="1"/>
+          <p:nvPr/>
+        </p:nvSpPr>
+        <p:spPr>
+          <a:xfrm>
+            <a:off x="457200" y="2590800"/>
+            <a:ext cx="3048000" cy="646331"/>
+          </a:xfrm>
+          <a:prstGeom prst="rect">
+            <a:avLst/>
+          </a:prstGeom>
+          <a:noFill/>
+        </p:spPr>
+        <p:txBody>
+          <a:bodyPr wrap="square" rtlCol="0">
+            <a:spAutoFit/>
+          </a:bodyPr>
+          <a:lstStyle/>
+          <a:p>
+            <a:r>
+              <a:rPr lang="en-US" b="1" dirty="0" smtClean="0">
+                <a:solidFill>
+                  <a:schemeClr val="bg1"/>
+                </a:solidFill>
+                <a:latin typeface="Helvetica"/>
+                <a:cs typeface="Helvetica"/>
+              </a:rPr>
+              <a:t>Moran’s I</a:t>
+            </a:r>
+            <a:endParaRPr lang="en-US" b="1" dirty="0">
+              <a:solidFill>
+                <a:schemeClr val="bg1"/>
+              </a:solidFill>
+              <a:latin typeface="Helvetica"/>
+              <a:cs typeface="Helvetica"/>
+            </a:endParaRPr>
+          </a:p>
+          <a:p>
+            <a:endParaRPr lang="en-US" b="1" dirty="0">
+              <a:solidFill>
+                <a:schemeClr val="bg1"/>
+              </a:solidFill>
+              <a:latin typeface="Helvetica"/>
+              <a:cs typeface="Helvetica"/>
+            </a:endParaRPr>
+          </a:p>
+        </p:txBody>
+      </p:sp>
+      <p:graphicFrame>
+        <p:nvGraphicFramePr>
+          <p:cNvPr id="11" name="Table 10"/>
+          <p:cNvGraphicFramePr>
+            <a:graphicFrameLocks noGrp="1"/>
+          </p:cNvGraphicFramePr>
+          <p:nvPr>
+            <p:extLst>
+              <p:ext uri="{D42A27DB-BD31-4B8C-83A1-F6EECF244321}">
+                <p14:modId xmlns:p14="http://schemas.microsoft.com/office/powerpoint/2010/main" val="2109355968"/>
+              </p:ext>
+            </p:extLst>
+          </p:nvPr>
+        </p:nvGraphicFramePr>
+        <p:xfrm>
+          <a:off x="533400" y="3048000"/>
+          <a:ext cx="3124200" cy="419100"/>
+        </p:xfrm>
+        <a:graphic>
+          <a:graphicData uri="http://schemas.openxmlformats.org/drawingml/2006/table">
+            <a:tbl>
+              <a:tblPr firstRow="1" bandRow="1">
+                <a:tableStyleId>{3B4B98B0-60AC-42C2-AFA5-B58CD77FA1E5}</a:tableStyleId>
+              </a:tblPr>
+              <a:tblGrid>
+                <a:gridCol w="1524000"/>
+                <a:gridCol w="1600200"/>
+              </a:tblGrid>
+              <a:tr h="419100">
+                <a:tc>
+                  <a:txBody>
+                    <a:bodyPr/>
+                    <a:lstStyle/>
+                    <a:p>
+                      <a:r>
+                        <a:rPr lang="en-US" b="1" dirty="0" smtClean="0">
+                          <a:solidFill>
+                            <a:srgbClr val="3D372E"/>
+                          </a:solidFill>
+                          <a:latin typeface="Helvetica"/>
+                          <a:cs typeface="Helvetica"/>
+                        </a:rPr>
+                        <a:t>Spatial</a:t>
+                      </a:r>
+                      <a:endParaRPr lang="en-US" b="1" dirty="0">
+                        <a:solidFill>
+                          <a:srgbClr val="3D372E"/>
+                        </a:solidFill>
+                        <a:latin typeface="Helvetica"/>
+                        <a:cs typeface="Helvetica"/>
+                      </a:endParaRPr>
+                    </a:p>
+                  </a:txBody>
+                  <a:tcPr/>
+                </a:tc>
+                <a:tc>
+                  <a:txBody>
+                    <a:bodyPr/>
+                    <a:lstStyle/>
+                    <a:p>
+                      <a:r>
+                        <a:rPr lang="en-US" b="1" dirty="0" smtClean="0">
+                          <a:solidFill>
+                            <a:srgbClr val="3D372E"/>
+                          </a:solidFill>
+                          <a:latin typeface="Helvetica"/>
+                          <a:cs typeface="Helvetica"/>
+                        </a:rPr>
+                        <a:t>0.51</a:t>
+                      </a:r>
+                      <a:endParaRPr lang="en-US" b="1" dirty="0">
+                        <a:solidFill>
+                          <a:srgbClr val="3D372E"/>
+                        </a:solidFill>
+                        <a:latin typeface="Helvetica"/>
+                        <a:cs typeface="Helvetica"/>
+                      </a:endParaRPr>
+                    </a:p>
+                  </a:txBody>
+                  <a:tcPr/>
+                </a:tc>
+              </a:tr>
+            </a:tbl>
+          </a:graphicData>
+        </a:graphic>
+      </p:graphicFrame>
+    </p:spTree>
+    <p:extLst>
+      <p:ext uri="{BB962C8B-B14F-4D97-AF65-F5344CB8AC3E}">
+        <p14:creationId xmlns:p14="http://schemas.microsoft.com/office/powerpoint/2010/main" val="680897231"/>
+      </p:ext>
+    </p:extLst>
+  </p:cSld>
+  <p:clrMapOvr>
+    <a:masterClrMapping/>
+  </p:clrMapOvr>
+  <mc:AlternateContent xmlns:mc="http://schemas.openxmlformats.org/markup-compatibility/2006" xmlns:p14="http://schemas.microsoft.com/office/powerpoint/2010/main">
+    <mc:Choice Requires="p14">
+      <p:transition spd="med" p14:dur="700">
+        <p:fade/>
+      </p:transition>
+    </mc:Choice>
+    <mc:Fallback xmlns="">
+      <p:transition spd="med">
+        <p:fade/>
+      </p:transition>
+    </mc:Fallback>
+  </mc:AlternateContent>
+</p:sld>
+</file>
+
+<file path=ppt/slides/slide13.xml><?xml version="1.0" encoding="utf-8"?>
+<p:sld xmlns:a="http://schemas.openxmlformats.org/drawingml/2006/main" xmlns:r="http://schemas.openxmlformats.org/officeDocument/2006/relationships" xmlns:p="http://schemas.openxmlformats.org/presentationml/2006/main">
+  <p:cSld>
+    <p:spTree>
+      <p:nvGrpSpPr>
+        <p:cNvPr id="1" name=""/>
+        <p:cNvGrpSpPr/>
+        <p:nvPr/>
+      </p:nvGrpSpPr>
+      <p:grpSpPr>
+        <a:xfrm>
+          <a:off x="0" y="0"/>
+          <a:ext cx="0" cy="0"/>
+          <a:chOff x="0" y="0"/>
+          <a:chExt cx="0" cy="0"/>
+        </a:xfrm>
+      </p:grpSpPr>
+      <p:sp>
+        <p:nvSpPr>
+          <p:cNvPr id="2" name="Title 1"/>
+          <p:cNvSpPr>
+            <a:spLocks noGrp="1"/>
+          </p:cNvSpPr>
+          <p:nvPr>
+            <p:ph type="title"/>
+          </p:nvPr>
+        </p:nvSpPr>
+        <p:spPr>
+          <a:xfrm>
+            <a:off x="838200" y="365126"/>
+            <a:ext cx="10515600" cy="1145224"/>
+          </a:xfrm>
+        </p:spPr>
+        <p:txBody>
+          <a:bodyPr/>
+          <a:lstStyle/>
+          <a:p>
+            <a:r>
+              <a:rPr lang="en-US" dirty="0" smtClean="0">
+                <a:latin typeface="Helvetica"/>
+                <a:cs typeface="Helvetica"/>
+              </a:rPr>
+              <a:t>Next Steps</a:t>
+            </a:r>
+            <a:endParaRPr lang="en-US" dirty="0">
+              <a:latin typeface="Helvetica"/>
+              <a:cs typeface="Helvetica"/>
+            </a:endParaRPr>
+          </a:p>
+        </p:txBody>
+      </p:sp>
+      <p:sp>
+        <p:nvSpPr>
+          <p:cNvPr id="3" name="Content Placeholder 2"/>
+          <p:cNvSpPr>
+            <a:spLocks noGrp="1"/>
+          </p:cNvSpPr>
+          <p:nvPr>
+            <p:ph idx="1"/>
+          </p:nvPr>
+        </p:nvSpPr>
+        <p:spPr/>
+        <p:txBody>
+          <a:bodyPr/>
+          <a:lstStyle/>
+          <a:p>
+            <a:r>
+              <a:rPr lang="en-US" dirty="0">
+                <a:latin typeface="Helvetica"/>
+                <a:cs typeface="Helvetica"/>
+              </a:rPr>
+              <a:t>Trump – </a:t>
+            </a:r>
+            <a:r>
+              <a:rPr lang="en-US" dirty="0">
+                <a:latin typeface="Helvetica"/>
+                <a:cs typeface="Helvetica"/>
+                <a:hlinkClick r:id="rId2"/>
+              </a:rPr>
+              <a:t>https://tribwgntv.files.wordpress.com/2017/01/twwet.png</a:t>
+            </a:r>
+            <a:endParaRPr lang="en-US" dirty="0">
+              <a:latin typeface="Helvetica"/>
+              <a:cs typeface="Helvetica"/>
+            </a:endParaRPr>
+          </a:p>
+          <a:p>
+            <a:r>
+              <a:rPr lang="en-US" dirty="0">
+                <a:latin typeface="Helvetica"/>
+                <a:cs typeface="Helvetica"/>
+              </a:rPr>
+              <a:t>Chi-</a:t>
+            </a:r>
+            <a:r>
+              <a:rPr lang="en-US" dirty="0" err="1">
+                <a:latin typeface="Helvetica"/>
+                <a:cs typeface="Helvetica"/>
+              </a:rPr>
+              <a:t>raq</a:t>
+            </a:r>
+            <a:r>
+              <a:rPr lang="en-US" dirty="0">
+                <a:latin typeface="Helvetica"/>
+                <a:cs typeface="Helvetica"/>
+              </a:rPr>
+              <a:t> https://upload.wikimedia.org/wikipedia/en/thumb/e/e7/ChiRaqMoviePoster.png/220px-ChiRaqMoviePoster.png</a:t>
+            </a:r>
+          </a:p>
+          <a:p>
+            <a:r>
+              <a:rPr lang="en-US" dirty="0">
+                <a:latin typeface="Helvetica"/>
+                <a:cs typeface="Helvetica"/>
+              </a:rPr>
+              <a:t>Communities - https://upload.wikimedia.org/wikipedia/commons/thumb/2/24/Map_of_the_Community_Areas_and_%27Sides%27_of_the_City_of_Chicago.svg/350px-Map_of_the_Community_Areas_and_%27Sides%27_of_the_City_of_Chicago.svg.png</a:t>
+            </a:r>
+          </a:p>
+        </p:txBody>
+      </p:sp>
+    </p:spTree>
+    <p:extLst>
+      <p:ext uri="{BB962C8B-B14F-4D97-AF65-F5344CB8AC3E}">
+        <p14:creationId xmlns:p14="http://schemas.microsoft.com/office/powerpoint/2010/main" val="1204360770"/>
       </p:ext>
     </p:extLst>
   </p:cSld>
@@ -4044,13 +7999,21 @@
             <p:ph type="title"/>
           </p:nvPr>
         </p:nvSpPr>
-        <p:spPr/>
-        <p:txBody>
-          <a:bodyPr/>
-          <a:lstStyle/>
-          <a:p>
-            <a:r>
-              <a:rPr lang="en-US" dirty="0"/>
+        <p:spPr>
+          <a:xfrm>
+            <a:off x="457200" y="0"/>
+            <a:ext cx="10515600" cy="1145224"/>
+          </a:xfrm>
+        </p:spPr>
+        <p:txBody>
+          <a:bodyPr/>
+          <a:lstStyle/>
+          <a:p>
+            <a:r>
+              <a:rPr lang="en-US" dirty="0">
+                <a:latin typeface="Helvetica"/>
+                <a:cs typeface="Helvetica"/>
+              </a:rPr>
               <a:t>Is Chicago a war zone?</a:t>
             </a:r>
           </a:p>
@@ -4098,8 +8061,8 @@
         </p:nvSpPr>
         <p:spPr>
           <a:xfrm>
-            <a:off x="8458200" y="4343400"/>
-            <a:ext cx="3429000" cy="1569660"/>
+            <a:off x="8763000" y="4343400"/>
+            <a:ext cx="3429000" cy="1384995"/>
           </a:xfrm>
           <a:prstGeom prst="rect">
             <a:avLst/>
@@ -4117,7 +8080,10 @@
               <a:buChar char="•"/>
             </a:pPr>
             <a:r>
-              <a:rPr lang="en-US" sz="3200" dirty="0"/>
+              <a:rPr lang="en-US" sz="2800" dirty="0">
+                <a:latin typeface="Helvetica"/>
+                <a:cs typeface="Helvetica"/>
+              </a:rPr>
               <a:t>4,367 shooting victims in 2016</a:t>
             </a:r>
           </a:p>
@@ -4127,7 +8093,10 @@
               <a:buChar char="•"/>
             </a:pPr>
             <a:r>
-              <a:rPr lang="en-US" sz="3200" dirty="0"/>
+              <a:rPr lang="en-US" sz="2800" dirty="0">
+                <a:latin typeface="Helvetica"/>
+                <a:cs typeface="Helvetica"/>
+              </a:rPr>
               <a:t>735 homicides</a:t>
             </a:r>
           </a:p>
@@ -4164,7 +8133,7 @@
           </a:prstGeom>
           <a:noFill/>
           <a:extLst>
-            <a:ext uri="{909E8E84-426E-40DD-AFC4-6F175D3DCCD1}">
+            <a:ext uri="{909E8E84-426E-40dd-AFC4-6F175D3DCCD1}">
               <a14:hiddenFill xmlns:a14="http://schemas.microsoft.com/office/drawing/2010/main">
                 <a:solidFill>
                   <a:srgbClr val="FFFFFF"/>
@@ -4226,13 +8195,21 @@
             <p:ph type="title"/>
           </p:nvPr>
         </p:nvSpPr>
-        <p:spPr/>
-        <p:txBody>
-          <a:bodyPr/>
-          <a:lstStyle/>
-          <a:p>
-            <a:r>
-              <a:rPr lang="en-US" dirty="0"/>
+        <p:spPr>
+          <a:xfrm>
+            <a:off x="838200" y="-76200"/>
+            <a:ext cx="10515600" cy="1145224"/>
+          </a:xfrm>
+        </p:spPr>
+        <p:txBody>
+          <a:bodyPr/>
+          <a:lstStyle/>
+          <a:p>
+            <a:r>
+              <a:rPr lang="en-US" dirty="0">
+                <a:latin typeface="Helvetica"/>
+                <a:cs typeface="Helvetica"/>
+              </a:rPr>
               <a:t>Data Sources</a:t>
             </a:r>
           </a:p>
@@ -4240,31 +8217,26 @@
       </p:sp>
       <p:pic>
         <p:nvPicPr>
-          <p:cNvPr id="5" name="Content Placeholder 4"/>
+          <p:cNvPr id="6" name="Picture 5"/>
           <p:cNvPicPr>
-            <a:picLocks noGrp="1" noChangeAspect="1"/>
+            <a:picLocks noChangeAspect="1"/>
           </p:cNvPicPr>
-          <p:nvPr>
-            <p:ph idx="1"/>
-          </p:nvPr>
+          <p:nvPr/>
         </p:nvPicPr>
         <p:blipFill>
-          <a:blip r:embed="rId2">
-            <a:extLst>
-              <a:ext uri="{28A0092B-C50C-407E-A947-70E740481C1C}">
-                <a14:useLocalDpi xmlns:a14="http://schemas.microsoft.com/office/drawing/2010/main" val="0"/>
-              </a:ext>
-            </a:extLst>
-          </a:blip>
+          <a:blip r:embed="rId2"/>
           <a:stretch>
             <a:fillRect/>
           </a:stretch>
         </p:blipFill>
         <p:spPr>
           <a:xfrm>
-            <a:off x="838200" y="2163779"/>
-            <a:ext cx="10515600" cy="3675030"/>
-          </a:xfrm>
+            <a:off x="381000" y="1406847"/>
+            <a:ext cx="11506200" cy="4460553"/>
+          </a:xfrm>
+          <a:prstGeom prst="rect">
+            <a:avLst/>
+          </a:prstGeom>
         </p:spPr>
       </p:pic>
     </p:spTree>
@@ -4319,41 +8291,99 @@
             <p:ph type="title"/>
           </p:nvPr>
         </p:nvSpPr>
+        <p:spPr>
+          <a:xfrm>
+            <a:off x="838200" y="365126"/>
+            <a:ext cx="10515600" cy="1145224"/>
+          </a:xfrm>
+        </p:spPr>
+        <p:txBody>
+          <a:bodyPr/>
+          <a:lstStyle/>
+          <a:p>
+            <a:r>
+              <a:rPr lang="en-US" dirty="0">
+                <a:latin typeface="Helvetica"/>
+                <a:cs typeface="Helvetica"/>
+              </a:rPr>
+              <a:t>Images</a:t>
+            </a:r>
+          </a:p>
+        </p:txBody>
+      </p:sp>
+      <p:sp>
+        <p:nvSpPr>
+          <p:cNvPr id="3" name="Content Placeholder 2"/>
+          <p:cNvSpPr>
+            <a:spLocks noGrp="1"/>
+          </p:cNvSpPr>
+          <p:nvPr>
+            <p:ph idx="1"/>
+          </p:nvPr>
+        </p:nvSpPr>
         <p:spPr/>
         <p:txBody>
           <a:bodyPr/>
           <a:lstStyle/>
           <a:p>
             <a:r>
-              <a:rPr lang="en-US" dirty="0"/>
-              <a:t>ARIMA Modeling</a:t>
-            </a:r>
-          </a:p>
-        </p:txBody>
-      </p:sp>
-      <p:sp>
-        <p:nvSpPr>
-          <p:cNvPr id="3" name="Text Placeholder 2"/>
-          <p:cNvSpPr>
-            <a:spLocks noGrp="1"/>
-          </p:cNvSpPr>
-          <p:nvPr>
-            <p:ph type="body" idx="1"/>
-          </p:nvPr>
-        </p:nvSpPr>
-        <p:spPr/>
-        <p:txBody>
-          <a:bodyPr/>
-          <a:lstStyle/>
-          <a:p>
-            <a:endParaRPr lang="en-US"/>
+              <a:rPr lang="en-US" dirty="0">
+                <a:latin typeface="Helvetica"/>
+                <a:cs typeface="Helvetica"/>
+              </a:rPr>
+              <a:t>Trump – </a:t>
+            </a:r>
+            <a:r>
+              <a:rPr lang="en-US" dirty="0">
+                <a:latin typeface="Helvetica"/>
+                <a:cs typeface="Helvetica"/>
+                <a:hlinkClick r:id="rId2"/>
+              </a:rPr>
+              <a:t>https://tribwgntv.files.wordpress.com/2017/01/twwet.png</a:t>
+            </a:r>
+            <a:endParaRPr lang="en-US" dirty="0">
+              <a:latin typeface="Helvetica"/>
+              <a:cs typeface="Helvetica"/>
+            </a:endParaRPr>
+          </a:p>
+          <a:p>
+            <a:r>
+              <a:rPr lang="en-US" dirty="0">
+                <a:latin typeface="Helvetica"/>
+                <a:cs typeface="Helvetica"/>
+              </a:rPr>
+              <a:t>Chi-</a:t>
+            </a:r>
+            <a:r>
+              <a:rPr lang="en-US" dirty="0" err="1">
+                <a:latin typeface="Helvetica"/>
+                <a:cs typeface="Helvetica"/>
+              </a:rPr>
+              <a:t>raq</a:t>
+            </a:r>
+            <a:r>
+              <a:rPr lang="en-US" dirty="0">
+                <a:latin typeface="Helvetica"/>
+                <a:cs typeface="Helvetica"/>
+              </a:rPr>
+              <a:t> https://upload.wikimedia.org/wikipedia/en/thumb/e/e7/ChiRaqMoviePoster.png/220px-ChiRaqMoviePoster.png</a:t>
+            </a:r>
+          </a:p>
+          <a:p>
+            <a:r>
+              <a:rPr lang="en-US" dirty="0">
+                <a:latin typeface="Helvetica"/>
+                <a:cs typeface="Helvetica"/>
+              </a:rPr>
+              <a:t>Communities - https://upload.wikimedia.org/wikipedia/commons/thumb/2/24/Map_of_the_Community_Areas_and_%27Sides%27_of_the_City_of_Chicago.svg/350px-Map_of_the_Community_Areas_and_%27Sides%27_of_the_City_of_Chicago.svg.png</a:t>
+            </a:r>
           </a:p>
         </p:txBody>
       </p:sp>
     </p:spTree>
     <p:extLst>
       <p:ext uri="{BB962C8B-B14F-4D97-AF65-F5344CB8AC3E}">
-        <p14:creationId xmlns:p14="http://schemas.microsoft.com/office/powerpoint/2010/main" val="1783796071"/>
+        <p14:creationId xmlns:p14="http://schemas.microsoft.com/office/powerpoint/2010/main" val="1204360770"/>
       </p:ext>
     </p:extLst>
   </p:cSld>
@@ -4392,44 +8422,74 @@
           <a:chExt cx="0" cy="0"/>
         </a:xfrm>
       </p:grpSpPr>
-      <p:pic>
-        <p:nvPicPr>
-          <p:cNvPr id="1026" name="Picture 2" descr="https://upload.wikimedia.org/wikipedia/commons/thumb/2/24/Map_of_the_Community_Areas_and_%27Sides%27_of_the_City_of_Chicago.svg/350px-Map_of_the_Community_Areas_and_%27Sides%27_of_the_City_of_Chicago.svg.png"/>
-          <p:cNvPicPr>
-            <a:picLocks noChangeAspect="1" noChangeArrowheads="1"/>
-          </p:cNvPicPr>
-          <p:nvPr/>
-        </p:nvPicPr>
-        <p:blipFill>
-          <a:blip r:embed="rId2">
-            <a:extLst>
-              <a:ext uri="{28A0092B-C50C-407E-A947-70E740481C1C}">
-                <a14:useLocalDpi xmlns:a14="http://schemas.microsoft.com/office/drawing/2010/main" val="0"/>
-              </a:ext>
-            </a:extLst>
-          </a:blip>
-          <a:srcRect/>
-          <a:stretch>
-            <a:fillRect/>
-          </a:stretch>
-        </p:blipFill>
-        <p:spPr bwMode="auto">
-          <a:xfrm>
-            <a:off x="1295400" y="674424"/>
-            <a:ext cx="4343400" cy="5621601"/>
-          </a:xfrm>
-          <a:prstGeom prst="rect">
-            <a:avLst/>
-          </a:prstGeom>
-          <a:solidFill>
-            <a:schemeClr val="accent1"/>
-          </a:solidFill>
-        </p:spPr>
-      </p:pic>
+      <p:sp>
+        <p:nvSpPr>
+          <p:cNvPr id="2" name="Title 1"/>
+          <p:cNvSpPr>
+            <a:spLocks noGrp="1"/>
+          </p:cNvSpPr>
+          <p:nvPr>
+            <p:ph type="title"/>
+          </p:nvPr>
+        </p:nvSpPr>
+        <p:spPr>
+          <a:xfrm>
+            <a:off x="841248" y="2819400"/>
+            <a:ext cx="9601200" cy="1838519"/>
+          </a:xfrm>
+        </p:spPr>
+        <p:txBody>
+          <a:bodyPr/>
+          <a:lstStyle/>
+          <a:p>
+            <a:r>
+              <a:rPr lang="en-US" dirty="0">
+                <a:latin typeface="Helvetica"/>
+                <a:cs typeface="Helvetica"/>
+              </a:rPr>
+              <a:t>ARIMA Modeling</a:t>
+            </a:r>
+          </a:p>
+        </p:txBody>
+      </p:sp>
+      <p:sp>
+        <p:nvSpPr>
+          <p:cNvPr id="3" name="Text Placeholder 2"/>
+          <p:cNvSpPr>
+            <a:spLocks noGrp="1"/>
+          </p:cNvSpPr>
+          <p:nvPr>
+            <p:ph type="body" idx="1"/>
+          </p:nvPr>
+        </p:nvSpPr>
+        <p:spPr>
+          <a:xfrm>
+            <a:off x="841248" y="4800600"/>
+            <a:ext cx="9601200" cy="475488"/>
+          </a:xfrm>
+        </p:spPr>
+        <p:txBody>
+          <a:bodyPr/>
+          <a:lstStyle/>
+          <a:p>
+            <a:r>
+              <a:rPr lang="en-US" dirty="0" smtClean="0">
+                <a:latin typeface="Helvetica"/>
+                <a:cs typeface="Helvetica"/>
+              </a:rPr>
+              <a:t>A time series analysis of crime data</a:t>
+            </a:r>
+            <a:endParaRPr lang="en-US" dirty="0">
+              <a:latin typeface="Helvetica"/>
+              <a:cs typeface="Helvetica"/>
+            </a:endParaRPr>
+          </a:p>
+        </p:txBody>
+      </p:sp>
     </p:spTree>
     <p:extLst>
       <p:ext uri="{BB962C8B-B14F-4D97-AF65-F5344CB8AC3E}">
-        <p14:creationId xmlns:p14="http://schemas.microsoft.com/office/powerpoint/2010/main" val="1841336679"/>
+        <p14:creationId xmlns:p14="http://schemas.microsoft.com/office/powerpoint/2010/main" val="1783796071"/>
       </p:ext>
     </p:extLst>
   </p:cSld>
@@ -4468,6 +8528,82 @@
           <a:chExt cx="0" cy="0"/>
         </a:xfrm>
       </p:grpSpPr>
+      <p:pic>
+        <p:nvPicPr>
+          <p:cNvPr id="1026" name="Picture 2" descr="https://upload.wikimedia.org/wikipedia/commons/thumb/2/24/Map_of_the_Community_Areas_and_%27Sides%27_of_the_City_of_Chicago.svg/350px-Map_of_the_Community_Areas_and_%27Sides%27_of_the_City_of_Chicago.svg.png"/>
+          <p:cNvPicPr>
+            <a:picLocks noChangeAspect="1" noChangeArrowheads="1"/>
+          </p:cNvPicPr>
+          <p:nvPr/>
+        </p:nvPicPr>
+        <p:blipFill>
+          <a:blip r:embed="rId2">
+            <a:extLst>
+              <a:ext uri="{28A0092B-C50C-407E-A947-70E740481C1C}">
+                <a14:useLocalDpi xmlns:a14="http://schemas.microsoft.com/office/drawing/2010/main" val="0"/>
+              </a:ext>
+            </a:extLst>
+          </a:blip>
+          <a:srcRect/>
+          <a:stretch>
+            <a:fillRect/>
+          </a:stretch>
+        </p:blipFill>
+        <p:spPr bwMode="auto">
+          <a:xfrm>
+            <a:off x="1295400" y="674424"/>
+            <a:ext cx="4343400" cy="5621601"/>
+          </a:xfrm>
+          <a:prstGeom prst="rect">
+            <a:avLst/>
+          </a:prstGeom>
+          <a:solidFill>
+            <a:schemeClr val="accent1"/>
+          </a:solidFill>
+        </p:spPr>
+      </p:pic>
+    </p:spTree>
+    <p:extLst>
+      <p:ext uri="{BB962C8B-B14F-4D97-AF65-F5344CB8AC3E}">
+        <p14:creationId xmlns:p14="http://schemas.microsoft.com/office/powerpoint/2010/main" val="1841336679"/>
+      </p:ext>
+    </p:extLst>
+  </p:cSld>
+  <p:clrMapOvr>
+    <a:masterClrMapping/>
+  </p:clrMapOvr>
+  <mc:AlternateContent xmlns:mc="http://schemas.openxmlformats.org/markup-compatibility/2006" xmlns:p14="http://schemas.microsoft.com/office/powerpoint/2010/main">
+    <mc:Choice Requires="p14">
+      <p:transition spd="med" p14:dur="700">
+        <p:fade/>
+      </p:transition>
+    </mc:Choice>
+    <mc:Fallback xmlns="">
+      <p:transition spd="med">
+        <p:fade/>
+      </p:transition>
+    </mc:Fallback>
+  </mc:AlternateContent>
+</p:sld>
+</file>
+
+<file path=ppt/slides/slide7.xml><?xml version="1.0" encoding="utf-8"?>
+<p:sld xmlns:a="http://schemas.openxmlformats.org/drawingml/2006/main" xmlns:r="http://schemas.openxmlformats.org/officeDocument/2006/relationships" xmlns:p="http://schemas.openxmlformats.org/presentationml/2006/main">
+  <p:cSld>
+    <p:spTree>
+      <p:nvGrpSpPr>
+        <p:cNvPr id="1" name=""/>
+        <p:cNvGrpSpPr/>
+        <p:nvPr/>
+      </p:nvGrpSpPr>
+      <p:grpSpPr>
+        <a:xfrm>
+          <a:off x="0" y="0"/>
+          <a:ext cx="0" cy="0"/>
+          <a:chOff x="0" y="0"/>
+          <a:chExt cx="0" cy="0"/>
+        </a:xfrm>
+      </p:grpSpPr>
       <p:sp>
         <p:nvSpPr>
           <p:cNvPr id="2" name="Title 1"/>
@@ -4489,7 +8625,10 @@
           <a:lstStyle/>
           <a:p>
             <a:r>
-              <a:rPr lang="en-US" dirty="0"/>
+              <a:rPr lang="en-US" dirty="0">
+                <a:latin typeface="Helvetica"/>
+                <a:cs typeface="Helvetica"/>
+              </a:rPr>
               <a:t>Images</a:t>
             </a:r>
           </a:p>
@@ -4511,34 +8650,54 @@
           <a:lstStyle/>
           <a:p>
             <a:r>
-              <a:rPr lang="en-US" dirty="0"/>
+              <a:rPr lang="en-US" dirty="0">
+                <a:latin typeface="Helvetica"/>
+                <a:cs typeface="Helvetica"/>
+              </a:rPr>
               <a:t>Trump – </a:t>
             </a:r>
             <a:r>
               <a:rPr lang="en-US" dirty="0">
+                <a:latin typeface="Helvetica"/>
+                <a:cs typeface="Helvetica"/>
                 <a:hlinkClick r:id="rId2"/>
               </a:rPr>
               <a:t>https://tribwgntv.files.wordpress.com/2017/01/twwet.png</a:t>
             </a:r>
-            <a:endParaRPr lang="en-US" dirty="0"/>
-          </a:p>
-          <a:p>
-            <a:r>
-              <a:rPr lang="en-US" dirty="0"/>
+            <a:endParaRPr lang="en-US" dirty="0">
+              <a:latin typeface="Helvetica"/>
+              <a:cs typeface="Helvetica"/>
+            </a:endParaRPr>
+          </a:p>
+          <a:p>
+            <a:r>
+              <a:rPr lang="en-US" dirty="0">
+                <a:latin typeface="Helvetica"/>
+                <a:cs typeface="Helvetica"/>
+              </a:rPr>
               <a:t>Chi-</a:t>
             </a:r>
             <a:r>
-              <a:rPr lang="en-US" dirty="0" err="1"/>
+              <a:rPr lang="en-US" dirty="0" err="1">
+                <a:latin typeface="Helvetica"/>
+                <a:cs typeface="Helvetica"/>
+              </a:rPr>
               <a:t>raq</a:t>
             </a:r>
             <a:r>
-              <a:rPr lang="en-US" dirty="0"/>
+              <a:rPr lang="en-US" dirty="0">
+                <a:latin typeface="Helvetica"/>
+                <a:cs typeface="Helvetica"/>
+              </a:rPr>
               <a:t> https://upload.wikimedia.org/wikipedia/en/thumb/e/e7/ChiRaqMoviePoster.png/220px-ChiRaqMoviePoster.png</a:t>
             </a:r>
           </a:p>
           <a:p>
             <a:r>
-              <a:rPr lang="en-US" dirty="0"/>
+              <a:rPr lang="en-US" dirty="0">
+                <a:latin typeface="Helvetica"/>
+                <a:cs typeface="Helvetica"/>
+              </a:rPr>
               <a:t>Communities - https://upload.wikimedia.org/wikipedia/commons/thumb/2/24/Map_of_the_Community_Areas_and_%27Sides%27_of_the_City_of_Chicago.svg/350px-Map_of_the_Community_Areas_and_%27Sides%27_of_the_City_of_Chicago.svg.png</a:t>
             </a:r>
           </a:p>
@@ -4548,6 +8707,237 @@
     <p:extLst>
       <p:ext uri="{BB962C8B-B14F-4D97-AF65-F5344CB8AC3E}">
         <p14:creationId xmlns:p14="http://schemas.microsoft.com/office/powerpoint/2010/main" val="986977783"/>
+      </p:ext>
+    </p:extLst>
+  </p:cSld>
+  <p:clrMapOvr>
+    <a:masterClrMapping/>
+  </p:clrMapOvr>
+  <mc:AlternateContent xmlns:mc="http://schemas.openxmlformats.org/markup-compatibility/2006" xmlns:p14="http://schemas.microsoft.com/office/powerpoint/2010/main">
+    <mc:Choice Requires="p14">
+      <p:transition spd="med" p14:dur="700">
+        <p:fade/>
+      </p:transition>
+    </mc:Choice>
+    <mc:Fallback xmlns="">
+      <p:transition spd="med">
+        <p:fade/>
+      </p:transition>
+    </mc:Fallback>
+  </mc:AlternateContent>
+</p:sld>
+</file>
+
+<file path=ppt/slides/slide8.xml><?xml version="1.0" encoding="utf-8"?>
+<p:sld xmlns:a="http://schemas.openxmlformats.org/drawingml/2006/main" xmlns:r="http://schemas.openxmlformats.org/officeDocument/2006/relationships" xmlns:p="http://schemas.openxmlformats.org/presentationml/2006/main">
+  <p:cSld>
+    <p:spTree>
+      <p:nvGrpSpPr>
+        <p:cNvPr id="1" name=""/>
+        <p:cNvGrpSpPr/>
+        <p:nvPr/>
+      </p:nvGrpSpPr>
+      <p:grpSpPr>
+        <a:xfrm>
+          <a:off x="0" y="0"/>
+          <a:ext cx="0" cy="0"/>
+          <a:chOff x="0" y="0"/>
+          <a:chExt cx="0" cy="0"/>
+        </a:xfrm>
+      </p:grpSpPr>
+      <p:sp>
+        <p:nvSpPr>
+          <p:cNvPr id="2" name="Title 1"/>
+          <p:cNvSpPr>
+            <a:spLocks noGrp="1"/>
+          </p:cNvSpPr>
+          <p:nvPr>
+            <p:ph type="title"/>
+          </p:nvPr>
+        </p:nvSpPr>
+        <p:spPr>
+          <a:xfrm>
+            <a:off x="841248" y="2819400"/>
+            <a:ext cx="9601200" cy="1838519"/>
+          </a:xfrm>
+        </p:spPr>
+        <p:txBody>
+          <a:bodyPr/>
+          <a:lstStyle/>
+          <a:p>
+            <a:r>
+              <a:rPr lang="en-US" dirty="0" smtClean="0">
+                <a:latin typeface="Helvetica"/>
+                <a:cs typeface="Helvetica"/>
+              </a:rPr>
+              <a:t>Bayesian Regression </a:t>
+            </a:r>
+            <a:r>
+              <a:rPr lang="en-US" dirty="0">
+                <a:latin typeface="Helvetica"/>
+                <a:cs typeface="Helvetica"/>
+              </a:rPr>
+              <a:t>Modeling</a:t>
+            </a:r>
+          </a:p>
+        </p:txBody>
+      </p:sp>
+      <p:sp>
+        <p:nvSpPr>
+          <p:cNvPr id="3" name="Text Placeholder 2"/>
+          <p:cNvSpPr>
+            <a:spLocks noGrp="1"/>
+          </p:cNvSpPr>
+          <p:nvPr>
+            <p:ph type="body" idx="1"/>
+          </p:nvPr>
+        </p:nvSpPr>
+        <p:spPr>
+          <a:xfrm>
+            <a:off x="841248" y="4800600"/>
+            <a:ext cx="9601200" cy="475488"/>
+          </a:xfrm>
+        </p:spPr>
+        <p:txBody>
+          <a:bodyPr/>
+          <a:lstStyle/>
+          <a:p>
+            <a:r>
+              <a:rPr lang="en-US" dirty="0" smtClean="0">
+                <a:latin typeface="Helvetica"/>
+                <a:cs typeface="Helvetica"/>
+              </a:rPr>
+              <a:t>A spatial analysis of crime data</a:t>
+            </a:r>
+            <a:endParaRPr lang="en-US" dirty="0">
+              <a:latin typeface="Helvetica"/>
+              <a:cs typeface="Helvetica"/>
+            </a:endParaRPr>
+          </a:p>
+        </p:txBody>
+      </p:sp>
+    </p:spTree>
+    <p:extLst>
+      <p:ext uri="{BB962C8B-B14F-4D97-AF65-F5344CB8AC3E}">
+        <p14:creationId xmlns:p14="http://schemas.microsoft.com/office/powerpoint/2010/main" val="1945622998"/>
+      </p:ext>
+    </p:extLst>
+  </p:cSld>
+  <p:clrMapOvr>
+    <a:masterClrMapping/>
+  </p:clrMapOvr>
+  <mc:AlternateContent xmlns:mc="http://schemas.openxmlformats.org/markup-compatibility/2006" xmlns:p14="http://schemas.microsoft.com/office/powerpoint/2010/main">
+    <mc:Choice Requires="p14">
+      <p:transition spd="med" p14:dur="700">
+        <p:fade/>
+      </p:transition>
+    </mc:Choice>
+    <mc:Fallback xmlns="">
+      <p:transition spd="med">
+        <p:fade/>
+      </p:transition>
+    </mc:Fallback>
+  </mc:AlternateContent>
+</p:sld>
+</file>
+
+<file path=ppt/slides/slide9.xml><?xml version="1.0" encoding="utf-8"?>
+<p:sld xmlns:a="http://schemas.openxmlformats.org/drawingml/2006/main" xmlns:r="http://schemas.openxmlformats.org/officeDocument/2006/relationships" xmlns:p="http://schemas.openxmlformats.org/presentationml/2006/main">
+  <p:cSld>
+    <p:bg>
+      <p:bgPr>
+        <a:solidFill>
+          <a:schemeClr val="tx1"/>
+        </a:solidFill>
+        <a:effectLst/>
+      </p:bgPr>
+    </p:bg>
+    <p:spTree>
+      <p:nvGrpSpPr>
+        <p:cNvPr id="1" name=""/>
+        <p:cNvGrpSpPr/>
+        <p:nvPr/>
+      </p:nvGrpSpPr>
+      <p:grpSpPr>
+        <a:xfrm>
+          <a:off x="0" y="0"/>
+          <a:ext cx="0" cy="0"/>
+          <a:chOff x="0" y="0"/>
+          <a:chExt cx="0" cy="0"/>
+        </a:xfrm>
+      </p:grpSpPr>
+      <p:sp>
+        <p:nvSpPr>
+          <p:cNvPr id="2" name="Title 1"/>
+          <p:cNvSpPr>
+            <a:spLocks noGrp="1"/>
+          </p:cNvSpPr>
+          <p:nvPr>
+            <p:ph type="title"/>
+          </p:nvPr>
+        </p:nvSpPr>
+        <p:spPr>
+          <a:xfrm>
+            <a:off x="838200" y="-76200"/>
+            <a:ext cx="10515600" cy="1145224"/>
+          </a:xfrm>
+        </p:spPr>
+        <p:txBody>
+          <a:bodyPr/>
+          <a:lstStyle/>
+          <a:p>
+            <a:r>
+              <a:rPr lang="en-US" dirty="0" smtClean="0">
+                <a:solidFill>
+                  <a:schemeClr val="accent6">
+                    <a:lumMod val="75000"/>
+                  </a:schemeClr>
+                </a:solidFill>
+                <a:latin typeface="Helvetica"/>
+                <a:cs typeface="Helvetica"/>
+              </a:rPr>
+              <a:t>LASSO Regression Model</a:t>
+            </a:r>
+            <a:endParaRPr lang="en-US" dirty="0">
+              <a:solidFill>
+                <a:schemeClr val="accent6">
+                  <a:lumMod val="75000"/>
+                </a:schemeClr>
+              </a:solidFill>
+              <a:latin typeface="Helvetica"/>
+              <a:cs typeface="Helvetica"/>
+            </a:endParaRPr>
+          </a:p>
+        </p:txBody>
+      </p:sp>
+      <p:pic>
+        <p:nvPicPr>
+          <p:cNvPr id="8" name="Picture 7"/>
+          <p:cNvPicPr>
+            <a:picLocks noChangeAspect="1"/>
+          </p:cNvPicPr>
+          <p:nvPr/>
+        </p:nvPicPr>
+        <p:blipFill>
+          <a:blip r:embed="rId2"/>
+          <a:stretch>
+            <a:fillRect/>
+          </a:stretch>
+        </p:blipFill>
+        <p:spPr>
+          <a:xfrm>
+            <a:off x="762000" y="1391105"/>
+            <a:ext cx="10820400" cy="4857295"/>
+          </a:xfrm>
+          <a:prstGeom prst="rect">
+            <a:avLst/>
+          </a:prstGeom>
+        </p:spPr>
+      </p:pic>
+    </p:spTree>
+    <p:extLst>
+      <p:ext uri="{BB962C8B-B14F-4D97-AF65-F5344CB8AC3E}">
+        <p14:creationId xmlns:p14="http://schemas.microsoft.com/office/powerpoint/2010/main" val="1159850092"/>
       </p:ext>
     </p:extLst>
   </p:cSld>
@@ -4612,7 +9002,7 @@
     </a:clrScheme>
     <a:fontScheme name="Century Schoolbook">
       <a:majorFont>
-        <a:latin typeface="Century Schoolbook" panose="02040604050505020304"/>
+        <a:latin typeface="Century Schoolbook"/>
         <a:ea typeface=""/>
         <a:cs typeface=""/>
         <a:font script="Jpan" typeface="ＭＳ ゴシック"/>
@@ -4647,7 +9037,7 @@
         <a:font script="Geor" typeface="Sylfaen"/>
       </a:majorFont>
       <a:minorFont>
-        <a:latin typeface="Century Schoolbook" panose="02040604050505020304"/>
+        <a:latin typeface="Century Schoolbook"/>
         <a:ea typeface=""/>
         <a:cs typeface=""/>
         <a:font script="Jpan" typeface="ＭＳ ゴシック"/>
@@ -4824,13 +9214,333 @@
   <a:extraClrSchemeLst/>
   <a:extLst>
     <a:ext uri="{05A4C25C-085E-4340-85A3-A5531E510DB2}">
-      <thm15:themeFamily xmlns:thm15="http://schemas.microsoft.com/office/thememl/2012/main" name="TF00001123.potx" id="{55B65C5C-2110-41C9-9432-67D739EC5CFC}" vid="{FDE12540-4521-4F30-863D-D54DD2EE1C3B}"/>
+      <thm15:themeFamily xmlns:thm15="http://schemas.microsoft.com/office/thememl/2012/main" xmlns="" name="TF00001123.potx" id="{55B65C5C-2110-41C9-9432-67D739EC5CFC}" vid="{FDE12540-4521-4F30-863D-D54DD2EE1C3B}"/>
     </a:ext>
   </a:extLst>
 </a:theme>
 </file>
 
 <file path=ppt/theme/theme2.xml><?xml version="1.0" encoding="utf-8"?>
+<a:theme xmlns:a="http://schemas.openxmlformats.org/drawingml/2006/main" name="Custom Design">
+  <a:themeElements>
+    <a:clrScheme name="Office">
+      <a:dk1>
+        <a:sysClr val="windowText" lastClr="000000"/>
+      </a:dk1>
+      <a:lt1>
+        <a:sysClr val="window" lastClr="FFFFFF"/>
+      </a:lt1>
+      <a:dk2>
+        <a:srgbClr val="1F497D"/>
+      </a:dk2>
+      <a:lt2>
+        <a:srgbClr val="EEECE1"/>
+      </a:lt2>
+      <a:accent1>
+        <a:srgbClr val="4F81BD"/>
+      </a:accent1>
+      <a:accent2>
+        <a:srgbClr val="C0504D"/>
+      </a:accent2>
+      <a:accent3>
+        <a:srgbClr val="9BBB59"/>
+      </a:accent3>
+      <a:accent4>
+        <a:srgbClr val="8064A2"/>
+      </a:accent4>
+      <a:accent5>
+        <a:srgbClr val="4BACC6"/>
+      </a:accent5>
+      <a:accent6>
+        <a:srgbClr val="F79646"/>
+      </a:accent6>
+      <a:hlink>
+        <a:srgbClr val="0000FF"/>
+      </a:hlink>
+      <a:folHlink>
+        <a:srgbClr val="800080"/>
+      </a:folHlink>
+    </a:clrScheme>
+    <a:fontScheme name="Office">
+      <a:majorFont>
+        <a:latin typeface="Calibri"/>
+        <a:ea typeface=""/>
+        <a:cs typeface=""/>
+        <a:font script="Jpan" typeface="ＭＳ Ｐゴシック"/>
+        <a:font script="Hang" typeface="맑은 고딕"/>
+        <a:font script="Hans" typeface="宋体"/>
+        <a:font script="Hant" typeface="新細明體"/>
+        <a:font script="Arab" typeface="Times New Roman"/>
+        <a:font script="Hebr" typeface="Times New Roman"/>
+        <a:font script="Thai" typeface="Angsana New"/>
+        <a:font script="Ethi" typeface="Nyala"/>
+        <a:font script="Beng" typeface="Vrinda"/>
+        <a:font script="Gujr" typeface="Shruti"/>
+        <a:font script="Khmr" typeface="MoolBoran"/>
+        <a:font script="Knda" typeface="Tunga"/>
+        <a:font script="Guru" typeface="Raavi"/>
+        <a:font script="Cans" typeface="Euphemia"/>
+        <a:font script="Cher" typeface="Plantagenet Cherokee"/>
+        <a:font script="Yiii" typeface="Microsoft Yi Baiti"/>
+        <a:font script="Tibt" typeface="Microsoft Himalaya"/>
+        <a:font script="Thaa" typeface="MV Boli"/>
+        <a:font script="Deva" typeface="Mangal"/>
+        <a:font script="Telu" typeface="Gautami"/>
+        <a:font script="Taml" typeface="Latha"/>
+        <a:font script="Syrc" typeface="Estrangelo Edessa"/>
+        <a:font script="Orya" typeface="Kalinga"/>
+        <a:font script="Mlym" typeface="Kartika"/>
+        <a:font script="Laoo" typeface="DokChampa"/>
+        <a:font script="Sinh" typeface="Iskoola Pota"/>
+        <a:font script="Mong" typeface="Mongolian Baiti"/>
+        <a:font script="Viet" typeface="Times New Roman"/>
+        <a:font script="Uigh" typeface="Microsoft Uighur"/>
+        <a:font script="Geor" typeface="Sylfaen"/>
+      </a:majorFont>
+      <a:minorFont>
+        <a:latin typeface="Calibri"/>
+        <a:ea typeface=""/>
+        <a:cs typeface=""/>
+        <a:font script="Jpan" typeface="ＭＳ Ｐゴシック"/>
+        <a:font script="Hang" typeface="맑은 고딕"/>
+        <a:font script="Hans" typeface="宋体"/>
+        <a:font script="Hant" typeface="新細明體"/>
+        <a:font script="Arab" typeface="Arial"/>
+        <a:font script="Hebr" typeface="Arial"/>
+        <a:font script="Thai" typeface="Cordia New"/>
+        <a:font script="Ethi" typeface="Nyala"/>
+        <a:font script="Beng" typeface="Vrinda"/>
+        <a:font script="Gujr" typeface="Shruti"/>
+        <a:font script="Khmr" typeface="DaunPenh"/>
+        <a:font script="Knda" typeface="Tunga"/>
+        <a:font script="Guru" typeface="Raavi"/>
+        <a:font script="Cans" typeface="Euphemia"/>
+        <a:font script="Cher" typeface="Plantagenet Cherokee"/>
+        <a:font script="Yiii" typeface="Microsoft Yi Baiti"/>
+        <a:font script="Tibt" typeface="Microsoft Himalaya"/>
+        <a:font script="Thaa" typeface="MV Boli"/>
+        <a:font script="Deva" typeface="Mangal"/>
+        <a:font script="Telu" typeface="Gautami"/>
+        <a:font script="Taml" typeface="Latha"/>
+        <a:font script="Syrc" typeface="Estrangelo Edessa"/>
+        <a:font script="Orya" typeface="Kalinga"/>
+        <a:font script="Mlym" typeface="Kartika"/>
+        <a:font script="Laoo" typeface="DokChampa"/>
+        <a:font script="Sinh" typeface="Iskoola Pota"/>
+        <a:font script="Mong" typeface="Mongolian Baiti"/>
+        <a:font script="Viet" typeface="Arial"/>
+        <a:font script="Uigh" typeface="Microsoft Uighur"/>
+        <a:font script="Geor" typeface="Sylfaen"/>
+      </a:minorFont>
+    </a:fontScheme>
+    <a:fmtScheme name="Office">
+      <a:fillStyleLst>
+        <a:solidFill>
+          <a:schemeClr val="phClr"/>
+        </a:solidFill>
+        <a:gradFill rotWithShape="1">
+          <a:gsLst>
+            <a:gs pos="0">
+              <a:schemeClr val="phClr">
+                <a:tint val="50000"/>
+                <a:satMod val="300000"/>
+              </a:schemeClr>
+            </a:gs>
+            <a:gs pos="35000">
+              <a:schemeClr val="phClr">
+                <a:tint val="37000"/>
+                <a:satMod val="300000"/>
+              </a:schemeClr>
+            </a:gs>
+            <a:gs pos="100000">
+              <a:schemeClr val="phClr">
+                <a:tint val="15000"/>
+                <a:satMod val="350000"/>
+              </a:schemeClr>
+            </a:gs>
+          </a:gsLst>
+          <a:lin ang="16200000" scaled="1"/>
+        </a:gradFill>
+        <a:gradFill rotWithShape="1">
+          <a:gsLst>
+            <a:gs pos="0">
+              <a:schemeClr val="phClr">
+                <a:tint val="100000"/>
+                <a:shade val="100000"/>
+                <a:satMod val="130000"/>
+              </a:schemeClr>
+            </a:gs>
+            <a:gs pos="100000">
+              <a:schemeClr val="phClr">
+                <a:tint val="50000"/>
+                <a:shade val="100000"/>
+                <a:satMod val="350000"/>
+              </a:schemeClr>
+            </a:gs>
+          </a:gsLst>
+          <a:lin ang="16200000" scaled="0"/>
+        </a:gradFill>
+      </a:fillStyleLst>
+      <a:lnStyleLst>
+        <a:ln w="9525" cap="flat" cmpd="sng" algn="ctr">
+          <a:solidFill>
+            <a:schemeClr val="phClr">
+              <a:shade val="95000"/>
+              <a:satMod val="105000"/>
+            </a:schemeClr>
+          </a:solidFill>
+          <a:prstDash val="solid"/>
+        </a:ln>
+        <a:ln w="25400" cap="flat" cmpd="sng" algn="ctr">
+          <a:solidFill>
+            <a:schemeClr val="phClr"/>
+          </a:solidFill>
+          <a:prstDash val="solid"/>
+        </a:ln>
+        <a:ln w="38100" cap="flat" cmpd="sng" algn="ctr">
+          <a:solidFill>
+            <a:schemeClr val="phClr"/>
+          </a:solidFill>
+          <a:prstDash val="solid"/>
+        </a:ln>
+      </a:lnStyleLst>
+      <a:effectStyleLst>
+        <a:effectStyle>
+          <a:effectLst>
+            <a:outerShdw blurRad="40000" dist="20000" dir="5400000" rotWithShape="0">
+              <a:srgbClr val="000000">
+                <a:alpha val="38000"/>
+              </a:srgbClr>
+            </a:outerShdw>
+          </a:effectLst>
+        </a:effectStyle>
+        <a:effectStyle>
+          <a:effectLst>
+            <a:outerShdw blurRad="40000" dist="23000" dir="5400000" rotWithShape="0">
+              <a:srgbClr val="000000">
+                <a:alpha val="35000"/>
+              </a:srgbClr>
+            </a:outerShdw>
+          </a:effectLst>
+        </a:effectStyle>
+        <a:effectStyle>
+          <a:effectLst>
+            <a:outerShdw blurRad="40000" dist="23000" dir="5400000" rotWithShape="0">
+              <a:srgbClr val="000000">
+                <a:alpha val="35000"/>
+              </a:srgbClr>
+            </a:outerShdw>
+          </a:effectLst>
+          <a:scene3d>
+            <a:camera prst="orthographicFront">
+              <a:rot lat="0" lon="0" rev="0"/>
+            </a:camera>
+            <a:lightRig rig="threePt" dir="t">
+              <a:rot lat="0" lon="0" rev="1200000"/>
+            </a:lightRig>
+          </a:scene3d>
+          <a:sp3d>
+            <a:bevelT w="63500" h="25400"/>
+          </a:sp3d>
+        </a:effectStyle>
+      </a:effectStyleLst>
+      <a:bgFillStyleLst>
+        <a:solidFill>
+          <a:schemeClr val="phClr"/>
+        </a:solidFill>
+        <a:gradFill rotWithShape="1">
+          <a:gsLst>
+            <a:gs pos="0">
+              <a:schemeClr val="phClr">
+                <a:tint val="40000"/>
+                <a:satMod val="350000"/>
+              </a:schemeClr>
+            </a:gs>
+            <a:gs pos="40000">
+              <a:schemeClr val="phClr">
+                <a:tint val="45000"/>
+                <a:shade val="99000"/>
+                <a:satMod val="350000"/>
+              </a:schemeClr>
+            </a:gs>
+            <a:gs pos="100000">
+              <a:schemeClr val="phClr">
+                <a:shade val="20000"/>
+                <a:satMod val="255000"/>
+              </a:schemeClr>
+            </a:gs>
+          </a:gsLst>
+          <a:path path="circle">
+            <a:fillToRect l="50000" t="-80000" r="50000" b="180000"/>
+          </a:path>
+        </a:gradFill>
+        <a:gradFill rotWithShape="1">
+          <a:gsLst>
+            <a:gs pos="0">
+              <a:schemeClr val="phClr">
+                <a:tint val="80000"/>
+                <a:satMod val="300000"/>
+              </a:schemeClr>
+            </a:gs>
+            <a:gs pos="100000">
+              <a:schemeClr val="phClr">
+                <a:shade val="30000"/>
+                <a:satMod val="200000"/>
+              </a:schemeClr>
+            </a:gs>
+          </a:gsLst>
+          <a:path path="circle">
+            <a:fillToRect l="50000" t="50000" r="50000" b="50000"/>
+          </a:path>
+        </a:gradFill>
+      </a:bgFillStyleLst>
+    </a:fmtScheme>
+  </a:themeElements>
+  <a:objectDefaults>
+    <a:spDef>
+      <a:spPr/>
+      <a:bodyPr/>
+      <a:lstStyle/>
+      <a:style>
+        <a:lnRef idx="1">
+          <a:schemeClr val="accent1"/>
+        </a:lnRef>
+        <a:fillRef idx="3">
+          <a:schemeClr val="accent1"/>
+        </a:fillRef>
+        <a:effectRef idx="2">
+          <a:schemeClr val="accent1"/>
+        </a:effectRef>
+        <a:fontRef idx="minor">
+          <a:schemeClr val="lt1"/>
+        </a:fontRef>
+      </a:style>
+    </a:spDef>
+    <a:lnDef>
+      <a:spPr/>
+      <a:bodyPr/>
+      <a:lstStyle/>
+      <a:style>
+        <a:lnRef idx="2">
+          <a:schemeClr val="accent1"/>
+        </a:lnRef>
+        <a:fillRef idx="0">
+          <a:schemeClr val="accent1"/>
+        </a:fillRef>
+        <a:effectRef idx="1">
+          <a:schemeClr val="accent1"/>
+        </a:effectRef>
+        <a:fontRef idx="minor">
+          <a:schemeClr val="tx1"/>
+        </a:fontRef>
+      </a:style>
+    </a:lnDef>
+  </a:objectDefaults>
+  <a:extraClrSchemeLst/>
+</a:theme>
+</file>
+
+<file path=ppt/theme/theme3.xml><?xml version="1.0" encoding="utf-8"?>
 <a:theme xmlns:a="http://schemas.openxmlformats.org/drawingml/2006/main" name="Office Theme">
   <a:themeElements>
     <a:clrScheme name="CitySketch">
@@ -4873,7 +9583,7 @@
     </a:clrScheme>
     <a:fontScheme name="Century Schoolbook">
       <a:majorFont>
-        <a:latin typeface="Century Schoolbook" panose="02040604050505020304"/>
+        <a:latin typeface="Century Schoolbook"/>
         <a:ea typeface=""/>
         <a:cs typeface=""/>
         <a:font script="Jpan" typeface="ＭＳ ゴシック"/>
@@ -4908,7 +9618,7 @@
         <a:font script="Geor" typeface="Sylfaen"/>
       </a:majorFont>
       <a:minorFont>
-        <a:latin typeface="Century Schoolbook" panose="02040604050505020304"/>
+        <a:latin typeface="Century Schoolbook"/>
         <a:ea typeface=""/>
         <a:cs typeface=""/>
         <a:font script="Jpan" typeface="ＭＳ ゴシック"/>
@@ -5085,13 +9795,13 @@
   <a:extraClrSchemeLst/>
   <a:extLst>
     <a:ext uri="{05A4C25C-085E-4340-85A3-A5531E510DB2}">
-      <thm15:themeFamily xmlns:thm15="http://schemas.microsoft.com/office/thememl/2012/main" name="Office Theme" id="{62F939B6-93AF-4DB8-9C6B-D6C7DFDC589F}" vid="{4A3C46E8-61CC-4603-A589-7422A47A8E4A}"/>
+      <thm15:themeFamily xmlns:thm15="http://schemas.microsoft.com/office/thememl/2012/main" xmlns="" name="Office Theme" id="{62F939B6-93AF-4DB8-9C6B-D6C7DFDC589F}" vid="{4A3C46E8-61CC-4603-A589-7422A47A8E4A}"/>
     </a:ext>
   </a:extLst>
 </a:theme>
 </file>
 
-<file path=ppt/theme/theme3.xml><?xml version="1.0" encoding="utf-8"?>
+<file path=ppt/theme/theme4.xml><?xml version="1.0" encoding="utf-8"?>
 <a:theme xmlns:a="http://schemas.openxmlformats.org/drawingml/2006/main" name="Office Theme">
   <a:themeElements>
     <a:clrScheme name="CitySketch">
@@ -5134,7 +9844,7 @@
     </a:clrScheme>
     <a:fontScheme name="Century Schoolbook">
       <a:majorFont>
-        <a:latin typeface="Century Schoolbook" panose="02040604050505020304"/>
+        <a:latin typeface="Century Schoolbook"/>
         <a:ea typeface=""/>
         <a:cs typeface=""/>
         <a:font script="Jpan" typeface="ＭＳ ゴシック"/>
@@ -5169,7 +9879,7 @@
         <a:font script="Geor" typeface="Sylfaen"/>
       </a:majorFont>
       <a:minorFont>
-        <a:latin typeface="Century Schoolbook" panose="02040604050505020304"/>
+        <a:latin typeface="Century Schoolbook"/>
         <a:ea typeface=""/>
         <a:cs typeface=""/>
         <a:font script="Jpan" typeface="ＭＳ ゴシック"/>
@@ -5346,7 +10056,7 @@
   <a:extraClrSchemeLst/>
   <a:extLst>
     <a:ext uri="{05A4C25C-085E-4340-85A3-A5531E510DB2}">
-      <thm15:themeFamily xmlns:thm15="http://schemas.microsoft.com/office/thememl/2012/main" name="Office Theme" id="{62F939B6-93AF-4DB8-9C6B-D6C7DFDC589F}" vid="{4A3C46E8-61CC-4603-A589-7422A47A8E4A}"/>
+      <thm15:themeFamily xmlns:thm15="http://schemas.microsoft.com/office/thememl/2012/main" xmlns="" name="Office Theme" id="{62F939B6-93AF-4DB8-9C6B-D6C7DFDC589F}" vid="{4A3C46E8-61CC-4603-A589-7422A47A8E4A}"/>
     </a:ext>
   </a:extLst>
 </a:theme>

--- a/Slides/final_slides.pptx
+++ b/Slides/final_slides.pptx
@@ -6,10 +6,10 @@
     <p:sldMasterId id="2147483660" r:id="rId2"/>
   </p:sldMasterIdLst>
   <p:notesMasterIdLst>
-    <p:notesMasterId r:id="rId16"/>
+    <p:notesMasterId r:id="rId20"/>
   </p:notesMasterIdLst>
   <p:handoutMasterIdLst>
-    <p:handoutMasterId r:id="rId17"/>
+    <p:handoutMasterId r:id="rId21"/>
   </p:handoutMasterIdLst>
   <p:sldIdLst>
     <p:sldId id="256" r:id="rId3"/>
@@ -17,14 +17,18 @@
     <p:sldId id="258" r:id="rId5"/>
     <p:sldId id="270" r:id="rId6"/>
     <p:sldId id="261" r:id="rId7"/>
-    <p:sldId id="262" r:id="rId8"/>
-    <p:sldId id="263" r:id="rId9"/>
-    <p:sldId id="264" r:id="rId10"/>
-    <p:sldId id="265" r:id="rId11"/>
-    <p:sldId id="266" r:id="rId12"/>
-    <p:sldId id="267" r:id="rId13"/>
-    <p:sldId id="268" r:id="rId14"/>
-    <p:sldId id="269" r:id="rId15"/>
+    <p:sldId id="271" r:id="rId8"/>
+    <p:sldId id="272" r:id="rId9"/>
+    <p:sldId id="273" r:id="rId10"/>
+    <p:sldId id="274" r:id="rId11"/>
+    <p:sldId id="275" r:id="rId12"/>
+    <p:sldId id="264" r:id="rId13"/>
+    <p:sldId id="265" r:id="rId14"/>
+    <p:sldId id="266" r:id="rId15"/>
+    <p:sldId id="267" r:id="rId16"/>
+    <p:sldId id="268" r:id="rId17"/>
+    <p:sldId id="277" r:id="rId18"/>
+    <p:sldId id="269" r:id="rId19"/>
   </p:sldIdLst>
   <p:sldSz cx="12192000" cy="6858000"/>
   <p:notesSz cx="6858000" cy="9144000"/>
@@ -125,10 +129,10 @@
   </p:defaultTextStyle>
   <p:extLst>
     <p:ext uri="{EFAFB233-063F-42B5-8137-9DF3F51BA10A}">
-      <p15:sldGuideLst xmlns:p15="http://schemas.microsoft.com/office/powerpoint/2012/main" xmlns=""/>
+      <p15:sldGuideLst xmlns="" xmlns:p15="http://schemas.microsoft.com/office/powerpoint/2012/main"/>
     </p:ext>
     <p:ext uri="{2D200454-40CA-4A62-9FC3-DE9A4176ACB9}">
-      <p15:notesGuideLst xmlns:p15="http://schemas.microsoft.com/office/powerpoint/2012/main" xmlns=""/>
+      <p15:notesGuideLst xmlns="" xmlns:p15="http://schemas.microsoft.com/office/powerpoint/2012/main"/>
     </p:ext>
   </p:extLst>
 </p:presentation>
@@ -6731,7 +6735,7 @@
   </p:txStyles>
   <p:extLst mod="1">
     <p:ext uri="{27BBF7A9-308A-43DC-89C8-2F10F3537804}">
-      <p15:sldGuideLst xmlns:p15="http://schemas.microsoft.com/office/powerpoint/2012/main" xmlns="">
+      <p15:sldGuideLst xmlns="" xmlns:p15="http://schemas.microsoft.com/office/powerpoint/2012/main">
         <p15:guide id="1" pos="3840" userDrawn="1">
           <p15:clr>
             <a:srgbClr val="F26B43"/>
@@ -7182,6 +7186,13 @@
       </p:transition>
     </mc:Fallback>
   </mc:AlternateContent>
+  <p:timing>
+    <p:tnLst>
+      <p:par>
+        <p:cTn xmlns:p14="http://schemas.microsoft.com/office/powerpoint/2010/main" id="1" dur="indefinite" restart="never" nodeType="tmRoot"/>
+      </p:par>
+    </p:tnLst>
+  </p:timing>
 </p:sld>
 </file>
 
@@ -7212,6 +7223,422 @@
       </p:grpSpPr>
       <p:sp>
         <p:nvSpPr>
+          <p:cNvPr id="7" name="Title 1"/>
+          <p:cNvSpPr>
+            <a:spLocks noGrp="1"/>
+          </p:cNvSpPr>
+          <p:nvPr>
+            <p:ph type="title"/>
+          </p:nvPr>
+        </p:nvSpPr>
+        <p:spPr>
+          <a:xfrm>
+            <a:off x="838200" y="-76200"/>
+            <a:ext cx="10515600" cy="1145224"/>
+          </a:xfrm>
+        </p:spPr>
+        <p:txBody>
+          <a:bodyPr/>
+          <a:lstStyle/>
+          <a:p>
+            <a:r>
+              <a:rPr lang="en-US" dirty="0">
+                <a:solidFill>
+                  <a:schemeClr val="accent6">
+                    <a:lumMod val="75000"/>
+                  </a:schemeClr>
+                </a:solidFill>
+                <a:latin typeface="Helvetica"/>
+                <a:cs typeface="Helvetica"/>
+              </a:rPr>
+              <a:t>South Side - ARIMA(4,0,0)x(1,0,0)[12</a:t>
+            </a:r>
+            <a:r>
+              <a:rPr lang="en-US" dirty="0" smtClean="0">
+                <a:solidFill>
+                  <a:schemeClr val="accent6">
+                    <a:lumMod val="75000"/>
+                  </a:schemeClr>
+                </a:solidFill>
+                <a:latin typeface="Helvetica"/>
+                <a:cs typeface="Helvetica"/>
+              </a:rPr>
+              <a:t>], cont.</a:t>
+            </a:r>
+            <a:endParaRPr lang="en-US" dirty="0">
+              <a:solidFill>
+                <a:schemeClr val="accent6">
+                  <a:lumMod val="75000"/>
+                </a:schemeClr>
+              </a:solidFill>
+              <a:latin typeface="Helvetica"/>
+              <a:cs typeface="Helvetica"/>
+            </a:endParaRPr>
+          </a:p>
+        </p:txBody>
+      </p:sp>
+      <p:pic>
+        <p:nvPicPr>
+          <p:cNvPr id="3" name="Picture 2" descr="south_resid_ACF.png"/>
+          <p:cNvPicPr>
+            <a:picLocks noChangeAspect="1"/>
+          </p:cNvPicPr>
+          <p:nvPr/>
+        </p:nvPicPr>
+        <p:blipFill rotWithShape="1">
+          <a:blip r:embed="rId2">
+            <a:extLst>
+              <a:ext uri="{28A0092B-C50C-407E-A947-70E740481C1C}">
+                <a14:useLocalDpi xmlns:a14="http://schemas.microsoft.com/office/drawing/2010/main" val="0"/>
+              </a:ext>
+            </a:extLst>
+          </a:blip>
+          <a:srcRect t="24185" b="5435"/>
+          <a:stretch/>
+        </p:blipFill>
+        <p:spPr>
+          <a:xfrm>
+            <a:off x="1905000" y="1371600"/>
+            <a:ext cx="8382000" cy="2572198"/>
+          </a:xfrm>
+          <a:prstGeom prst="rect">
+            <a:avLst/>
+          </a:prstGeom>
+        </p:spPr>
+      </p:pic>
+      <p:pic>
+        <p:nvPicPr>
+          <p:cNvPr id="5" name="Picture 4" descr="south_resid_PACF.png"/>
+          <p:cNvPicPr>
+            <a:picLocks noChangeAspect="1"/>
+          </p:cNvPicPr>
+          <p:nvPr/>
+        </p:nvPicPr>
+        <p:blipFill rotWithShape="1">
+          <a:blip r:embed="rId3">
+            <a:extLst>
+              <a:ext uri="{28A0092B-C50C-407E-A947-70E740481C1C}">
+                <a14:useLocalDpi xmlns:a14="http://schemas.microsoft.com/office/drawing/2010/main" val="0"/>
+              </a:ext>
+            </a:extLst>
+          </a:blip>
+          <a:srcRect t="25378" b="6031"/>
+          <a:stretch/>
+        </p:blipFill>
+        <p:spPr>
+          <a:xfrm>
+            <a:off x="1905000" y="3886200"/>
+            <a:ext cx="8408071" cy="2514600"/>
+          </a:xfrm>
+          <a:prstGeom prst="rect">
+            <a:avLst/>
+          </a:prstGeom>
+        </p:spPr>
+      </p:pic>
+    </p:spTree>
+    <p:extLst>
+      <p:ext uri="{BB962C8B-B14F-4D97-AF65-F5344CB8AC3E}">
+        <p14:creationId xmlns:p14="http://schemas.microsoft.com/office/powerpoint/2010/main" val="3610520107"/>
+      </p:ext>
+    </p:extLst>
+  </p:cSld>
+  <p:clrMapOvr>
+    <a:masterClrMapping/>
+  </p:clrMapOvr>
+  <mc:AlternateContent xmlns:mc="http://schemas.openxmlformats.org/markup-compatibility/2006" xmlns:p14="http://schemas.microsoft.com/office/powerpoint/2010/main">
+    <mc:Choice Requires="p14">
+      <p:transition spd="med" p14:dur="700">
+        <p:fade/>
+      </p:transition>
+    </mc:Choice>
+    <mc:Fallback xmlns="">
+      <p:transition spd="med">
+        <p:fade/>
+      </p:transition>
+    </mc:Fallback>
+  </mc:AlternateContent>
+  <p:timing>
+    <p:tnLst>
+      <p:par>
+        <p:cTn xmlns:p14="http://schemas.microsoft.com/office/powerpoint/2010/main" id="1" dur="indefinite" restart="never" nodeType="tmRoot"/>
+      </p:par>
+    </p:tnLst>
+  </p:timing>
+</p:sld>
+</file>
+
+<file path=ppt/slides/slide11.xml><?xml version="1.0" encoding="utf-8"?>
+<p:sld xmlns:a="http://schemas.openxmlformats.org/drawingml/2006/main" xmlns:r="http://schemas.openxmlformats.org/officeDocument/2006/relationships" xmlns:p="http://schemas.openxmlformats.org/presentationml/2006/main">
+  <p:cSld>
+    <p:spTree>
+      <p:nvGrpSpPr>
+        <p:cNvPr id="1" name=""/>
+        <p:cNvGrpSpPr/>
+        <p:nvPr/>
+      </p:nvGrpSpPr>
+      <p:grpSpPr>
+        <a:xfrm>
+          <a:off x="0" y="0"/>
+          <a:ext cx="0" cy="0"/>
+          <a:chOff x="0" y="0"/>
+          <a:chExt cx="0" cy="0"/>
+        </a:xfrm>
+      </p:grpSpPr>
+      <p:sp>
+        <p:nvSpPr>
+          <p:cNvPr id="2" name="Title 1"/>
+          <p:cNvSpPr>
+            <a:spLocks noGrp="1"/>
+          </p:cNvSpPr>
+          <p:nvPr>
+            <p:ph type="title"/>
+          </p:nvPr>
+        </p:nvSpPr>
+        <p:spPr>
+          <a:xfrm>
+            <a:off x="841248" y="2819400"/>
+            <a:ext cx="9601200" cy="1838519"/>
+          </a:xfrm>
+        </p:spPr>
+        <p:txBody>
+          <a:bodyPr/>
+          <a:lstStyle/>
+          <a:p>
+            <a:r>
+              <a:rPr lang="en-US" dirty="0" smtClean="0">
+                <a:latin typeface="Helvetica"/>
+                <a:cs typeface="Helvetica"/>
+              </a:rPr>
+              <a:t>Bayesian Regression </a:t>
+            </a:r>
+            <a:r>
+              <a:rPr lang="en-US" dirty="0">
+                <a:latin typeface="Helvetica"/>
+                <a:cs typeface="Helvetica"/>
+              </a:rPr>
+              <a:t>Modeling</a:t>
+            </a:r>
+          </a:p>
+        </p:txBody>
+      </p:sp>
+      <p:sp>
+        <p:nvSpPr>
+          <p:cNvPr id="3" name="Text Placeholder 2"/>
+          <p:cNvSpPr>
+            <a:spLocks noGrp="1"/>
+          </p:cNvSpPr>
+          <p:nvPr>
+            <p:ph type="body" idx="1"/>
+          </p:nvPr>
+        </p:nvSpPr>
+        <p:spPr>
+          <a:xfrm>
+            <a:off x="841248" y="4800600"/>
+            <a:ext cx="9601200" cy="475488"/>
+          </a:xfrm>
+        </p:spPr>
+        <p:txBody>
+          <a:bodyPr/>
+          <a:lstStyle/>
+          <a:p>
+            <a:r>
+              <a:rPr lang="en-US" dirty="0" smtClean="0">
+                <a:latin typeface="Helvetica"/>
+                <a:cs typeface="Helvetica"/>
+              </a:rPr>
+              <a:t>A spatial analysis of crime data</a:t>
+            </a:r>
+            <a:endParaRPr lang="en-US" dirty="0">
+              <a:latin typeface="Helvetica"/>
+              <a:cs typeface="Helvetica"/>
+            </a:endParaRPr>
+          </a:p>
+        </p:txBody>
+      </p:sp>
+    </p:spTree>
+    <p:extLst>
+      <p:ext uri="{BB962C8B-B14F-4D97-AF65-F5344CB8AC3E}">
+        <p14:creationId xmlns:p14="http://schemas.microsoft.com/office/powerpoint/2010/main" val="1945622998"/>
+      </p:ext>
+    </p:extLst>
+  </p:cSld>
+  <p:clrMapOvr>
+    <a:masterClrMapping/>
+  </p:clrMapOvr>
+  <mc:AlternateContent xmlns:mc="http://schemas.openxmlformats.org/markup-compatibility/2006" xmlns:p14="http://schemas.microsoft.com/office/powerpoint/2010/main">
+    <mc:Choice Requires="p14">
+      <p:transition spd="med" p14:dur="700">
+        <p:fade/>
+      </p:transition>
+    </mc:Choice>
+    <mc:Fallback xmlns="">
+      <p:transition spd="med">
+        <p:fade/>
+      </p:transition>
+    </mc:Fallback>
+  </mc:AlternateContent>
+  <p:timing>
+    <p:tnLst>
+      <p:par>
+        <p:cTn xmlns:p14="http://schemas.microsoft.com/office/powerpoint/2010/main" id="1" dur="indefinite" restart="never" nodeType="tmRoot"/>
+      </p:par>
+    </p:tnLst>
+  </p:timing>
+</p:sld>
+</file>
+
+<file path=ppt/slides/slide12.xml><?xml version="1.0" encoding="utf-8"?>
+<p:sld xmlns:a="http://schemas.openxmlformats.org/drawingml/2006/main" xmlns:r="http://schemas.openxmlformats.org/officeDocument/2006/relationships" xmlns:p="http://schemas.openxmlformats.org/presentationml/2006/main">
+  <p:cSld>
+    <p:bg>
+      <p:bgPr>
+        <a:solidFill>
+          <a:schemeClr val="tx1"/>
+        </a:solidFill>
+        <a:effectLst/>
+      </p:bgPr>
+    </p:bg>
+    <p:spTree>
+      <p:nvGrpSpPr>
+        <p:cNvPr id="1" name=""/>
+        <p:cNvGrpSpPr/>
+        <p:nvPr/>
+      </p:nvGrpSpPr>
+      <p:grpSpPr>
+        <a:xfrm>
+          <a:off x="0" y="0"/>
+          <a:ext cx="0" cy="0"/>
+          <a:chOff x="0" y="0"/>
+          <a:chExt cx="0" cy="0"/>
+        </a:xfrm>
+      </p:grpSpPr>
+      <p:sp>
+        <p:nvSpPr>
+          <p:cNvPr id="2" name="Title 1"/>
+          <p:cNvSpPr>
+            <a:spLocks noGrp="1"/>
+          </p:cNvSpPr>
+          <p:nvPr>
+            <p:ph type="title"/>
+          </p:nvPr>
+        </p:nvSpPr>
+        <p:spPr>
+          <a:xfrm>
+            <a:off x="838200" y="-76200"/>
+            <a:ext cx="10515600" cy="1145224"/>
+          </a:xfrm>
+        </p:spPr>
+        <p:txBody>
+          <a:bodyPr/>
+          <a:lstStyle/>
+          <a:p>
+            <a:r>
+              <a:rPr lang="en-US" dirty="0" smtClean="0">
+                <a:solidFill>
+                  <a:schemeClr val="accent6">
+                    <a:lumMod val="75000"/>
+                  </a:schemeClr>
+                </a:solidFill>
+                <a:latin typeface="Helvetica"/>
+                <a:cs typeface="Helvetica"/>
+              </a:rPr>
+              <a:t>LASSO Regression Model</a:t>
+            </a:r>
+            <a:endParaRPr lang="en-US" dirty="0">
+              <a:solidFill>
+                <a:schemeClr val="accent6">
+                  <a:lumMod val="75000"/>
+                </a:schemeClr>
+              </a:solidFill>
+              <a:latin typeface="Helvetica"/>
+              <a:cs typeface="Helvetica"/>
+            </a:endParaRPr>
+          </a:p>
+        </p:txBody>
+      </p:sp>
+      <p:pic>
+        <p:nvPicPr>
+          <p:cNvPr id="8" name="Picture 7"/>
+          <p:cNvPicPr>
+            <a:picLocks noChangeAspect="1"/>
+          </p:cNvPicPr>
+          <p:nvPr/>
+        </p:nvPicPr>
+        <p:blipFill>
+          <a:blip r:embed="rId2"/>
+          <a:stretch>
+            <a:fillRect/>
+          </a:stretch>
+        </p:blipFill>
+        <p:spPr>
+          <a:xfrm>
+            <a:off x="762000" y="1391105"/>
+            <a:ext cx="10820400" cy="4857295"/>
+          </a:xfrm>
+          <a:prstGeom prst="rect">
+            <a:avLst/>
+          </a:prstGeom>
+        </p:spPr>
+      </p:pic>
+    </p:spTree>
+    <p:extLst>
+      <p:ext uri="{BB962C8B-B14F-4D97-AF65-F5344CB8AC3E}">
+        <p14:creationId xmlns:p14="http://schemas.microsoft.com/office/powerpoint/2010/main" val="1159850092"/>
+      </p:ext>
+    </p:extLst>
+  </p:cSld>
+  <p:clrMapOvr>
+    <a:masterClrMapping/>
+  </p:clrMapOvr>
+  <mc:AlternateContent xmlns:mc="http://schemas.openxmlformats.org/markup-compatibility/2006" xmlns:p14="http://schemas.microsoft.com/office/powerpoint/2010/main">
+    <mc:Choice Requires="p14">
+      <p:transition spd="med" p14:dur="700">
+        <p:fade/>
+      </p:transition>
+    </mc:Choice>
+    <mc:Fallback xmlns="">
+      <p:transition spd="med">
+        <p:fade/>
+      </p:transition>
+    </mc:Fallback>
+  </mc:AlternateContent>
+  <p:timing>
+    <p:tnLst>
+      <p:par>
+        <p:cTn xmlns:p14="http://schemas.microsoft.com/office/powerpoint/2010/main" id="1" dur="indefinite" restart="never" nodeType="tmRoot"/>
+      </p:par>
+    </p:tnLst>
+  </p:timing>
+</p:sld>
+</file>
+
+<file path=ppt/slides/slide13.xml><?xml version="1.0" encoding="utf-8"?>
+<p:sld xmlns:a="http://schemas.openxmlformats.org/drawingml/2006/main" xmlns:r="http://schemas.openxmlformats.org/officeDocument/2006/relationships" xmlns:p="http://schemas.openxmlformats.org/presentationml/2006/main">
+  <p:cSld>
+    <p:bg>
+      <p:bgPr>
+        <a:solidFill>
+          <a:schemeClr val="tx1"/>
+        </a:solidFill>
+        <a:effectLst/>
+      </p:bgPr>
+    </p:bg>
+    <p:spTree>
+      <p:nvGrpSpPr>
+        <p:cNvPr id="1" name=""/>
+        <p:cNvGrpSpPr/>
+        <p:nvPr/>
+      </p:nvGrpSpPr>
+      <p:grpSpPr>
+        <a:xfrm>
+          <a:off x="0" y="0"/>
+          <a:ext cx="0" cy="0"/>
+          <a:chOff x="0" y="0"/>
+          <a:chExt cx="0" cy="0"/>
+        </a:xfrm>
+      </p:grpSpPr>
+      <p:sp>
+        <p:nvSpPr>
           <p:cNvPr id="2" name="Title 1"/>
           <p:cNvSpPr>
             <a:spLocks noGrp="1"/>
@@ -7320,12 +7747,27 @@
       </p:transition>
     </mc:Fallback>
   </mc:AlternateContent>
+  <p:timing>
+    <p:tnLst>
+      <p:par>
+        <p:cTn xmlns:p14="http://schemas.microsoft.com/office/powerpoint/2010/main" id="1" dur="indefinite" restart="never" nodeType="tmRoot"/>
+      </p:par>
+    </p:tnLst>
+  </p:timing>
 </p:sld>
 </file>
 
-<file path=ppt/slides/slide11.xml><?xml version="1.0" encoding="utf-8"?>
+<file path=ppt/slides/slide14.xml><?xml version="1.0" encoding="utf-8"?>
 <p:sld xmlns:a="http://schemas.openxmlformats.org/drawingml/2006/main" xmlns:r="http://schemas.openxmlformats.org/officeDocument/2006/relationships" xmlns:p="http://schemas.openxmlformats.org/presentationml/2006/main">
   <p:cSld>
+    <p:bg>
+      <p:bgPr>
+        <a:solidFill>
+          <a:schemeClr val="tx1"/>
+        </a:solidFill>
+        <a:effectLst/>
+      </p:bgPr>
+    </p:bg>
     <p:spTree>
       <p:nvGrpSpPr>
         <p:cNvPr id="1" name=""/>
@@ -7340,40 +7782,6 @@
           <a:chExt cx="0" cy="0"/>
         </a:xfrm>
       </p:grpSpPr>
-      <p:sp>
-        <p:nvSpPr>
-          <p:cNvPr id="2" name="Title 1"/>
-          <p:cNvSpPr>
-            <a:spLocks noGrp="1"/>
-          </p:cNvSpPr>
-          <p:nvPr>
-            <p:ph type="title"/>
-          </p:nvPr>
-        </p:nvSpPr>
-        <p:spPr>
-          <a:xfrm>
-            <a:off x="838200" y="-76200"/>
-            <a:ext cx="10515600" cy="1145224"/>
-          </a:xfrm>
-        </p:spPr>
-        <p:txBody>
-          <a:bodyPr/>
-          <a:lstStyle/>
-          <a:p>
-            <a:r>
-              <a:rPr lang="en-US" dirty="0" smtClean="0">
-                <a:latin typeface="Helvetica"/>
-                <a:cs typeface="Helvetica"/>
-              </a:rPr>
-              <a:t>Results</a:t>
-            </a:r>
-            <a:endParaRPr lang="en-US" dirty="0">
-              <a:latin typeface="Helvetica"/>
-              <a:cs typeface="Helvetica"/>
-            </a:endParaRPr>
-          </a:p>
-        </p:txBody>
-      </p:sp>
       <p:pic>
         <p:nvPicPr>
           <p:cNvPr id="8" name="Picture 7"/>
@@ -7398,6 +7806,46 @@
           </a:prstGeom>
         </p:spPr>
       </p:pic>
+      <p:sp>
+        <p:nvSpPr>
+          <p:cNvPr id="5" name="Title 1"/>
+          <p:cNvSpPr>
+            <a:spLocks noGrp="1"/>
+          </p:cNvSpPr>
+          <p:nvPr>
+            <p:ph type="title"/>
+          </p:nvPr>
+        </p:nvSpPr>
+        <p:spPr>
+          <a:xfrm>
+            <a:off x="381000" y="-76200"/>
+            <a:ext cx="10515600" cy="1145224"/>
+          </a:xfrm>
+        </p:spPr>
+        <p:txBody>
+          <a:bodyPr/>
+          <a:lstStyle/>
+          <a:p>
+            <a:r>
+              <a:rPr lang="en-US" dirty="0" smtClean="0">
+                <a:solidFill>
+                  <a:srgbClr val="736756"/>
+                </a:solidFill>
+                <a:latin typeface="Helvetica"/>
+                <a:cs typeface="Helvetica"/>
+              </a:rPr>
+              <a:t>Results</a:t>
+            </a:r>
+            <a:endParaRPr lang="en-US" dirty="0">
+              <a:solidFill>
+                <a:srgbClr val="736756"/>
+              </a:solidFill>
+              <a:latin typeface="Helvetica"/>
+              <a:cs typeface="Helvetica"/>
+            </a:endParaRPr>
+          </a:p>
+        </p:txBody>
+      </p:sp>
     </p:spTree>
     <p:extLst>
       <p:ext uri="{BB962C8B-B14F-4D97-AF65-F5344CB8AC3E}">
@@ -7420,10 +7868,17 @@
       </p:transition>
     </mc:Fallback>
   </mc:AlternateContent>
+  <p:timing>
+    <p:tnLst>
+      <p:par>
+        <p:cTn xmlns:p14="http://schemas.microsoft.com/office/powerpoint/2010/main" id="1" dur="indefinite" restart="never" nodeType="tmRoot"/>
+      </p:par>
+    </p:tnLst>
+  </p:timing>
 </p:sld>
 </file>
 
-<file path=ppt/slides/slide12.xml><?xml version="1.0" encoding="utf-8"?>
+<file path=ppt/slides/slide15.xml><?xml version="1.0" encoding="utf-8"?>
 <p:sld xmlns:a="http://schemas.openxmlformats.org/drawingml/2006/main" xmlns:r="http://schemas.openxmlformats.org/officeDocument/2006/relationships" xmlns:p="http://schemas.openxmlformats.org/presentationml/2006/main">
   <p:cSld>
     <p:bg>
@@ -7824,10 +8279,184 @@
       </p:transition>
     </mc:Fallback>
   </mc:AlternateContent>
+  <p:timing>
+    <p:tnLst>
+      <p:par>
+        <p:cTn xmlns:p14="http://schemas.microsoft.com/office/powerpoint/2010/main" id="1" dur="indefinite" restart="never" nodeType="tmRoot"/>
+      </p:par>
+    </p:tnLst>
+  </p:timing>
 </p:sld>
 </file>
 
-<file path=ppt/slides/slide13.xml><?xml version="1.0" encoding="utf-8"?>
+<file path=ppt/slides/slide16.xml><?xml version="1.0" encoding="utf-8"?>
+<p:sld xmlns:a="http://schemas.openxmlformats.org/drawingml/2006/main" xmlns:r="http://schemas.openxmlformats.org/officeDocument/2006/relationships" xmlns:p="http://schemas.openxmlformats.org/presentationml/2006/main">
+  <p:cSld>
+    <p:bg>
+      <p:bgPr>
+        <a:solidFill>
+          <a:schemeClr val="tx1"/>
+        </a:solidFill>
+        <a:effectLst/>
+      </p:bgPr>
+    </p:bg>
+    <p:spTree>
+      <p:nvGrpSpPr>
+        <p:cNvPr id="1" name=""/>
+        <p:cNvGrpSpPr/>
+        <p:nvPr/>
+      </p:nvGrpSpPr>
+      <p:grpSpPr>
+        <a:xfrm>
+          <a:off x="0" y="0"/>
+          <a:ext cx="0" cy="0"/>
+          <a:chOff x="0" y="0"/>
+          <a:chExt cx="0" cy="0"/>
+        </a:xfrm>
+      </p:grpSpPr>
+      <p:sp>
+        <p:nvSpPr>
+          <p:cNvPr id="3" name="Content Placeholder 2"/>
+          <p:cNvSpPr>
+            <a:spLocks noGrp="1"/>
+          </p:cNvSpPr>
+          <p:nvPr>
+            <p:ph idx="1"/>
+          </p:nvPr>
+        </p:nvSpPr>
+        <p:spPr>
+          <a:xfrm>
+            <a:off x="381000" y="1600200"/>
+            <a:ext cx="10972800" cy="4576763"/>
+          </a:xfrm>
+        </p:spPr>
+        <p:txBody>
+          <a:bodyPr>
+            <a:normAutofit/>
+          </a:bodyPr>
+          <a:lstStyle/>
+          <a:p>
+            <a:r>
+              <a:rPr lang="en-US" sz="2400" dirty="0" smtClean="0">
+                <a:solidFill>
+                  <a:srgbClr val="736756"/>
+                </a:solidFill>
+                <a:latin typeface="Helvetica"/>
+                <a:cs typeface="Helvetica"/>
+              </a:rPr>
+              <a:t>Temporal trends similar across city “sides”</a:t>
+            </a:r>
+          </a:p>
+          <a:p>
+            <a:pPr lvl="1"/>
+            <a:r>
+              <a:rPr lang="en-US" sz="2200" dirty="0" smtClean="0">
+                <a:solidFill>
+                  <a:srgbClr val="736756"/>
+                </a:solidFill>
+                <a:latin typeface="Helvetica"/>
+                <a:cs typeface="Helvetica"/>
+              </a:rPr>
+              <a:t>Strong yearly and autoregressive trends</a:t>
+            </a:r>
+            <a:endParaRPr lang="en-US" sz="2200" dirty="0" smtClean="0">
+              <a:solidFill>
+                <a:schemeClr val="bg2">
+                  <a:lumMod val="65000"/>
+                  <a:lumOff val="35000"/>
+                </a:schemeClr>
+              </a:solidFill>
+              <a:latin typeface="Helvetica"/>
+              <a:cs typeface="Helvetica"/>
+            </a:endParaRPr>
+          </a:p>
+          <a:p>
+            <a:endParaRPr lang="en-US" sz="2400" dirty="0">
+              <a:solidFill>
+                <a:schemeClr val="bg2">
+                  <a:lumMod val="65000"/>
+                  <a:lumOff val="35000"/>
+                </a:schemeClr>
+              </a:solidFill>
+              <a:latin typeface="Helvetica"/>
+              <a:cs typeface="Helvetica"/>
+            </a:endParaRPr>
+          </a:p>
+        </p:txBody>
+      </p:sp>
+      <p:sp>
+        <p:nvSpPr>
+          <p:cNvPr id="4" name="Title 1"/>
+          <p:cNvSpPr>
+            <a:spLocks noGrp="1"/>
+          </p:cNvSpPr>
+          <p:nvPr>
+            <p:ph type="title"/>
+          </p:nvPr>
+        </p:nvSpPr>
+        <p:spPr>
+          <a:xfrm>
+            <a:off x="381000" y="-76200"/>
+            <a:ext cx="10515600" cy="1145224"/>
+          </a:xfrm>
+        </p:spPr>
+        <p:txBody>
+          <a:bodyPr/>
+          <a:lstStyle/>
+          <a:p>
+            <a:r>
+              <a:rPr lang="en-US" dirty="0" smtClean="0">
+                <a:solidFill>
+                  <a:srgbClr val="736756"/>
+                </a:solidFill>
+                <a:latin typeface="Helvetica"/>
+                <a:cs typeface="Helvetica"/>
+              </a:rPr>
+              <a:t>Conclusions</a:t>
+            </a:r>
+            <a:endParaRPr lang="en-US" dirty="0">
+              <a:solidFill>
+                <a:srgbClr val="736756"/>
+              </a:solidFill>
+              <a:latin typeface="Helvetica"/>
+              <a:cs typeface="Helvetica"/>
+            </a:endParaRPr>
+          </a:p>
+        </p:txBody>
+      </p:sp>
+    </p:spTree>
+    <p:extLst>
+      <p:ext uri="{BB962C8B-B14F-4D97-AF65-F5344CB8AC3E}">
+        <p14:creationId xmlns:p14="http://schemas.microsoft.com/office/powerpoint/2010/main" val="421549997"/>
+      </p:ext>
+    </p:extLst>
+  </p:cSld>
+  <p:clrMapOvr>
+    <a:masterClrMapping/>
+  </p:clrMapOvr>
+  <mc:AlternateContent xmlns:mc="http://schemas.openxmlformats.org/markup-compatibility/2006" xmlns:p14="http://schemas.microsoft.com/office/powerpoint/2010/main">
+    <mc:Choice Requires="p14">
+      <p:transition spd="med" p14:dur="700">
+        <p:fade/>
+      </p:transition>
+    </mc:Choice>
+    <mc:Fallback xmlns="">
+      <p:transition spd="med">
+        <p:fade/>
+      </p:transition>
+    </mc:Fallback>
+  </mc:AlternateContent>
+  <p:timing>
+    <p:tnLst>
+      <p:par>
+        <p:cTn xmlns:p14="http://schemas.microsoft.com/office/powerpoint/2010/main" id="1" dur="indefinite" restart="never" nodeType="tmRoot"/>
+      </p:par>
+    </p:tnLst>
+  </p:timing>
+</p:sld>
+</file>
+
+<file path=ppt/slides/slide17.xml><?xml version="1.0" encoding="utf-8"?>
 <p:sld xmlns:a="http://schemas.openxmlformats.org/drawingml/2006/main" xmlns:r="http://schemas.openxmlformats.org/officeDocument/2006/relationships" xmlns:p="http://schemas.openxmlformats.org/presentationml/2006/main">
   <p:cSld>
     <p:spTree>
@@ -7969,12 +8598,27 @@
       </p:transition>
     </mc:Fallback>
   </mc:AlternateContent>
+  <p:timing>
+    <p:tnLst>
+      <p:par>
+        <p:cTn xmlns:p14="http://schemas.microsoft.com/office/powerpoint/2010/main" id="1" dur="indefinite" restart="never" nodeType="tmRoot"/>
+      </p:par>
+    </p:tnLst>
+  </p:timing>
 </p:sld>
 </file>
 
 <file path=ppt/slides/slide2.xml><?xml version="1.0" encoding="utf-8"?>
 <p:sld xmlns:a="http://schemas.openxmlformats.org/drawingml/2006/main" xmlns:r="http://schemas.openxmlformats.org/officeDocument/2006/relationships" xmlns:p="http://schemas.openxmlformats.org/presentationml/2006/main">
   <p:cSld>
+    <p:bg>
+      <p:bgPr>
+        <a:solidFill>
+          <a:schemeClr val="tx1"/>
+        </a:solidFill>
+        <a:effectLst/>
+      </p:bgPr>
+    </p:bg>
     <p:spTree>
       <p:nvGrpSpPr>
         <p:cNvPr id="1" name=""/>
@@ -7989,36 +8633,6 @@
           <a:chExt cx="0" cy="0"/>
         </a:xfrm>
       </p:grpSpPr>
-      <p:sp>
-        <p:nvSpPr>
-          <p:cNvPr id="2" name="Title 1"/>
-          <p:cNvSpPr>
-            <a:spLocks noGrp="1"/>
-          </p:cNvSpPr>
-          <p:nvPr>
-            <p:ph type="title"/>
-          </p:nvPr>
-        </p:nvSpPr>
-        <p:spPr>
-          <a:xfrm>
-            <a:off x="457200" y="0"/>
-            <a:ext cx="10515600" cy="1145224"/>
-          </a:xfrm>
-        </p:spPr>
-        <p:txBody>
-          <a:bodyPr/>
-          <a:lstStyle/>
-          <a:p>
-            <a:r>
-              <a:rPr lang="en-US" dirty="0">
-                <a:latin typeface="Helvetica"/>
-                <a:cs typeface="Helvetica"/>
-              </a:rPr>
-              <a:t>Is Chicago a war zone?</a:t>
-            </a:r>
-          </a:p>
-        </p:txBody>
-      </p:sp>
       <p:pic>
         <p:nvPicPr>
           <p:cNvPr id="3074" name="Picture 2" descr="https://tribwgntv.files.wordpress.com/2017/01/twwet.png"/>
@@ -8143,6 +8757,50 @@
           </a:extLst>
         </p:spPr>
       </p:pic>
+      <p:sp>
+        <p:nvSpPr>
+          <p:cNvPr id="7" name="Title 1"/>
+          <p:cNvSpPr>
+            <a:spLocks noGrp="1"/>
+          </p:cNvSpPr>
+          <p:nvPr>
+            <p:ph type="title"/>
+          </p:nvPr>
+        </p:nvSpPr>
+        <p:spPr>
+          <a:xfrm>
+            <a:off x="838200" y="-76200"/>
+            <a:ext cx="10515600" cy="1145224"/>
+          </a:xfrm>
+        </p:spPr>
+        <p:txBody>
+          <a:bodyPr/>
+          <a:lstStyle/>
+          <a:p>
+            <a:r>
+              <a:rPr lang="en-US" dirty="0" smtClean="0">
+                <a:solidFill>
+                  <a:schemeClr val="accent6">
+                    <a:lumMod val="75000"/>
+                  </a:schemeClr>
+                </a:solidFill>
+                <a:latin typeface="Helvetica"/>
+                <a:cs typeface="Helvetica"/>
+              </a:rPr>
+              <a:t>Is Chicago a War Zone?</a:t>
+            </a:r>
+            <a:endParaRPr lang="en-US" dirty="0">
+              <a:solidFill>
+                <a:schemeClr val="accent6">
+                  <a:lumMod val="75000"/>
+                </a:schemeClr>
+              </a:solidFill>
+              <a:latin typeface="Helvetica"/>
+              <a:cs typeface="Helvetica"/>
+            </a:endParaRPr>
+          </a:p>
+        </p:txBody>
+      </p:sp>
     </p:spTree>
     <p:extLst>
       <p:ext uri="{BB962C8B-B14F-4D97-AF65-F5344CB8AC3E}">
@@ -8165,12 +8823,27 @@
       </p:transition>
     </mc:Fallback>
   </mc:AlternateContent>
+  <p:timing>
+    <p:tnLst>
+      <p:par>
+        <p:cTn xmlns:p14="http://schemas.microsoft.com/office/powerpoint/2010/main" id="1" dur="indefinite" restart="never" nodeType="tmRoot"/>
+      </p:par>
+    </p:tnLst>
+  </p:timing>
 </p:sld>
 </file>
 
 <file path=ppt/slides/slide3.xml><?xml version="1.0" encoding="utf-8"?>
 <p:sld xmlns:a="http://schemas.openxmlformats.org/drawingml/2006/main" xmlns:r="http://schemas.openxmlformats.org/officeDocument/2006/relationships" xmlns:p="http://schemas.openxmlformats.org/presentationml/2006/main">
   <p:cSld>
+    <p:bg>
+      <p:bgPr>
+        <a:solidFill>
+          <a:schemeClr val="tx1"/>
+        </a:solidFill>
+        <a:effectLst/>
+      </p:bgPr>
+    </p:bg>
     <p:spTree>
       <p:nvGrpSpPr>
         <p:cNvPr id="1" name=""/>
@@ -8185,36 +8858,6 @@
           <a:chExt cx="0" cy="0"/>
         </a:xfrm>
       </p:grpSpPr>
-      <p:sp>
-        <p:nvSpPr>
-          <p:cNvPr id="2" name="Title 1"/>
-          <p:cNvSpPr>
-            <a:spLocks noGrp="1"/>
-          </p:cNvSpPr>
-          <p:nvPr>
-            <p:ph type="title"/>
-          </p:nvPr>
-        </p:nvSpPr>
-        <p:spPr>
-          <a:xfrm>
-            <a:off x="838200" y="-76200"/>
-            <a:ext cx="10515600" cy="1145224"/>
-          </a:xfrm>
-        </p:spPr>
-        <p:txBody>
-          <a:bodyPr/>
-          <a:lstStyle/>
-          <a:p>
-            <a:r>
-              <a:rPr lang="en-US" dirty="0">
-                <a:latin typeface="Helvetica"/>
-                <a:cs typeface="Helvetica"/>
-              </a:rPr>
-              <a:t>Data Sources</a:t>
-            </a:r>
-          </a:p>
-        </p:txBody>
-      </p:sp>
       <p:pic>
         <p:nvPicPr>
           <p:cNvPr id="6" name="Picture 5"/>
@@ -8239,6 +8882,50 @@
           </a:prstGeom>
         </p:spPr>
       </p:pic>
+      <p:sp>
+        <p:nvSpPr>
+          <p:cNvPr id="5" name="Title 1"/>
+          <p:cNvSpPr>
+            <a:spLocks noGrp="1"/>
+          </p:cNvSpPr>
+          <p:nvPr>
+            <p:ph type="title"/>
+          </p:nvPr>
+        </p:nvSpPr>
+        <p:spPr>
+          <a:xfrm>
+            <a:off x="838200" y="-76200"/>
+            <a:ext cx="10515600" cy="1145224"/>
+          </a:xfrm>
+        </p:spPr>
+        <p:txBody>
+          <a:bodyPr/>
+          <a:lstStyle/>
+          <a:p>
+            <a:r>
+              <a:rPr lang="en-US" dirty="0" smtClean="0">
+                <a:solidFill>
+                  <a:schemeClr val="accent6">
+                    <a:lumMod val="75000"/>
+                  </a:schemeClr>
+                </a:solidFill>
+                <a:latin typeface="Helvetica"/>
+                <a:cs typeface="Helvetica"/>
+              </a:rPr>
+              <a:t>Data Sources</a:t>
+            </a:r>
+            <a:endParaRPr lang="en-US" dirty="0">
+              <a:solidFill>
+                <a:schemeClr val="accent6">
+                  <a:lumMod val="75000"/>
+                </a:schemeClr>
+              </a:solidFill>
+              <a:latin typeface="Helvetica"/>
+              <a:cs typeface="Helvetica"/>
+            </a:endParaRPr>
+          </a:p>
+        </p:txBody>
+      </p:sp>
     </p:spTree>
     <p:extLst>
       <p:ext uri="{BB962C8B-B14F-4D97-AF65-F5344CB8AC3E}">
@@ -8261,6 +8948,13 @@
       </p:transition>
     </mc:Fallback>
   </mc:AlternateContent>
+  <p:timing>
+    <p:tnLst>
+      <p:par>
+        <p:cTn xmlns:p14="http://schemas.microsoft.com/office/powerpoint/2010/main" id="1" dur="indefinite" restart="never" nodeType="tmRoot"/>
+      </p:par>
+    </p:tnLst>
+  </p:timing>
 </p:sld>
 </file>
 
@@ -8293,7 +8987,7 @@
         </p:nvSpPr>
         <p:spPr>
           <a:xfrm>
-            <a:off x="838200" y="365126"/>
+            <a:off x="838200" y="73976"/>
             <a:ext cx="10515600" cy="1145224"/>
           </a:xfrm>
         </p:spPr>
@@ -8402,6 +9096,13 @@
       </p:transition>
     </mc:Fallback>
   </mc:AlternateContent>
+  <p:timing>
+    <p:tnLst>
+      <p:par>
+        <p:cTn xmlns:p14="http://schemas.microsoft.com/office/powerpoint/2010/main" id="1" dur="indefinite" restart="never" nodeType="tmRoot"/>
+      </p:par>
+    </p:tnLst>
+  </p:timing>
 </p:sld>
 </file>
 
@@ -8508,12 +9209,27 @@
       </p:transition>
     </mc:Fallback>
   </mc:AlternateContent>
+  <p:timing>
+    <p:tnLst>
+      <p:par>
+        <p:cTn xmlns:p14="http://schemas.microsoft.com/office/powerpoint/2010/main" id="1" dur="indefinite" restart="never" nodeType="tmRoot"/>
+      </p:par>
+    </p:tnLst>
+  </p:timing>
 </p:sld>
 </file>
 
 <file path=ppt/slides/slide6.xml><?xml version="1.0" encoding="utf-8"?>
 <p:sld xmlns:a="http://schemas.openxmlformats.org/drawingml/2006/main" xmlns:r="http://schemas.openxmlformats.org/officeDocument/2006/relationships" xmlns:p="http://schemas.openxmlformats.org/presentationml/2006/main">
   <p:cSld>
+    <p:bg>
+      <p:bgPr>
+        <a:solidFill>
+          <a:schemeClr val="tx1"/>
+        </a:solidFill>
+        <a:effectLst/>
+      </p:bgPr>
+    </p:bg>
     <p:spTree>
       <p:nvGrpSpPr>
         <p:cNvPr id="1" name=""/>
@@ -8530,9 +9246,9 @@
       </p:grpSpPr>
       <p:pic>
         <p:nvPicPr>
-          <p:cNvPr id="1026" name="Picture 2" descr="https://upload.wikimedia.org/wikipedia/commons/thumb/2/24/Map_of_the_Community_Areas_and_%27Sides%27_of_the_City_of_Chicago.svg/350px-Map_of_the_Community_Areas_and_%27Sides%27_of_the_City_of_Chicago.svg.png"/>
+          <p:cNvPr id="4" name="Picture 3" descr="side.png"/>
           <p:cNvPicPr>
-            <a:picLocks noChangeAspect="1" noChangeArrowheads="1"/>
+            <a:picLocks noChangeAspect="1"/>
           </p:cNvPicPr>
           <p:nvPr/>
         </p:nvPicPr>
@@ -8544,28 +9260,68 @@
               </a:ext>
             </a:extLst>
           </a:blip>
-          <a:srcRect/>
           <a:stretch>
             <a:fillRect/>
           </a:stretch>
         </p:blipFill>
-        <p:spPr bwMode="auto">
-          <a:xfrm>
-            <a:off x="1295400" y="674424"/>
-            <a:ext cx="4343400" cy="5621601"/>
+        <p:spPr>
+          <a:xfrm>
+            <a:off x="2819400" y="1143000"/>
+            <a:ext cx="6562725" cy="5214930"/>
           </a:xfrm>
           <a:prstGeom prst="rect">
             <a:avLst/>
           </a:prstGeom>
-          <a:solidFill>
-            <a:schemeClr val="accent1"/>
-          </a:solidFill>
         </p:spPr>
       </p:pic>
+      <p:sp>
+        <p:nvSpPr>
+          <p:cNvPr id="6" name="Title 1"/>
+          <p:cNvSpPr>
+            <a:spLocks noGrp="1"/>
+          </p:cNvSpPr>
+          <p:nvPr>
+            <p:ph type="title"/>
+          </p:nvPr>
+        </p:nvSpPr>
+        <p:spPr>
+          <a:xfrm>
+            <a:off x="838200" y="-76200"/>
+            <a:ext cx="10515600" cy="1145224"/>
+          </a:xfrm>
+        </p:spPr>
+        <p:txBody>
+          <a:bodyPr/>
+          <a:lstStyle/>
+          <a:p>
+            <a:r>
+              <a:rPr lang="en-US" dirty="0" smtClean="0">
+                <a:solidFill>
+                  <a:schemeClr val="accent6">
+                    <a:lumMod val="75000"/>
+                  </a:schemeClr>
+                </a:solidFill>
+                <a:latin typeface="Helvetica"/>
+                <a:cs typeface="Helvetica"/>
+              </a:rPr>
+              <a:t>“Sides” of Chicago</a:t>
+            </a:r>
+            <a:endParaRPr lang="en-US" dirty="0">
+              <a:solidFill>
+                <a:schemeClr val="accent6">
+                  <a:lumMod val="75000"/>
+                </a:schemeClr>
+              </a:solidFill>
+              <a:latin typeface="Helvetica"/>
+              <a:cs typeface="Helvetica"/>
+            </a:endParaRPr>
+          </a:p>
+        </p:txBody>
+      </p:sp>
     </p:spTree>
     <p:extLst>
       <p:ext uri="{BB962C8B-B14F-4D97-AF65-F5344CB8AC3E}">
-        <p14:creationId xmlns:p14="http://schemas.microsoft.com/office/powerpoint/2010/main" val="1841336679"/>
+        <p14:creationId xmlns:p14="http://schemas.microsoft.com/office/powerpoint/2010/main" val="1206484074"/>
       </p:ext>
     </p:extLst>
   </p:cSld>
@@ -8584,12 +9340,27 @@
       </p:transition>
     </mc:Fallback>
   </mc:AlternateContent>
+  <p:timing>
+    <p:tnLst>
+      <p:par>
+        <p:cTn xmlns:p14="http://schemas.microsoft.com/office/powerpoint/2010/main" id="1" dur="indefinite" restart="never" nodeType="tmRoot"/>
+      </p:par>
+    </p:tnLst>
+  </p:timing>
 </p:sld>
 </file>
 
 <file path=ppt/slides/slide7.xml><?xml version="1.0" encoding="utf-8"?>
 <p:sld xmlns:a="http://schemas.openxmlformats.org/drawingml/2006/main" xmlns:r="http://schemas.openxmlformats.org/officeDocument/2006/relationships" xmlns:p="http://schemas.openxmlformats.org/presentationml/2006/main">
   <p:cSld>
+    <p:bg>
+      <p:bgPr>
+        <a:solidFill>
+          <a:schemeClr val="tx1"/>
+        </a:solidFill>
+        <a:effectLst/>
+      </p:bgPr>
+    </p:bg>
     <p:spTree>
       <p:nvGrpSpPr>
         <p:cNvPr id="1" name=""/>
@@ -8604,9 +9375,69 @@
           <a:chExt cx="0" cy="0"/>
         </a:xfrm>
       </p:grpSpPr>
-      <p:sp>
-        <p:nvSpPr>
-          <p:cNvPr id="2" name="Title 1"/>
+      <p:pic>
+        <p:nvPicPr>
+          <p:cNvPr id="3" name="Picture 2" descr="counts_by_pop.png"/>
+          <p:cNvPicPr>
+            <a:picLocks noChangeAspect="1"/>
+          </p:cNvPicPr>
+          <p:nvPr/>
+        </p:nvPicPr>
+        <p:blipFill>
+          <a:blip r:embed="rId2">
+            <a:extLst>
+              <a:ext uri="{28A0092B-C50C-407E-A947-70E740481C1C}">
+                <a14:useLocalDpi xmlns:a14="http://schemas.microsoft.com/office/drawing/2010/main" val="0"/>
+              </a:ext>
+            </a:extLst>
+          </a:blip>
+          <a:stretch>
+            <a:fillRect/>
+          </a:stretch>
+        </p:blipFill>
+        <p:spPr>
+          <a:xfrm>
+            <a:off x="6162675" y="1219200"/>
+            <a:ext cx="6029325" cy="4791075"/>
+          </a:xfrm>
+          <a:prstGeom prst="rect">
+            <a:avLst/>
+          </a:prstGeom>
+        </p:spPr>
+      </p:pic>
+      <p:pic>
+        <p:nvPicPr>
+          <p:cNvPr id="5" name="Picture 4" descr="population.png"/>
+          <p:cNvPicPr>
+            <a:picLocks noChangeAspect="1"/>
+          </p:cNvPicPr>
+          <p:nvPr/>
+        </p:nvPicPr>
+        <p:blipFill>
+          <a:blip r:embed="rId3">
+            <a:extLst>
+              <a:ext uri="{28A0092B-C50C-407E-A947-70E740481C1C}">
+                <a14:useLocalDpi xmlns:a14="http://schemas.microsoft.com/office/drawing/2010/main" val="0"/>
+              </a:ext>
+            </a:extLst>
+          </a:blip>
+          <a:stretch>
+            <a:fillRect/>
+          </a:stretch>
+        </p:blipFill>
+        <p:spPr>
+          <a:xfrm>
+            <a:off x="152400" y="1219200"/>
+            <a:ext cx="6029325" cy="4791075"/>
+          </a:xfrm>
+          <a:prstGeom prst="rect">
+            <a:avLst/>
+          </a:prstGeom>
+        </p:spPr>
+      </p:pic>
+      <p:sp>
+        <p:nvSpPr>
+          <p:cNvPr id="7" name="Title 1"/>
           <p:cNvSpPr>
             <a:spLocks noGrp="1"/>
           </p:cNvSpPr>
@@ -8616,7 +9447,7 @@
         </p:nvSpPr>
         <p:spPr>
           <a:xfrm>
-            <a:off x="838200" y="365126"/>
+            <a:off x="838200" y="-76200"/>
             <a:ext cx="10515600" cy="1145224"/>
           </a:xfrm>
         </p:spPr>
@@ -8625,88 +9456,33 @@
           <a:lstStyle/>
           <a:p>
             <a:r>
-              <a:rPr lang="en-US" dirty="0">
+              <a:rPr lang="en-US" dirty="0" smtClean="0">
+                <a:solidFill>
+                  <a:schemeClr val="accent6">
+                    <a:lumMod val="75000"/>
+                  </a:schemeClr>
+                </a:solidFill>
                 <a:latin typeface="Helvetica"/>
                 <a:cs typeface="Helvetica"/>
               </a:rPr>
-              <a:t>Images</a:t>
-            </a:r>
-          </a:p>
-        </p:txBody>
-      </p:sp>
-      <p:sp>
-        <p:nvSpPr>
-          <p:cNvPr id="3" name="Content Placeholder 2"/>
-          <p:cNvSpPr>
-            <a:spLocks noGrp="1"/>
-          </p:cNvSpPr>
-          <p:nvPr>
-            <p:ph idx="1"/>
-          </p:nvPr>
-        </p:nvSpPr>
-        <p:spPr/>
-        <p:txBody>
-          <a:bodyPr/>
-          <a:lstStyle/>
-          <a:p>
-            <a:r>
-              <a:rPr lang="en-US" dirty="0">
-                <a:latin typeface="Helvetica"/>
-                <a:cs typeface="Helvetica"/>
-              </a:rPr>
-              <a:t>Trump – </a:t>
-            </a:r>
-            <a:r>
-              <a:rPr lang="en-US" dirty="0">
-                <a:latin typeface="Helvetica"/>
-                <a:cs typeface="Helvetica"/>
-                <a:hlinkClick r:id="rId2"/>
-              </a:rPr>
-              <a:t>https://tribwgntv.files.wordpress.com/2017/01/twwet.png</a:t>
+              <a:t>“Sides” of Chicago, cont.</a:t>
             </a:r>
             <a:endParaRPr lang="en-US" dirty="0">
+              <a:solidFill>
+                <a:schemeClr val="accent6">
+                  <a:lumMod val="75000"/>
+                </a:schemeClr>
+              </a:solidFill>
               <a:latin typeface="Helvetica"/>
               <a:cs typeface="Helvetica"/>
             </a:endParaRPr>
           </a:p>
-          <a:p>
-            <a:r>
-              <a:rPr lang="en-US" dirty="0">
-                <a:latin typeface="Helvetica"/>
-                <a:cs typeface="Helvetica"/>
-              </a:rPr>
-              <a:t>Chi-</a:t>
-            </a:r>
-            <a:r>
-              <a:rPr lang="en-US" dirty="0" err="1">
-                <a:latin typeface="Helvetica"/>
-                <a:cs typeface="Helvetica"/>
-              </a:rPr>
-              <a:t>raq</a:t>
-            </a:r>
-            <a:r>
-              <a:rPr lang="en-US" dirty="0">
-                <a:latin typeface="Helvetica"/>
-                <a:cs typeface="Helvetica"/>
-              </a:rPr>
-              <a:t> https://upload.wikimedia.org/wikipedia/en/thumb/e/e7/ChiRaqMoviePoster.png/220px-ChiRaqMoviePoster.png</a:t>
-            </a:r>
-          </a:p>
-          <a:p>
-            <a:r>
-              <a:rPr lang="en-US" dirty="0">
-                <a:latin typeface="Helvetica"/>
-                <a:cs typeface="Helvetica"/>
-              </a:rPr>
-              <a:t>Communities - https://upload.wikimedia.org/wikipedia/commons/thumb/2/24/Map_of_the_Community_Areas_and_%27Sides%27_of_the_City_of_Chicago.svg/350px-Map_of_the_Community_Areas_and_%27Sides%27_of_the_City_of_Chicago.svg.png</a:t>
-            </a:r>
-          </a:p>
         </p:txBody>
       </p:sp>
     </p:spTree>
     <p:extLst>
       <p:ext uri="{BB962C8B-B14F-4D97-AF65-F5344CB8AC3E}">
-        <p14:creationId xmlns:p14="http://schemas.microsoft.com/office/powerpoint/2010/main" val="986977783"/>
+        <p14:creationId xmlns:p14="http://schemas.microsoft.com/office/powerpoint/2010/main" val="3061157347"/>
       </p:ext>
     </p:extLst>
   </p:cSld>
@@ -8725,12 +9501,27 @@
       </p:transition>
     </mc:Fallback>
   </mc:AlternateContent>
+  <p:timing>
+    <p:tnLst>
+      <p:par>
+        <p:cTn xmlns:p14="http://schemas.microsoft.com/office/powerpoint/2010/main" id="1" dur="indefinite" restart="never" nodeType="tmRoot"/>
+      </p:par>
+    </p:tnLst>
+  </p:timing>
 </p:sld>
 </file>
 
 <file path=ppt/slides/slide8.xml><?xml version="1.0" encoding="utf-8"?>
 <p:sld xmlns:a="http://schemas.openxmlformats.org/drawingml/2006/main" xmlns:r="http://schemas.openxmlformats.org/officeDocument/2006/relationships" xmlns:p="http://schemas.openxmlformats.org/presentationml/2006/main">
   <p:cSld>
+    <p:bg>
+      <p:bgPr>
+        <a:solidFill>
+          <a:schemeClr val="tx1"/>
+        </a:solidFill>
+        <a:effectLst/>
+      </p:bgPr>
+    </p:bg>
     <p:spTree>
       <p:nvGrpSpPr>
         <p:cNvPr id="1" name=""/>
@@ -8747,7 +9538,7 @@
       </p:grpSpPr>
       <p:sp>
         <p:nvSpPr>
-          <p:cNvPr id="2" name="Title 1"/>
+          <p:cNvPr id="7" name="Title 1"/>
           <p:cNvSpPr>
             <a:spLocks noGrp="1"/>
           </p:cNvSpPr>
@@ -8757,8 +9548,8 @@
         </p:nvSpPr>
         <p:spPr>
           <a:xfrm>
-            <a:off x="841248" y="2819400"/>
-            <a:ext cx="9601200" cy="1838519"/>
+            <a:off x="838200" y="-76200"/>
+            <a:ext cx="10515600" cy="1145224"/>
           </a:xfrm>
         </p:spPr>
         <p:txBody>
@@ -8767,59 +9558,90 @@
           <a:p>
             <a:r>
               <a:rPr lang="en-US" dirty="0" smtClean="0">
+                <a:solidFill>
+                  <a:schemeClr val="accent6">
+                    <a:lumMod val="75000"/>
+                  </a:schemeClr>
+                </a:solidFill>
                 <a:latin typeface="Helvetica"/>
                 <a:cs typeface="Helvetica"/>
               </a:rPr>
-              <a:t>Bayesian Regression </a:t>
-            </a:r>
-            <a:r>
-              <a:rPr lang="en-US" dirty="0">
-                <a:latin typeface="Helvetica"/>
-                <a:cs typeface="Helvetica"/>
-              </a:rPr>
-              <a:t>Modeling</a:t>
-            </a:r>
-          </a:p>
-        </p:txBody>
-      </p:sp>
-      <p:sp>
-        <p:nvSpPr>
-          <p:cNvPr id="3" name="Text Placeholder 2"/>
-          <p:cNvSpPr>
-            <a:spLocks noGrp="1"/>
-          </p:cNvSpPr>
-          <p:nvPr>
-            <p:ph type="body" idx="1"/>
-          </p:nvPr>
-        </p:nvSpPr>
-        <p:spPr>
-          <a:xfrm>
-            <a:off x="841248" y="4800600"/>
-            <a:ext cx="9601200" cy="475488"/>
-          </a:xfrm>
-        </p:spPr>
-        <p:txBody>
-          <a:bodyPr/>
-          <a:lstStyle/>
-          <a:p>
-            <a:r>
-              <a:rPr lang="en-US" dirty="0" smtClean="0">
-                <a:latin typeface="Helvetica"/>
-                <a:cs typeface="Helvetica"/>
-              </a:rPr>
-              <a:t>A spatial analysis of crime data</a:t>
+              <a:t>South Side</a:t>
             </a:r>
             <a:endParaRPr lang="en-US" dirty="0">
+              <a:solidFill>
+                <a:schemeClr val="accent6">
+                  <a:lumMod val="75000"/>
+                </a:schemeClr>
+              </a:solidFill>
               <a:latin typeface="Helvetica"/>
               <a:cs typeface="Helvetica"/>
             </a:endParaRPr>
           </a:p>
         </p:txBody>
       </p:sp>
+      <p:pic>
+        <p:nvPicPr>
+          <p:cNvPr id="2" name="Picture 1" descr="south_ACF.png"/>
+          <p:cNvPicPr>
+            <a:picLocks noChangeAspect="1"/>
+          </p:cNvPicPr>
+          <p:nvPr/>
+        </p:nvPicPr>
+        <p:blipFill rotWithShape="1">
+          <a:blip r:embed="rId2">
+            <a:extLst>
+              <a:ext uri="{28A0092B-C50C-407E-A947-70E740481C1C}">
+                <a14:useLocalDpi xmlns:a14="http://schemas.microsoft.com/office/drawing/2010/main" val="0"/>
+              </a:ext>
+            </a:extLst>
+          </a:blip>
+          <a:srcRect t="24433" b="6379"/>
+          <a:stretch/>
+        </p:blipFill>
+        <p:spPr>
+          <a:xfrm>
+            <a:off x="2362200" y="1219200"/>
+            <a:ext cx="7469377" cy="2253290"/>
+          </a:xfrm>
+          <a:prstGeom prst="rect">
+            <a:avLst/>
+          </a:prstGeom>
+        </p:spPr>
+      </p:pic>
+      <p:pic>
+        <p:nvPicPr>
+          <p:cNvPr id="4" name="Picture 3" descr="south_PACF.png"/>
+          <p:cNvPicPr>
+            <a:picLocks noChangeAspect="1"/>
+          </p:cNvPicPr>
+          <p:nvPr/>
+        </p:nvPicPr>
+        <p:blipFill rotWithShape="1">
+          <a:blip r:embed="rId3">
+            <a:extLst>
+              <a:ext uri="{28A0092B-C50C-407E-A947-70E740481C1C}">
+                <a14:useLocalDpi xmlns:a14="http://schemas.microsoft.com/office/drawing/2010/main" val="0"/>
+              </a:ext>
+            </a:extLst>
+          </a:blip>
+          <a:srcRect t="22757" b="5670"/>
+          <a:stretch/>
+        </p:blipFill>
+        <p:spPr>
+          <a:xfrm>
+            <a:off x="2362200" y="3657600"/>
+            <a:ext cx="7569385" cy="2362200"/>
+          </a:xfrm>
+          <a:prstGeom prst="rect">
+            <a:avLst/>
+          </a:prstGeom>
+        </p:spPr>
+      </p:pic>
     </p:spTree>
     <p:extLst>
       <p:ext uri="{BB962C8B-B14F-4D97-AF65-F5344CB8AC3E}">
-        <p14:creationId xmlns:p14="http://schemas.microsoft.com/office/powerpoint/2010/main" val="1945622998"/>
+        <p14:creationId xmlns:p14="http://schemas.microsoft.com/office/powerpoint/2010/main" val="3675338084"/>
       </p:ext>
     </p:extLst>
   </p:cSld>
@@ -8838,6 +9660,13 @@
       </p:transition>
     </mc:Fallback>
   </mc:AlternateContent>
+  <p:timing>
+    <p:tnLst>
+      <p:par>
+        <p:cTn xmlns:p14="http://schemas.microsoft.com/office/powerpoint/2010/main" id="1" dur="indefinite" restart="never" nodeType="tmRoot"/>
+      </p:par>
+    </p:tnLst>
+  </p:timing>
 </p:sld>
 </file>
 
@@ -8868,7 +9697,7 @@
       </p:grpSpPr>
       <p:sp>
         <p:nvSpPr>
-          <p:cNvPr id="2" name="Title 1"/>
+          <p:cNvPr id="7" name="Title 1"/>
           <p:cNvSpPr>
             <a:spLocks noGrp="1"/>
           </p:cNvSpPr>
@@ -8896,7 +9725,31 @@
                 <a:latin typeface="Helvetica"/>
                 <a:cs typeface="Helvetica"/>
               </a:rPr>
-              <a:t>LASSO Regression Model</a:t>
+              <a:t>South Side </a:t>
+            </a:r>
+            <a:r>
+              <a:rPr lang="mr-IN" dirty="0" smtClean="0">
+                <a:solidFill>
+                  <a:schemeClr val="accent6">
+                    <a:lumMod val="75000"/>
+                  </a:schemeClr>
+                </a:solidFill>
+                <a:latin typeface="Helvetica"/>
+                <a:cs typeface="Helvetica"/>
+              </a:rPr>
+              <a:t>–</a:t>
+            </a:r>
+            <a:r>
+              <a:rPr lang="en-US" dirty="0" smtClean="0">
+                <a:solidFill>
+                  <a:schemeClr val="accent6">
+                    <a:lumMod val="75000"/>
+                  </a:schemeClr>
+                </a:solidFill>
+                <a:latin typeface="Helvetica"/>
+                <a:cs typeface="Helvetica"/>
+              </a:rPr>
+              <a:t> ARIMA(4,0,0)x(1,0,0)[12]</a:t>
             </a:r>
             <a:endParaRPr lang="en-US" dirty="0">
               <a:solidFill>
@@ -8912,22 +9765,57 @@
       </p:sp>
       <p:pic>
         <p:nvPicPr>
-          <p:cNvPr id="8" name="Picture 7"/>
+          <p:cNvPr id="3" name="Picture 2" descr="Americas_Warzone.pdf"/>
+          <p:cNvPicPr>
+            <a:picLocks noChangeAspect="1"/>
+          </p:cNvPicPr>
+          <p:nvPr/>
+        </p:nvPicPr>
+        <p:blipFill rotWithShape="1">
+          <a:blip r:embed="rId2">
+            <a:extLst>
+              <a:ext uri="{28A0092B-C50C-407E-A947-70E740481C1C}">
+                <a14:useLocalDpi xmlns:a14="http://schemas.microsoft.com/office/drawing/2010/main" val="0"/>
+              </a:ext>
+            </a:extLst>
+          </a:blip>
+          <a:srcRect l="25703" t="9362" r="26073" b="84464"/>
+          <a:stretch/>
+        </p:blipFill>
+        <p:spPr>
+          <a:xfrm>
+            <a:off x="1905000" y="1371600"/>
+            <a:ext cx="8543907" cy="1415373"/>
+          </a:xfrm>
+          <a:prstGeom prst="rect">
+            <a:avLst/>
+          </a:prstGeom>
+        </p:spPr>
+      </p:pic>
+      <p:pic>
+        <p:nvPicPr>
+          <p:cNvPr id="5" name="Picture 4" descr="south_resid.png"/>
           <p:cNvPicPr>
             <a:picLocks noChangeAspect="1"/>
           </p:cNvPicPr>
           <p:nvPr/>
         </p:nvPicPr>
         <p:blipFill>
-          <a:blip r:embed="rId2"/>
+          <a:blip r:embed="rId3">
+            <a:extLst>
+              <a:ext uri="{28A0092B-C50C-407E-A947-70E740481C1C}">
+                <a14:useLocalDpi xmlns:a14="http://schemas.microsoft.com/office/drawing/2010/main" val="0"/>
+              </a:ext>
+            </a:extLst>
+          </a:blip>
           <a:stretch>
             <a:fillRect/>
           </a:stretch>
         </p:blipFill>
         <p:spPr>
           <a:xfrm>
-            <a:off x="762000" y="1391105"/>
-            <a:ext cx="10820400" cy="4857295"/>
+            <a:off x="2581275" y="3048000"/>
+            <a:ext cx="7400925" cy="3226944"/>
           </a:xfrm>
           <a:prstGeom prst="rect">
             <a:avLst/>
@@ -8937,7 +9825,7 @@
     </p:spTree>
     <p:extLst>
       <p:ext uri="{BB962C8B-B14F-4D97-AF65-F5344CB8AC3E}">
-        <p14:creationId xmlns:p14="http://schemas.microsoft.com/office/powerpoint/2010/main" val="1159850092"/>
+        <p14:creationId xmlns:p14="http://schemas.microsoft.com/office/powerpoint/2010/main" val="2824660212"/>
       </p:ext>
     </p:extLst>
   </p:cSld>
@@ -8956,6 +9844,13 @@
       </p:transition>
     </mc:Fallback>
   </mc:AlternateContent>
+  <p:timing>
+    <p:tnLst>
+      <p:par>
+        <p:cTn xmlns:p14="http://schemas.microsoft.com/office/powerpoint/2010/main" id="1" dur="indefinite" restart="never" nodeType="tmRoot"/>
+      </p:par>
+    </p:tnLst>
+  </p:timing>
 </p:sld>
 </file>
 
@@ -9214,7 +10109,7 @@
   <a:extraClrSchemeLst/>
   <a:extLst>
     <a:ext uri="{05A4C25C-085E-4340-85A3-A5531E510DB2}">
-      <thm15:themeFamily xmlns:thm15="http://schemas.microsoft.com/office/thememl/2012/main" xmlns="" name="TF00001123.potx" id="{55B65C5C-2110-41C9-9432-67D739EC5CFC}" vid="{FDE12540-4521-4F30-863D-D54DD2EE1C3B}"/>
+      <thm15:themeFamily xmlns="" xmlns:thm15="http://schemas.microsoft.com/office/thememl/2012/main" name="TF00001123.potx" id="{55B65C5C-2110-41C9-9432-67D739EC5CFC}" vid="{FDE12540-4521-4F30-863D-D54DD2EE1C3B}"/>
     </a:ext>
   </a:extLst>
 </a:theme>
@@ -9795,7 +10690,7 @@
   <a:extraClrSchemeLst/>
   <a:extLst>
     <a:ext uri="{05A4C25C-085E-4340-85A3-A5531E510DB2}">
-      <thm15:themeFamily xmlns:thm15="http://schemas.microsoft.com/office/thememl/2012/main" xmlns="" name="Office Theme" id="{62F939B6-93AF-4DB8-9C6B-D6C7DFDC589F}" vid="{4A3C46E8-61CC-4603-A589-7422A47A8E4A}"/>
+      <thm15:themeFamily xmlns="" xmlns:thm15="http://schemas.microsoft.com/office/thememl/2012/main" name="Office Theme" id="{62F939B6-93AF-4DB8-9C6B-D6C7DFDC589F}" vid="{4A3C46E8-61CC-4603-A589-7422A47A8E4A}"/>
     </a:ext>
   </a:extLst>
 </a:theme>
@@ -10056,7 +10951,7 @@
   <a:extraClrSchemeLst/>
   <a:extLst>
     <a:ext uri="{05A4C25C-085E-4340-85A3-A5531E510DB2}">
-      <thm15:themeFamily xmlns:thm15="http://schemas.microsoft.com/office/thememl/2012/main" xmlns="" name="Office Theme" id="{62F939B6-93AF-4DB8-9C6B-D6C7DFDC589F}" vid="{4A3C46E8-61CC-4603-A589-7422A47A8E4A}"/>
+      <thm15:themeFamily xmlns="" xmlns:thm15="http://schemas.microsoft.com/office/thememl/2012/main" name="Office Theme" id="{62F939B6-93AF-4DB8-9C6B-D6C7DFDC589F}" vid="{4A3C46E8-61CC-4603-A589-7422A47A8E4A}"/>
     </a:ext>
   </a:extLst>
 </a:theme>

--- a/Slides/final_slides.pptx
+++ b/Slides/final_slides.pptx
@@ -6,10 +6,10 @@
     <p:sldMasterId id="2147483660" r:id="rId2"/>
   </p:sldMasterIdLst>
   <p:notesMasterIdLst>
-    <p:notesMasterId r:id="rId20"/>
+    <p:notesMasterId r:id="rId21"/>
   </p:notesMasterIdLst>
   <p:handoutMasterIdLst>
-    <p:handoutMasterId r:id="rId21"/>
+    <p:handoutMasterId r:id="rId22"/>
   </p:handoutMasterIdLst>
   <p:sldIdLst>
     <p:sldId id="256" r:id="rId3"/>
@@ -23,12 +23,13 @@
     <p:sldId id="274" r:id="rId11"/>
     <p:sldId id="275" r:id="rId12"/>
     <p:sldId id="264" r:id="rId13"/>
-    <p:sldId id="265" r:id="rId14"/>
-    <p:sldId id="266" r:id="rId15"/>
-    <p:sldId id="267" r:id="rId16"/>
-    <p:sldId id="268" r:id="rId17"/>
-    <p:sldId id="277" r:id="rId18"/>
-    <p:sldId id="269" r:id="rId19"/>
+    <p:sldId id="278" r:id="rId14"/>
+    <p:sldId id="265" r:id="rId15"/>
+    <p:sldId id="266" r:id="rId16"/>
+    <p:sldId id="267" r:id="rId17"/>
+    <p:sldId id="268" r:id="rId18"/>
+    <p:sldId id="277" r:id="rId19"/>
+    <p:sldId id="269" r:id="rId20"/>
   </p:sldIdLst>
   <p:sldSz cx="12192000" cy="6858000"/>
   <p:notesSz cx="6858000" cy="9144000"/>
@@ -129,10 +130,21 @@
   </p:defaultTextStyle>
   <p:extLst>
     <p:ext uri="{EFAFB233-063F-42B5-8137-9DF3F51BA10A}">
-      <p15:sldGuideLst xmlns="" xmlns:p15="http://schemas.microsoft.com/office/powerpoint/2012/main"/>
+      <p15:sldGuideLst xmlns:p15="http://schemas.microsoft.com/office/powerpoint/2012/main">
+        <p15:guide id="1" orient="horz" pos="2160">
+          <p15:clr>
+            <a:srgbClr val="A4A3A4"/>
+          </p15:clr>
+        </p15:guide>
+        <p15:guide id="2" pos="3840">
+          <p15:clr>
+            <a:srgbClr val="A4A3A4"/>
+          </p15:clr>
+        </p15:guide>
+      </p15:sldGuideLst>
     </p:ext>
     <p:ext uri="{2D200454-40CA-4A62-9FC3-DE9A4176ACB9}">
-      <p15:notesGuideLst xmlns="" xmlns:p15="http://schemas.microsoft.com/office/powerpoint/2012/main"/>
+      <p15:notesGuideLst xmlns:p15="http://schemas.microsoft.com/office/powerpoint/2012/main"/>
     </p:ext>
   </p:extLst>
 </p:presentation>
@@ -220,7 +232,7 @@
           <a:p>
             <a:fld id="{061C5132-FFA3-4B02-9F09-22FCF40EFA74}" type="datetimeFigureOut">
               <a:rPr lang="en-US" smtClean="0"/>
-              <a:t>5/1/17</a:t>
+              <a:t>5/2/2017</a:t>
             </a:fld>
             <a:endParaRPr lang="en-US"/>
           </a:p>
@@ -385,7 +397,7 @@
           <a:p>
             <a:fld id="{0B6E42C9-243F-4DC5-AFF6-9D56B5FA9D63}" type="datetimeFigureOut">
               <a:rPr lang="en-US" smtClean="0"/>
-              <a:t>5/1/17</a:t>
+              <a:t>5/2/2017</a:t>
             </a:fld>
             <a:endParaRPr lang="en-US"/>
           </a:p>
@@ -1073,7 +1085,7 @@
           <a:p>
             <a:fld id="{B0FE2824-C2A0-4931-BB32-60B24BDBB3CC}" type="datetimeFigureOut">
               <a:rPr lang="en-US" smtClean="0"/>
-              <a:t>5/1/17</a:t>
+              <a:t>5/2/2017</a:t>
             </a:fld>
             <a:endParaRPr lang="en-US"/>
           </a:p>
@@ -1268,7 +1280,7 @@
           <a:p>
             <a:fld id="{B0FE2824-C2A0-4931-BB32-60B24BDBB3CC}" type="datetimeFigureOut">
               <a:rPr lang="en-US" smtClean="0"/>
-              <a:t>5/1/17</a:t>
+              <a:t>5/2/2017</a:t>
             </a:fld>
             <a:endParaRPr lang="en-US"/>
           </a:p>
@@ -1363,10 +1375,9 @@
           <a:lstStyle/>
           <a:p>
             <a:r>
-              <a:rPr lang="en-US" smtClean="0"/>
+              <a:rPr lang="en-US"/>
               <a:t>Click to edit Master title style</a:t>
             </a:r>
-            <a:endParaRPr lang="en-US"/>
           </a:p>
         </p:txBody>
       </p:sp>
@@ -1485,10 +1496,9 @@
           </a:lstStyle>
           <a:p>
             <a:r>
-              <a:rPr lang="en-US" smtClean="0"/>
+              <a:rPr lang="en-US"/>
               <a:t>Click to edit Master subtitle style</a:t>
             </a:r>
-            <a:endParaRPr lang="en-US"/>
           </a:p>
         </p:txBody>
       </p:sp>
@@ -1517,7 +1527,7 @@
           <a:p>
             <a:fld id="{B4AAAF38-FA28-AC45-9E1F-E60DE1B3F365}" type="datetimeFigureOut">
               <a:rPr lang="en-US" smtClean="0"/>
-              <a:t>5/1/17</a:t>
+              <a:t>5/2/2017</a:t>
             </a:fld>
             <a:endParaRPr lang="en-US"/>
           </a:p>
@@ -1635,10 +1645,9 @@
           <a:lstStyle/>
           <a:p>
             <a:r>
-              <a:rPr lang="en-US" smtClean="0"/>
+              <a:rPr lang="en-US"/>
               <a:t>Click to edit Master title style</a:t>
             </a:r>
-            <a:endParaRPr lang="en-US"/>
           </a:p>
         </p:txBody>
       </p:sp>
@@ -1667,38 +1676,37 @@
           <a:p>
             <a:pPr lvl="0"/>
             <a:r>
-              <a:rPr lang="en-US" smtClean="0"/>
+              <a:rPr lang="en-US"/>
               <a:t>Click to edit Master text styles</a:t>
             </a:r>
           </a:p>
           <a:p>
             <a:pPr lvl="1"/>
             <a:r>
-              <a:rPr lang="en-US" smtClean="0"/>
+              <a:rPr lang="en-US"/>
               <a:t>Second level</a:t>
             </a:r>
           </a:p>
           <a:p>
             <a:pPr lvl="2"/>
             <a:r>
-              <a:rPr lang="en-US" smtClean="0"/>
+              <a:rPr lang="en-US"/>
               <a:t>Third level</a:t>
             </a:r>
           </a:p>
           <a:p>
             <a:pPr lvl="3"/>
             <a:r>
-              <a:rPr lang="en-US" smtClean="0"/>
+              <a:rPr lang="en-US"/>
               <a:t>Fourth level</a:t>
             </a:r>
           </a:p>
           <a:p>
             <a:pPr lvl="4"/>
             <a:r>
-              <a:rPr lang="en-US" smtClean="0"/>
+              <a:rPr lang="en-US"/>
               <a:t>Fifth level</a:t>
             </a:r>
-            <a:endParaRPr lang="en-US"/>
           </a:p>
         </p:txBody>
       </p:sp>
@@ -1727,7 +1735,7 @@
           <a:p>
             <a:fld id="{B4AAAF38-FA28-AC45-9E1F-E60DE1B3F365}" type="datetimeFigureOut">
               <a:rPr lang="en-US" smtClean="0"/>
-              <a:t>5/1/17</a:t>
+              <a:t>5/2/2017</a:t>
             </a:fld>
             <a:endParaRPr lang="en-US"/>
           </a:p>
@@ -1849,10 +1857,9 @@
           </a:lstStyle>
           <a:p>
             <a:r>
-              <a:rPr lang="en-US" smtClean="0"/>
+              <a:rPr lang="en-US"/>
               <a:t>Click to edit Master title style</a:t>
             </a:r>
-            <a:endParaRPr lang="en-US"/>
           </a:p>
         </p:txBody>
       </p:sp>
@@ -1972,7 +1979,7 @@
           <a:p>
             <a:pPr lvl="0"/>
             <a:r>
-              <a:rPr lang="en-US" smtClean="0"/>
+              <a:rPr lang="en-US"/>
               <a:t>Click to edit Master text styles</a:t>
             </a:r>
           </a:p>
@@ -2003,7 +2010,7 @@
           <a:p>
             <a:fld id="{B4AAAF38-FA28-AC45-9E1F-E60DE1B3F365}" type="datetimeFigureOut">
               <a:rPr lang="en-US" smtClean="0"/>
-              <a:t>5/1/17</a:t>
+              <a:t>5/2/2017</a:t>
             </a:fld>
             <a:endParaRPr lang="en-US"/>
           </a:p>
@@ -2121,10 +2128,9 @@
           <a:lstStyle/>
           <a:p>
             <a:r>
-              <a:rPr lang="en-US" smtClean="0"/>
+              <a:rPr lang="en-US"/>
               <a:t>Click to edit Master title style</a:t>
             </a:r>
-            <a:endParaRPr lang="en-US"/>
           </a:p>
         </p:txBody>
       </p:sp>
@@ -2181,38 +2187,37 @@
           <a:p>
             <a:pPr lvl="0"/>
             <a:r>
-              <a:rPr lang="en-US" smtClean="0"/>
+              <a:rPr lang="en-US"/>
               <a:t>Click to edit Master text styles</a:t>
             </a:r>
           </a:p>
           <a:p>
             <a:pPr lvl="1"/>
             <a:r>
-              <a:rPr lang="en-US" smtClean="0"/>
+              <a:rPr lang="en-US"/>
               <a:t>Second level</a:t>
             </a:r>
           </a:p>
           <a:p>
             <a:pPr lvl="2"/>
             <a:r>
-              <a:rPr lang="en-US" smtClean="0"/>
+              <a:rPr lang="en-US"/>
               <a:t>Third level</a:t>
             </a:r>
           </a:p>
           <a:p>
             <a:pPr lvl="3"/>
             <a:r>
-              <a:rPr lang="en-US" smtClean="0"/>
+              <a:rPr lang="en-US"/>
               <a:t>Fourth level</a:t>
             </a:r>
           </a:p>
           <a:p>
             <a:pPr lvl="4"/>
             <a:r>
-              <a:rPr lang="en-US" smtClean="0"/>
+              <a:rPr lang="en-US"/>
               <a:t>Fifth level</a:t>
             </a:r>
-            <a:endParaRPr lang="en-US"/>
           </a:p>
         </p:txBody>
       </p:sp>
@@ -2269,38 +2274,37 @@
           <a:p>
             <a:pPr lvl="0"/>
             <a:r>
-              <a:rPr lang="en-US" smtClean="0"/>
+              <a:rPr lang="en-US"/>
               <a:t>Click to edit Master text styles</a:t>
             </a:r>
           </a:p>
           <a:p>
             <a:pPr lvl="1"/>
             <a:r>
-              <a:rPr lang="en-US" smtClean="0"/>
+              <a:rPr lang="en-US"/>
               <a:t>Second level</a:t>
             </a:r>
           </a:p>
           <a:p>
             <a:pPr lvl="2"/>
             <a:r>
-              <a:rPr lang="en-US" smtClean="0"/>
+              <a:rPr lang="en-US"/>
               <a:t>Third level</a:t>
             </a:r>
           </a:p>
           <a:p>
             <a:pPr lvl="3"/>
             <a:r>
-              <a:rPr lang="en-US" smtClean="0"/>
+              <a:rPr lang="en-US"/>
               <a:t>Fourth level</a:t>
             </a:r>
           </a:p>
           <a:p>
             <a:pPr lvl="4"/>
             <a:r>
-              <a:rPr lang="en-US" smtClean="0"/>
+              <a:rPr lang="en-US"/>
               <a:t>Fifth level</a:t>
             </a:r>
-            <a:endParaRPr lang="en-US"/>
           </a:p>
         </p:txBody>
       </p:sp>
@@ -2329,7 +2333,7 @@
           <a:p>
             <a:fld id="{B4AAAF38-FA28-AC45-9E1F-E60DE1B3F365}" type="datetimeFigureOut">
               <a:rPr lang="en-US" smtClean="0"/>
-              <a:t>5/1/17</a:t>
+              <a:t>5/2/2017</a:t>
             </a:fld>
             <a:endParaRPr lang="en-US"/>
           </a:p>
@@ -2451,10 +2455,9 @@
           </a:lstStyle>
           <a:p>
             <a:r>
-              <a:rPr lang="en-US" smtClean="0"/>
+              <a:rPr lang="en-US"/>
               <a:t>Click to edit Master title style</a:t>
             </a:r>
-            <a:endParaRPr lang="en-US"/>
           </a:p>
         </p:txBody>
       </p:sp>
@@ -2520,7 +2523,7 @@
           <a:p>
             <a:pPr lvl="0"/>
             <a:r>
-              <a:rPr lang="en-US" smtClean="0"/>
+              <a:rPr lang="en-US"/>
               <a:t>Click to edit Master text styles</a:t>
             </a:r>
           </a:p>
@@ -2579,38 +2582,37 @@
           <a:p>
             <a:pPr lvl="0"/>
             <a:r>
-              <a:rPr lang="en-US" smtClean="0"/>
+              <a:rPr lang="en-US"/>
               <a:t>Click to edit Master text styles</a:t>
             </a:r>
           </a:p>
           <a:p>
             <a:pPr lvl="1"/>
             <a:r>
-              <a:rPr lang="en-US" smtClean="0"/>
+              <a:rPr lang="en-US"/>
               <a:t>Second level</a:t>
             </a:r>
           </a:p>
           <a:p>
             <a:pPr lvl="2"/>
             <a:r>
-              <a:rPr lang="en-US" smtClean="0"/>
+              <a:rPr lang="en-US"/>
               <a:t>Third level</a:t>
             </a:r>
           </a:p>
           <a:p>
             <a:pPr lvl="3"/>
             <a:r>
-              <a:rPr lang="en-US" smtClean="0"/>
+              <a:rPr lang="en-US"/>
               <a:t>Fourth level</a:t>
             </a:r>
           </a:p>
           <a:p>
             <a:pPr lvl="4"/>
             <a:r>
-              <a:rPr lang="en-US" smtClean="0"/>
+              <a:rPr lang="en-US"/>
               <a:t>Fifth level</a:t>
             </a:r>
-            <a:endParaRPr lang="en-US"/>
           </a:p>
         </p:txBody>
       </p:sp>
@@ -2676,7 +2678,7 @@
           <a:p>
             <a:pPr lvl="0"/>
             <a:r>
-              <a:rPr lang="en-US" smtClean="0"/>
+              <a:rPr lang="en-US"/>
               <a:t>Click to edit Master text styles</a:t>
             </a:r>
           </a:p>
@@ -2735,38 +2737,37 @@
           <a:p>
             <a:pPr lvl="0"/>
             <a:r>
-              <a:rPr lang="en-US" smtClean="0"/>
+              <a:rPr lang="en-US"/>
               <a:t>Click to edit Master text styles</a:t>
             </a:r>
           </a:p>
           <a:p>
             <a:pPr lvl="1"/>
             <a:r>
-              <a:rPr lang="en-US" smtClean="0"/>
+              <a:rPr lang="en-US"/>
               <a:t>Second level</a:t>
             </a:r>
           </a:p>
           <a:p>
             <a:pPr lvl="2"/>
             <a:r>
-              <a:rPr lang="en-US" smtClean="0"/>
+              <a:rPr lang="en-US"/>
               <a:t>Third level</a:t>
             </a:r>
           </a:p>
           <a:p>
             <a:pPr lvl="3"/>
             <a:r>
-              <a:rPr lang="en-US" smtClean="0"/>
+              <a:rPr lang="en-US"/>
               <a:t>Fourth level</a:t>
             </a:r>
           </a:p>
           <a:p>
             <a:pPr lvl="4"/>
             <a:r>
-              <a:rPr lang="en-US" smtClean="0"/>
+              <a:rPr lang="en-US"/>
               <a:t>Fifth level</a:t>
             </a:r>
-            <a:endParaRPr lang="en-US"/>
           </a:p>
         </p:txBody>
       </p:sp>
@@ -2795,7 +2796,7 @@
           <a:p>
             <a:fld id="{B4AAAF38-FA28-AC45-9E1F-E60DE1B3F365}" type="datetimeFigureOut">
               <a:rPr lang="en-US" smtClean="0"/>
-              <a:t>5/1/17</a:t>
+              <a:t>5/2/2017</a:t>
             </a:fld>
             <a:endParaRPr lang="en-US"/>
           </a:p>
@@ -2913,10 +2914,9 @@
           <a:lstStyle/>
           <a:p>
             <a:r>
-              <a:rPr lang="en-US" smtClean="0"/>
+              <a:rPr lang="en-US"/>
               <a:t>Click to edit Master title style</a:t>
             </a:r>
-            <a:endParaRPr lang="en-US"/>
           </a:p>
         </p:txBody>
       </p:sp>
@@ -2945,7 +2945,7 @@
           <a:p>
             <a:fld id="{B4AAAF38-FA28-AC45-9E1F-E60DE1B3F365}" type="datetimeFigureOut">
               <a:rPr lang="en-US" smtClean="0"/>
-              <a:t>5/1/17</a:t>
+              <a:t>5/2/2017</a:t>
             </a:fld>
             <a:endParaRPr lang="en-US"/>
           </a:p>
@@ -3064,7 +3064,7 @@
           <a:p>
             <a:fld id="{B4AAAF38-FA28-AC45-9E1F-E60DE1B3F365}" type="datetimeFigureOut">
               <a:rPr lang="en-US" smtClean="0"/>
-              <a:t>5/1/17</a:t>
+              <a:t>5/2/2017</a:t>
             </a:fld>
             <a:endParaRPr lang="en-US"/>
           </a:p>
@@ -3186,10 +3186,9 @@
           </a:lstStyle>
           <a:p>
             <a:r>
-              <a:rPr lang="en-US" smtClean="0"/>
+              <a:rPr lang="en-US"/>
               <a:t>Click to edit Master title style</a:t>
             </a:r>
-            <a:endParaRPr lang="en-US"/>
           </a:p>
         </p:txBody>
       </p:sp>
@@ -3246,38 +3245,37 @@
           <a:p>
             <a:pPr lvl="0"/>
             <a:r>
-              <a:rPr lang="en-US" smtClean="0"/>
+              <a:rPr lang="en-US"/>
               <a:t>Click to edit Master text styles</a:t>
             </a:r>
           </a:p>
           <a:p>
             <a:pPr lvl="1"/>
             <a:r>
-              <a:rPr lang="en-US" smtClean="0"/>
+              <a:rPr lang="en-US"/>
               <a:t>Second level</a:t>
             </a:r>
           </a:p>
           <a:p>
             <a:pPr lvl="2"/>
             <a:r>
-              <a:rPr lang="en-US" smtClean="0"/>
+              <a:rPr lang="en-US"/>
               <a:t>Third level</a:t>
             </a:r>
           </a:p>
           <a:p>
             <a:pPr lvl="3"/>
             <a:r>
-              <a:rPr lang="en-US" smtClean="0"/>
+              <a:rPr lang="en-US"/>
               <a:t>Fourth level</a:t>
             </a:r>
           </a:p>
           <a:p>
             <a:pPr lvl="4"/>
             <a:r>
-              <a:rPr lang="en-US" smtClean="0"/>
+              <a:rPr lang="en-US"/>
               <a:t>Fifth level</a:t>
             </a:r>
-            <a:endParaRPr lang="en-US"/>
           </a:p>
         </p:txBody>
       </p:sp>
@@ -3343,7 +3341,7 @@
           <a:p>
             <a:pPr lvl="0"/>
             <a:r>
-              <a:rPr lang="en-US" smtClean="0"/>
+              <a:rPr lang="en-US"/>
               <a:t>Click to edit Master text styles</a:t>
             </a:r>
           </a:p>
@@ -3374,7 +3372,7 @@
           <a:p>
             <a:fld id="{B4AAAF38-FA28-AC45-9E1F-E60DE1B3F365}" type="datetimeFigureOut">
               <a:rPr lang="en-US" smtClean="0"/>
-              <a:t>5/1/17</a:t>
+              <a:t>5/2/2017</a:t>
             </a:fld>
             <a:endParaRPr lang="en-US"/>
           </a:p>
@@ -3577,7 +3575,7 @@
           <a:p>
             <a:fld id="{B0FE2824-C2A0-4931-BB32-60B24BDBB3CC}" type="datetimeFigureOut">
               <a:rPr lang="en-US" smtClean="0"/>
-              <a:t>5/1/17</a:t>
+              <a:t>5/2/2017</a:t>
             </a:fld>
             <a:endParaRPr lang="en-US"/>
           </a:p>
@@ -3676,10 +3674,9 @@
           </a:lstStyle>
           <a:p>
             <a:r>
-              <a:rPr lang="en-US" smtClean="0"/>
+              <a:rPr lang="en-US"/>
               <a:t>Click to edit Master title style</a:t>
             </a:r>
-            <a:endParaRPr lang="en-US"/>
           </a:p>
         </p:txBody>
       </p:sp>
@@ -3809,7 +3806,7 @@
           <a:p>
             <a:pPr lvl="0"/>
             <a:r>
-              <a:rPr lang="en-US" smtClean="0"/>
+              <a:rPr lang="en-US"/>
               <a:t>Click to edit Master text styles</a:t>
             </a:r>
           </a:p>
@@ -3840,7 +3837,7 @@
           <a:p>
             <a:fld id="{B4AAAF38-FA28-AC45-9E1F-E60DE1B3F365}" type="datetimeFigureOut">
               <a:rPr lang="en-US" smtClean="0"/>
-              <a:t>5/1/17</a:t>
+              <a:t>5/2/2017</a:t>
             </a:fld>
             <a:endParaRPr lang="en-US"/>
           </a:p>
@@ -3958,10 +3955,9 @@
           <a:lstStyle/>
           <a:p>
             <a:r>
-              <a:rPr lang="en-US" smtClean="0"/>
+              <a:rPr lang="en-US"/>
               <a:t>Click to edit Master title style</a:t>
             </a:r>
-            <a:endParaRPr lang="en-US"/>
           </a:p>
         </p:txBody>
       </p:sp>
@@ -3990,38 +3986,37 @@
           <a:p>
             <a:pPr lvl="0"/>
             <a:r>
-              <a:rPr lang="en-US" smtClean="0"/>
+              <a:rPr lang="en-US"/>
               <a:t>Click to edit Master text styles</a:t>
             </a:r>
           </a:p>
           <a:p>
             <a:pPr lvl="1"/>
             <a:r>
-              <a:rPr lang="en-US" smtClean="0"/>
+              <a:rPr lang="en-US"/>
               <a:t>Second level</a:t>
             </a:r>
           </a:p>
           <a:p>
             <a:pPr lvl="2"/>
             <a:r>
-              <a:rPr lang="en-US" smtClean="0"/>
+              <a:rPr lang="en-US"/>
               <a:t>Third level</a:t>
             </a:r>
           </a:p>
           <a:p>
             <a:pPr lvl="3"/>
             <a:r>
-              <a:rPr lang="en-US" smtClean="0"/>
+              <a:rPr lang="en-US"/>
               <a:t>Fourth level</a:t>
             </a:r>
           </a:p>
           <a:p>
             <a:pPr lvl="4"/>
             <a:r>
-              <a:rPr lang="en-US" smtClean="0"/>
+              <a:rPr lang="en-US"/>
               <a:t>Fifth level</a:t>
             </a:r>
-            <a:endParaRPr lang="en-US"/>
           </a:p>
         </p:txBody>
       </p:sp>
@@ -4050,7 +4045,7 @@
           <a:p>
             <a:fld id="{B4AAAF38-FA28-AC45-9E1F-E60DE1B3F365}" type="datetimeFigureOut">
               <a:rPr lang="en-US" smtClean="0"/>
-              <a:t>5/1/17</a:t>
+              <a:t>5/2/2017</a:t>
             </a:fld>
             <a:endParaRPr lang="en-US"/>
           </a:p>
@@ -4168,10 +4163,9 @@
           <a:lstStyle/>
           <a:p>
             <a:r>
-              <a:rPr lang="en-US" smtClean="0"/>
+              <a:rPr lang="en-US"/>
               <a:t>Click to edit Master title style</a:t>
             </a:r>
-            <a:endParaRPr lang="en-US"/>
           </a:p>
         </p:txBody>
       </p:sp>
@@ -4200,38 +4194,37 @@
           <a:p>
             <a:pPr lvl="0"/>
             <a:r>
-              <a:rPr lang="en-US" smtClean="0"/>
+              <a:rPr lang="en-US"/>
               <a:t>Click to edit Master text styles</a:t>
             </a:r>
           </a:p>
           <a:p>
             <a:pPr lvl="1"/>
             <a:r>
-              <a:rPr lang="en-US" smtClean="0"/>
+              <a:rPr lang="en-US"/>
               <a:t>Second level</a:t>
             </a:r>
           </a:p>
           <a:p>
             <a:pPr lvl="2"/>
             <a:r>
-              <a:rPr lang="en-US" smtClean="0"/>
+              <a:rPr lang="en-US"/>
               <a:t>Third level</a:t>
             </a:r>
           </a:p>
           <a:p>
             <a:pPr lvl="3"/>
             <a:r>
-              <a:rPr lang="en-US" smtClean="0"/>
+              <a:rPr lang="en-US"/>
               <a:t>Fourth level</a:t>
             </a:r>
           </a:p>
           <a:p>
             <a:pPr lvl="4"/>
             <a:r>
-              <a:rPr lang="en-US" smtClean="0"/>
+              <a:rPr lang="en-US"/>
               <a:t>Fifth level</a:t>
             </a:r>
-            <a:endParaRPr lang="en-US"/>
           </a:p>
         </p:txBody>
       </p:sp>
@@ -4260,7 +4253,7 @@
           <a:p>
             <a:fld id="{B4AAAF38-FA28-AC45-9E1F-E60DE1B3F365}" type="datetimeFigureOut">
               <a:rPr lang="en-US" smtClean="0"/>
-              <a:t>5/1/17</a:t>
+              <a:t>5/2/2017</a:t>
             </a:fld>
             <a:endParaRPr lang="en-US"/>
           </a:p>
@@ -4803,7 +4796,7 @@
           <a:p>
             <a:fld id="{B0FE2824-C2A0-4931-BB32-60B24BDBB3CC}" type="datetimeFigureOut">
               <a:rPr lang="en-US" smtClean="0"/>
-              <a:t>5/1/17</a:t>
+              <a:t>5/2/2017</a:t>
             </a:fld>
             <a:endParaRPr lang="en-US"/>
           </a:p>
@@ -5245,7 +5238,7 @@
           <a:p>
             <a:fld id="{B0FE2824-C2A0-4931-BB32-60B24BDBB3CC}" type="datetimeFigureOut">
               <a:rPr lang="en-US" smtClean="0"/>
-              <a:t>5/1/17</a:t>
+              <a:t>5/2/2017</a:t>
             </a:fld>
             <a:endParaRPr lang="en-US"/>
           </a:p>
@@ -5374,7 +5367,7 @@
           <a:p>
             <a:fld id="{B0FE2824-C2A0-4931-BB32-60B24BDBB3CC}" type="datetimeFigureOut">
               <a:rPr lang="en-US" smtClean="0"/>
-              <a:t>5/1/17</a:t>
+              <a:t>5/2/2017</a:t>
             </a:fld>
             <a:endParaRPr lang="en-US"/>
           </a:p>
@@ -5481,7 +5474,7 @@
           <a:p>
             <a:fld id="{B0FE2824-C2A0-4931-BB32-60B24BDBB3CC}" type="datetimeFigureOut">
               <a:rPr lang="en-US" smtClean="0"/>
-              <a:t>5/1/17</a:t>
+              <a:t>5/2/2017</a:t>
             </a:fld>
             <a:endParaRPr lang="en-US"/>
           </a:p>
@@ -5777,7 +5770,7 @@
           <a:p>
             <a:fld id="{B0FE2824-C2A0-4931-BB32-60B24BDBB3CC}" type="datetimeFigureOut">
               <a:rPr lang="en-US" smtClean="0"/>
-              <a:t>5/1/17</a:t>
+              <a:t>5/2/2017</a:t>
             </a:fld>
             <a:endParaRPr lang="en-US"/>
           </a:p>
@@ -6050,7 +6043,7 @@
           <a:p>
             <a:fld id="{B0FE2824-C2A0-4931-BB32-60B24BDBB3CC}" type="datetimeFigureOut">
               <a:rPr lang="en-US" smtClean="0"/>
-              <a:t>5/1/17</a:t>
+              <a:t>5/2/2017</a:t>
             </a:fld>
             <a:endParaRPr lang="en-US"/>
           </a:p>
@@ -6344,7 +6337,7 @@
             <a:fld id="{B0FE2824-C2A0-4931-BB32-60B24BDBB3CC}" type="datetimeFigureOut">
               <a:rPr lang="en-US" smtClean="0"/>
               <a:pPr/>
-              <a:t>5/1/17</a:t>
+              <a:t>5/2/2017</a:t>
             </a:fld>
             <a:endParaRPr lang="en-US"/>
           </a:p>
@@ -6735,7 +6728,7 @@
   </p:txStyles>
   <p:extLst mod="1">
     <p:ext uri="{27BBF7A9-308A-43DC-89C8-2F10F3537804}">
-      <p15:sldGuideLst xmlns="" xmlns:p15="http://schemas.microsoft.com/office/powerpoint/2012/main">
+      <p15:sldGuideLst xmlns:p15="http://schemas.microsoft.com/office/powerpoint/2012/main">
         <p15:guide id="1" pos="3840" userDrawn="1">
           <p15:clr>
             <a:srgbClr val="F26B43"/>
@@ -7136,21 +7129,7 @@
                 <a:latin typeface="Helvetica"/>
                 <a:cs typeface="Helvetica"/>
               </a:rPr>
-              <a:t>, Lei Qian, Megan Robertson, </a:t>
-            </a:r>
-            <a:r>
-              <a:rPr lang="en-US" dirty="0" smtClean="0">
-                <a:latin typeface="Helvetica"/>
-                <a:cs typeface="Helvetica"/>
-              </a:rPr>
-              <a:t>and Reuben </a:t>
-            </a:r>
-            <a:r>
-              <a:rPr lang="en-US" dirty="0">
-                <a:latin typeface="Helvetica"/>
-                <a:cs typeface="Helvetica"/>
-              </a:rPr>
-              <a:t>McCreanor</a:t>
+              <a:t>, Lei Qian, Megan Robertson, and Reuben McCreanor</a:t>
             </a:r>
           </a:p>
           <a:p>
@@ -7186,13 +7165,6 @@
       </p:transition>
     </mc:Fallback>
   </mc:AlternateContent>
-  <p:timing>
-    <p:tnLst>
-      <p:par>
-        <p:cTn xmlns:p14="http://schemas.microsoft.com/office/powerpoint/2010/main" id="1" dur="indefinite" restart="never" nodeType="tmRoot"/>
-      </p:par>
-    </p:tnLst>
-  </p:timing>
 </p:sld>
 </file>
 
@@ -7251,29 +7223,8 @@
                 <a:latin typeface="Helvetica"/>
                 <a:cs typeface="Helvetica"/>
               </a:rPr>
-              <a:t>South Side - ARIMA(4,0,0)x(1,0,0)[12</a:t>
-            </a:r>
-            <a:r>
-              <a:rPr lang="en-US" dirty="0" smtClean="0">
-                <a:solidFill>
-                  <a:schemeClr val="accent6">
-                    <a:lumMod val="75000"/>
-                  </a:schemeClr>
-                </a:solidFill>
-                <a:latin typeface="Helvetica"/>
-                <a:cs typeface="Helvetica"/>
-              </a:rPr>
-              <a:t>], cont.</a:t>
-            </a:r>
-            <a:endParaRPr lang="en-US" dirty="0">
-              <a:solidFill>
-                <a:schemeClr val="accent6">
-                  <a:lumMod val="75000"/>
-                </a:schemeClr>
-              </a:solidFill>
-              <a:latin typeface="Helvetica"/>
-              <a:cs typeface="Helvetica"/>
-            </a:endParaRPr>
+              <a:t>South Side - ARIMA(4,0,0)x(1,0,0)[12], cont.</a:t>
+            </a:r>
           </a:p>
         </p:txBody>
       </p:sp>
@@ -7357,13 +7308,6 @@
       </p:transition>
     </mc:Fallback>
   </mc:AlternateContent>
-  <p:timing>
-    <p:tnLst>
-      <p:par>
-        <p:cTn xmlns:p14="http://schemas.microsoft.com/office/powerpoint/2010/main" id="1" dur="indefinite" restart="never" nodeType="tmRoot"/>
-      </p:par>
-    </p:tnLst>
-  </p:timing>
 </p:sld>
 </file>
 
@@ -7405,18 +7349,11 @@
           <a:lstStyle/>
           <a:p>
             <a:r>
-              <a:rPr lang="en-US" dirty="0" smtClean="0">
-                <a:latin typeface="Helvetica"/>
-                <a:cs typeface="Helvetica"/>
-              </a:rPr>
-              <a:t>Bayesian Regression </a:t>
-            </a:r>
-            <a:r>
               <a:rPr lang="en-US" dirty="0">
                 <a:latin typeface="Helvetica"/>
                 <a:cs typeface="Helvetica"/>
               </a:rPr>
-              <a:t>Modeling</a:t>
+              <a:t>Bayesian Regression Modeling</a:t>
             </a:r>
           </a:p>
         </p:txBody>
@@ -7442,16 +7379,12 @@
           <a:lstStyle/>
           <a:p>
             <a:r>
-              <a:rPr lang="en-US" dirty="0" smtClean="0">
+              <a:rPr lang="en-US" dirty="0">
                 <a:latin typeface="Helvetica"/>
                 <a:cs typeface="Helvetica"/>
               </a:rPr>
               <a:t>A spatial analysis of crime data</a:t>
             </a:r>
-            <a:endParaRPr lang="en-US" dirty="0">
-              <a:latin typeface="Helvetica"/>
-              <a:cs typeface="Helvetica"/>
-            </a:endParaRPr>
           </a:p>
         </p:txBody>
       </p:sp>
@@ -7477,13 +7410,6 @@
       </p:transition>
     </mc:Fallback>
   </mc:AlternateContent>
-  <p:timing>
-    <p:tnLst>
-      <p:par>
-        <p:cTn xmlns:p14="http://schemas.microsoft.com/office/powerpoint/2010/main" id="1" dur="indefinite" restart="never" nodeType="tmRoot"/>
-      </p:par>
-    </p:tnLst>
-  </p:timing>
 </p:sld>
 </file>
 
@@ -7522,43 +7448,31 @@
             <p:ph type="title"/>
           </p:nvPr>
         </p:nvSpPr>
-        <p:spPr>
-          <a:xfrm>
-            <a:off x="838200" y="-76200"/>
-            <a:ext cx="10515600" cy="1145224"/>
-          </a:xfrm>
-        </p:spPr>
-        <p:txBody>
-          <a:bodyPr/>
-          <a:lstStyle/>
-          <a:p>
-            <a:r>
-              <a:rPr lang="en-US" dirty="0" smtClean="0">
+        <p:spPr/>
+        <p:txBody>
+          <a:bodyPr/>
+          <a:lstStyle/>
+          <a:p>
+            <a:r>
+              <a:rPr lang="en-US" dirty="0">
                 <a:solidFill>
-                  <a:schemeClr val="accent6">
-                    <a:lumMod val="75000"/>
-                  </a:schemeClr>
+                  <a:srgbClr val="736756"/>
                 </a:solidFill>
                 <a:latin typeface="Helvetica"/>
                 <a:cs typeface="Helvetica"/>
               </a:rPr>
-              <a:t>LASSO Regression Model</a:t>
+              <a:t>Poisson Likelihood Model</a:t>
             </a:r>
             <a:endParaRPr lang="en-US" dirty="0">
-              <a:solidFill>
-                <a:schemeClr val="accent6">
-                  <a:lumMod val="75000"/>
-                </a:schemeClr>
-              </a:solidFill>
-              <a:latin typeface="Helvetica"/>
-              <a:cs typeface="Helvetica"/>
+              <a:latin typeface="Helvetica" panose="020B0604020202020204" pitchFamily="34" charset="0"/>
+              <a:cs typeface="Helvetica" panose="020B0604020202020204" pitchFamily="34" charset="0"/>
             </a:endParaRPr>
           </a:p>
         </p:txBody>
       </p:sp>
       <p:pic>
         <p:nvPicPr>
-          <p:cNvPr id="8" name="Picture 7"/>
+          <p:cNvPr id="5" name="Picture 4"/>
           <p:cNvPicPr>
             <a:picLocks noChangeAspect="1"/>
           </p:cNvPicPr>
@@ -7572,8 +7486,8 @@
         </p:blipFill>
         <p:spPr>
           <a:xfrm>
-            <a:off x="762000" y="1391105"/>
-            <a:ext cx="10820400" cy="4857295"/>
+            <a:off x="1638300" y="1828800"/>
+            <a:ext cx="8915400" cy="3328675"/>
           </a:xfrm>
           <a:prstGeom prst="rect">
             <a:avLst/>
@@ -7583,7 +7497,7 @@
     </p:spTree>
     <p:extLst>
       <p:ext uri="{BB962C8B-B14F-4D97-AF65-F5344CB8AC3E}">
-        <p14:creationId xmlns:p14="http://schemas.microsoft.com/office/powerpoint/2010/main" val="1159850092"/>
+        <p14:creationId xmlns:p14="http://schemas.microsoft.com/office/powerpoint/2010/main" val="1774154672"/>
       </p:ext>
     </p:extLst>
   </p:cSld>
@@ -7602,13 +7516,6 @@
       </p:transition>
     </mc:Fallback>
   </mc:AlternateContent>
-  <p:timing>
-    <p:tnLst>
-      <p:par>
-        <p:cTn xmlns:p14="http://schemas.microsoft.com/office/powerpoint/2010/main" id="1" dur="indefinite" restart="never" nodeType="tmRoot"/>
-      </p:par>
-    </p:tnLst>
-  </p:timing>
 </p:sld>
 </file>
 
@@ -7649,6 +7556,115 @@
         </p:nvSpPr>
         <p:spPr>
           <a:xfrm>
+            <a:off x="838200" y="-76200"/>
+            <a:ext cx="10515600" cy="1145224"/>
+          </a:xfrm>
+        </p:spPr>
+        <p:txBody>
+          <a:bodyPr/>
+          <a:lstStyle/>
+          <a:p>
+            <a:r>
+              <a:rPr lang="en-US" dirty="0">
+                <a:solidFill>
+                  <a:schemeClr val="accent6">
+                    <a:lumMod val="75000"/>
+                  </a:schemeClr>
+                </a:solidFill>
+                <a:latin typeface="Helvetica"/>
+                <a:cs typeface="Helvetica"/>
+              </a:rPr>
+              <a:t>LASSO Regression Model</a:t>
+            </a:r>
+          </a:p>
+        </p:txBody>
+      </p:sp>
+      <p:pic>
+        <p:nvPicPr>
+          <p:cNvPr id="5" name="Picture 4"/>
+          <p:cNvPicPr>
+            <a:picLocks noChangeAspect="1"/>
+          </p:cNvPicPr>
+          <p:nvPr/>
+        </p:nvPicPr>
+        <p:blipFill>
+          <a:blip r:embed="rId2"/>
+          <a:stretch>
+            <a:fillRect/>
+          </a:stretch>
+        </p:blipFill>
+        <p:spPr>
+          <a:xfrm>
+            <a:off x="1923540" y="1447800"/>
+            <a:ext cx="8344920" cy="4264976"/>
+          </a:xfrm>
+          <a:prstGeom prst="rect">
+            <a:avLst/>
+          </a:prstGeom>
+        </p:spPr>
+      </p:pic>
+    </p:spTree>
+    <p:extLst>
+      <p:ext uri="{BB962C8B-B14F-4D97-AF65-F5344CB8AC3E}">
+        <p14:creationId xmlns:p14="http://schemas.microsoft.com/office/powerpoint/2010/main" val="1159850092"/>
+      </p:ext>
+    </p:extLst>
+  </p:cSld>
+  <p:clrMapOvr>
+    <a:masterClrMapping/>
+  </p:clrMapOvr>
+  <mc:AlternateContent xmlns:mc="http://schemas.openxmlformats.org/markup-compatibility/2006" xmlns:p14="http://schemas.microsoft.com/office/powerpoint/2010/main">
+    <mc:Choice Requires="p14">
+      <p:transition spd="med" p14:dur="700">
+        <p:fade/>
+      </p:transition>
+    </mc:Choice>
+    <mc:Fallback xmlns="">
+      <p:transition spd="med">
+        <p:fade/>
+      </p:transition>
+    </mc:Fallback>
+  </mc:AlternateContent>
+</p:sld>
+</file>
+
+<file path=ppt/slides/slide14.xml><?xml version="1.0" encoding="utf-8"?>
+<p:sld xmlns:a="http://schemas.openxmlformats.org/drawingml/2006/main" xmlns:r="http://schemas.openxmlformats.org/officeDocument/2006/relationships" xmlns:p="http://schemas.openxmlformats.org/presentationml/2006/main">
+  <p:cSld>
+    <p:bg>
+      <p:bgPr>
+        <a:solidFill>
+          <a:schemeClr val="tx1"/>
+        </a:solidFill>
+        <a:effectLst/>
+      </p:bgPr>
+    </p:bg>
+    <p:spTree>
+      <p:nvGrpSpPr>
+        <p:cNvPr id="1" name=""/>
+        <p:cNvGrpSpPr/>
+        <p:nvPr/>
+      </p:nvGrpSpPr>
+      <p:grpSpPr>
+        <a:xfrm>
+          <a:off x="0" y="0"/>
+          <a:ext cx="0" cy="0"/>
+          <a:chOff x="0" y="0"/>
+          <a:chExt cx="0" cy="0"/>
+        </a:xfrm>
+      </p:grpSpPr>
+      <p:sp>
+        <p:nvSpPr>
+          <p:cNvPr id="2" name="Title 1"/>
+          <p:cNvSpPr>
+            <a:spLocks noGrp="1"/>
+          </p:cNvSpPr>
+          <p:nvPr>
+            <p:ph type="title"/>
+          </p:nvPr>
+        </p:nvSpPr>
+        <p:spPr>
+          <a:xfrm>
             <a:off x="381000" y="-76200"/>
             <a:ext cx="10515600" cy="1145224"/>
           </a:xfrm>
@@ -7658,7 +7674,7 @@
           <a:lstStyle/>
           <a:p>
             <a:r>
-              <a:rPr lang="en-US" dirty="0" smtClean="0">
+              <a:rPr lang="en-US" dirty="0">
                 <a:solidFill>
                   <a:srgbClr val="736756"/>
                 </a:solidFill>
@@ -7667,13 +7683,6 @@
               </a:rPr>
               <a:t>Penalized Spatial Regression Model</a:t>
             </a:r>
-            <a:endParaRPr lang="en-US" dirty="0">
-              <a:solidFill>
-                <a:srgbClr val="736756"/>
-              </a:solidFill>
-              <a:latin typeface="Helvetica"/>
-              <a:cs typeface="Helvetica"/>
-            </a:endParaRPr>
           </a:p>
         </p:txBody>
       </p:sp>
@@ -7747,17 +7756,10 @@
       </p:transition>
     </mc:Fallback>
   </mc:AlternateContent>
-  <p:timing>
-    <p:tnLst>
-      <p:par>
-        <p:cTn xmlns:p14="http://schemas.microsoft.com/office/powerpoint/2010/main" id="1" dur="indefinite" restart="never" nodeType="tmRoot"/>
-      </p:par>
-    </p:tnLst>
-  </p:timing>
 </p:sld>
 </file>
 
-<file path=ppt/slides/slide14.xml><?xml version="1.0" encoding="utf-8"?>
+<file path=ppt/slides/slide15.xml><?xml version="1.0" encoding="utf-8"?>
 <p:sld xmlns:a="http://schemas.openxmlformats.org/drawingml/2006/main" xmlns:r="http://schemas.openxmlformats.org/officeDocument/2006/relationships" xmlns:p="http://schemas.openxmlformats.org/presentationml/2006/main">
   <p:cSld>
     <p:bg>
@@ -7827,7 +7829,7 @@
           <a:lstStyle/>
           <a:p>
             <a:r>
-              <a:rPr lang="en-US" dirty="0" smtClean="0">
+              <a:rPr lang="en-US" dirty="0">
                 <a:solidFill>
                   <a:srgbClr val="736756"/>
                 </a:solidFill>
@@ -7836,13 +7838,6 @@
               </a:rPr>
               <a:t>Results</a:t>
             </a:r>
-            <a:endParaRPr lang="en-US" dirty="0">
-              <a:solidFill>
-                <a:srgbClr val="736756"/>
-              </a:solidFill>
-              <a:latin typeface="Helvetica"/>
-              <a:cs typeface="Helvetica"/>
-            </a:endParaRPr>
           </a:p>
         </p:txBody>
       </p:sp>
@@ -7868,424 +7863,6 @@
       </p:transition>
     </mc:Fallback>
   </mc:AlternateContent>
-  <p:timing>
-    <p:tnLst>
-      <p:par>
-        <p:cTn xmlns:p14="http://schemas.microsoft.com/office/powerpoint/2010/main" id="1" dur="indefinite" restart="never" nodeType="tmRoot"/>
-      </p:par>
-    </p:tnLst>
-  </p:timing>
-</p:sld>
-</file>
-
-<file path=ppt/slides/slide15.xml><?xml version="1.0" encoding="utf-8"?>
-<p:sld xmlns:a="http://schemas.openxmlformats.org/drawingml/2006/main" xmlns:r="http://schemas.openxmlformats.org/officeDocument/2006/relationships" xmlns:p="http://schemas.openxmlformats.org/presentationml/2006/main">
-  <p:cSld>
-    <p:bg>
-      <p:bgPr>
-        <a:solidFill>
-          <a:schemeClr val="tx1"/>
-        </a:solidFill>
-        <a:effectLst/>
-      </p:bgPr>
-    </p:bg>
-    <p:spTree>
-      <p:nvGrpSpPr>
-        <p:cNvPr id="1" name=""/>
-        <p:cNvGrpSpPr/>
-        <p:nvPr/>
-      </p:nvGrpSpPr>
-      <p:grpSpPr>
-        <a:xfrm>
-          <a:off x="0" y="0"/>
-          <a:ext cx="0" cy="0"/>
-          <a:chOff x="0" y="0"/>
-          <a:chExt cx="0" cy="0"/>
-        </a:xfrm>
-      </p:grpSpPr>
-      <p:pic>
-        <p:nvPicPr>
-          <p:cNvPr id="6" name="Picture 5"/>
-          <p:cNvPicPr>
-            <a:picLocks noChangeAspect="1"/>
-          </p:cNvPicPr>
-          <p:nvPr/>
-        </p:nvPicPr>
-        <p:blipFill>
-          <a:blip r:embed="rId2"/>
-          <a:stretch>
-            <a:fillRect/>
-          </a:stretch>
-        </p:blipFill>
-        <p:spPr>
-          <a:xfrm>
-            <a:off x="3886200" y="152400"/>
-            <a:ext cx="8153400" cy="6172200"/>
-          </a:xfrm>
-          <a:prstGeom prst="rect">
-            <a:avLst/>
-          </a:prstGeom>
-        </p:spPr>
-      </p:pic>
-      <p:sp>
-        <p:nvSpPr>
-          <p:cNvPr id="8" name="TextBox 7"/>
-          <p:cNvSpPr txBox="1"/>
-          <p:nvPr/>
-        </p:nvSpPr>
-        <p:spPr>
-          <a:xfrm>
-            <a:off x="381000" y="838200"/>
-            <a:ext cx="3048000" cy="923330"/>
-          </a:xfrm>
-          <a:prstGeom prst="rect">
-            <a:avLst/>
-          </a:prstGeom>
-          <a:noFill/>
-        </p:spPr>
-        <p:txBody>
-          <a:bodyPr wrap="square" rtlCol="0">
-            <a:spAutoFit/>
-          </a:bodyPr>
-          <a:lstStyle/>
-          <a:p>
-            <a:r>
-              <a:rPr lang="en-US" b="1" dirty="0" smtClean="0">
-                <a:solidFill>
-                  <a:schemeClr val="bg1"/>
-                </a:solidFill>
-                <a:latin typeface="Helvetica"/>
-                <a:cs typeface="Helvetica"/>
-              </a:rPr>
-              <a:t>RMSE Values</a:t>
-            </a:r>
-          </a:p>
-          <a:p>
-            <a:endParaRPr lang="en-US" b="1" dirty="0">
-              <a:solidFill>
-                <a:schemeClr val="bg1"/>
-              </a:solidFill>
-              <a:latin typeface="Helvetica"/>
-              <a:cs typeface="Helvetica"/>
-            </a:endParaRPr>
-          </a:p>
-          <a:p>
-            <a:endParaRPr lang="en-US" b="1" dirty="0">
-              <a:solidFill>
-                <a:schemeClr val="bg1"/>
-              </a:solidFill>
-              <a:latin typeface="Helvetica"/>
-              <a:cs typeface="Helvetica"/>
-            </a:endParaRPr>
-          </a:p>
-        </p:txBody>
-      </p:sp>
-      <p:graphicFrame>
-        <p:nvGraphicFramePr>
-          <p:cNvPr id="9" name="Table 8"/>
-          <p:cNvGraphicFramePr>
-            <a:graphicFrameLocks noGrp="1"/>
-          </p:cNvGraphicFramePr>
-          <p:nvPr>
-            <p:extLst>
-              <p:ext uri="{D42A27DB-BD31-4B8C-83A1-F6EECF244321}">
-                <p14:modId xmlns:p14="http://schemas.microsoft.com/office/powerpoint/2010/main" val="1778084285"/>
-              </p:ext>
-            </p:extLst>
-          </p:nvPr>
-        </p:nvGraphicFramePr>
-        <p:xfrm>
-          <a:off x="457200" y="1295400"/>
-          <a:ext cx="3124200" cy="838200"/>
-        </p:xfrm>
-        <a:graphic>
-          <a:graphicData uri="http://schemas.openxmlformats.org/drawingml/2006/table">
-            <a:tbl>
-              <a:tblPr firstRow="1" bandRow="1">
-                <a:tableStyleId>{3B4B98B0-60AC-42C2-AFA5-B58CD77FA1E5}</a:tableStyleId>
-              </a:tblPr>
-              <a:tblGrid>
-                <a:gridCol w="1524000"/>
-                <a:gridCol w="1600200"/>
-              </a:tblGrid>
-              <a:tr h="419100">
-                <a:tc>
-                  <a:txBody>
-                    <a:bodyPr/>
-                    <a:lstStyle/>
-                    <a:p>
-                      <a:r>
-                        <a:rPr lang="en-US" b="1" dirty="0" smtClean="0">
-                          <a:solidFill>
-                            <a:srgbClr val="3D372E"/>
-                          </a:solidFill>
-                          <a:latin typeface="Helvetica"/>
-                          <a:cs typeface="Helvetica"/>
-                        </a:rPr>
-                        <a:t>Spatial</a:t>
-                      </a:r>
-                      <a:endParaRPr lang="en-US" b="1" dirty="0">
-                        <a:solidFill>
-                          <a:srgbClr val="3D372E"/>
-                        </a:solidFill>
-                        <a:latin typeface="Helvetica"/>
-                        <a:cs typeface="Helvetica"/>
-                      </a:endParaRPr>
-                    </a:p>
-                  </a:txBody>
-                  <a:tcPr/>
-                </a:tc>
-                <a:tc>
-                  <a:txBody>
-                    <a:bodyPr/>
-                    <a:lstStyle/>
-                    <a:p>
-                      <a:r>
-                        <a:rPr lang="en-US" b="1" dirty="0" smtClean="0">
-                          <a:solidFill>
-                            <a:srgbClr val="3D372E"/>
-                          </a:solidFill>
-                          <a:latin typeface="Helvetica"/>
-                          <a:cs typeface="Helvetica"/>
-                        </a:rPr>
-                        <a:t>3.65</a:t>
-                      </a:r>
-                      <a:endParaRPr lang="en-US" b="1" dirty="0">
-                        <a:solidFill>
-                          <a:srgbClr val="3D372E"/>
-                        </a:solidFill>
-                        <a:latin typeface="Helvetica"/>
-                        <a:cs typeface="Helvetica"/>
-                      </a:endParaRPr>
-                    </a:p>
-                  </a:txBody>
-                  <a:tcPr/>
-                </a:tc>
-              </a:tr>
-              <a:tr h="419100">
-                <a:tc>
-                  <a:txBody>
-                    <a:bodyPr/>
-                    <a:lstStyle/>
-                    <a:p>
-                      <a:r>
-                        <a:rPr lang="en-US" b="1" dirty="0" smtClean="0">
-                          <a:solidFill>
-                            <a:srgbClr val="3D372E"/>
-                          </a:solidFill>
-                          <a:latin typeface="Helvetica"/>
-                          <a:cs typeface="Helvetica"/>
-                        </a:rPr>
-                        <a:t>LASSO</a:t>
-                      </a:r>
-                      <a:endParaRPr lang="en-US" b="1" dirty="0">
-                        <a:solidFill>
-                          <a:srgbClr val="3D372E"/>
-                        </a:solidFill>
-                        <a:latin typeface="Helvetica"/>
-                        <a:cs typeface="Helvetica"/>
-                      </a:endParaRPr>
-                    </a:p>
-                  </a:txBody>
-                  <a:tcPr/>
-                </a:tc>
-                <a:tc>
-                  <a:txBody>
-                    <a:bodyPr/>
-                    <a:lstStyle/>
-                    <a:p>
-                      <a:r>
-                        <a:rPr lang="en-US" b="1" dirty="0" smtClean="0">
-                          <a:solidFill>
-                            <a:srgbClr val="3D372E"/>
-                          </a:solidFill>
-                          <a:latin typeface="Helvetica"/>
-                          <a:cs typeface="Helvetica"/>
-                        </a:rPr>
-                        <a:t>252.43</a:t>
-                      </a:r>
-                      <a:endParaRPr lang="en-US" b="1" dirty="0">
-                        <a:solidFill>
-                          <a:srgbClr val="3D372E"/>
-                        </a:solidFill>
-                        <a:latin typeface="Helvetica"/>
-                        <a:cs typeface="Helvetica"/>
-                      </a:endParaRPr>
-                    </a:p>
-                  </a:txBody>
-                  <a:tcPr/>
-                </a:tc>
-              </a:tr>
-            </a:tbl>
-          </a:graphicData>
-        </a:graphic>
-      </p:graphicFrame>
-      <p:sp>
-        <p:nvSpPr>
-          <p:cNvPr id="10" name="TextBox 9"/>
-          <p:cNvSpPr txBox="1"/>
-          <p:nvPr/>
-        </p:nvSpPr>
-        <p:spPr>
-          <a:xfrm>
-            <a:off x="457200" y="2590800"/>
-            <a:ext cx="3048000" cy="646331"/>
-          </a:xfrm>
-          <a:prstGeom prst="rect">
-            <a:avLst/>
-          </a:prstGeom>
-          <a:noFill/>
-        </p:spPr>
-        <p:txBody>
-          <a:bodyPr wrap="square" rtlCol="0">
-            <a:spAutoFit/>
-          </a:bodyPr>
-          <a:lstStyle/>
-          <a:p>
-            <a:r>
-              <a:rPr lang="en-US" b="1" dirty="0" smtClean="0">
-                <a:solidFill>
-                  <a:schemeClr val="bg1"/>
-                </a:solidFill>
-                <a:latin typeface="Helvetica"/>
-                <a:cs typeface="Helvetica"/>
-              </a:rPr>
-              <a:t>Moran’s I</a:t>
-            </a:r>
-            <a:endParaRPr lang="en-US" b="1" dirty="0">
-              <a:solidFill>
-                <a:schemeClr val="bg1"/>
-              </a:solidFill>
-              <a:latin typeface="Helvetica"/>
-              <a:cs typeface="Helvetica"/>
-            </a:endParaRPr>
-          </a:p>
-          <a:p>
-            <a:endParaRPr lang="en-US" b="1" dirty="0">
-              <a:solidFill>
-                <a:schemeClr val="bg1"/>
-              </a:solidFill>
-              <a:latin typeface="Helvetica"/>
-              <a:cs typeface="Helvetica"/>
-            </a:endParaRPr>
-          </a:p>
-        </p:txBody>
-      </p:sp>
-      <p:graphicFrame>
-        <p:nvGraphicFramePr>
-          <p:cNvPr id="11" name="Table 10"/>
-          <p:cNvGraphicFramePr>
-            <a:graphicFrameLocks noGrp="1"/>
-          </p:cNvGraphicFramePr>
-          <p:nvPr>
-            <p:extLst>
-              <p:ext uri="{D42A27DB-BD31-4B8C-83A1-F6EECF244321}">
-                <p14:modId xmlns:p14="http://schemas.microsoft.com/office/powerpoint/2010/main" val="2109355968"/>
-              </p:ext>
-            </p:extLst>
-          </p:nvPr>
-        </p:nvGraphicFramePr>
-        <p:xfrm>
-          <a:off x="533400" y="3048000"/>
-          <a:ext cx="3124200" cy="419100"/>
-        </p:xfrm>
-        <a:graphic>
-          <a:graphicData uri="http://schemas.openxmlformats.org/drawingml/2006/table">
-            <a:tbl>
-              <a:tblPr firstRow="1" bandRow="1">
-                <a:tableStyleId>{3B4B98B0-60AC-42C2-AFA5-B58CD77FA1E5}</a:tableStyleId>
-              </a:tblPr>
-              <a:tblGrid>
-                <a:gridCol w="1524000"/>
-                <a:gridCol w="1600200"/>
-              </a:tblGrid>
-              <a:tr h="419100">
-                <a:tc>
-                  <a:txBody>
-                    <a:bodyPr/>
-                    <a:lstStyle/>
-                    <a:p>
-                      <a:r>
-                        <a:rPr lang="en-US" b="1" dirty="0" smtClean="0">
-                          <a:solidFill>
-                            <a:srgbClr val="3D372E"/>
-                          </a:solidFill>
-                          <a:latin typeface="Helvetica"/>
-                          <a:cs typeface="Helvetica"/>
-                        </a:rPr>
-                        <a:t>Spatial</a:t>
-                      </a:r>
-                      <a:endParaRPr lang="en-US" b="1" dirty="0">
-                        <a:solidFill>
-                          <a:srgbClr val="3D372E"/>
-                        </a:solidFill>
-                        <a:latin typeface="Helvetica"/>
-                        <a:cs typeface="Helvetica"/>
-                      </a:endParaRPr>
-                    </a:p>
-                  </a:txBody>
-                  <a:tcPr/>
-                </a:tc>
-                <a:tc>
-                  <a:txBody>
-                    <a:bodyPr/>
-                    <a:lstStyle/>
-                    <a:p>
-                      <a:r>
-                        <a:rPr lang="en-US" b="1" dirty="0" smtClean="0">
-                          <a:solidFill>
-                            <a:srgbClr val="3D372E"/>
-                          </a:solidFill>
-                          <a:latin typeface="Helvetica"/>
-                          <a:cs typeface="Helvetica"/>
-                        </a:rPr>
-                        <a:t>0.51</a:t>
-                      </a:r>
-                      <a:endParaRPr lang="en-US" b="1" dirty="0">
-                        <a:solidFill>
-                          <a:srgbClr val="3D372E"/>
-                        </a:solidFill>
-                        <a:latin typeface="Helvetica"/>
-                        <a:cs typeface="Helvetica"/>
-                      </a:endParaRPr>
-                    </a:p>
-                  </a:txBody>
-                  <a:tcPr/>
-                </a:tc>
-              </a:tr>
-            </a:tbl>
-          </a:graphicData>
-        </a:graphic>
-      </p:graphicFrame>
-    </p:spTree>
-    <p:extLst>
-      <p:ext uri="{BB962C8B-B14F-4D97-AF65-F5344CB8AC3E}">
-        <p14:creationId xmlns:p14="http://schemas.microsoft.com/office/powerpoint/2010/main" val="680897231"/>
-      </p:ext>
-    </p:extLst>
-  </p:cSld>
-  <p:clrMapOvr>
-    <a:masterClrMapping/>
-  </p:clrMapOvr>
-  <mc:AlternateContent xmlns:mc="http://schemas.openxmlformats.org/markup-compatibility/2006" xmlns:p14="http://schemas.microsoft.com/office/powerpoint/2010/main">
-    <mc:Choice Requires="p14">
-      <p:transition spd="med" p14:dur="700">
-        <p:fade/>
-      </p:transition>
-    </mc:Choice>
-    <mc:Fallback xmlns="">
-      <p:transition spd="med">
-        <p:fade/>
-      </p:transition>
-    </mc:Fallback>
-  </mc:AlternateContent>
-  <p:timing>
-    <p:tnLst>
-      <p:par>
-        <p:cTn xmlns:p14="http://schemas.microsoft.com/office/powerpoint/2010/main" id="1" dur="indefinite" restart="never" nodeType="tmRoot"/>
-      </p:par>
-    </p:tnLst>
-  </p:timing>
 </p:sld>
 </file>
 
@@ -8316,6 +7893,400 @@
       </p:grpSpPr>
       <p:sp>
         <p:nvSpPr>
+          <p:cNvPr id="8" name="TextBox 7"/>
+          <p:cNvSpPr txBox="1"/>
+          <p:nvPr/>
+        </p:nvSpPr>
+        <p:spPr>
+          <a:xfrm>
+            <a:off x="381000" y="838200"/>
+            <a:ext cx="3048000" cy="923330"/>
+          </a:xfrm>
+          <a:prstGeom prst="rect">
+            <a:avLst/>
+          </a:prstGeom>
+          <a:noFill/>
+        </p:spPr>
+        <p:txBody>
+          <a:bodyPr wrap="square" rtlCol="0">
+            <a:spAutoFit/>
+          </a:bodyPr>
+          <a:lstStyle/>
+          <a:p>
+            <a:r>
+              <a:rPr lang="en-US" b="1" dirty="0">
+                <a:solidFill>
+                  <a:schemeClr val="bg1"/>
+                </a:solidFill>
+                <a:latin typeface="Helvetica"/>
+                <a:cs typeface="Helvetica"/>
+              </a:rPr>
+              <a:t>RMSE Values</a:t>
+            </a:r>
+          </a:p>
+          <a:p>
+            <a:endParaRPr lang="en-US" b="1" dirty="0">
+              <a:solidFill>
+                <a:schemeClr val="bg1"/>
+              </a:solidFill>
+              <a:latin typeface="Helvetica"/>
+              <a:cs typeface="Helvetica"/>
+            </a:endParaRPr>
+          </a:p>
+          <a:p>
+            <a:endParaRPr lang="en-US" b="1" dirty="0">
+              <a:solidFill>
+                <a:schemeClr val="bg1"/>
+              </a:solidFill>
+              <a:latin typeface="Helvetica"/>
+              <a:cs typeface="Helvetica"/>
+            </a:endParaRPr>
+          </a:p>
+        </p:txBody>
+      </p:sp>
+      <p:graphicFrame>
+        <p:nvGraphicFramePr>
+          <p:cNvPr id="9" name="Table 8"/>
+          <p:cNvGraphicFramePr>
+            <a:graphicFrameLocks noGrp="1"/>
+          </p:cNvGraphicFramePr>
+          <p:nvPr>
+            <p:extLst>
+              <p:ext uri="{D42A27DB-BD31-4B8C-83A1-F6EECF244321}">
+                <p14:modId xmlns:p14="http://schemas.microsoft.com/office/powerpoint/2010/main" val="1778084285"/>
+              </p:ext>
+            </p:extLst>
+          </p:nvPr>
+        </p:nvGraphicFramePr>
+        <p:xfrm>
+          <a:off x="457200" y="1295400"/>
+          <a:ext cx="3124200" cy="838200"/>
+        </p:xfrm>
+        <a:graphic>
+          <a:graphicData uri="http://schemas.openxmlformats.org/drawingml/2006/table">
+            <a:tbl>
+              <a:tblPr firstRow="1" bandRow="1">
+                <a:tableStyleId>{3B4B98B0-60AC-42C2-AFA5-B58CD77FA1E5}</a:tableStyleId>
+              </a:tblPr>
+              <a:tblGrid>
+                <a:gridCol w="1524000">
+                  <a:extLst>
+                    <a:ext uri="{9D8B030D-6E8A-4147-A177-3AD203B41FA5}">
+                      <a16:colId xmlns:a16="http://schemas.microsoft.com/office/drawing/2014/main" val="20000"/>
+                    </a:ext>
+                  </a:extLst>
+                </a:gridCol>
+                <a:gridCol w="1600200">
+                  <a:extLst>
+                    <a:ext uri="{9D8B030D-6E8A-4147-A177-3AD203B41FA5}">
+                      <a16:colId xmlns:a16="http://schemas.microsoft.com/office/drawing/2014/main" val="20001"/>
+                    </a:ext>
+                  </a:extLst>
+                </a:gridCol>
+              </a:tblGrid>
+              <a:tr h="419100">
+                <a:tc>
+                  <a:txBody>
+                    <a:bodyPr/>
+                    <a:lstStyle/>
+                    <a:p>
+                      <a:r>
+                        <a:rPr lang="en-US" b="1" dirty="0">
+                          <a:solidFill>
+                            <a:srgbClr val="3D372E"/>
+                          </a:solidFill>
+                          <a:latin typeface="Helvetica"/>
+                          <a:cs typeface="Helvetica"/>
+                        </a:rPr>
+                        <a:t>Spatial</a:t>
+                      </a:r>
+                    </a:p>
+                  </a:txBody>
+                  <a:tcPr/>
+                </a:tc>
+                <a:tc>
+                  <a:txBody>
+                    <a:bodyPr/>
+                    <a:lstStyle/>
+                    <a:p>
+                      <a:r>
+                        <a:rPr lang="en-US" b="1" dirty="0">
+                          <a:solidFill>
+                            <a:srgbClr val="3D372E"/>
+                          </a:solidFill>
+                          <a:latin typeface="Helvetica"/>
+                          <a:cs typeface="Helvetica"/>
+                        </a:rPr>
+                        <a:t>3.65</a:t>
+                      </a:r>
+                    </a:p>
+                  </a:txBody>
+                  <a:tcPr/>
+                </a:tc>
+                <a:extLst>
+                  <a:ext uri="{0D108BD9-81ED-4DB2-BD59-A6C34878D82A}">
+                    <a16:rowId xmlns:a16="http://schemas.microsoft.com/office/drawing/2014/main" val="10000"/>
+                  </a:ext>
+                </a:extLst>
+              </a:tr>
+              <a:tr h="419100">
+                <a:tc>
+                  <a:txBody>
+                    <a:bodyPr/>
+                    <a:lstStyle/>
+                    <a:p>
+                      <a:r>
+                        <a:rPr lang="en-US" b="1" dirty="0">
+                          <a:solidFill>
+                            <a:srgbClr val="3D372E"/>
+                          </a:solidFill>
+                          <a:latin typeface="Helvetica"/>
+                          <a:cs typeface="Helvetica"/>
+                        </a:rPr>
+                        <a:t>LASSO</a:t>
+                      </a:r>
+                    </a:p>
+                  </a:txBody>
+                  <a:tcPr/>
+                </a:tc>
+                <a:tc>
+                  <a:txBody>
+                    <a:bodyPr/>
+                    <a:lstStyle/>
+                    <a:p>
+                      <a:r>
+                        <a:rPr lang="en-US" b="1" dirty="0">
+                          <a:solidFill>
+                            <a:srgbClr val="3D372E"/>
+                          </a:solidFill>
+                          <a:latin typeface="Helvetica"/>
+                          <a:cs typeface="Helvetica"/>
+                        </a:rPr>
+                        <a:t>252.43</a:t>
+                      </a:r>
+                    </a:p>
+                  </a:txBody>
+                  <a:tcPr/>
+                </a:tc>
+                <a:extLst>
+                  <a:ext uri="{0D108BD9-81ED-4DB2-BD59-A6C34878D82A}">
+                    <a16:rowId xmlns:a16="http://schemas.microsoft.com/office/drawing/2014/main" val="10001"/>
+                  </a:ext>
+                </a:extLst>
+              </a:tr>
+            </a:tbl>
+          </a:graphicData>
+        </a:graphic>
+      </p:graphicFrame>
+      <p:sp>
+        <p:nvSpPr>
+          <p:cNvPr id="10" name="TextBox 9"/>
+          <p:cNvSpPr txBox="1"/>
+          <p:nvPr/>
+        </p:nvSpPr>
+        <p:spPr>
+          <a:xfrm>
+            <a:off x="457200" y="2590800"/>
+            <a:ext cx="3048000" cy="646331"/>
+          </a:xfrm>
+          <a:prstGeom prst="rect">
+            <a:avLst/>
+          </a:prstGeom>
+          <a:noFill/>
+        </p:spPr>
+        <p:txBody>
+          <a:bodyPr wrap="square" rtlCol="0">
+            <a:spAutoFit/>
+          </a:bodyPr>
+          <a:lstStyle/>
+          <a:p>
+            <a:r>
+              <a:rPr lang="en-US" b="1" dirty="0">
+                <a:solidFill>
+                  <a:schemeClr val="bg1"/>
+                </a:solidFill>
+                <a:latin typeface="Helvetica"/>
+                <a:cs typeface="Helvetica"/>
+              </a:rPr>
+              <a:t>Moran’s I</a:t>
+            </a:r>
+          </a:p>
+          <a:p>
+            <a:endParaRPr lang="en-US" b="1" dirty="0">
+              <a:solidFill>
+                <a:schemeClr val="bg1"/>
+              </a:solidFill>
+              <a:latin typeface="Helvetica"/>
+              <a:cs typeface="Helvetica"/>
+            </a:endParaRPr>
+          </a:p>
+        </p:txBody>
+      </p:sp>
+      <p:graphicFrame>
+        <p:nvGraphicFramePr>
+          <p:cNvPr id="11" name="Table 10"/>
+          <p:cNvGraphicFramePr>
+            <a:graphicFrameLocks noGrp="1"/>
+          </p:cNvGraphicFramePr>
+          <p:nvPr>
+            <p:extLst>
+              <p:ext uri="{D42A27DB-BD31-4B8C-83A1-F6EECF244321}">
+                <p14:modId xmlns:p14="http://schemas.microsoft.com/office/powerpoint/2010/main" val="2109355968"/>
+              </p:ext>
+            </p:extLst>
+          </p:nvPr>
+        </p:nvGraphicFramePr>
+        <p:xfrm>
+          <a:off x="533400" y="3048000"/>
+          <a:ext cx="3124200" cy="419100"/>
+        </p:xfrm>
+        <a:graphic>
+          <a:graphicData uri="http://schemas.openxmlformats.org/drawingml/2006/table">
+            <a:tbl>
+              <a:tblPr firstRow="1" bandRow="1">
+                <a:tableStyleId>{3B4B98B0-60AC-42C2-AFA5-B58CD77FA1E5}</a:tableStyleId>
+              </a:tblPr>
+              <a:tblGrid>
+                <a:gridCol w="1524000">
+                  <a:extLst>
+                    <a:ext uri="{9D8B030D-6E8A-4147-A177-3AD203B41FA5}">
+                      <a16:colId xmlns:a16="http://schemas.microsoft.com/office/drawing/2014/main" val="20000"/>
+                    </a:ext>
+                  </a:extLst>
+                </a:gridCol>
+                <a:gridCol w="1600200">
+                  <a:extLst>
+                    <a:ext uri="{9D8B030D-6E8A-4147-A177-3AD203B41FA5}">
+                      <a16:colId xmlns:a16="http://schemas.microsoft.com/office/drawing/2014/main" val="20001"/>
+                    </a:ext>
+                  </a:extLst>
+                </a:gridCol>
+              </a:tblGrid>
+              <a:tr h="419100">
+                <a:tc>
+                  <a:txBody>
+                    <a:bodyPr/>
+                    <a:lstStyle/>
+                    <a:p>
+                      <a:r>
+                        <a:rPr lang="en-US" b="1" dirty="0">
+                          <a:solidFill>
+                            <a:srgbClr val="3D372E"/>
+                          </a:solidFill>
+                          <a:latin typeface="Helvetica"/>
+                          <a:cs typeface="Helvetica"/>
+                        </a:rPr>
+                        <a:t>Spatial</a:t>
+                      </a:r>
+                    </a:p>
+                  </a:txBody>
+                  <a:tcPr/>
+                </a:tc>
+                <a:tc>
+                  <a:txBody>
+                    <a:bodyPr/>
+                    <a:lstStyle/>
+                    <a:p>
+                      <a:r>
+                        <a:rPr lang="en-US" b="1" dirty="0">
+                          <a:solidFill>
+                            <a:srgbClr val="3D372E"/>
+                          </a:solidFill>
+                          <a:latin typeface="Helvetica"/>
+                          <a:cs typeface="Helvetica"/>
+                        </a:rPr>
+                        <a:t>0.51</a:t>
+                      </a:r>
+                    </a:p>
+                  </a:txBody>
+                  <a:tcPr/>
+                </a:tc>
+                <a:extLst>
+                  <a:ext uri="{0D108BD9-81ED-4DB2-BD59-A6C34878D82A}">
+                    <a16:rowId xmlns:a16="http://schemas.microsoft.com/office/drawing/2014/main" val="10000"/>
+                  </a:ext>
+                </a:extLst>
+              </a:tr>
+            </a:tbl>
+          </a:graphicData>
+        </a:graphic>
+      </p:graphicFrame>
+      <p:pic>
+        <p:nvPicPr>
+          <p:cNvPr id="3" name="Picture 2"/>
+          <p:cNvPicPr>
+            <a:picLocks noChangeAspect="1"/>
+          </p:cNvPicPr>
+          <p:nvPr/>
+        </p:nvPicPr>
+        <p:blipFill>
+          <a:blip r:embed="rId2"/>
+          <a:stretch>
+            <a:fillRect/>
+          </a:stretch>
+        </p:blipFill>
+        <p:spPr>
+          <a:xfrm>
+            <a:off x="4114800" y="106811"/>
+            <a:ext cx="7696200" cy="6260639"/>
+          </a:xfrm>
+          <a:prstGeom prst="rect">
+            <a:avLst/>
+          </a:prstGeom>
+        </p:spPr>
+      </p:pic>
+    </p:spTree>
+    <p:extLst>
+      <p:ext uri="{BB962C8B-B14F-4D97-AF65-F5344CB8AC3E}">
+        <p14:creationId xmlns:p14="http://schemas.microsoft.com/office/powerpoint/2010/main" val="680897231"/>
+      </p:ext>
+    </p:extLst>
+  </p:cSld>
+  <p:clrMapOvr>
+    <a:masterClrMapping/>
+  </p:clrMapOvr>
+  <mc:AlternateContent xmlns:mc="http://schemas.openxmlformats.org/markup-compatibility/2006" xmlns:p14="http://schemas.microsoft.com/office/powerpoint/2010/main">
+    <mc:Choice Requires="p14">
+      <p:transition spd="med" p14:dur="700">
+        <p:fade/>
+      </p:transition>
+    </mc:Choice>
+    <mc:Fallback xmlns="">
+      <p:transition spd="med">
+        <p:fade/>
+      </p:transition>
+    </mc:Fallback>
+  </mc:AlternateContent>
+</p:sld>
+</file>
+
+<file path=ppt/slides/slide17.xml><?xml version="1.0" encoding="utf-8"?>
+<p:sld xmlns:a="http://schemas.openxmlformats.org/drawingml/2006/main" xmlns:r="http://schemas.openxmlformats.org/officeDocument/2006/relationships" xmlns:p="http://schemas.openxmlformats.org/presentationml/2006/main">
+  <p:cSld>
+    <p:bg>
+      <p:bgPr>
+        <a:solidFill>
+          <a:schemeClr val="tx1"/>
+        </a:solidFill>
+        <a:effectLst/>
+      </p:bgPr>
+    </p:bg>
+    <p:spTree>
+      <p:nvGrpSpPr>
+        <p:cNvPr id="1" name=""/>
+        <p:cNvGrpSpPr/>
+        <p:nvPr/>
+      </p:nvGrpSpPr>
+      <p:grpSpPr>
+        <a:xfrm>
+          <a:off x="0" y="0"/>
+          <a:ext cx="0" cy="0"/>
+          <a:chOff x="0" y="0"/>
+          <a:chExt cx="0" cy="0"/>
+        </a:xfrm>
+      </p:grpSpPr>
+      <p:sp>
+        <p:nvSpPr>
           <p:cNvPr id="3" name="Content Placeholder 2"/>
           <p:cNvSpPr>
             <a:spLocks noGrp="1"/>
@@ -8337,7 +8308,7 @@
           <a:lstStyle/>
           <a:p>
             <a:r>
-              <a:rPr lang="en-US" sz="2400" dirty="0" smtClean="0">
+              <a:rPr lang="en-US" sz="2400" dirty="0">
                 <a:solidFill>
                   <a:srgbClr val="736756"/>
                 </a:solidFill>
@@ -8350,7 +8321,7 @@
           <a:p>
             <a:pPr lvl="1"/>
             <a:r>
-              <a:rPr lang="en-US" sz="2200" dirty="0" smtClean="0">
+              <a:rPr lang="en-US" sz="2200" dirty="0">
                 <a:solidFill>
                   <a:srgbClr val="736756"/>
                 </a:solidFill>
@@ -8359,7 +8330,7 @@
               </a:rPr>
               <a:t>Strong yearly and autoregressive trends</a:t>
             </a:r>
-            <a:endParaRPr lang="en-US" sz="2200" dirty="0" smtClean="0">
+            <a:endParaRPr lang="en-US" sz="2200" dirty="0">
               <a:solidFill>
                 <a:schemeClr val="bg2">
                   <a:lumMod val="65000"/>
@@ -8405,7 +8376,7 @@
           <a:lstStyle/>
           <a:p>
             <a:r>
-              <a:rPr lang="en-US" dirty="0" smtClean="0">
+              <a:rPr lang="en-US" dirty="0">
                 <a:solidFill>
                   <a:srgbClr val="736756"/>
                 </a:solidFill>
@@ -8414,13 +8385,6 @@
               </a:rPr>
               <a:t>Conclusions</a:t>
             </a:r>
-            <a:endParaRPr lang="en-US" dirty="0">
-              <a:solidFill>
-                <a:srgbClr val="736756"/>
-              </a:solidFill>
-              <a:latin typeface="Helvetica"/>
-              <a:cs typeface="Helvetica"/>
-            </a:endParaRPr>
           </a:p>
         </p:txBody>
       </p:sp>
@@ -8446,17 +8410,10 @@
       </p:transition>
     </mc:Fallback>
   </mc:AlternateContent>
-  <p:timing>
-    <p:tnLst>
-      <p:par>
-        <p:cTn xmlns:p14="http://schemas.microsoft.com/office/powerpoint/2010/main" id="1" dur="indefinite" restart="never" nodeType="tmRoot"/>
-      </p:par>
-    </p:tnLst>
-  </p:timing>
 </p:sld>
 </file>
 
-<file path=ppt/slides/slide17.xml><?xml version="1.0" encoding="utf-8"?>
+<file path=ppt/slides/slide18.xml><?xml version="1.0" encoding="utf-8"?>
 <p:sld xmlns:a="http://schemas.openxmlformats.org/drawingml/2006/main" xmlns:r="http://schemas.openxmlformats.org/officeDocument/2006/relationships" xmlns:p="http://schemas.openxmlformats.org/presentationml/2006/main">
   <p:cSld>
     <p:spTree>
@@ -8494,16 +8451,12 @@
           <a:lstStyle/>
           <a:p>
             <a:r>
-              <a:rPr lang="en-US" dirty="0" smtClean="0">
+              <a:rPr lang="en-US" dirty="0">
                 <a:latin typeface="Helvetica"/>
                 <a:cs typeface="Helvetica"/>
               </a:rPr>
               <a:t>Next Steps</a:t>
             </a:r>
-            <a:endParaRPr lang="en-US" dirty="0">
-              <a:latin typeface="Helvetica"/>
-              <a:cs typeface="Helvetica"/>
-            </a:endParaRPr>
           </a:p>
         </p:txBody>
       </p:sp>
@@ -8598,13 +8551,6 @@
       </p:transition>
     </mc:Fallback>
   </mc:AlternateContent>
-  <p:timing>
-    <p:tnLst>
-      <p:par>
-        <p:cTn xmlns:p14="http://schemas.microsoft.com/office/powerpoint/2010/main" id="1" dur="indefinite" restart="never" nodeType="tmRoot"/>
-      </p:par>
-    </p:tnLst>
-  </p:timing>
 </p:sld>
 </file>
 
@@ -8748,7 +8694,7 @@
           <a:noFill/>
           <a:extLst>
             <a:ext uri="{909E8E84-426E-40dd-AFC4-6F175D3DCCD1}">
-              <a14:hiddenFill xmlns:a14="http://schemas.microsoft.com/office/drawing/2010/main">
+              <a14:hiddenFill xmlns:a14="http://schemas.microsoft.com/office/drawing/2010/main" xmlns="">
                 <a:solidFill>
                   <a:srgbClr val="FFFFFF"/>
                 </a:solidFill>
@@ -8778,7 +8724,7 @@
           <a:lstStyle/>
           <a:p>
             <a:r>
-              <a:rPr lang="en-US" dirty="0" smtClean="0">
+              <a:rPr lang="en-US" dirty="0">
                 <a:solidFill>
                   <a:schemeClr val="accent6">
                     <a:lumMod val="75000"/>
@@ -8789,15 +8735,6 @@
               </a:rPr>
               <a:t>Is Chicago a War Zone?</a:t>
             </a:r>
-            <a:endParaRPr lang="en-US" dirty="0">
-              <a:solidFill>
-                <a:schemeClr val="accent6">
-                  <a:lumMod val="75000"/>
-                </a:schemeClr>
-              </a:solidFill>
-              <a:latin typeface="Helvetica"/>
-              <a:cs typeface="Helvetica"/>
-            </a:endParaRPr>
           </a:p>
         </p:txBody>
       </p:sp>
@@ -8823,13 +8760,6 @@
       </p:transition>
     </mc:Fallback>
   </mc:AlternateContent>
-  <p:timing>
-    <p:tnLst>
-      <p:par>
-        <p:cTn xmlns:p14="http://schemas.microsoft.com/office/powerpoint/2010/main" id="1" dur="indefinite" restart="never" nodeType="tmRoot"/>
-      </p:par>
-    </p:tnLst>
-  </p:timing>
 </p:sld>
 </file>
 
@@ -8903,7 +8833,7 @@
           <a:lstStyle/>
           <a:p>
             <a:r>
-              <a:rPr lang="en-US" dirty="0" smtClean="0">
+              <a:rPr lang="en-US" dirty="0">
                 <a:solidFill>
                   <a:schemeClr val="accent6">
                     <a:lumMod val="75000"/>
@@ -8914,15 +8844,6 @@
               </a:rPr>
               <a:t>Data Sources</a:t>
             </a:r>
-            <a:endParaRPr lang="en-US" dirty="0">
-              <a:solidFill>
-                <a:schemeClr val="accent6">
-                  <a:lumMod val="75000"/>
-                </a:schemeClr>
-              </a:solidFill>
-              <a:latin typeface="Helvetica"/>
-              <a:cs typeface="Helvetica"/>
-            </a:endParaRPr>
           </a:p>
         </p:txBody>
       </p:sp>
@@ -8948,13 +8869,6 @@
       </p:transition>
     </mc:Fallback>
   </mc:AlternateContent>
-  <p:timing>
-    <p:tnLst>
-      <p:par>
-        <p:cTn xmlns:p14="http://schemas.microsoft.com/office/powerpoint/2010/main" id="1" dur="indefinite" restart="never" nodeType="tmRoot"/>
-      </p:par>
-    </p:tnLst>
-  </p:timing>
 </p:sld>
 </file>
 
@@ -9096,13 +9010,6 @@
       </p:transition>
     </mc:Fallback>
   </mc:AlternateContent>
-  <p:timing>
-    <p:tnLst>
-      <p:par>
-        <p:cTn xmlns:p14="http://schemas.microsoft.com/office/powerpoint/2010/main" id="1" dur="indefinite" restart="never" nodeType="tmRoot"/>
-      </p:par>
-    </p:tnLst>
-  </p:timing>
 </p:sld>
 </file>
 
@@ -9174,16 +9081,12 @@
           <a:lstStyle/>
           <a:p>
             <a:r>
-              <a:rPr lang="en-US" dirty="0" smtClean="0">
+              <a:rPr lang="en-US" dirty="0">
                 <a:latin typeface="Helvetica"/>
                 <a:cs typeface="Helvetica"/>
               </a:rPr>
               <a:t>A time series analysis of crime data</a:t>
             </a:r>
-            <a:endParaRPr lang="en-US" dirty="0">
-              <a:latin typeface="Helvetica"/>
-              <a:cs typeface="Helvetica"/>
-            </a:endParaRPr>
           </a:p>
         </p:txBody>
       </p:sp>
@@ -9209,13 +9112,6 @@
       </p:transition>
     </mc:Fallback>
   </mc:AlternateContent>
-  <p:timing>
-    <p:tnLst>
-      <p:par>
-        <p:cTn xmlns:p14="http://schemas.microsoft.com/office/powerpoint/2010/main" id="1" dur="indefinite" restart="never" nodeType="tmRoot"/>
-      </p:par>
-    </p:tnLst>
-  </p:timing>
 </p:sld>
 </file>
 
@@ -9295,7 +9191,7 @@
           <a:lstStyle/>
           <a:p>
             <a:r>
-              <a:rPr lang="en-US" dirty="0" smtClean="0">
+              <a:rPr lang="en-US" dirty="0">
                 <a:solidFill>
                   <a:schemeClr val="accent6">
                     <a:lumMod val="75000"/>
@@ -9306,15 +9202,6 @@
               </a:rPr>
               <a:t>“Sides” of Chicago</a:t>
             </a:r>
-            <a:endParaRPr lang="en-US" dirty="0">
-              <a:solidFill>
-                <a:schemeClr val="accent6">
-                  <a:lumMod val="75000"/>
-                </a:schemeClr>
-              </a:solidFill>
-              <a:latin typeface="Helvetica"/>
-              <a:cs typeface="Helvetica"/>
-            </a:endParaRPr>
           </a:p>
         </p:txBody>
       </p:sp>
@@ -9340,13 +9227,6 @@
       </p:transition>
     </mc:Fallback>
   </mc:AlternateContent>
-  <p:timing>
-    <p:tnLst>
-      <p:par>
-        <p:cTn xmlns:p14="http://schemas.microsoft.com/office/powerpoint/2010/main" id="1" dur="indefinite" restart="never" nodeType="tmRoot"/>
-      </p:par>
-    </p:tnLst>
-  </p:timing>
 </p:sld>
 </file>
 
@@ -9456,7 +9336,7 @@
           <a:lstStyle/>
           <a:p>
             <a:r>
-              <a:rPr lang="en-US" dirty="0" smtClean="0">
+              <a:rPr lang="en-US" dirty="0">
                 <a:solidFill>
                   <a:schemeClr val="accent6">
                     <a:lumMod val="75000"/>
@@ -9467,15 +9347,6 @@
               </a:rPr>
               <a:t>“Sides” of Chicago, cont.</a:t>
             </a:r>
-            <a:endParaRPr lang="en-US" dirty="0">
-              <a:solidFill>
-                <a:schemeClr val="accent6">
-                  <a:lumMod val="75000"/>
-                </a:schemeClr>
-              </a:solidFill>
-              <a:latin typeface="Helvetica"/>
-              <a:cs typeface="Helvetica"/>
-            </a:endParaRPr>
           </a:p>
         </p:txBody>
       </p:sp>
@@ -9501,13 +9372,6 @@
       </p:transition>
     </mc:Fallback>
   </mc:AlternateContent>
-  <p:timing>
-    <p:tnLst>
-      <p:par>
-        <p:cTn xmlns:p14="http://schemas.microsoft.com/office/powerpoint/2010/main" id="1" dur="indefinite" restart="never" nodeType="tmRoot"/>
-      </p:par>
-    </p:tnLst>
-  </p:timing>
 </p:sld>
 </file>
 
@@ -9557,7 +9421,7 @@
           <a:lstStyle/>
           <a:p>
             <a:r>
-              <a:rPr lang="en-US" dirty="0" smtClean="0">
+              <a:rPr lang="en-US" dirty="0">
                 <a:solidFill>
                   <a:schemeClr val="accent6">
                     <a:lumMod val="75000"/>
@@ -9568,15 +9432,6 @@
               </a:rPr>
               <a:t>South Side</a:t>
             </a:r>
-            <a:endParaRPr lang="en-US" dirty="0">
-              <a:solidFill>
-                <a:schemeClr val="accent6">
-                  <a:lumMod val="75000"/>
-                </a:schemeClr>
-              </a:solidFill>
-              <a:latin typeface="Helvetica"/>
-              <a:cs typeface="Helvetica"/>
-            </a:endParaRPr>
           </a:p>
         </p:txBody>
       </p:sp>
@@ -9660,13 +9515,6 @@
       </p:transition>
     </mc:Fallback>
   </mc:AlternateContent>
-  <p:timing>
-    <p:tnLst>
-      <p:par>
-        <p:cTn xmlns:p14="http://schemas.microsoft.com/office/powerpoint/2010/main" id="1" dur="indefinite" restart="never" nodeType="tmRoot"/>
-      </p:par>
-    </p:tnLst>
-  </p:timing>
 </p:sld>
 </file>
 
@@ -9716,7 +9564,7 @@
           <a:lstStyle/>
           <a:p>
             <a:r>
-              <a:rPr lang="en-US" dirty="0" smtClean="0">
+              <a:rPr lang="en-US" dirty="0">
                 <a:solidFill>
                   <a:schemeClr val="accent6">
                     <a:lumMod val="75000"/>
@@ -9728,7 +9576,7 @@
               <a:t>South Side </a:t>
             </a:r>
             <a:r>
-              <a:rPr lang="mr-IN" dirty="0" smtClean="0">
+              <a:rPr lang="mr-IN" dirty="0">
                 <a:solidFill>
                   <a:schemeClr val="accent6">
                     <a:lumMod val="75000"/>
@@ -9740,7 +9588,7 @@
               <a:t>–</a:t>
             </a:r>
             <a:r>
-              <a:rPr lang="en-US" dirty="0" smtClean="0">
+              <a:rPr lang="en-US" dirty="0">
                 <a:solidFill>
                   <a:schemeClr val="accent6">
                     <a:lumMod val="75000"/>
@@ -9751,15 +9599,6 @@
               </a:rPr>
               <a:t> ARIMA(4,0,0)x(1,0,0)[12]</a:t>
             </a:r>
-            <a:endParaRPr lang="en-US" dirty="0">
-              <a:solidFill>
-                <a:schemeClr val="accent6">
-                  <a:lumMod val="75000"/>
-                </a:schemeClr>
-              </a:solidFill>
-              <a:latin typeface="Helvetica"/>
-              <a:cs typeface="Helvetica"/>
-            </a:endParaRPr>
           </a:p>
         </p:txBody>
       </p:sp>
@@ -9844,13 +9683,6 @@
       </p:transition>
     </mc:Fallback>
   </mc:AlternateContent>
-  <p:timing>
-    <p:tnLst>
-      <p:par>
-        <p:cTn xmlns:p14="http://schemas.microsoft.com/office/powerpoint/2010/main" id="1" dur="indefinite" restart="never" nodeType="tmRoot"/>
-      </p:par>
-    </p:tnLst>
-  </p:timing>
 </p:sld>
 </file>
 
@@ -10109,7 +9941,7 @@
   <a:extraClrSchemeLst/>
   <a:extLst>
     <a:ext uri="{05A4C25C-085E-4340-85A3-A5531E510DB2}">
-      <thm15:themeFamily xmlns="" xmlns:thm15="http://schemas.microsoft.com/office/thememl/2012/main" name="TF00001123.potx" id="{55B65C5C-2110-41C9-9432-67D739EC5CFC}" vid="{FDE12540-4521-4F30-863D-D54DD2EE1C3B}"/>
+      <thm15:themeFamily xmlns:thm15="http://schemas.microsoft.com/office/thememl/2012/main" name="TF00001123.potx" id="{55B65C5C-2110-41C9-9432-67D739EC5CFC}" vid="{FDE12540-4521-4F30-863D-D54DD2EE1C3B}"/>
     </a:ext>
   </a:extLst>
 </a:theme>
@@ -10690,7 +10522,7 @@
   <a:extraClrSchemeLst/>
   <a:extLst>
     <a:ext uri="{05A4C25C-085E-4340-85A3-A5531E510DB2}">
-      <thm15:themeFamily xmlns="" xmlns:thm15="http://schemas.microsoft.com/office/thememl/2012/main" name="Office Theme" id="{62F939B6-93AF-4DB8-9C6B-D6C7DFDC589F}" vid="{4A3C46E8-61CC-4603-A589-7422A47A8E4A}"/>
+      <thm15:themeFamily xmlns:thm15="http://schemas.microsoft.com/office/thememl/2012/main" name="Office Theme" id="{62F939B6-93AF-4DB8-9C6B-D6C7DFDC589F}" vid="{4A3C46E8-61CC-4603-A589-7422A47A8E4A}"/>
     </a:ext>
   </a:extLst>
 </a:theme>
@@ -10951,7 +10783,7 @@
   <a:extraClrSchemeLst/>
   <a:extLst>
     <a:ext uri="{05A4C25C-085E-4340-85A3-A5531E510DB2}">
-      <thm15:themeFamily xmlns="" xmlns:thm15="http://schemas.microsoft.com/office/thememl/2012/main" name="Office Theme" id="{62F939B6-93AF-4DB8-9C6B-D6C7DFDC589F}" vid="{4A3C46E8-61CC-4603-A589-7422A47A8E4A}"/>
+      <thm15:themeFamily xmlns:thm15="http://schemas.microsoft.com/office/thememl/2012/main" name="Office Theme" id="{62F939B6-93AF-4DB8-9C6B-D6C7DFDC589F}" vid="{4A3C46E8-61CC-4603-A589-7422A47A8E4A}"/>
     </a:ext>
   </a:extLst>
 </a:theme>

--- a/Slides/final_slides.pptx
+++ b/Slides/final_slides.pptx
@@ -6,30 +6,29 @@
     <p:sldMasterId id="2147483660" r:id="rId2"/>
   </p:sldMasterIdLst>
   <p:notesMasterIdLst>
-    <p:notesMasterId r:id="rId21"/>
+    <p:notesMasterId r:id="rId20"/>
   </p:notesMasterIdLst>
   <p:handoutMasterIdLst>
-    <p:handoutMasterId r:id="rId22"/>
+    <p:handoutMasterId r:id="rId21"/>
   </p:handoutMasterIdLst>
   <p:sldIdLst>
     <p:sldId id="256" r:id="rId3"/>
     <p:sldId id="257" r:id="rId4"/>
     <p:sldId id="258" r:id="rId5"/>
-    <p:sldId id="270" r:id="rId6"/>
-    <p:sldId id="261" r:id="rId7"/>
-    <p:sldId id="271" r:id="rId8"/>
-    <p:sldId id="272" r:id="rId9"/>
-    <p:sldId id="273" r:id="rId10"/>
-    <p:sldId id="274" r:id="rId11"/>
-    <p:sldId id="275" r:id="rId12"/>
-    <p:sldId id="264" r:id="rId13"/>
-    <p:sldId id="278" r:id="rId14"/>
-    <p:sldId id="265" r:id="rId15"/>
-    <p:sldId id="266" r:id="rId16"/>
-    <p:sldId id="267" r:id="rId17"/>
-    <p:sldId id="268" r:id="rId18"/>
-    <p:sldId id="277" r:id="rId19"/>
-    <p:sldId id="269" r:id="rId20"/>
+    <p:sldId id="261" r:id="rId6"/>
+    <p:sldId id="271" r:id="rId7"/>
+    <p:sldId id="272" r:id="rId8"/>
+    <p:sldId id="273" r:id="rId9"/>
+    <p:sldId id="274" r:id="rId10"/>
+    <p:sldId id="275" r:id="rId11"/>
+    <p:sldId id="264" r:id="rId12"/>
+    <p:sldId id="278" r:id="rId13"/>
+    <p:sldId id="265" r:id="rId14"/>
+    <p:sldId id="266" r:id="rId15"/>
+    <p:sldId id="267" r:id="rId16"/>
+    <p:sldId id="268" r:id="rId17"/>
+    <p:sldId id="277" r:id="rId18"/>
+    <p:sldId id="269" r:id="rId19"/>
   </p:sldIdLst>
   <p:sldSz cx="12192000" cy="6858000"/>
   <p:notesSz cx="6858000" cy="9144000"/>
@@ -130,7 +129,7 @@
   </p:defaultTextStyle>
   <p:extLst>
     <p:ext uri="{EFAFB233-063F-42B5-8137-9DF3F51BA10A}">
-      <p15:sldGuideLst xmlns:p15="http://schemas.microsoft.com/office/powerpoint/2012/main">
+      <p15:sldGuideLst xmlns:p15="http://schemas.microsoft.com/office/powerpoint/2012/main" xmlns="">
         <p15:guide id="1" orient="horz" pos="2160">
           <p15:clr>
             <a:srgbClr val="A4A3A4"/>
@@ -144,7 +143,7 @@
       </p15:sldGuideLst>
     </p:ext>
     <p:ext uri="{2D200454-40CA-4A62-9FC3-DE9A4176ACB9}">
-      <p15:notesGuideLst xmlns:p15="http://schemas.microsoft.com/office/powerpoint/2012/main"/>
+      <p15:notesGuideLst xmlns:p15="http://schemas.microsoft.com/office/powerpoint/2012/main" xmlns=""/>
     </p:ext>
   </p:extLst>
 </p:presentation>
@@ -232,7 +231,7 @@
           <a:p>
             <a:fld id="{061C5132-FFA3-4B02-9F09-22FCF40EFA74}" type="datetimeFigureOut">
               <a:rPr lang="en-US" smtClean="0"/>
-              <a:t>5/2/2017</a:t>
+              <a:t>5/2/17</a:t>
             </a:fld>
             <a:endParaRPr lang="en-US"/>
           </a:p>
@@ -397,7 +396,7 @@
           <a:p>
             <a:fld id="{0B6E42C9-243F-4DC5-AFF6-9D56B5FA9D63}" type="datetimeFigureOut">
               <a:rPr lang="en-US" smtClean="0"/>
-              <a:t>5/2/2017</a:t>
+              <a:t>5/2/17</a:t>
             </a:fld>
             <a:endParaRPr lang="en-US"/>
           </a:p>
@@ -1085,7 +1084,7 @@
           <a:p>
             <a:fld id="{B0FE2824-C2A0-4931-BB32-60B24BDBB3CC}" type="datetimeFigureOut">
               <a:rPr lang="en-US" smtClean="0"/>
-              <a:t>5/2/2017</a:t>
+              <a:t>5/2/17</a:t>
             </a:fld>
             <a:endParaRPr lang="en-US"/>
           </a:p>
@@ -1280,7 +1279,7 @@
           <a:p>
             <a:fld id="{B0FE2824-C2A0-4931-BB32-60B24BDBB3CC}" type="datetimeFigureOut">
               <a:rPr lang="en-US" smtClean="0"/>
-              <a:t>5/2/2017</a:t>
+              <a:t>5/2/17</a:t>
             </a:fld>
             <a:endParaRPr lang="en-US"/>
           </a:p>
@@ -1527,7 +1526,7 @@
           <a:p>
             <a:fld id="{B4AAAF38-FA28-AC45-9E1F-E60DE1B3F365}" type="datetimeFigureOut">
               <a:rPr lang="en-US" smtClean="0"/>
-              <a:t>5/2/2017</a:t>
+              <a:t>5/2/17</a:t>
             </a:fld>
             <a:endParaRPr lang="en-US"/>
           </a:p>
@@ -1735,7 +1734,7 @@
           <a:p>
             <a:fld id="{B4AAAF38-FA28-AC45-9E1F-E60DE1B3F365}" type="datetimeFigureOut">
               <a:rPr lang="en-US" smtClean="0"/>
-              <a:t>5/2/2017</a:t>
+              <a:t>5/2/17</a:t>
             </a:fld>
             <a:endParaRPr lang="en-US"/>
           </a:p>
@@ -2010,7 +2009,7 @@
           <a:p>
             <a:fld id="{B4AAAF38-FA28-AC45-9E1F-E60DE1B3F365}" type="datetimeFigureOut">
               <a:rPr lang="en-US" smtClean="0"/>
-              <a:t>5/2/2017</a:t>
+              <a:t>5/2/17</a:t>
             </a:fld>
             <a:endParaRPr lang="en-US"/>
           </a:p>
@@ -2333,7 +2332,7 @@
           <a:p>
             <a:fld id="{B4AAAF38-FA28-AC45-9E1F-E60DE1B3F365}" type="datetimeFigureOut">
               <a:rPr lang="en-US" smtClean="0"/>
-              <a:t>5/2/2017</a:t>
+              <a:t>5/2/17</a:t>
             </a:fld>
             <a:endParaRPr lang="en-US"/>
           </a:p>
@@ -2796,7 +2795,7 @@
           <a:p>
             <a:fld id="{B4AAAF38-FA28-AC45-9E1F-E60DE1B3F365}" type="datetimeFigureOut">
               <a:rPr lang="en-US" smtClean="0"/>
-              <a:t>5/2/2017</a:t>
+              <a:t>5/2/17</a:t>
             </a:fld>
             <a:endParaRPr lang="en-US"/>
           </a:p>
@@ -2945,7 +2944,7 @@
           <a:p>
             <a:fld id="{B4AAAF38-FA28-AC45-9E1F-E60DE1B3F365}" type="datetimeFigureOut">
               <a:rPr lang="en-US" smtClean="0"/>
-              <a:t>5/2/2017</a:t>
+              <a:t>5/2/17</a:t>
             </a:fld>
             <a:endParaRPr lang="en-US"/>
           </a:p>
@@ -3064,7 +3063,7 @@
           <a:p>
             <a:fld id="{B4AAAF38-FA28-AC45-9E1F-E60DE1B3F365}" type="datetimeFigureOut">
               <a:rPr lang="en-US" smtClean="0"/>
-              <a:t>5/2/2017</a:t>
+              <a:t>5/2/17</a:t>
             </a:fld>
             <a:endParaRPr lang="en-US"/>
           </a:p>
@@ -3372,7 +3371,7 @@
           <a:p>
             <a:fld id="{B4AAAF38-FA28-AC45-9E1F-E60DE1B3F365}" type="datetimeFigureOut">
               <a:rPr lang="en-US" smtClean="0"/>
-              <a:t>5/2/2017</a:t>
+              <a:t>5/2/17</a:t>
             </a:fld>
             <a:endParaRPr lang="en-US"/>
           </a:p>
@@ -3575,7 +3574,7 @@
           <a:p>
             <a:fld id="{B0FE2824-C2A0-4931-BB32-60B24BDBB3CC}" type="datetimeFigureOut">
               <a:rPr lang="en-US" smtClean="0"/>
-              <a:t>5/2/2017</a:t>
+              <a:t>5/2/17</a:t>
             </a:fld>
             <a:endParaRPr lang="en-US"/>
           </a:p>
@@ -3837,7 +3836,7 @@
           <a:p>
             <a:fld id="{B4AAAF38-FA28-AC45-9E1F-E60DE1B3F365}" type="datetimeFigureOut">
               <a:rPr lang="en-US" smtClean="0"/>
-              <a:t>5/2/2017</a:t>
+              <a:t>5/2/17</a:t>
             </a:fld>
             <a:endParaRPr lang="en-US"/>
           </a:p>
@@ -4045,7 +4044,7 @@
           <a:p>
             <a:fld id="{B4AAAF38-FA28-AC45-9E1F-E60DE1B3F365}" type="datetimeFigureOut">
               <a:rPr lang="en-US" smtClean="0"/>
-              <a:t>5/2/2017</a:t>
+              <a:t>5/2/17</a:t>
             </a:fld>
             <a:endParaRPr lang="en-US"/>
           </a:p>
@@ -4253,7 +4252,7 @@
           <a:p>
             <a:fld id="{B4AAAF38-FA28-AC45-9E1F-E60DE1B3F365}" type="datetimeFigureOut">
               <a:rPr lang="en-US" smtClean="0"/>
-              <a:t>5/2/2017</a:t>
+              <a:t>5/2/17</a:t>
             </a:fld>
             <a:endParaRPr lang="en-US"/>
           </a:p>
@@ -4796,7 +4795,7 @@
           <a:p>
             <a:fld id="{B0FE2824-C2A0-4931-BB32-60B24BDBB3CC}" type="datetimeFigureOut">
               <a:rPr lang="en-US" smtClean="0"/>
-              <a:t>5/2/2017</a:t>
+              <a:t>5/2/17</a:t>
             </a:fld>
             <a:endParaRPr lang="en-US"/>
           </a:p>
@@ -5238,7 +5237,7 @@
           <a:p>
             <a:fld id="{B0FE2824-C2A0-4931-BB32-60B24BDBB3CC}" type="datetimeFigureOut">
               <a:rPr lang="en-US" smtClean="0"/>
-              <a:t>5/2/2017</a:t>
+              <a:t>5/2/17</a:t>
             </a:fld>
             <a:endParaRPr lang="en-US"/>
           </a:p>
@@ -5367,7 +5366,7 @@
           <a:p>
             <a:fld id="{B0FE2824-C2A0-4931-BB32-60B24BDBB3CC}" type="datetimeFigureOut">
               <a:rPr lang="en-US" smtClean="0"/>
-              <a:t>5/2/2017</a:t>
+              <a:t>5/2/17</a:t>
             </a:fld>
             <a:endParaRPr lang="en-US"/>
           </a:p>
@@ -5474,7 +5473,7 @@
           <a:p>
             <a:fld id="{B0FE2824-C2A0-4931-BB32-60B24BDBB3CC}" type="datetimeFigureOut">
               <a:rPr lang="en-US" smtClean="0"/>
-              <a:t>5/2/2017</a:t>
+              <a:t>5/2/17</a:t>
             </a:fld>
             <a:endParaRPr lang="en-US"/>
           </a:p>
@@ -5770,7 +5769,7 @@
           <a:p>
             <a:fld id="{B0FE2824-C2A0-4931-BB32-60B24BDBB3CC}" type="datetimeFigureOut">
               <a:rPr lang="en-US" smtClean="0"/>
-              <a:t>5/2/2017</a:t>
+              <a:t>5/2/17</a:t>
             </a:fld>
             <a:endParaRPr lang="en-US"/>
           </a:p>
@@ -6043,7 +6042,7 @@
           <a:p>
             <a:fld id="{B0FE2824-C2A0-4931-BB32-60B24BDBB3CC}" type="datetimeFigureOut">
               <a:rPr lang="en-US" smtClean="0"/>
-              <a:t>5/2/2017</a:t>
+              <a:t>5/2/17</a:t>
             </a:fld>
             <a:endParaRPr lang="en-US"/>
           </a:p>
@@ -6337,7 +6336,7 @@
             <a:fld id="{B0FE2824-C2A0-4931-BB32-60B24BDBB3CC}" type="datetimeFigureOut">
               <a:rPr lang="en-US" smtClean="0"/>
               <a:pPr/>
-              <a:t>5/2/2017</a:t>
+              <a:t>5/2/17</a:t>
             </a:fld>
             <a:endParaRPr lang="en-US"/>
           </a:p>
@@ -6728,7 +6727,7 @@
   </p:txStyles>
   <p:extLst mod="1">
     <p:ext uri="{27BBF7A9-308A-43DC-89C8-2F10F3537804}">
-      <p15:sldGuideLst xmlns:p15="http://schemas.microsoft.com/office/powerpoint/2012/main">
+      <p15:sldGuideLst xmlns:p15="http://schemas.microsoft.com/office/powerpoint/2012/main" xmlns="">
         <p15:guide id="1" pos="3840" userDrawn="1">
           <p15:clr>
             <a:srgbClr val="F26B43"/>
@@ -7171,14 +7170,6 @@
 <file path=ppt/slides/slide10.xml><?xml version="1.0" encoding="utf-8"?>
 <p:sld xmlns:a="http://schemas.openxmlformats.org/drawingml/2006/main" xmlns:r="http://schemas.openxmlformats.org/officeDocument/2006/relationships" xmlns:p="http://schemas.openxmlformats.org/presentationml/2006/main">
   <p:cSld>
-    <p:bg>
-      <p:bgPr>
-        <a:solidFill>
-          <a:schemeClr val="tx1"/>
-        </a:solidFill>
-        <a:effectLst/>
-      </p:bgPr>
-    </p:bg>
     <p:spTree>
       <p:nvGrpSpPr>
         <p:cNvPr id="1" name=""/>
@@ -7195,7 +7186,7 @@
       </p:grpSpPr>
       <p:sp>
         <p:nvSpPr>
-          <p:cNvPr id="7" name="Title 1"/>
+          <p:cNvPr id="2" name="Title 1"/>
           <p:cNvSpPr>
             <a:spLocks noGrp="1"/>
           </p:cNvSpPr>
@@ -7205,8 +7196,8 @@
         </p:nvSpPr>
         <p:spPr>
           <a:xfrm>
-            <a:off x="838200" y="-76200"/>
-            <a:ext cx="10515600" cy="1145224"/>
+            <a:off x="841248" y="2819400"/>
+            <a:ext cx="9601200" cy="1838519"/>
           </a:xfrm>
         </p:spPr>
         <p:txBody>
@@ -7215,81 +7206,48 @@
           <a:p>
             <a:r>
               <a:rPr lang="en-US" dirty="0">
-                <a:solidFill>
-                  <a:schemeClr val="accent6">
-                    <a:lumMod val="75000"/>
-                  </a:schemeClr>
-                </a:solidFill>
                 <a:latin typeface="Helvetica"/>
                 <a:cs typeface="Helvetica"/>
               </a:rPr>
-              <a:t>South Side - ARIMA(4,0,0)x(1,0,0)[12], cont.</a:t>
-            </a:r>
-          </a:p>
-        </p:txBody>
-      </p:sp>
-      <p:pic>
-        <p:nvPicPr>
-          <p:cNvPr id="3" name="Picture 2" descr="south_resid_ACF.png"/>
-          <p:cNvPicPr>
-            <a:picLocks noChangeAspect="1"/>
-          </p:cNvPicPr>
-          <p:nvPr/>
-        </p:nvPicPr>
-        <p:blipFill rotWithShape="1">
-          <a:blip r:embed="rId2">
-            <a:extLst>
-              <a:ext uri="{28A0092B-C50C-407E-A947-70E740481C1C}">
-                <a14:useLocalDpi xmlns:a14="http://schemas.microsoft.com/office/drawing/2010/main" val="0"/>
-              </a:ext>
-            </a:extLst>
-          </a:blip>
-          <a:srcRect t="24185" b="5435"/>
-          <a:stretch/>
-        </p:blipFill>
-        <p:spPr>
-          <a:xfrm>
-            <a:off x="1905000" y="1371600"/>
-            <a:ext cx="8382000" cy="2572198"/>
-          </a:xfrm>
-          <a:prstGeom prst="rect">
-            <a:avLst/>
-          </a:prstGeom>
-        </p:spPr>
-      </p:pic>
-      <p:pic>
-        <p:nvPicPr>
-          <p:cNvPr id="5" name="Picture 4" descr="south_resid_PACF.png"/>
-          <p:cNvPicPr>
-            <a:picLocks noChangeAspect="1"/>
-          </p:cNvPicPr>
-          <p:nvPr/>
-        </p:nvPicPr>
-        <p:blipFill rotWithShape="1">
-          <a:blip r:embed="rId3">
-            <a:extLst>
-              <a:ext uri="{28A0092B-C50C-407E-A947-70E740481C1C}">
-                <a14:useLocalDpi xmlns:a14="http://schemas.microsoft.com/office/drawing/2010/main" val="0"/>
-              </a:ext>
-            </a:extLst>
-          </a:blip>
-          <a:srcRect t="25378" b="6031"/>
-          <a:stretch/>
-        </p:blipFill>
-        <p:spPr>
-          <a:xfrm>
-            <a:off x="1905000" y="3886200"/>
-            <a:ext cx="8408071" cy="2514600"/>
-          </a:xfrm>
-          <a:prstGeom prst="rect">
-            <a:avLst/>
-          </a:prstGeom>
-        </p:spPr>
-      </p:pic>
+              <a:t>Bayesian Regression Modeling</a:t>
+            </a:r>
+          </a:p>
+        </p:txBody>
+      </p:sp>
+      <p:sp>
+        <p:nvSpPr>
+          <p:cNvPr id="3" name="Text Placeholder 2"/>
+          <p:cNvSpPr>
+            <a:spLocks noGrp="1"/>
+          </p:cNvSpPr>
+          <p:nvPr>
+            <p:ph type="body" idx="1"/>
+          </p:nvPr>
+        </p:nvSpPr>
+        <p:spPr>
+          <a:xfrm>
+            <a:off x="841248" y="4800600"/>
+            <a:ext cx="9601200" cy="475488"/>
+          </a:xfrm>
+        </p:spPr>
+        <p:txBody>
+          <a:bodyPr/>
+          <a:lstStyle/>
+          <a:p>
+            <a:r>
+              <a:rPr lang="en-US" dirty="0">
+                <a:latin typeface="Helvetica"/>
+                <a:cs typeface="Helvetica"/>
+              </a:rPr>
+              <a:t>A spatial analysis of crime data</a:t>
+            </a:r>
+          </a:p>
+        </p:txBody>
+      </p:sp>
     </p:spTree>
     <p:extLst>
       <p:ext uri="{BB962C8B-B14F-4D97-AF65-F5344CB8AC3E}">
-        <p14:creationId xmlns:p14="http://schemas.microsoft.com/office/powerpoint/2010/main" val="3610520107"/>
+        <p14:creationId xmlns:p14="http://schemas.microsoft.com/office/powerpoint/2010/main" val="1945622998"/>
       </p:ext>
     </p:extLst>
   </p:cSld>
@@ -7314,6 +7272,14 @@
 <file path=ppt/slides/slide11.xml><?xml version="1.0" encoding="utf-8"?>
 <p:sld xmlns:a="http://schemas.openxmlformats.org/drawingml/2006/main" xmlns:r="http://schemas.openxmlformats.org/officeDocument/2006/relationships" xmlns:p="http://schemas.openxmlformats.org/presentationml/2006/main">
   <p:cSld>
+    <p:bg>
+      <p:bgPr>
+        <a:solidFill>
+          <a:schemeClr val="tx1"/>
+        </a:solidFill>
+        <a:effectLst/>
+      </p:bgPr>
+    </p:bg>
     <p:spTree>
       <p:nvGrpSpPr>
         <p:cNvPr id="1" name=""/>
@@ -7338,60 +7304,56 @@
             <p:ph type="title"/>
           </p:nvPr>
         </p:nvSpPr>
-        <p:spPr>
-          <a:xfrm>
-            <a:off x="841248" y="2819400"/>
-            <a:ext cx="9601200" cy="1838519"/>
-          </a:xfrm>
-        </p:spPr>
+        <p:spPr/>
         <p:txBody>
           <a:bodyPr/>
           <a:lstStyle/>
           <a:p>
             <a:r>
               <a:rPr lang="en-US" dirty="0">
+                <a:solidFill>
+                  <a:srgbClr val="736756"/>
+                </a:solidFill>
                 <a:latin typeface="Helvetica"/>
                 <a:cs typeface="Helvetica"/>
               </a:rPr>
-              <a:t>Bayesian Regression Modeling</a:t>
-            </a:r>
-          </a:p>
-        </p:txBody>
-      </p:sp>
-      <p:sp>
-        <p:nvSpPr>
-          <p:cNvPr id="3" name="Text Placeholder 2"/>
-          <p:cNvSpPr>
-            <a:spLocks noGrp="1"/>
-          </p:cNvSpPr>
-          <p:nvPr>
-            <p:ph type="body" idx="1"/>
-          </p:nvPr>
-        </p:nvSpPr>
-        <p:spPr>
-          <a:xfrm>
-            <a:off x="841248" y="4800600"/>
-            <a:ext cx="9601200" cy="475488"/>
-          </a:xfrm>
-        </p:spPr>
-        <p:txBody>
-          <a:bodyPr/>
-          <a:lstStyle/>
-          <a:p>
-            <a:r>
-              <a:rPr lang="en-US" dirty="0">
-                <a:latin typeface="Helvetica"/>
-                <a:cs typeface="Helvetica"/>
-              </a:rPr>
-              <a:t>A spatial analysis of crime data</a:t>
-            </a:r>
-          </a:p>
-        </p:txBody>
-      </p:sp>
+              <a:t>Poisson Likelihood Model</a:t>
+            </a:r>
+            <a:endParaRPr lang="en-US" dirty="0">
+              <a:latin typeface="Helvetica" panose="020B0604020202020204" pitchFamily="34" charset="0"/>
+              <a:cs typeface="Helvetica" panose="020B0604020202020204" pitchFamily="34" charset="0"/>
+            </a:endParaRPr>
+          </a:p>
+        </p:txBody>
+      </p:sp>
+      <p:pic>
+        <p:nvPicPr>
+          <p:cNvPr id="5" name="Picture 4"/>
+          <p:cNvPicPr>
+            <a:picLocks noChangeAspect="1"/>
+          </p:cNvPicPr>
+          <p:nvPr/>
+        </p:nvPicPr>
+        <p:blipFill>
+          <a:blip r:embed="rId2"/>
+          <a:stretch>
+            <a:fillRect/>
+          </a:stretch>
+        </p:blipFill>
+        <p:spPr>
+          <a:xfrm>
+            <a:off x="1638300" y="1828800"/>
+            <a:ext cx="8915400" cy="3328675"/>
+          </a:xfrm>
+          <a:prstGeom prst="rect">
+            <a:avLst/>
+          </a:prstGeom>
+        </p:spPr>
+      </p:pic>
     </p:spTree>
     <p:extLst>
       <p:ext uri="{BB962C8B-B14F-4D97-AF65-F5344CB8AC3E}">
-        <p14:creationId xmlns:p14="http://schemas.microsoft.com/office/powerpoint/2010/main" val="1945622998"/>
+        <p14:creationId xmlns:p14="http://schemas.microsoft.com/office/powerpoint/2010/main" val="1774154672"/>
       </p:ext>
     </p:extLst>
   </p:cSld>
@@ -7448,7 +7410,12 @@
             <p:ph type="title"/>
           </p:nvPr>
         </p:nvSpPr>
-        <p:spPr/>
+        <p:spPr>
+          <a:xfrm>
+            <a:off x="838200" y="-76200"/>
+            <a:ext cx="10515600" cy="1145224"/>
+          </a:xfrm>
+        </p:spPr>
         <p:txBody>
           <a:bodyPr/>
           <a:lstStyle/>
@@ -7456,17 +7423,15 @@
             <a:r>
               <a:rPr lang="en-US" dirty="0">
                 <a:solidFill>
-                  <a:srgbClr val="736756"/>
+                  <a:schemeClr val="accent6">
+                    <a:lumMod val="75000"/>
+                  </a:schemeClr>
                 </a:solidFill>
                 <a:latin typeface="Helvetica"/>
                 <a:cs typeface="Helvetica"/>
               </a:rPr>
-              <a:t>Poisson Likelihood Model</a:t>
-            </a:r>
-            <a:endParaRPr lang="en-US" dirty="0">
-              <a:latin typeface="Helvetica" panose="020B0604020202020204" pitchFamily="34" charset="0"/>
-              <a:cs typeface="Helvetica" panose="020B0604020202020204" pitchFamily="34" charset="0"/>
-            </a:endParaRPr>
+              <a:t>LASSO Regression Model</a:t>
+            </a:r>
           </a:p>
         </p:txBody>
       </p:sp>
@@ -7486,8 +7451,8 @@
         </p:blipFill>
         <p:spPr>
           <a:xfrm>
-            <a:off x="1638300" y="1828800"/>
-            <a:ext cx="8915400" cy="3328675"/>
+            <a:off x="1923540" y="1447800"/>
+            <a:ext cx="8344920" cy="4264976"/>
           </a:xfrm>
           <a:prstGeom prst="rect">
             <a:avLst/>
@@ -7497,7 +7462,7 @@
     </p:spTree>
     <p:extLst>
       <p:ext uri="{BB962C8B-B14F-4D97-AF65-F5344CB8AC3E}">
-        <p14:creationId xmlns:p14="http://schemas.microsoft.com/office/powerpoint/2010/main" val="1774154672"/>
+        <p14:creationId xmlns:p14="http://schemas.microsoft.com/office/powerpoint/2010/main" val="1159850092"/>
       </p:ext>
     </p:extLst>
   </p:cSld>
@@ -7556,7 +7521,7 @@
         </p:nvSpPr>
         <p:spPr>
           <a:xfrm>
-            <a:off x="838200" y="-76200"/>
+            <a:off x="381000" y="-76200"/>
             <a:ext cx="10515600" cy="1145224"/>
           </a:xfrm>
         </p:spPr>
@@ -7567,21 +7532,19 @@
             <a:r>
               <a:rPr lang="en-US" dirty="0">
                 <a:solidFill>
-                  <a:schemeClr val="accent6">
-                    <a:lumMod val="75000"/>
-                  </a:schemeClr>
+                  <a:srgbClr val="736756"/>
                 </a:solidFill>
                 <a:latin typeface="Helvetica"/>
                 <a:cs typeface="Helvetica"/>
               </a:rPr>
-              <a:t>LASSO Regression Model</a:t>
+              <a:t>Penalized Spatial Regression Model</a:t>
             </a:r>
           </a:p>
         </p:txBody>
       </p:sp>
       <p:pic>
         <p:nvPicPr>
-          <p:cNvPr id="5" name="Picture 4"/>
+          <p:cNvPr id="8" name="Picture 7"/>
           <p:cNvPicPr>
             <a:picLocks noChangeAspect="1"/>
           </p:cNvPicPr>
@@ -7595,8 +7558,32 @@
         </p:blipFill>
         <p:spPr>
           <a:xfrm>
-            <a:off x="1923540" y="1447800"/>
-            <a:ext cx="8344920" cy="4264976"/>
+            <a:off x="381000" y="1295400"/>
+            <a:ext cx="11277600" cy="366027"/>
+          </a:xfrm>
+          <a:prstGeom prst="rect">
+            <a:avLst/>
+          </a:prstGeom>
+        </p:spPr>
+      </p:pic>
+      <p:pic>
+        <p:nvPicPr>
+          <p:cNvPr id="9" name="Picture 8"/>
+          <p:cNvPicPr>
+            <a:picLocks noChangeAspect="1"/>
+          </p:cNvPicPr>
+          <p:nvPr/>
+        </p:nvPicPr>
+        <p:blipFill>
+          <a:blip r:embed="rId3"/>
+          <a:stretch>
+            <a:fillRect/>
+          </a:stretch>
+        </p:blipFill>
+        <p:spPr>
+          <a:xfrm>
+            <a:off x="4152900" y="1828800"/>
+            <a:ext cx="3771900" cy="4286250"/>
           </a:xfrm>
           <a:prstGeom prst="rect">
             <a:avLst/>
@@ -7606,7 +7593,7 @@
     </p:spTree>
     <p:extLst>
       <p:ext uri="{BB962C8B-B14F-4D97-AF65-F5344CB8AC3E}">
-        <p14:creationId xmlns:p14="http://schemas.microsoft.com/office/powerpoint/2010/main" val="1159850092"/>
+        <p14:creationId xmlns:p14="http://schemas.microsoft.com/office/powerpoint/2010/main" val="4118479785"/>
       </p:ext>
     </p:extLst>
   </p:cSld>
@@ -7653,39 +7640,6 @@
           <a:chExt cx="0" cy="0"/>
         </a:xfrm>
       </p:grpSpPr>
-      <p:sp>
-        <p:nvSpPr>
-          <p:cNvPr id="2" name="Title 1"/>
-          <p:cNvSpPr>
-            <a:spLocks noGrp="1"/>
-          </p:cNvSpPr>
-          <p:nvPr>
-            <p:ph type="title"/>
-          </p:nvPr>
-        </p:nvSpPr>
-        <p:spPr>
-          <a:xfrm>
-            <a:off x="381000" y="-76200"/>
-            <a:ext cx="10515600" cy="1145224"/>
-          </a:xfrm>
-        </p:spPr>
-        <p:txBody>
-          <a:bodyPr/>
-          <a:lstStyle/>
-          <a:p>
-            <a:r>
-              <a:rPr lang="en-US" dirty="0">
-                <a:solidFill>
-                  <a:srgbClr val="736756"/>
-                </a:solidFill>
-                <a:latin typeface="Helvetica"/>
-                <a:cs typeface="Helvetica"/>
-              </a:rPr>
-              <a:t>Penalized Spatial Regression Model</a:t>
-            </a:r>
-          </a:p>
-        </p:txBody>
-      </p:sp>
       <p:pic>
         <p:nvPicPr>
           <p:cNvPr id="8" name="Picture 7"/>
@@ -7702,42 +7656,51 @@
         </p:blipFill>
         <p:spPr>
           <a:xfrm>
-            <a:off x="381000" y="1295400"/>
-            <a:ext cx="11277600" cy="366027"/>
+            <a:off x="252902" y="1739900"/>
+            <a:ext cx="11712408" cy="3822700"/>
           </a:xfrm>
           <a:prstGeom prst="rect">
             <a:avLst/>
           </a:prstGeom>
         </p:spPr>
       </p:pic>
-      <p:pic>
-        <p:nvPicPr>
-          <p:cNvPr id="9" name="Picture 8"/>
-          <p:cNvPicPr>
-            <a:picLocks noChangeAspect="1"/>
-          </p:cNvPicPr>
-          <p:nvPr/>
-        </p:nvPicPr>
-        <p:blipFill>
-          <a:blip r:embed="rId3"/>
-          <a:stretch>
-            <a:fillRect/>
-          </a:stretch>
-        </p:blipFill>
-        <p:spPr>
-          <a:xfrm>
-            <a:off x="4152900" y="1828800"/>
-            <a:ext cx="3771900" cy="4286250"/>
-          </a:xfrm>
-          <a:prstGeom prst="rect">
-            <a:avLst/>
-          </a:prstGeom>
-        </p:spPr>
-      </p:pic>
+      <p:sp>
+        <p:nvSpPr>
+          <p:cNvPr id="5" name="Title 1"/>
+          <p:cNvSpPr>
+            <a:spLocks noGrp="1"/>
+          </p:cNvSpPr>
+          <p:nvPr>
+            <p:ph type="title"/>
+          </p:nvPr>
+        </p:nvSpPr>
+        <p:spPr>
+          <a:xfrm>
+            <a:off x="381000" y="-76200"/>
+            <a:ext cx="10515600" cy="1145224"/>
+          </a:xfrm>
+        </p:spPr>
+        <p:txBody>
+          <a:bodyPr/>
+          <a:lstStyle/>
+          <a:p>
+            <a:r>
+              <a:rPr lang="en-US" dirty="0">
+                <a:solidFill>
+                  <a:srgbClr val="736756"/>
+                </a:solidFill>
+                <a:latin typeface="Helvetica"/>
+                <a:cs typeface="Helvetica"/>
+              </a:rPr>
+              <a:t>Results</a:t>
+            </a:r>
+          </a:p>
+        </p:txBody>
+      </p:sp>
     </p:spTree>
     <p:extLst>
       <p:ext uri="{BB962C8B-B14F-4D97-AF65-F5344CB8AC3E}">
-        <p14:creationId xmlns:p14="http://schemas.microsoft.com/office/powerpoint/2010/main" val="4118479785"/>
+        <p14:creationId xmlns:p14="http://schemas.microsoft.com/office/powerpoint/2010/main" val="680897231"/>
       </p:ext>
     </p:extLst>
   </p:cSld>
@@ -7784,9 +7747,329 @@
           <a:chExt cx="0" cy="0"/>
         </a:xfrm>
       </p:grpSpPr>
+      <p:sp>
+        <p:nvSpPr>
+          <p:cNvPr id="8" name="TextBox 7"/>
+          <p:cNvSpPr txBox="1"/>
+          <p:nvPr/>
+        </p:nvSpPr>
+        <p:spPr>
+          <a:xfrm>
+            <a:off x="381000" y="838200"/>
+            <a:ext cx="3048000" cy="923330"/>
+          </a:xfrm>
+          <a:prstGeom prst="rect">
+            <a:avLst/>
+          </a:prstGeom>
+          <a:noFill/>
+        </p:spPr>
+        <p:txBody>
+          <a:bodyPr wrap="square" rtlCol="0">
+            <a:spAutoFit/>
+          </a:bodyPr>
+          <a:lstStyle/>
+          <a:p>
+            <a:r>
+              <a:rPr lang="en-US" b="1" dirty="0">
+                <a:solidFill>
+                  <a:schemeClr val="bg1"/>
+                </a:solidFill>
+                <a:latin typeface="Helvetica"/>
+                <a:cs typeface="Helvetica"/>
+              </a:rPr>
+              <a:t>RMSE Values</a:t>
+            </a:r>
+          </a:p>
+          <a:p>
+            <a:endParaRPr lang="en-US" b="1" dirty="0">
+              <a:solidFill>
+                <a:schemeClr val="bg1"/>
+              </a:solidFill>
+              <a:latin typeface="Helvetica"/>
+              <a:cs typeface="Helvetica"/>
+            </a:endParaRPr>
+          </a:p>
+          <a:p>
+            <a:endParaRPr lang="en-US" b="1" dirty="0">
+              <a:solidFill>
+                <a:schemeClr val="bg1"/>
+              </a:solidFill>
+              <a:latin typeface="Helvetica"/>
+              <a:cs typeface="Helvetica"/>
+            </a:endParaRPr>
+          </a:p>
+        </p:txBody>
+      </p:sp>
+      <p:graphicFrame>
+        <p:nvGraphicFramePr>
+          <p:cNvPr id="9" name="Table 8"/>
+          <p:cNvGraphicFramePr>
+            <a:graphicFrameLocks noGrp="1"/>
+          </p:cNvGraphicFramePr>
+          <p:nvPr>
+            <p:extLst>
+              <p:ext uri="{D42A27DB-BD31-4B8C-83A1-F6EECF244321}">
+                <p14:modId xmlns:p14="http://schemas.microsoft.com/office/powerpoint/2010/main" val="1778084285"/>
+              </p:ext>
+            </p:extLst>
+          </p:nvPr>
+        </p:nvGraphicFramePr>
+        <p:xfrm>
+          <a:off x="457200" y="1295400"/>
+          <a:ext cx="3124200" cy="838200"/>
+        </p:xfrm>
+        <a:graphic>
+          <a:graphicData uri="http://schemas.openxmlformats.org/drawingml/2006/table">
+            <a:tbl>
+              <a:tblPr firstRow="1" bandRow="1">
+                <a:tableStyleId>{3B4B98B0-60AC-42C2-AFA5-B58CD77FA1E5}</a:tableStyleId>
+              </a:tblPr>
+              <a:tblGrid>
+                <a:gridCol w="1524000">
+                  <a:extLst>
+                    <a:ext uri="{9D8B030D-6E8A-4147-A177-3AD203B41FA5}">
+                      <a16:colId xmlns:a16="http://schemas.microsoft.com/office/drawing/2014/main" xmlns="" val="20000"/>
+                    </a:ext>
+                  </a:extLst>
+                </a:gridCol>
+                <a:gridCol w="1600200">
+                  <a:extLst>
+                    <a:ext uri="{9D8B030D-6E8A-4147-A177-3AD203B41FA5}">
+                      <a16:colId xmlns:a16="http://schemas.microsoft.com/office/drawing/2014/main" xmlns="" val="20001"/>
+                    </a:ext>
+                  </a:extLst>
+                </a:gridCol>
+              </a:tblGrid>
+              <a:tr h="419100">
+                <a:tc>
+                  <a:txBody>
+                    <a:bodyPr/>
+                    <a:lstStyle/>
+                    <a:p>
+                      <a:r>
+                        <a:rPr lang="en-US" b="1" dirty="0">
+                          <a:solidFill>
+                            <a:srgbClr val="3D372E"/>
+                          </a:solidFill>
+                          <a:latin typeface="Helvetica"/>
+                          <a:cs typeface="Helvetica"/>
+                        </a:rPr>
+                        <a:t>Spatial</a:t>
+                      </a:r>
+                    </a:p>
+                  </a:txBody>
+                  <a:tcPr/>
+                </a:tc>
+                <a:tc>
+                  <a:txBody>
+                    <a:bodyPr/>
+                    <a:lstStyle/>
+                    <a:p>
+                      <a:r>
+                        <a:rPr lang="en-US" b="1" dirty="0">
+                          <a:solidFill>
+                            <a:srgbClr val="3D372E"/>
+                          </a:solidFill>
+                          <a:latin typeface="Helvetica"/>
+                          <a:cs typeface="Helvetica"/>
+                        </a:rPr>
+                        <a:t>3.65</a:t>
+                      </a:r>
+                    </a:p>
+                  </a:txBody>
+                  <a:tcPr/>
+                </a:tc>
+                <a:extLst>
+                  <a:ext uri="{0D108BD9-81ED-4DB2-BD59-A6C34878D82A}">
+                    <a16:rowId xmlns:a16="http://schemas.microsoft.com/office/drawing/2014/main" xmlns="" val="10000"/>
+                  </a:ext>
+                </a:extLst>
+              </a:tr>
+              <a:tr h="419100">
+                <a:tc>
+                  <a:txBody>
+                    <a:bodyPr/>
+                    <a:lstStyle/>
+                    <a:p>
+                      <a:r>
+                        <a:rPr lang="en-US" b="1" dirty="0">
+                          <a:solidFill>
+                            <a:srgbClr val="3D372E"/>
+                          </a:solidFill>
+                          <a:latin typeface="Helvetica"/>
+                          <a:cs typeface="Helvetica"/>
+                        </a:rPr>
+                        <a:t>LASSO</a:t>
+                      </a:r>
+                    </a:p>
+                  </a:txBody>
+                  <a:tcPr/>
+                </a:tc>
+                <a:tc>
+                  <a:txBody>
+                    <a:bodyPr/>
+                    <a:lstStyle/>
+                    <a:p>
+                      <a:r>
+                        <a:rPr lang="en-US" b="1" dirty="0">
+                          <a:solidFill>
+                            <a:srgbClr val="3D372E"/>
+                          </a:solidFill>
+                          <a:latin typeface="Helvetica"/>
+                          <a:cs typeface="Helvetica"/>
+                        </a:rPr>
+                        <a:t>252.43</a:t>
+                      </a:r>
+                    </a:p>
+                  </a:txBody>
+                  <a:tcPr/>
+                </a:tc>
+                <a:extLst>
+                  <a:ext uri="{0D108BD9-81ED-4DB2-BD59-A6C34878D82A}">
+                    <a16:rowId xmlns:a16="http://schemas.microsoft.com/office/drawing/2014/main" xmlns="" val="10001"/>
+                  </a:ext>
+                </a:extLst>
+              </a:tr>
+            </a:tbl>
+          </a:graphicData>
+        </a:graphic>
+      </p:graphicFrame>
+      <p:sp>
+        <p:nvSpPr>
+          <p:cNvPr id="10" name="TextBox 9"/>
+          <p:cNvSpPr txBox="1"/>
+          <p:nvPr/>
+        </p:nvSpPr>
+        <p:spPr>
+          <a:xfrm>
+            <a:off x="457200" y="2590800"/>
+            <a:ext cx="3048000" cy="646331"/>
+          </a:xfrm>
+          <a:prstGeom prst="rect">
+            <a:avLst/>
+          </a:prstGeom>
+          <a:noFill/>
+        </p:spPr>
+        <p:txBody>
+          <a:bodyPr wrap="square" rtlCol="0">
+            <a:spAutoFit/>
+          </a:bodyPr>
+          <a:lstStyle/>
+          <a:p>
+            <a:r>
+              <a:rPr lang="en-US" b="1" dirty="0">
+                <a:solidFill>
+                  <a:schemeClr val="bg1"/>
+                </a:solidFill>
+                <a:latin typeface="Helvetica"/>
+                <a:cs typeface="Helvetica"/>
+              </a:rPr>
+              <a:t>Moran’s I</a:t>
+            </a:r>
+          </a:p>
+          <a:p>
+            <a:endParaRPr lang="en-US" b="1" dirty="0">
+              <a:solidFill>
+                <a:schemeClr val="bg1"/>
+              </a:solidFill>
+              <a:latin typeface="Helvetica"/>
+              <a:cs typeface="Helvetica"/>
+            </a:endParaRPr>
+          </a:p>
+        </p:txBody>
+      </p:sp>
+      <p:graphicFrame>
+        <p:nvGraphicFramePr>
+          <p:cNvPr id="11" name="Table 10"/>
+          <p:cNvGraphicFramePr>
+            <a:graphicFrameLocks noGrp="1"/>
+          </p:cNvGraphicFramePr>
+          <p:nvPr>
+            <p:extLst>
+              <p:ext uri="{D42A27DB-BD31-4B8C-83A1-F6EECF244321}">
+                <p14:modId xmlns:p14="http://schemas.microsoft.com/office/powerpoint/2010/main" val="2109355968"/>
+              </p:ext>
+            </p:extLst>
+          </p:nvPr>
+        </p:nvGraphicFramePr>
+        <p:xfrm>
+          <a:off x="533400" y="3048000"/>
+          <a:ext cx="3124200" cy="419100"/>
+        </p:xfrm>
+        <a:graphic>
+          <a:graphicData uri="http://schemas.openxmlformats.org/drawingml/2006/table">
+            <a:tbl>
+              <a:tblPr firstRow="1" bandRow="1">
+                <a:tableStyleId>{3B4B98B0-60AC-42C2-AFA5-B58CD77FA1E5}</a:tableStyleId>
+              </a:tblPr>
+              <a:tblGrid>
+                <a:gridCol w="1524000">
+                  <a:extLst>
+                    <a:ext uri="{9D8B030D-6E8A-4147-A177-3AD203B41FA5}">
+                      <a16:colId xmlns:a16="http://schemas.microsoft.com/office/drawing/2014/main" xmlns="" val="20000"/>
+                    </a:ext>
+                  </a:extLst>
+                </a:gridCol>
+                <a:gridCol w="1600200">
+                  <a:extLst>
+                    <a:ext uri="{9D8B030D-6E8A-4147-A177-3AD203B41FA5}">
+                      <a16:colId xmlns:a16="http://schemas.microsoft.com/office/drawing/2014/main" xmlns="" val="20001"/>
+                    </a:ext>
+                  </a:extLst>
+                </a:gridCol>
+              </a:tblGrid>
+              <a:tr h="419100">
+                <a:tc>
+                  <a:txBody>
+                    <a:bodyPr/>
+                    <a:lstStyle/>
+                    <a:p>
+                      <a:r>
+                        <a:rPr lang="en-US" b="1" dirty="0">
+                          <a:solidFill>
+                            <a:srgbClr val="3D372E"/>
+                          </a:solidFill>
+                          <a:latin typeface="Helvetica"/>
+                          <a:cs typeface="Helvetica"/>
+                        </a:rPr>
+                        <a:t>Spatial</a:t>
+                      </a:r>
+                    </a:p>
+                  </a:txBody>
+                  <a:tcPr/>
+                </a:tc>
+                <a:tc>
+                  <a:txBody>
+                    <a:bodyPr/>
+                    <a:lstStyle/>
+                    <a:p>
+                      <a:r>
+                        <a:rPr lang="en-US" b="1" dirty="0">
+                          <a:solidFill>
+                            <a:srgbClr val="3D372E"/>
+                          </a:solidFill>
+                          <a:latin typeface="Helvetica"/>
+                          <a:cs typeface="Helvetica"/>
+                        </a:rPr>
+                        <a:t>0.51</a:t>
+                      </a:r>
+                    </a:p>
+                  </a:txBody>
+                  <a:tcPr/>
+                </a:tc>
+                <a:extLst>
+                  <a:ext uri="{0D108BD9-81ED-4DB2-BD59-A6C34878D82A}">
+                    <a16:rowId xmlns:a16="http://schemas.microsoft.com/office/drawing/2014/main" xmlns="" val="10000"/>
+                  </a:ext>
+                </a:extLst>
+              </a:tr>
+            </a:tbl>
+          </a:graphicData>
+        </a:graphic>
+      </p:graphicFrame>
       <p:pic>
         <p:nvPicPr>
-          <p:cNvPr id="8" name="Picture 7"/>
+          <p:cNvPr id="3" name="Picture 2"/>
           <p:cNvPicPr>
             <a:picLocks noChangeAspect="1"/>
           </p:cNvPicPr>
@@ -7800,47 +8083,14 @@
         </p:blipFill>
         <p:spPr>
           <a:xfrm>
-            <a:off x="252902" y="1739900"/>
-            <a:ext cx="11712408" cy="3822700"/>
+            <a:off x="4114800" y="106811"/>
+            <a:ext cx="7696200" cy="6260639"/>
           </a:xfrm>
           <a:prstGeom prst="rect">
             <a:avLst/>
           </a:prstGeom>
         </p:spPr>
       </p:pic>
-      <p:sp>
-        <p:nvSpPr>
-          <p:cNvPr id="5" name="Title 1"/>
-          <p:cNvSpPr>
-            <a:spLocks noGrp="1"/>
-          </p:cNvSpPr>
-          <p:nvPr>
-            <p:ph type="title"/>
-          </p:nvPr>
-        </p:nvSpPr>
-        <p:spPr>
-          <a:xfrm>
-            <a:off x="381000" y="-76200"/>
-            <a:ext cx="10515600" cy="1145224"/>
-          </a:xfrm>
-        </p:spPr>
-        <p:txBody>
-          <a:bodyPr/>
-          <a:lstStyle/>
-          <a:p>
-            <a:r>
-              <a:rPr lang="en-US" dirty="0">
-                <a:solidFill>
-                  <a:srgbClr val="736756"/>
-                </a:solidFill>
-                <a:latin typeface="Helvetica"/>
-                <a:cs typeface="Helvetica"/>
-              </a:rPr>
-              <a:t>Results</a:t>
-            </a:r>
-          </a:p>
-        </p:txBody>
-      </p:sp>
     </p:spTree>
     <p:extLst>
       <p:ext uri="{BB962C8B-B14F-4D97-AF65-F5344CB8AC3E}">
@@ -7893,400 +8143,6 @@
       </p:grpSpPr>
       <p:sp>
         <p:nvSpPr>
-          <p:cNvPr id="8" name="TextBox 7"/>
-          <p:cNvSpPr txBox="1"/>
-          <p:nvPr/>
-        </p:nvSpPr>
-        <p:spPr>
-          <a:xfrm>
-            <a:off x="381000" y="838200"/>
-            <a:ext cx="3048000" cy="923330"/>
-          </a:xfrm>
-          <a:prstGeom prst="rect">
-            <a:avLst/>
-          </a:prstGeom>
-          <a:noFill/>
-        </p:spPr>
-        <p:txBody>
-          <a:bodyPr wrap="square" rtlCol="0">
-            <a:spAutoFit/>
-          </a:bodyPr>
-          <a:lstStyle/>
-          <a:p>
-            <a:r>
-              <a:rPr lang="en-US" b="1" dirty="0">
-                <a:solidFill>
-                  <a:schemeClr val="bg1"/>
-                </a:solidFill>
-                <a:latin typeface="Helvetica"/>
-                <a:cs typeface="Helvetica"/>
-              </a:rPr>
-              <a:t>RMSE Values</a:t>
-            </a:r>
-          </a:p>
-          <a:p>
-            <a:endParaRPr lang="en-US" b="1" dirty="0">
-              <a:solidFill>
-                <a:schemeClr val="bg1"/>
-              </a:solidFill>
-              <a:latin typeface="Helvetica"/>
-              <a:cs typeface="Helvetica"/>
-            </a:endParaRPr>
-          </a:p>
-          <a:p>
-            <a:endParaRPr lang="en-US" b="1" dirty="0">
-              <a:solidFill>
-                <a:schemeClr val="bg1"/>
-              </a:solidFill>
-              <a:latin typeface="Helvetica"/>
-              <a:cs typeface="Helvetica"/>
-            </a:endParaRPr>
-          </a:p>
-        </p:txBody>
-      </p:sp>
-      <p:graphicFrame>
-        <p:nvGraphicFramePr>
-          <p:cNvPr id="9" name="Table 8"/>
-          <p:cNvGraphicFramePr>
-            <a:graphicFrameLocks noGrp="1"/>
-          </p:cNvGraphicFramePr>
-          <p:nvPr>
-            <p:extLst>
-              <p:ext uri="{D42A27DB-BD31-4B8C-83A1-F6EECF244321}">
-                <p14:modId xmlns:p14="http://schemas.microsoft.com/office/powerpoint/2010/main" val="1778084285"/>
-              </p:ext>
-            </p:extLst>
-          </p:nvPr>
-        </p:nvGraphicFramePr>
-        <p:xfrm>
-          <a:off x="457200" y="1295400"/>
-          <a:ext cx="3124200" cy="838200"/>
-        </p:xfrm>
-        <a:graphic>
-          <a:graphicData uri="http://schemas.openxmlformats.org/drawingml/2006/table">
-            <a:tbl>
-              <a:tblPr firstRow="1" bandRow="1">
-                <a:tableStyleId>{3B4B98B0-60AC-42C2-AFA5-B58CD77FA1E5}</a:tableStyleId>
-              </a:tblPr>
-              <a:tblGrid>
-                <a:gridCol w="1524000">
-                  <a:extLst>
-                    <a:ext uri="{9D8B030D-6E8A-4147-A177-3AD203B41FA5}">
-                      <a16:colId xmlns:a16="http://schemas.microsoft.com/office/drawing/2014/main" val="20000"/>
-                    </a:ext>
-                  </a:extLst>
-                </a:gridCol>
-                <a:gridCol w="1600200">
-                  <a:extLst>
-                    <a:ext uri="{9D8B030D-6E8A-4147-A177-3AD203B41FA5}">
-                      <a16:colId xmlns:a16="http://schemas.microsoft.com/office/drawing/2014/main" val="20001"/>
-                    </a:ext>
-                  </a:extLst>
-                </a:gridCol>
-              </a:tblGrid>
-              <a:tr h="419100">
-                <a:tc>
-                  <a:txBody>
-                    <a:bodyPr/>
-                    <a:lstStyle/>
-                    <a:p>
-                      <a:r>
-                        <a:rPr lang="en-US" b="1" dirty="0">
-                          <a:solidFill>
-                            <a:srgbClr val="3D372E"/>
-                          </a:solidFill>
-                          <a:latin typeface="Helvetica"/>
-                          <a:cs typeface="Helvetica"/>
-                        </a:rPr>
-                        <a:t>Spatial</a:t>
-                      </a:r>
-                    </a:p>
-                  </a:txBody>
-                  <a:tcPr/>
-                </a:tc>
-                <a:tc>
-                  <a:txBody>
-                    <a:bodyPr/>
-                    <a:lstStyle/>
-                    <a:p>
-                      <a:r>
-                        <a:rPr lang="en-US" b="1" dirty="0">
-                          <a:solidFill>
-                            <a:srgbClr val="3D372E"/>
-                          </a:solidFill>
-                          <a:latin typeface="Helvetica"/>
-                          <a:cs typeface="Helvetica"/>
-                        </a:rPr>
-                        <a:t>3.65</a:t>
-                      </a:r>
-                    </a:p>
-                  </a:txBody>
-                  <a:tcPr/>
-                </a:tc>
-                <a:extLst>
-                  <a:ext uri="{0D108BD9-81ED-4DB2-BD59-A6C34878D82A}">
-                    <a16:rowId xmlns:a16="http://schemas.microsoft.com/office/drawing/2014/main" val="10000"/>
-                  </a:ext>
-                </a:extLst>
-              </a:tr>
-              <a:tr h="419100">
-                <a:tc>
-                  <a:txBody>
-                    <a:bodyPr/>
-                    <a:lstStyle/>
-                    <a:p>
-                      <a:r>
-                        <a:rPr lang="en-US" b="1" dirty="0">
-                          <a:solidFill>
-                            <a:srgbClr val="3D372E"/>
-                          </a:solidFill>
-                          <a:latin typeface="Helvetica"/>
-                          <a:cs typeface="Helvetica"/>
-                        </a:rPr>
-                        <a:t>LASSO</a:t>
-                      </a:r>
-                    </a:p>
-                  </a:txBody>
-                  <a:tcPr/>
-                </a:tc>
-                <a:tc>
-                  <a:txBody>
-                    <a:bodyPr/>
-                    <a:lstStyle/>
-                    <a:p>
-                      <a:r>
-                        <a:rPr lang="en-US" b="1" dirty="0">
-                          <a:solidFill>
-                            <a:srgbClr val="3D372E"/>
-                          </a:solidFill>
-                          <a:latin typeface="Helvetica"/>
-                          <a:cs typeface="Helvetica"/>
-                        </a:rPr>
-                        <a:t>252.43</a:t>
-                      </a:r>
-                    </a:p>
-                  </a:txBody>
-                  <a:tcPr/>
-                </a:tc>
-                <a:extLst>
-                  <a:ext uri="{0D108BD9-81ED-4DB2-BD59-A6C34878D82A}">
-                    <a16:rowId xmlns:a16="http://schemas.microsoft.com/office/drawing/2014/main" val="10001"/>
-                  </a:ext>
-                </a:extLst>
-              </a:tr>
-            </a:tbl>
-          </a:graphicData>
-        </a:graphic>
-      </p:graphicFrame>
-      <p:sp>
-        <p:nvSpPr>
-          <p:cNvPr id="10" name="TextBox 9"/>
-          <p:cNvSpPr txBox="1"/>
-          <p:nvPr/>
-        </p:nvSpPr>
-        <p:spPr>
-          <a:xfrm>
-            <a:off x="457200" y="2590800"/>
-            <a:ext cx="3048000" cy="646331"/>
-          </a:xfrm>
-          <a:prstGeom prst="rect">
-            <a:avLst/>
-          </a:prstGeom>
-          <a:noFill/>
-        </p:spPr>
-        <p:txBody>
-          <a:bodyPr wrap="square" rtlCol="0">
-            <a:spAutoFit/>
-          </a:bodyPr>
-          <a:lstStyle/>
-          <a:p>
-            <a:r>
-              <a:rPr lang="en-US" b="1" dirty="0">
-                <a:solidFill>
-                  <a:schemeClr val="bg1"/>
-                </a:solidFill>
-                <a:latin typeface="Helvetica"/>
-                <a:cs typeface="Helvetica"/>
-              </a:rPr>
-              <a:t>Moran’s I</a:t>
-            </a:r>
-          </a:p>
-          <a:p>
-            <a:endParaRPr lang="en-US" b="1" dirty="0">
-              <a:solidFill>
-                <a:schemeClr val="bg1"/>
-              </a:solidFill>
-              <a:latin typeface="Helvetica"/>
-              <a:cs typeface="Helvetica"/>
-            </a:endParaRPr>
-          </a:p>
-        </p:txBody>
-      </p:sp>
-      <p:graphicFrame>
-        <p:nvGraphicFramePr>
-          <p:cNvPr id="11" name="Table 10"/>
-          <p:cNvGraphicFramePr>
-            <a:graphicFrameLocks noGrp="1"/>
-          </p:cNvGraphicFramePr>
-          <p:nvPr>
-            <p:extLst>
-              <p:ext uri="{D42A27DB-BD31-4B8C-83A1-F6EECF244321}">
-                <p14:modId xmlns:p14="http://schemas.microsoft.com/office/powerpoint/2010/main" val="2109355968"/>
-              </p:ext>
-            </p:extLst>
-          </p:nvPr>
-        </p:nvGraphicFramePr>
-        <p:xfrm>
-          <a:off x="533400" y="3048000"/>
-          <a:ext cx="3124200" cy="419100"/>
-        </p:xfrm>
-        <a:graphic>
-          <a:graphicData uri="http://schemas.openxmlformats.org/drawingml/2006/table">
-            <a:tbl>
-              <a:tblPr firstRow="1" bandRow="1">
-                <a:tableStyleId>{3B4B98B0-60AC-42C2-AFA5-B58CD77FA1E5}</a:tableStyleId>
-              </a:tblPr>
-              <a:tblGrid>
-                <a:gridCol w="1524000">
-                  <a:extLst>
-                    <a:ext uri="{9D8B030D-6E8A-4147-A177-3AD203B41FA5}">
-                      <a16:colId xmlns:a16="http://schemas.microsoft.com/office/drawing/2014/main" val="20000"/>
-                    </a:ext>
-                  </a:extLst>
-                </a:gridCol>
-                <a:gridCol w="1600200">
-                  <a:extLst>
-                    <a:ext uri="{9D8B030D-6E8A-4147-A177-3AD203B41FA5}">
-                      <a16:colId xmlns:a16="http://schemas.microsoft.com/office/drawing/2014/main" val="20001"/>
-                    </a:ext>
-                  </a:extLst>
-                </a:gridCol>
-              </a:tblGrid>
-              <a:tr h="419100">
-                <a:tc>
-                  <a:txBody>
-                    <a:bodyPr/>
-                    <a:lstStyle/>
-                    <a:p>
-                      <a:r>
-                        <a:rPr lang="en-US" b="1" dirty="0">
-                          <a:solidFill>
-                            <a:srgbClr val="3D372E"/>
-                          </a:solidFill>
-                          <a:latin typeface="Helvetica"/>
-                          <a:cs typeface="Helvetica"/>
-                        </a:rPr>
-                        <a:t>Spatial</a:t>
-                      </a:r>
-                    </a:p>
-                  </a:txBody>
-                  <a:tcPr/>
-                </a:tc>
-                <a:tc>
-                  <a:txBody>
-                    <a:bodyPr/>
-                    <a:lstStyle/>
-                    <a:p>
-                      <a:r>
-                        <a:rPr lang="en-US" b="1" dirty="0">
-                          <a:solidFill>
-                            <a:srgbClr val="3D372E"/>
-                          </a:solidFill>
-                          <a:latin typeface="Helvetica"/>
-                          <a:cs typeface="Helvetica"/>
-                        </a:rPr>
-                        <a:t>0.51</a:t>
-                      </a:r>
-                    </a:p>
-                  </a:txBody>
-                  <a:tcPr/>
-                </a:tc>
-                <a:extLst>
-                  <a:ext uri="{0D108BD9-81ED-4DB2-BD59-A6C34878D82A}">
-                    <a16:rowId xmlns:a16="http://schemas.microsoft.com/office/drawing/2014/main" val="10000"/>
-                  </a:ext>
-                </a:extLst>
-              </a:tr>
-            </a:tbl>
-          </a:graphicData>
-        </a:graphic>
-      </p:graphicFrame>
-      <p:pic>
-        <p:nvPicPr>
-          <p:cNvPr id="3" name="Picture 2"/>
-          <p:cNvPicPr>
-            <a:picLocks noChangeAspect="1"/>
-          </p:cNvPicPr>
-          <p:nvPr/>
-        </p:nvPicPr>
-        <p:blipFill>
-          <a:blip r:embed="rId2"/>
-          <a:stretch>
-            <a:fillRect/>
-          </a:stretch>
-        </p:blipFill>
-        <p:spPr>
-          <a:xfrm>
-            <a:off x="4114800" y="106811"/>
-            <a:ext cx="7696200" cy="6260639"/>
-          </a:xfrm>
-          <a:prstGeom prst="rect">
-            <a:avLst/>
-          </a:prstGeom>
-        </p:spPr>
-      </p:pic>
-    </p:spTree>
-    <p:extLst>
-      <p:ext uri="{BB962C8B-B14F-4D97-AF65-F5344CB8AC3E}">
-        <p14:creationId xmlns:p14="http://schemas.microsoft.com/office/powerpoint/2010/main" val="680897231"/>
-      </p:ext>
-    </p:extLst>
-  </p:cSld>
-  <p:clrMapOvr>
-    <a:masterClrMapping/>
-  </p:clrMapOvr>
-  <mc:AlternateContent xmlns:mc="http://schemas.openxmlformats.org/markup-compatibility/2006" xmlns:p14="http://schemas.microsoft.com/office/powerpoint/2010/main">
-    <mc:Choice Requires="p14">
-      <p:transition spd="med" p14:dur="700">
-        <p:fade/>
-      </p:transition>
-    </mc:Choice>
-    <mc:Fallback xmlns="">
-      <p:transition spd="med">
-        <p:fade/>
-      </p:transition>
-    </mc:Fallback>
-  </mc:AlternateContent>
-</p:sld>
-</file>
-
-<file path=ppt/slides/slide17.xml><?xml version="1.0" encoding="utf-8"?>
-<p:sld xmlns:a="http://schemas.openxmlformats.org/drawingml/2006/main" xmlns:r="http://schemas.openxmlformats.org/officeDocument/2006/relationships" xmlns:p="http://schemas.openxmlformats.org/presentationml/2006/main">
-  <p:cSld>
-    <p:bg>
-      <p:bgPr>
-        <a:solidFill>
-          <a:schemeClr val="tx1"/>
-        </a:solidFill>
-        <a:effectLst/>
-      </p:bgPr>
-    </p:bg>
-    <p:spTree>
-      <p:nvGrpSpPr>
-        <p:cNvPr id="1" name=""/>
-        <p:cNvGrpSpPr/>
-        <p:nvPr/>
-      </p:nvGrpSpPr>
-      <p:grpSpPr>
-        <a:xfrm>
-          <a:off x="0" y="0"/>
-          <a:ext cx="0" cy="0"/>
-          <a:chOff x="0" y="0"/>
-          <a:chExt cx="0" cy="0"/>
-        </a:xfrm>
-      </p:grpSpPr>
-      <p:sp>
-        <p:nvSpPr>
           <p:cNvPr id="3" name="Content Placeholder 2"/>
           <p:cNvSpPr>
             <a:spLocks noGrp="1"/>
@@ -8413,7 +8269,7 @@
 </p:sld>
 </file>
 
-<file path=ppt/slides/slide18.xml><?xml version="1.0" encoding="utf-8"?>
+<file path=ppt/slides/slide17.xml><?xml version="1.0" encoding="utf-8"?>
 <p:sld xmlns:a="http://schemas.openxmlformats.org/drawingml/2006/main" xmlns:r="http://schemas.openxmlformats.org/officeDocument/2006/relationships" xmlns:p="http://schemas.openxmlformats.org/presentationml/2006/main">
   <p:cSld>
     <p:spTree>
@@ -8602,7 +8458,7 @@
         </p:blipFill>
         <p:spPr bwMode="auto">
           <a:xfrm>
-            <a:off x="482498" y="1855410"/>
+            <a:off x="533400" y="1905000"/>
             <a:ext cx="7975702" cy="4057650"/>
           </a:xfrm>
           <a:prstGeom prst="rect">
@@ -8685,7 +8541,7 @@
         </p:blipFill>
         <p:spPr bwMode="auto">
           <a:xfrm>
-            <a:off x="8896350" y="365126"/>
+            <a:off x="9067800" y="560763"/>
             <a:ext cx="2552700" cy="3782637"/>
           </a:xfrm>
           <a:prstGeom prst="rect">
@@ -8694,7 +8550,7 @@
           <a:noFill/>
           <a:extLst>
             <a:ext uri="{909E8E84-426E-40dd-AFC4-6F175D3DCCD1}">
-              <a14:hiddenFill xmlns:a14="http://schemas.microsoft.com/office/drawing/2010/main" xmlns="">
+              <a14:hiddenFill xmlns:a14="http://schemas.microsoft.com/office/drawing/2010/main">
                 <a:solidFill>
                   <a:srgbClr val="FFFFFF"/>
                 </a:solidFill>
@@ -8901,8 +8757,8 @@
         </p:nvSpPr>
         <p:spPr>
           <a:xfrm>
-            <a:off x="838200" y="73976"/>
-            <a:ext cx="10515600" cy="1145224"/>
+            <a:off x="841248" y="2819400"/>
+            <a:ext cx="9601200" cy="1838519"/>
           </a:xfrm>
         </p:spPr>
         <p:txBody>
@@ -8914,22 +8770,27 @@
                 <a:latin typeface="Helvetica"/>
                 <a:cs typeface="Helvetica"/>
               </a:rPr>
-              <a:t>Images</a:t>
-            </a:r>
-          </a:p>
-        </p:txBody>
-      </p:sp>
-      <p:sp>
-        <p:nvSpPr>
-          <p:cNvPr id="3" name="Content Placeholder 2"/>
-          <p:cNvSpPr>
-            <a:spLocks noGrp="1"/>
-          </p:cNvSpPr>
-          <p:nvPr>
-            <p:ph idx="1"/>
-          </p:nvPr>
-        </p:nvSpPr>
-        <p:spPr/>
+              <a:t>ARIMA Modeling</a:t>
+            </a:r>
+          </a:p>
+        </p:txBody>
+      </p:sp>
+      <p:sp>
+        <p:nvSpPr>
+          <p:cNvPr id="3" name="Text Placeholder 2"/>
+          <p:cNvSpPr>
+            <a:spLocks noGrp="1"/>
+          </p:cNvSpPr>
+          <p:nvPr>
+            <p:ph type="body" idx="1"/>
+          </p:nvPr>
+        </p:nvSpPr>
+        <p:spPr>
+          <a:xfrm>
+            <a:off x="841248" y="4800600"/>
+            <a:ext cx="9601200" cy="475488"/>
+          </a:xfrm>
+        </p:spPr>
         <p:txBody>
           <a:bodyPr/>
           <a:lstStyle/>
@@ -8939,51 +8800,7 @@
                 <a:latin typeface="Helvetica"/>
                 <a:cs typeface="Helvetica"/>
               </a:rPr>
-              <a:t>Trump – </a:t>
-            </a:r>
-            <a:r>
-              <a:rPr lang="en-US" dirty="0">
-                <a:latin typeface="Helvetica"/>
-                <a:cs typeface="Helvetica"/>
-                <a:hlinkClick r:id="rId2"/>
-              </a:rPr>
-              <a:t>https://tribwgntv.files.wordpress.com/2017/01/twwet.png</a:t>
-            </a:r>
-            <a:endParaRPr lang="en-US" dirty="0">
-              <a:latin typeface="Helvetica"/>
-              <a:cs typeface="Helvetica"/>
-            </a:endParaRPr>
-          </a:p>
-          <a:p>
-            <a:r>
-              <a:rPr lang="en-US" dirty="0">
-                <a:latin typeface="Helvetica"/>
-                <a:cs typeface="Helvetica"/>
-              </a:rPr>
-              <a:t>Chi-</a:t>
-            </a:r>
-            <a:r>
-              <a:rPr lang="en-US" dirty="0" err="1">
-                <a:latin typeface="Helvetica"/>
-                <a:cs typeface="Helvetica"/>
-              </a:rPr>
-              <a:t>raq</a:t>
-            </a:r>
-            <a:r>
-              <a:rPr lang="en-US" dirty="0">
-                <a:latin typeface="Helvetica"/>
-                <a:cs typeface="Helvetica"/>
-              </a:rPr>
-              <a:t> https://upload.wikimedia.org/wikipedia/en/thumb/e/e7/ChiRaqMoviePoster.png/220px-ChiRaqMoviePoster.png</a:t>
-            </a:r>
-          </a:p>
-          <a:p>
-            <a:r>
-              <a:rPr lang="en-US" dirty="0">
-                <a:latin typeface="Helvetica"/>
-                <a:cs typeface="Helvetica"/>
-              </a:rPr>
-              <a:t>Communities - https://upload.wikimedia.org/wikipedia/commons/thumb/2/24/Map_of_the_Community_Areas_and_%27Sides%27_of_the_City_of_Chicago.svg/350px-Map_of_the_Community_Areas_and_%27Sides%27_of_the_City_of_Chicago.svg.png</a:t>
+              <a:t>A time series analysis of crime data</a:t>
             </a:r>
           </a:p>
         </p:txBody>
@@ -8991,7 +8808,7 @@
     </p:spTree>
     <p:extLst>
       <p:ext uri="{BB962C8B-B14F-4D97-AF65-F5344CB8AC3E}">
-        <p14:creationId xmlns:p14="http://schemas.microsoft.com/office/powerpoint/2010/main" val="1204360770"/>
+        <p14:creationId xmlns:p14="http://schemas.microsoft.com/office/powerpoint/2010/main" val="1783796071"/>
       </p:ext>
     </p:extLst>
   </p:cSld>
@@ -9016,6 +8833,14 @@
 <file path=ppt/slides/slide5.xml><?xml version="1.0" encoding="utf-8"?>
 <p:sld xmlns:a="http://schemas.openxmlformats.org/drawingml/2006/main" xmlns:r="http://schemas.openxmlformats.org/officeDocument/2006/relationships" xmlns:p="http://schemas.openxmlformats.org/presentationml/2006/main">
   <p:cSld>
+    <p:bg>
+      <p:bgPr>
+        <a:solidFill>
+          <a:schemeClr val="tx1"/>
+        </a:solidFill>
+        <a:effectLst/>
+      </p:bgPr>
+    </p:bg>
     <p:spTree>
       <p:nvGrpSpPr>
         <p:cNvPr id="1" name=""/>
@@ -9030,9 +8855,39 @@
           <a:chExt cx="0" cy="0"/>
         </a:xfrm>
       </p:grpSpPr>
-      <p:sp>
-        <p:nvSpPr>
-          <p:cNvPr id="2" name="Title 1"/>
+      <p:pic>
+        <p:nvPicPr>
+          <p:cNvPr id="4" name="Picture 3" descr="side.png"/>
+          <p:cNvPicPr>
+            <a:picLocks noChangeAspect="1"/>
+          </p:cNvPicPr>
+          <p:nvPr/>
+        </p:nvPicPr>
+        <p:blipFill>
+          <a:blip r:embed="rId2">
+            <a:extLst>
+              <a:ext uri="{28A0092B-C50C-407E-A947-70E740481C1C}">
+                <a14:useLocalDpi xmlns:a14="http://schemas.microsoft.com/office/drawing/2010/main" val="0"/>
+              </a:ext>
+            </a:extLst>
+          </a:blip>
+          <a:stretch>
+            <a:fillRect/>
+          </a:stretch>
+        </p:blipFill>
+        <p:spPr>
+          <a:xfrm>
+            <a:off x="2819400" y="1143000"/>
+            <a:ext cx="6562725" cy="5214930"/>
+          </a:xfrm>
+          <a:prstGeom prst="rect">
+            <a:avLst/>
+          </a:prstGeom>
+        </p:spPr>
+      </p:pic>
+      <p:sp>
+        <p:nvSpPr>
+          <p:cNvPr id="6" name="Title 1"/>
           <p:cNvSpPr>
             <a:spLocks noGrp="1"/>
           </p:cNvSpPr>
@@ -9042,58 +8897,66 @@
         </p:nvSpPr>
         <p:spPr>
           <a:xfrm>
-            <a:off x="841248" y="2819400"/>
-            <a:ext cx="9601200" cy="1838519"/>
-          </a:xfrm>
-        </p:spPr>
-        <p:txBody>
-          <a:bodyPr/>
-          <a:lstStyle/>
-          <a:p>
-            <a:r>
-              <a:rPr lang="en-US" dirty="0">
+            <a:off x="838200" y="-76200"/>
+            <a:ext cx="10515600" cy="1145224"/>
+          </a:xfrm>
+        </p:spPr>
+        <p:txBody>
+          <a:bodyPr/>
+          <a:lstStyle/>
+          <a:p>
+            <a:r>
+              <a:rPr lang="en-US" dirty="0" smtClean="0">
+                <a:solidFill>
+                  <a:schemeClr val="accent6">
+                    <a:lumMod val="75000"/>
+                  </a:schemeClr>
+                </a:solidFill>
                 <a:latin typeface="Helvetica"/>
                 <a:cs typeface="Helvetica"/>
               </a:rPr>
-              <a:t>ARIMA Modeling</a:t>
-            </a:r>
-          </a:p>
-        </p:txBody>
-      </p:sp>
-      <p:sp>
-        <p:nvSpPr>
-          <p:cNvPr id="3" name="Text Placeholder 2"/>
-          <p:cNvSpPr>
-            <a:spLocks noGrp="1"/>
-          </p:cNvSpPr>
-          <p:nvPr>
-            <p:ph type="body" idx="1"/>
-          </p:nvPr>
-        </p:nvSpPr>
-        <p:spPr>
-          <a:xfrm>
-            <a:off x="841248" y="4800600"/>
-            <a:ext cx="9601200" cy="475488"/>
-          </a:xfrm>
-        </p:spPr>
-        <p:txBody>
-          <a:bodyPr/>
-          <a:lstStyle/>
-          <a:p>
+              <a:t>Sides </a:t>
+            </a:r>
             <a:r>
               <a:rPr lang="en-US" dirty="0">
+                <a:solidFill>
+                  <a:schemeClr val="accent6">
+                    <a:lumMod val="75000"/>
+                  </a:schemeClr>
+                </a:solidFill>
                 <a:latin typeface="Helvetica"/>
                 <a:cs typeface="Helvetica"/>
               </a:rPr>
-              <a:t>A time series analysis of crime data</a:t>
-            </a:r>
+              <a:t>of </a:t>
+            </a:r>
+            <a:r>
+              <a:rPr lang="en-US" dirty="0" smtClean="0">
+                <a:solidFill>
+                  <a:schemeClr val="accent6">
+                    <a:lumMod val="75000"/>
+                  </a:schemeClr>
+                </a:solidFill>
+                <a:latin typeface="Helvetica"/>
+                <a:cs typeface="Helvetica"/>
+              </a:rPr>
+              <a:t>Chicago – Split by Area</a:t>
+            </a:r>
+            <a:endParaRPr lang="en-US" dirty="0">
+              <a:solidFill>
+                <a:schemeClr val="accent6">
+                  <a:lumMod val="75000"/>
+                </a:schemeClr>
+              </a:solidFill>
+              <a:latin typeface="Helvetica"/>
+              <a:cs typeface="Helvetica"/>
+            </a:endParaRPr>
           </a:p>
         </p:txBody>
       </p:sp>
     </p:spTree>
     <p:extLst>
       <p:ext uri="{BB962C8B-B14F-4D97-AF65-F5344CB8AC3E}">
-        <p14:creationId xmlns:p14="http://schemas.microsoft.com/office/powerpoint/2010/main" val="1783796071"/>
+        <p14:creationId xmlns:p14="http://schemas.microsoft.com/office/powerpoint/2010/main" val="1206484074"/>
       </p:ext>
     </p:extLst>
   </p:cSld>
@@ -9142,7 +9005,7 @@
       </p:grpSpPr>
       <p:pic>
         <p:nvPicPr>
-          <p:cNvPr id="4" name="Picture 3" descr="side.png"/>
+          <p:cNvPr id="3" name="Picture 2" descr="counts_by_pop.png"/>
           <p:cNvPicPr>
             <a:picLocks noChangeAspect="1"/>
           </p:cNvPicPr>
@@ -9162,17 +9025,47 @@
         </p:blipFill>
         <p:spPr>
           <a:xfrm>
-            <a:off x="2819400" y="1143000"/>
-            <a:ext cx="6562725" cy="5214930"/>
+            <a:off x="6162675" y="1219200"/>
+            <a:ext cx="6029325" cy="4791075"/>
           </a:xfrm>
           <a:prstGeom prst="rect">
             <a:avLst/>
           </a:prstGeom>
         </p:spPr>
       </p:pic>
-      <p:sp>
-        <p:nvSpPr>
-          <p:cNvPr id="6" name="Title 1"/>
+      <p:pic>
+        <p:nvPicPr>
+          <p:cNvPr id="5" name="Picture 4" descr="population.png"/>
+          <p:cNvPicPr>
+            <a:picLocks noChangeAspect="1"/>
+          </p:cNvPicPr>
+          <p:nvPr/>
+        </p:nvPicPr>
+        <p:blipFill>
+          <a:blip r:embed="rId3">
+            <a:extLst>
+              <a:ext uri="{28A0092B-C50C-407E-A947-70E740481C1C}">
+                <a14:useLocalDpi xmlns:a14="http://schemas.microsoft.com/office/drawing/2010/main" val="0"/>
+              </a:ext>
+            </a:extLst>
+          </a:blip>
+          <a:stretch>
+            <a:fillRect/>
+          </a:stretch>
+        </p:blipFill>
+        <p:spPr>
+          <a:xfrm>
+            <a:off x="152400" y="1219200"/>
+            <a:ext cx="6029325" cy="4791075"/>
+          </a:xfrm>
+          <a:prstGeom prst="rect">
+            <a:avLst/>
+          </a:prstGeom>
+        </p:spPr>
+      </p:pic>
+      <p:sp>
+        <p:nvSpPr>
+          <p:cNvPr id="7" name="Title 1"/>
           <p:cNvSpPr>
             <a:spLocks noGrp="1"/>
           </p:cNvSpPr>
@@ -9191,7 +9084,7 @@
           <a:lstStyle/>
           <a:p>
             <a:r>
-              <a:rPr lang="en-US" dirty="0">
+              <a:rPr lang="en-US" dirty="0" smtClean="0">
                 <a:solidFill>
                   <a:schemeClr val="accent6">
                     <a:lumMod val="75000"/>
@@ -9200,15 +9093,24 @@
                 <a:latin typeface="Helvetica"/>
                 <a:cs typeface="Helvetica"/>
               </a:rPr>
-              <a:t>“Sides” of Chicago</a:t>
-            </a:r>
+              <a:t>Armed Robberies by Area</a:t>
+            </a:r>
+            <a:endParaRPr lang="en-US" dirty="0">
+              <a:solidFill>
+                <a:schemeClr val="accent6">
+                  <a:lumMod val="75000"/>
+                </a:schemeClr>
+              </a:solidFill>
+              <a:latin typeface="Helvetica"/>
+              <a:cs typeface="Helvetica"/>
+            </a:endParaRPr>
           </a:p>
         </p:txBody>
       </p:sp>
     </p:spTree>
     <p:extLst>
       <p:ext uri="{BB962C8B-B14F-4D97-AF65-F5344CB8AC3E}">
-        <p14:creationId xmlns:p14="http://schemas.microsoft.com/office/powerpoint/2010/main" val="1206484074"/>
+        <p14:creationId xmlns:p14="http://schemas.microsoft.com/office/powerpoint/2010/main" val="3061157347"/>
       </p:ext>
     </p:extLst>
   </p:cSld>
@@ -9255,66 +9157,6 @@
           <a:chExt cx="0" cy="0"/>
         </a:xfrm>
       </p:grpSpPr>
-      <p:pic>
-        <p:nvPicPr>
-          <p:cNvPr id="3" name="Picture 2" descr="counts_by_pop.png"/>
-          <p:cNvPicPr>
-            <a:picLocks noChangeAspect="1"/>
-          </p:cNvPicPr>
-          <p:nvPr/>
-        </p:nvPicPr>
-        <p:blipFill>
-          <a:blip r:embed="rId2">
-            <a:extLst>
-              <a:ext uri="{28A0092B-C50C-407E-A947-70E740481C1C}">
-                <a14:useLocalDpi xmlns:a14="http://schemas.microsoft.com/office/drawing/2010/main" val="0"/>
-              </a:ext>
-            </a:extLst>
-          </a:blip>
-          <a:stretch>
-            <a:fillRect/>
-          </a:stretch>
-        </p:blipFill>
-        <p:spPr>
-          <a:xfrm>
-            <a:off x="6162675" y="1219200"/>
-            <a:ext cx="6029325" cy="4791075"/>
-          </a:xfrm>
-          <a:prstGeom prst="rect">
-            <a:avLst/>
-          </a:prstGeom>
-        </p:spPr>
-      </p:pic>
-      <p:pic>
-        <p:nvPicPr>
-          <p:cNvPr id="5" name="Picture 4" descr="population.png"/>
-          <p:cNvPicPr>
-            <a:picLocks noChangeAspect="1"/>
-          </p:cNvPicPr>
-          <p:nvPr/>
-        </p:nvPicPr>
-        <p:blipFill>
-          <a:blip r:embed="rId3">
-            <a:extLst>
-              <a:ext uri="{28A0092B-C50C-407E-A947-70E740481C1C}">
-                <a14:useLocalDpi xmlns:a14="http://schemas.microsoft.com/office/drawing/2010/main" val="0"/>
-              </a:ext>
-            </a:extLst>
-          </a:blip>
-          <a:stretch>
-            <a:fillRect/>
-          </a:stretch>
-        </p:blipFill>
-        <p:spPr>
-          <a:xfrm>
-            <a:off x="152400" y="1219200"/>
-            <a:ext cx="6029325" cy="4791075"/>
-          </a:xfrm>
-          <a:prstGeom prst="rect">
-            <a:avLst/>
-          </a:prstGeom>
-        </p:spPr>
-      </p:pic>
       <p:sp>
         <p:nvSpPr>
           <p:cNvPr id="7" name="Title 1"/>
@@ -9345,15 +9187,73 @@
                 <a:latin typeface="Helvetica"/>
                 <a:cs typeface="Helvetica"/>
               </a:rPr>
-              <a:t>“Sides” of Chicago, cont.</a:t>
-            </a:r>
-          </a:p>
-        </p:txBody>
-      </p:sp>
+              <a:t>South Side</a:t>
+            </a:r>
+          </a:p>
+        </p:txBody>
+      </p:sp>
+      <p:pic>
+        <p:nvPicPr>
+          <p:cNvPr id="2" name="Picture 1" descr="south_ACF.png"/>
+          <p:cNvPicPr>
+            <a:picLocks noChangeAspect="1"/>
+          </p:cNvPicPr>
+          <p:nvPr/>
+        </p:nvPicPr>
+        <p:blipFill rotWithShape="1">
+          <a:blip r:embed="rId2">
+            <a:extLst>
+              <a:ext uri="{28A0092B-C50C-407E-A947-70E740481C1C}">
+                <a14:useLocalDpi xmlns:a14="http://schemas.microsoft.com/office/drawing/2010/main" val="0"/>
+              </a:ext>
+            </a:extLst>
+          </a:blip>
+          <a:srcRect t="24433" b="6379"/>
+          <a:stretch/>
+        </p:blipFill>
+        <p:spPr>
+          <a:xfrm>
+            <a:off x="2362200" y="1219200"/>
+            <a:ext cx="7469377" cy="2253290"/>
+          </a:xfrm>
+          <a:prstGeom prst="rect">
+            <a:avLst/>
+          </a:prstGeom>
+        </p:spPr>
+      </p:pic>
+      <p:pic>
+        <p:nvPicPr>
+          <p:cNvPr id="4" name="Picture 3" descr="south_PACF.png"/>
+          <p:cNvPicPr>
+            <a:picLocks noChangeAspect="1"/>
+          </p:cNvPicPr>
+          <p:nvPr/>
+        </p:nvPicPr>
+        <p:blipFill rotWithShape="1">
+          <a:blip r:embed="rId3">
+            <a:extLst>
+              <a:ext uri="{28A0092B-C50C-407E-A947-70E740481C1C}">
+                <a14:useLocalDpi xmlns:a14="http://schemas.microsoft.com/office/drawing/2010/main" val="0"/>
+              </a:ext>
+            </a:extLst>
+          </a:blip>
+          <a:srcRect t="22757" b="5670"/>
+          <a:stretch/>
+        </p:blipFill>
+        <p:spPr>
+          <a:xfrm>
+            <a:off x="2362200" y="3657600"/>
+            <a:ext cx="7569385" cy="2362200"/>
+          </a:xfrm>
+          <a:prstGeom prst="rect">
+            <a:avLst/>
+          </a:prstGeom>
+        </p:spPr>
+      </p:pic>
     </p:spTree>
     <p:extLst>
       <p:ext uri="{BB962C8B-B14F-4D97-AF65-F5344CB8AC3E}">
-        <p14:creationId xmlns:p14="http://schemas.microsoft.com/office/powerpoint/2010/main" val="3061157347"/>
+        <p14:creationId xmlns:p14="http://schemas.microsoft.com/office/powerpoint/2010/main" val="3675338084"/>
       </p:ext>
     </p:extLst>
   </p:cSld>
@@ -9430,14 +9330,38 @@
                 <a:latin typeface="Helvetica"/>
                 <a:cs typeface="Helvetica"/>
               </a:rPr>
-              <a:t>South Side</a:t>
+              <a:t>South Side </a:t>
+            </a:r>
+            <a:r>
+              <a:rPr lang="mr-IN" dirty="0">
+                <a:solidFill>
+                  <a:schemeClr val="accent6">
+                    <a:lumMod val="75000"/>
+                  </a:schemeClr>
+                </a:solidFill>
+                <a:latin typeface="Helvetica"/>
+                <a:cs typeface="Helvetica"/>
+              </a:rPr>
+              <a:t>–</a:t>
+            </a:r>
+            <a:r>
+              <a:rPr lang="en-US" dirty="0">
+                <a:solidFill>
+                  <a:schemeClr val="accent6">
+                    <a:lumMod val="75000"/>
+                  </a:schemeClr>
+                </a:solidFill>
+                <a:latin typeface="Helvetica"/>
+                <a:cs typeface="Helvetica"/>
+              </a:rPr>
+              <a:t> ARIMA(4,0,0)x(1,0,0)[12]</a:t>
             </a:r>
           </a:p>
         </p:txBody>
       </p:sp>
       <p:pic>
         <p:nvPicPr>
-          <p:cNvPr id="2" name="Picture 1" descr="south_ACF.png"/>
+          <p:cNvPr id="3" name="Picture 2" descr="Americas_Warzone.pdf"/>
           <p:cNvPicPr>
             <a:picLocks noChangeAspect="1"/>
           </p:cNvPicPr>
@@ -9451,13 +9375,13 @@
               </a:ext>
             </a:extLst>
           </a:blip>
-          <a:srcRect t="24433" b="6379"/>
+          <a:srcRect l="25703" t="9362" r="26073" b="84464"/>
           <a:stretch/>
         </p:blipFill>
         <p:spPr>
           <a:xfrm>
-            <a:off x="2362200" y="1219200"/>
-            <a:ext cx="7469377" cy="2253290"/>
+            <a:off x="1905000" y="1371600"/>
+            <a:ext cx="8543907" cy="1415373"/>
           </a:xfrm>
           <a:prstGeom prst="rect">
             <a:avLst/>
@@ -9466,13 +9390,13 @@
       </p:pic>
       <p:pic>
         <p:nvPicPr>
-          <p:cNvPr id="4" name="Picture 3" descr="south_PACF.png"/>
+          <p:cNvPr id="5" name="Picture 4" descr="south_resid.png"/>
           <p:cNvPicPr>
             <a:picLocks noChangeAspect="1"/>
           </p:cNvPicPr>
           <p:nvPr/>
         </p:nvPicPr>
-        <p:blipFill rotWithShape="1">
+        <p:blipFill>
           <a:blip r:embed="rId3">
             <a:extLst>
               <a:ext uri="{28A0092B-C50C-407E-A947-70E740481C1C}">
@@ -9480,13 +9404,14 @@
               </a:ext>
             </a:extLst>
           </a:blip>
-          <a:srcRect t="22757" b="5670"/>
-          <a:stretch/>
+          <a:stretch>
+            <a:fillRect/>
+          </a:stretch>
         </p:blipFill>
         <p:spPr>
           <a:xfrm>
-            <a:off x="2362200" y="3657600"/>
-            <a:ext cx="7569385" cy="2362200"/>
+            <a:off x="2581275" y="3048000"/>
+            <a:ext cx="7400925" cy="3226944"/>
           </a:xfrm>
           <a:prstGeom prst="rect">
             <a:avLst/>
@@ -9496,7 +9421,7 @@
     </p:spTree>
     <p:extLst>
       <p:ext uri="{BB962C8B-B14F-4D97-AF65-F5344CB8AC3E}">
-        <p14:creationId xmlns:p14="http://schemas.microsoft.com/office/powerpoint/2010/main" val="3675338084"/>
+        <p14:creationId xmlns:p14="http://schemas.microsoft.com/office/powerpoint/2010/main" val="2824660212"/>
       </p:ext>
     </p:extLst>
   </p:cSld>
@@ -9573,38 +9498,14 @@
                 <a:latin typeface="Helvetica"/>
                 <a:cs typeface="Helvetica"/>
               </a:rPr>
-              <a:t>South Side </a:t>
-            </a:r>
-            <a:r>
-              <a:rPr lang="mr-IN" dirty="0">
-                <a:solidFill>
-                  <a:schemeClr val="accent6">
-                    <a:lumMod val="75000"/>
-                  </a:schemeClr>
-                </a:solidFill>
-                <a:latin typeface="Helvetica"/>
-                <a:cs typeface="Helvetica"/>
-              </a:rPr>
-              <a:t>–</a:t>
-            </a:r>
-            <a:r>
-              <a:rPr lang="en-US" dirty="0">
-                <a:solidFill>
-                  <a:schemeClr val="accent6">
-                    <a:lumMod val="75000"/>
-                  </a:schemeClr>
-                </a:solidFill>
-                <a:latin typeface="Helvetica"/>
-                <a:cs typeface="Helvetica"/>
-              </a:rPr>
-              <a:t> ARIMA(4,0,0)x(1,0,0)[12]</a:t>
+              <a:t>South Side - ARIMA(4,0,0)x(1,0,0)[12], cont.</a:t>
             </a:r>
           </a:p>
         </p:txBody>
       </p:sp>
       <p:pic>
         <p:nvPicPr>
-          <p:cNvPr id="3" name="Picture 2" descr="Americas_Warzone.pdf"/>
+          <p:cNvPr id="3" name="Picture 2" descr="south_resid_ACF.png"/>
           <p:cNvPicPr>
             <a:picLocks noChangeAspect="1"/>
           </p:cNvPicPr>
@@ -9618,13 +9519,13 @@
               </a:ext>
             </a:extLst>
           </a:blip>
-          <a:srcRect l="25703" t="9362" r="26073" b="84464"/>
+          <a:srcRect t="24185" b="5435"/>
           <a:stretch/>
         </p:blipFill>
         <p:spPr>
           <a:xfrm>
             <a:off x="1905000" y="1371600"/>
-            <a:ext cx="8543907" cy="1415373"/>
+            <a:ext cx="8382000" cy="2572198"/>
           </a:xfrm>
           <a:prstGeom prst="rect">
             <a:avLst/>
@@ -9633,13 +9534,13 @@
       </p:pic>
       <p:pic>
         <p:nvPicPr>
-          <p:cNvPr id="5" name="Picture 4" descr="south_resid.png"/>
+          <p:cNvPr id="5" name="Picture 4" descr="south_resid_PACF.png"/>
           <p:cNvPicPr>
             <a:picLocks noChangeAspect="1"/>
           </p:cNvPicPr>
           <p:nvPr/>
         </p:nvPicPr>
-        <p:blipFill>
+        <p:blipFill rotWithShape="1">
           <a:blip r:embed="rId3">
             <a:extLst>
               <a:ext uri="{28A0092B-C50C-407E-A947-70E740481C1C}">
@@ -9647,14 +9548,13 @@
               </a:ext>
             </a:extLst>
           </a:blip>
-          <a:stretch>
-            <a:fillRect/>
-          </a:stretch>
+          <a:srcRect t="25378" b="6031"/>
+          <a:stretch/>
         </p:blipFill>
         <p:spPr>
           <a:xfrm>
-            <a:off x="2581275" y="3048000"/>
-            <a:ext cx="7400925" cy="3226944"/>
+            <a:off x="1905000" y="3886200"/>
+            <a:ext cx="8408071" cy="2514600"/>
           </a:xfrm>
           <a:prstGeom prst="rect">
             <a:avLst/>
@@ -9664,7 +9564,7 @@
     </p:spTree>
     <p:extLst>
       <p:ext uri="{BB962C8B-B14F-4D97-AF65-F5344CB8AC3E}">
-        <p14:creationId xmlns:p14="http://schemas.microsoft.com/office/powerpoint/2010/main" val="2824660212"/>
+        <p14:creationId xmlns:p14="http://schemas.microsoft.com/office/powerpoint/2010/main" val="3610520107"/>
       </p:ext>
     </p:extLst>
   </p:cSld>
@@ -9941,7 +9841,7 @@
   <a:extraClrSchemeLst/>
   <a:extLst>
     <a:ext uri="{05A4C25C-085E-4340-85A3-A5531E510DB2}">
-      <thm15:themeFamily xmlns:thm15="http://schemas.microsoft.com/office/thememl/2012/main" name="TF00001123.potx" id="{55B65C5C-2110-41C9-9432-67D739EC5CFC}" vid="{FDE12540-4521-4F30-863D-D54DD2EE1C3B}"/>
+      <thm15:themeFamily xmlns:thm15="http://schemas.microsoft.com/office/thememl/2012/main" xmlns="" name="TF00001123.potx" id="{55B65C5C-2110-41C9-9432-67D739EC5CFC}" vid="{FDE12540-4521-4F30-863D-D54DD2EE1C3B}"/>
     </a:ext>
   </a:extLst>
 </a:theme>
@@ -10522,7 +10422,7 @@
   <a:extraClrSchemeLst/>
   <a:extLst>
     <a:ext uri="{05A4C25C-085E-4340-85A3-A5531E510DB2}">
-      <thm15:themeFamily xmlns:thm15="http://schemas.microsoft.com/office/thememl/2012/main" name="Office Theme" id="{62F939B6-93AF-4DB8-9C6B-D6C7DFDC589F}" vid="{4A3C46E8-61CC-4603-A589-7422A47A8E4A}"/>
+      <thm15:themeFamily xmlns:thm15="http://schemas.microsoft.com/office/thememl/2012/main" xmlns="" name="Office Theme" id="{62F939B6-93AF-4DB8-9C6B-D6C7DFDC589F}" vid="{4A3C46E8-61CC-4603-A589-7422A47A8E4A}"/>
     </a:ext>
   </a:extLst>
 </a:theme>
@@ -10783,7 +10683,7 @@
   <a:extraClrSchemeLst/>
   <a:extLst>
     <a:ext uri="{05A4C25C-085E-4340-85A3-A5531E510DB2}">
-      <thm15:themeFamily xmlns:thm15="http://schemas.microsoft.com/office/thememl/2012/main" name="Office Theme" id="{62F939B6-93AF-4DB8-9C6B-D6C7DFDC589F}" vid="{4A3C46E8-61CC-4603-A589-7422A47A8E4A}"/>
+      <thm15:themeFamily xmlns:thm15="http://schemas.microsoft.com/office/thememl/2012/main" xmlns="" name="Office Theme" id="{62F939B6-93AF-4DB8-9C6B-D6C7DFDC589F}" vid="{4A3C46E8-61CC-4603-A589-7422A47A8E4A}"/>
     </a:ext>
   </a:extLst>
 </a:theme>

--- a/Slides/final_slides.pptx
+++ b/Slides/final_slides.pptx
@@ -8307,12 +8307,16 @@
           <a:lstStyle/>
           <a:p>
             <a:r>
-              <a:rPr lang="en-US" dirty="0">
+              <a:rPr lang="en-US" dirty="0" smtClean="0">
                 <a:latin typeface="Helvetica"/>
                 <a:cs typeface="Helvetica"/>
               </a:rPr>
-              <a:t>Next Steps</a:t>
-            </a:r>
+              <a:t>References</a:t>
+            </a:r>
+            <a:endParaRPr lang="en-US" dirty="0">
+              <a:latin typeface="Helvetica"/>
+              <a:cs typeface="Helvetica"/>
+            </a:endParaRPr>
           </a:p>
         </p:txBody>
       </p:sp>

--- a/Slides/final_slides.pptx
+++ b/Slides/final_slides.pptx
@@ -7328,7 +7328,7 @@
       </p:sp>
       <p:pic>
         <p:nvPicPr>
-          <p:cNvPr id="5" name="Picture 4"/>
+          <p:cNvPr id="6" name="Picture 5"/>
           <p:cNvPicPr>
             <a:picLocks noChangeAspect="1"/>
           </p:cNvPicPr>
@@ -7342,8 +7342,8 @@
         </p:blipFill>
         <p:spPr>
           <a:xfrm>
-            <a:off x="1638300" y="1828800"/>
-            <a:ext cx="8915400" cy="3328675"/>
+            <a:off x="914401" y="1981200"/>
+            <a:ext cx="9601200" cy="3387714"/>
           </a:xfrm>
           <a:prstGeom prst="rect">
             <a:avLst/>
@@ -7568,7 +7568,7 @@
       </p:pic>
       <p:pic>
         <p:nvPicPr>
-          <p:cNvPr id="9" name="Picture 8"/>
+          <p:cNvPr id="3" name="Picture 2"/>
           <p:cNvPicPr>
             <a:picLocks noChangeAspect="1"/>
           </p:cNvPicPr>
@@ -7582,8 +7582,8 @@
         </p:blipFill>
         <p:spPr>
           <a:xfrm>
-            <a:off x="4152900" y="1828800"/>
-            <a:ext cx="3771900" cy="4286250"/>
+            <a:off x="342900" y="1981200"/>
+            <a:ext cx="11493500" cy="2882900"/>
           </a:xfrm>
           <a:prstGeom prst="rect">
             <a:avLst/>

--- a/Slides/final_slides.pptx
+++ b/Slides/final_slides.pptx
@@ -6,10 +6,10 @@
     <p:sldMasterId id="2147483660" r:id="rId2"/>
   </p:sldMasterIdLst>
   <p:notesMasterIdLst>
-    <p:notesMasterId r:id="rId20"/>
+    <p:notesMasterId r:id="rId19"/>
   </p:notesMasterIdLst>
   <p:handoutMasterIdLst>
-    <p:handoutMasterId r:id="rId21"/>
+    <p:handoutMasterId r:id="rId20"/>
   </p:handoutMasterIdLst>
   <p:sldIdLst>
     <p:sldId id="256" r:id="rId3"/>
@@ -27,8 +27,7 @@
     <p:sldId id="266" r:id="rId15"/>
     <p:sldId id="267" r:id="rId16"/>
     <p:sldId id="268" r:id="rId17"/>
-    <p:sldId id="277" r:id="rId18"/>
-    <p:sldId id="269" r:id="rId19"/>
+    <p:sldId id="269" r:id="rId18"/>
   </p:sldIdLst>
   <p:sldSz cx="12192000" cy="6858000"/>
   <p:notesSz cx="6858000" cy="9144000"/>
@@ -8117,159 +8116,6 @@
 </file>
 
 <file path=ppt/slides/slide16.xml><?xml version="1.0" encoding="utf-8"?>
-<p:sld xmlns:a="http://schemas.openxmlformats.org/drawingml/2006/main" xmlns:r="http://schemas.openxmlformats.org/officeDocument/2006/relationships" xmlns:p="http://schemas.openxmlformats.org/presentationml/2006/main">
-  <p:cSld>
-    <p:bg>
-      <p:bgPr>
-        <a:solidFill>
-          <a:schemeClr val="tx1"/>
-        </a:solidFill>
-        <a:effectLst/>
-      </p:bgPr>
-    </p:bg>
-    <p:spTree>
-      <p:nvGrpSpPr>
-        <p:cNvPr id="1" name=""/>
-        <p:cNvGrpSpPr/>
-        <p:nvPr/>
-      </p:nvGrpSpPr>
-      <p:grpSpPr>
-        <a:xfrm>
-          <a:off x="0" y="0"/>
-          <a:ext cx="0" cy="0"/>
-          <a:chOff x="0" y="0"/>
-          <a:chExt cx="0" cy="0"/>
-        </a:xfrm>
-      </p:grpSpPr>
-      <p:sp>
-        <p:nvSpPr>
-          <p:cNvPr id="3" name="Content Placeholder 2"/>
-          <p:cNvSpPr>
-            <a:spLocks noGrp="1"/>
-          </p:cNvSpPr>
-          <p:nvPr>
-            <p:ph idx="1"/>
-          </p:nvPr>
-        </p:nvSpPr>
-        <p:spPr>
-          <a:xfrm>
-            <a:off x="381000" y="1600200"/>
-            <a:ext cx="10972800" cy="4576763"/>
-          </a:xfrm>
-        </p:spPr>
-        <p:txBody>
-          <a:bodyPr>
-            <a:normAutofit/>
-          </a:bodyPr>
-          <a:lstStyle/>
-          <a:p>
-            <a:r>
-              <a:rPr lang="en-US" sz="2400" dirty="0">
-                <a:solidFill>
-                  <a:srgbClr val="736756"/>
-                </a:solidFill>
-                <a:latin typeface="Helvetica"/>
-                <a:cs typeface="Helvetica"/>
-              </a:rPr>
-              <a:t>Temporal trends similar across city “sides”</a:t>
-            </a:r>
-          </a:p>
-          <a:p>
-            <a:pPr lvl="1"/>
-            <a:r>
-              <a:rPr lang="en-US" sz="2200" dirty="0">
-                <a:solidFill>
-                  <a:srgbClr val="736756"/>
-                </a:solidFill>
-                <a:latin typeface="Helvetica"/>
-                <a:cs typeface="Helvetica"/>
-              </a:rPr>
-              <a:t>Strong yearly and autoregressive trends</a:t>
-            </a:r>
-            <a:endParaRPr lang="en-US" sz="2200" dirty="0">
-              <a:solidFill>
-                <a:schemeClr val="bg2">
-                  <a:lumMod val="65000"/>
-                  <a:lumOff val="35000"/>
-                </a:schemeClr>
-              </a:solidFill>
-              <a:latin typeface="Helvetica"/>
-              <a:cs typeface="Helvetica"/>
-            </a:endParaRPr>
-          </a:p>
-          <a:p>
-            <a:endParaRPr lang="en-US" sz="2400" dirty="0">
-              <a:solidFill>
-                <a:schemeClr val="bg2">
-                  <a:lumMod val="65000"/>
-                  <a:lumOff val="35000"/>
-                </a:schemeClr>
-              </a:solidFill>
-              <a:latin typeface="Helvetica"/>
-              <a:cs typeface="Helvetica"/>
-            </a:endParaRPr>
-          </a:p>
-        </p:txBody>
-      </p:sp>
-      <p:sp>
-        <p:nvSpPr>
-          <p:cNvPr id="4" name="Title 1"/>
-          <p:cNvSpPr>
-            <a:spLocks noGrp="1"/>
-          </p:cNvSpPr>
-          <p:nvPr>
-            <p:ph type="title"/>
-          </p:nvPr>
-        </p:nvSpPr>
-        <p:spPr>
-          <a:xfrm>
-            <a:off x="381000" y="-76200"/>
-            <a:ext cx="10515600" cy="1145224"/>
-          </a:xfrm>
-        </p:spPr>
-        <p:txBody>
-          <a:bodyPr/>
-          <a:lstStyle/>
-          <a:p>
-            <a:r>
-              <a:rPr lang="en-US" dirty="0">
-                <a:solidFill>
-                  <a:srgbClr val="736756"/>
-                </a:solidFill>
-                <a:latin typeface="Helvetica"/>
-                <a:cs typeface="Helvetica"/>
-              </a:rPr>
-              <a:t>Conclusions</a:t>
-            </a:r>
-          </a:p>
-        </p:txBody>
-      </p:sp>
-    </p:spTree>
-    <p:extLst>
-      <p:ext uri="{BB962C8B-B14F-4D97-AF65-F5344CB8AC3E}">
-        <p14:creationId xmlns:p14="http://schemas.microsoft.com/office/powerpoint/2010/main" val="421549997"/>
-      </p:ext>
-    </p:extLst>
-  </p:cSld>
-  <p:clrMapOvr>
-    <a:masterClrMapping/>
-  </p:clrMapOvr>
-  <mc:AlternateContent xmlns:mc="http://schemas.openxmlformats.org/markup-compatibility/2006" xmlns:p14="http://schemas.microsoft.com/office/powerpoint/2010/main">
-    <mc:Choice Requires="p14">
-      <p:transition spd="med" p14:dur="700">
-        <p:fade/>
-      </p:transition>
-    </mc:Choice>
-    <mc:Fallback xmlns="">
-      <p:transition spd="med">
-        <p:fade/>
-      </p:transition>
-    </mc:Fallback>
-  </mc:AlternateContent>
-</p:sld>
-</file>
-
-<file path=ppt/slides/slide17.xml><?xml version="1.0" encoding="utf-8"?>
 <p:sld xmlns:a="http://schemas.openxmlformats.org/drawingml/2006/main" xmlns:r="http://schemas.openxmlformats.org/officeDocument/2006/relationships" xmlns:p="http://schemas.openxmlformats.org/presentationml/2006/main">
   <p:cSld>
     <p:spTree>

--- a/Slides/final_slides.pptx
+++ b/Slides/final_slides.pptx
@@ -8168,7 +8168,7 @@
       </p:sp>
       <p:sp>
         <p:nvSpPr>
-          <p:cNvPr id="3" name="Content Placeholder 2"/>
+          <p:cNvPr id="4" name="Content Placeholder 3"/>
           <p:cNvSpPr>
             <a:spLocks noGrp="1"/>
           </p:cNvSpPr>
@@ -8178,59 +8178,268 @@
         </p:nvSpPr>
         <p:spPr/>
         <p:txBody>
-          <a:bodyPr/>
+          <a:bodyPr>
+            <a:normAutofit fontScale="77500" lnSpcReduction="20000"/>
+          </a:bodyPr>
           <a:lstStyle/>
           <a:p>
-            <a:r>
-              <a:rPr lang="en-US" dirty="0">
-                <a:latin typeface="Helvetica"/>
-                <a:cs typeface="Helvetica"/>
-              </a:rPr>
-              <a:t>Trump – </a:t>
-            </a:r>
-            <a:r>
-              <a:rPr lang="en-US" dirty="0">
-                <a:latin typeface="Helvetica"/>
-                <a:cs typeface="Helvetica"/>
-                <a:hlinkClick r:id="rId2"/>
-              </a:rPr>
-              <a:t>https://tribwgntv.files.wordpress.com/2017/01/twwet.png</a:t>
-            </a:r>
-            <a:endParaRPr lang="en-US" dirty="0">
-              <a:latin typeface="Helvetica"/>
-              <a:cs typeface="Helvetica"/>
-            </a:endParaRPr>
-          </a:p>
-          <a:p>
-            <a:r>
-              <a:rPr lang="en-US" dirty="0">
-                <a:latin typeface="Helvetica"/>
-                <a:cs typeface="Helvetica"/>
-              </a:rPr>
-              <a:t>Chi-</a:t>
-            </a:r>
-            <a:r>
-              <a:rPr lang="en-US" dirty="0" err="1">
-                <a:latin typeface="Helvetica"/>
-                <a:cs typeface="Helvetica"/>
-              </a:rPr>
-              <a:t>raq</a:t>
-            </a:r>
-            <a:r>
-              <a:rPr lang="en-US" dirty="0">
-                <a:latin typeface="Helvetica"/>
-                <a:cs typeface="Helvetica"/>
-              </a:rPr>
-              <a:t> https://upload.wikimedia.org/wikipedia/en/thumb/e/e7/ChiRaqMoviePoster.png/220px-ChiRaqMoviePoster.png</a:t>
-            </a:r>
-          </a:p>
-          <a:p>
-            <a:r>
-              <a:rPr lang="en-US" dirty="0">
-                <a:latin typeface="Helvetica"/>
-                <a:cs typeface="Helvetica"/>
-              </a:rPr>
-              <a:t>Communities - https://upload.wikimedia.org/wikipedia/commons/thumb/2/24/Map_of_the_Community_Areas_and_%27Sides%27_of_the_City_of_Chicago.svg/350px-Map_of_the_Community_Areas_and_%27Sides%27_of_the_City_of_Chicago.svg.png</a:t>
+            <a:pPr marL="0" indent="0">
+              <a:buNone/>
+            </a:pPr>
+            <a:r>
+              <a:rPr lang="en-US" dirty="0" smtClean="0"/>
+              <a:t>City </a:t>
+            </a:r>
+            <a:r>
+              <a:rPr lang="en-US" dirty="0"/>
+              <a:t>of Chicago, </a:t>
+            </a:r>
+            <a:r>
+              <a:rPr lang="en-US" dirty="0" smtClean="0"/>
+              <a:t>“Affordable </a:t>
+            </a:r>
+            <a:r>
+              <a:rPr lang="en-US" dirty="0"/>
+              <a:t>Rental Housing Developments", </a:t>
+            </a:r>
+            <a:r>
+              <a:rPr lang="en-US" dirty="0" smtClean="0"/>
+              <a:t>City </a:t>
+            </a:r>
+            <a:r>
+              <a:rPr lang="en-US" dirty="0"/>
+              <a:t>of Chicago Open Data </a:t>
+            </a:r>
+            <a:r>
+              <a:rPr lang="en-US" dirty="0" smtClean="0"/>
+              <a:t>Project https</a:t>
+            </a:r>
+            <a:r>
+              <a:rPr lang="en-US" dirty="0"/>
+              <a:t>://</a:t>
+            </a:r>
+            <a:r>
+              <a:rPr lang="en-US" dirty="0" err="1"/>
+              <a:t>data.cityofchicago.org</a:t>
+            </a:r>
+            <a:r>
+              <a:rPr lang="en-US" dirty="0"/>
+              <a:t>/Community-Economic-Development/Affordable-Rental-Housing-Developments/s6ha-</a:t>
+            </a:r>
+            <a:r>
+              <a:rPr lang="en-US" dirty="0" smtClean="0"/>
+              <a:t>ppgi , </a:t>
+            </a:r>
+            <a:r>
+              <a:rPr lang="en-US" dirty="0"/>
+              <a:t>May 2017</a:t>
+            </a:r>
+            <a:r>
+              <a:rPr lang="en-US" dirty="0" smtClean="0"/>
+              <a:t>. </a:t>
+            </a:r>
+          </a:p>
+          <a:p>
+            <a:pPr marL="0" indent="0">
+              <a:buNone/>
+            </a:pPr>
+            <a:r>
+              <a:rPr lang="en-US" dirty="0" smtClean="0"/>
+              <a:t>City </a:t>
+            </a:r>
+            <a:r>
+              <a:rPr lang="en-US" dirty="0"/>
+              <a:t>of Chicago, </a:t>
+            </a:r>
+            <a:r>
+              <a:rPr lang="en-US" dirty="0" smtClean="0"/>
+              <a:t>“Average </a:t>
+            </a:r>
+            <a:r>
+              <a:rPr lang="en-US" dirty="0"/>
+              <a:t>Gas Usage per Square Foot by Community Area </a:t>
+            </a:r>
+            <a:r>
+              <a:rPr lang="en-US" dirty="0" smtClean="0"/>
+              <a:t>2010”City </a:t>
+            </a:r>
+            <a:r>
+              <a:rPr lang="en-US" dirty="0"/>
+              <a:t>of Chicago Open Data </a:t>
+            </a:r>
+            <a:r>
+              <a:rPr lang="en-US" dirty="0" smtClean="0"/>
+              <a:t>Project, https</a:t>
+            </a:r>
+            <a:r>
+              <a:rPr lang="en-US" dirty="0"/>
+              <a:t>://</a:t>
+            </a:r>
+            <a:r>
+              <a:rPr lang="en-US" dirty="0" err="1"/>
+              <a:t>data.cityofchicago.org</a:t>
+            </a:r>
+            <a:r>
+              <a:rPr lang="en-US" dirty="0"/>
+              <a:t>/Service-Requests/311-Service-Requests-Graffiti-Removal/hec5-</a:t>
+            </a:r>
+            <a:r>
+              <a:rPr lang="en-US" dirty="0" smtClean="0"/>
+              <a:t>y4x5, May 2017. </a:t>
+            </a:r>
+          </a:p>
+          <a:p>
+            <a:pPr marL="0" indent="0">
+              <a:buNone/>
+            </a:pPr>
+            <a:r>
+              <a:rPr lang="en-US" dirty="0" smtClean="0"/>
+              <a:t>City of Chicago, “Census Data - Selected socioeconomic indicators in Chicago, 2008 to 2012", City of Chicago Open Data Project, https://</a:t>
+            </a:r>
+            <a:r>
+              <a:rPr lang="en-US" dirty="0" err="1" smtClean="0"/>
+              <a:t>data.cityofchicago.org</a:t>
+            </a:r>
+            <a:r>
+              <a:rPr lang="en-US" dirty="0" smtClean="0"/>
+              <a:t>/Health-Human-Services/Census-Data-Selected-socioeconomic-indicators-in-C/kn9c-c2s2, May 2017. </a:t>
+            </a:r>
+          </a:p>
+          <a:p>
+            <a:pPr marL="0" indent="0">
+              <a:buNone/>
+            </a:pPr>
+            <a:r>
+              <a:rPr lang="en-US" dirty="0" smtClean="0"/>
+              <a:t>CMAP </a:t>
+            </a:r>
+            <a:r>
+              <a:rPr lang="en-US" dirty="0"/>
+              <a:t>Data Hub, </a:t>
+            </a:r>
+            <a:r>
+              <a:rPr lang="en-US" dirty="0" smtClean="0"/>
+              <a:t>“2010 </a:t>
+            </a:r>
+            <a:r>
+              <a:rPr lang="en-US" dirty="0"/>
+              <a:t>Census Data Summarized to Chicago Community Area", </a:t>
+            </a:r>
+            <a:r>
+              <a:rPr lang="en-US" dirty="0" smtClean="0"/>
+              <a:t>Chicago </a:t>
+            </a:r>
+            <a:r>
+              <a:rPr lang="en-US" dirty="0"/>
+              <a:t>Metropolitan Agency for </a:t>
+            </a:r>
+            <a:r>
+              <a:rPr lang="en-US" dirty="0" smtClean="0"/>
+              <a:t>Planning, https</a:t>
+            </a:r>
+            <a:r>
+              <a:rPr lang="en-US" dirty="0"/>
+              <a:t>://</a:t>
+            </a:r>
+            <a:r>
+              <a:rPr lang="en-US" dirty="0" err="1"/>
+              <a:t>datahub.cmap.illinois.gov</a:t>
+            </a:r>
+            <a:r>
+              <a:rPr lang="en-US" dirty="0"/>
+              <a:t>/dataset/2010-census-data-summarized-to-chicago-community-areas/resource/b30b47bf-bb0d-46b6-853b-47270fb7f626?inner_span=</a:t>
+            </a:r>
+            <a:r>
+              <a:rPr lang="en-US" dirty="0" smtClean="0"/>
+              <a:t>True, </a:t>
+            </a:r>
+            <a:r>
+              <a:rPr lang="en-US" dirty="0"/>
+              <a:t>May 2017. </a:t>
+            </a:r>
+            <a:endParaRPr lang="en-US" dirty="0" smtClean="0"/>
+          </a:p>
+          <a:p>
+            <a:pPr marL="0" indent="0">
+              <a:buNone/>
+            </a:pPr>
+            <a:r>
+              <a:rPr lang="en-US" dirty="0" err="1" smtClean="0"/>
+              <a:t>Papachristos</a:t>
+            </a:r>
+            <a:r>
+              <a:rPr lang="en-US" dirty="0"/>
+              <a:t>, Andrew V., </a:t>
+            </a:r>
+            <a:r>
+              <a:rPr lang="en-US" dirty="0" smtClean="0"/>
+              <a:t>``48 </a:t>
+            </a:r>
+            <a:r>
+              <a:rPr lang="en-US" dirty="0"/>
+              <a:t>Years of Crime in Chicago: An Analysis of of Serious Crime Trends from 1965-2013", </a:t>
+            </a:r>
+            <a:r>
+              <a:rPr lang="en-US" dirty="0" smtClean="0"/>
+              <a:t>http</a:t>
+            </a:r>
+            <a:r>
+              <a:rPr lang="en-US" dirty="0"/>
+              <a:t>://</a:t>
+            </a:r>
+            <a:r>
+              <a:rPr lang="en-US" dirty="0" err="1"/>
+              <a:t>isps.yale.edu</a:t>
+            </a:r>
+            <a:r>
+              <a:rPr lang="en-US" dirty="0"/>
+              <a:t>/sites/default/</a:t>
+            </a:r>
+            <a:r>
+              <a:rPr lang="en-US" dirty="0" smtClean="0"/>
+              <a:t>files publication2013</a:t>
+            </a:r>
+            <a:r>
+              <a:rPr lang="en-US" dirty="0"/>
+              <a:t>/12/48yearsofcrime_final_ispsworkingpaper023.pdf}, December 2013. </a:t>
+            </a:r>
+            <a:endParaRPr lang="en-US" dirty="0" smtClean="0"/>
+          </a:p>
+          <a:p>
+            <a:pPr marL="0" indent="0">
+              <a:buNone/>
+            </a:pPr>
+            <a:r>
+              <a:rPr lang="en-US" dirty="0" smtClean="0"/>
+              <a:t>Pearson</a:t>
+            </a:r>
+            <a:r>
+              <a:rPr lang="en-US" dirty="0"/>
+              <a:t>, Rick, ``Trump Again Assails Chicago gun violence in speech to Congress", </a:t>
+            </a:r>
+            <a:r>
+              <a:rPr lang="en-US" dirty="0" smtClean="0"/>
+              <a:t>Chicago Tribune, http</a:t>
+            </a:r>
+            <a:r>
+              <a:rPr lang="en-US" dirty="0"/>
+              <a:t>://</a:t>
+            </a:r>
+            <a:r>
+              <a:rPr lang="en-US" dirty="0" err="1"/>
+              <a:t>www.chicagotribune.com</a:t>
+            </a:r>
+            <a:r>
+              <a:rPr lang="en-US" dirty="0"/>
+              <a:t>/news/local/politics/ct-donald-trump-congress-speech-chicago-met-20170228-</a:t>
+            </a:r>
+            <a:r>
+              <a:rPr lang="en-US" dirty="0" smtClean="0"/>
+              <a:t>story.html, </a:t>
+            </a:r>
+            <a:r>
+              <a:rPr lang="en-US" dirty="0"/>
+              <a:t>March 2017.</a:t>
             </a:r>
           </a:p>
         </p:txBody>
